--- a/Exercises/20245360_CHUNG_QUANG_KHANH_Term_Project/20245360_CHUNG_QUANG_KHANH_Optimal_Control.pptx
+++ b/Exercises/20245360_CHUNG_QUANG_KHANH_Term_Project/20245360_CHUNG_QUANG_KHANH_Optimal_Control.pptx
@@ -17843,8 +17843,8 @@
           </a:p>
         </p:txBody>
       </p:sp>
-      <mc:AlternateContent xmlns:mc="http://schemas.openxmlformats.org/markup-compatibility/2006" xmlns:a14="http://schemas.microsoft.com/office/drawing/2010/main">
-        <mc:Choice Requires="a14">
+      <mc:AlternateContent xmlns:mc="http://schemas.openxmlformats.org/markup-compatibility/2006">
+        <mc:Choice xmlns:a14="http://schemas.microsoft.com/office/drawing/2010/main" Requires="a14">
           <p:sp>
             <p:nvSpPr>
               <p:cNvPr id="5" name="Content Placeholder 4">
@@ -18253,7 +18253,7 @@
             </p:txBody>
           </p:sp>
         </mc:Choice>
-        <mc:Fallback xmlns="">
+        <mc:Fallback>
           <p:sp>
             <p:nvSpPr>
               <p:cNvPr id="5" name="Content Placeholder 4">

--- a/Exercises/20245360_CHUNG_QUANG_KHANH_Term_Project/20245360_CHUNG_QUANG_KHANH_Optimal_Control.pptx
+++ b/Exercises/20245360_CHUNG_QUANG_KHANH_Term_Project/20245360_CHUNG_QUANG_KHANH_Optimal_Control.pptx
@@ -5,7 +5,7 @@
     <p:sldMasterId id="2147483660" r:id="rId1"/>
   </p:sldMasterIdLst>
   <p:notesMasterIdLst>
-    <p:notesMasterId r:id="rId15"/>
+    <p:notesMasterId r:id="rId19"/>
   </p:notesMasterIdLst>
   <p:sldIdLst>
     <p:sldId id="282" r:id="rId2"/>
@@ -18,9 +18,13 @@
     <p:sldId id="323" r:id="rId9"/>
     <p:sldId id="324" r:id="rId10"/>
     <p:sldId id="441" r:id="rId11"/>
-    <p:sldId id="325" r:id="rId12"/>
-    <p:sldId id="442" r:id="rId13"/>
-    <p:sldId id="443" r:id="rId14"/>
+    <p:sldId id="445" r:id="rId12"/>
+    <p:sldId id="325" r:id="rId13"/>
+    <p:sldId id="444" r:id="rId14"/>
+    <p:sldId id="446" r:id="rId15"/>
+    <p:sldId id="447" r:id="rId16"/>
+    <p:sldId id="442" r:id="rId17"/>
+    <p:sldId id="443" r:id="rId18"/>
   </p:sldIdLst>
   <p:sldSz cx="12192000" cy="6858000"/>
   <p:notesSz cx="6858000" cy="9144000"/>
@@ -134,7 +138,11 @@
             <p14:sldId id="323"/>
             <p14:sldId id="324"/>
             <p14:sldId id="441"/>
+            <p14:sldId id="445"/>
             <p14:sldId id="325"/>
+            <p14:sldId id="444"/>
+            <p14:sldId id="446"/>
+            <p14:sldId id="447"/>
             <p14:sldId id="442"/>
             <p14:sldId id="443"/>
           </p14:sldIdLst>
@@ -3344,7 +3352,7 @@
           <a:p>
             <a:fld id="{A6FF4BB7-400C-47DC-9549-A0243A7AD47A}" type="datetimeFigureOut">
               <a:rPr lang="en-US" smtClean="0"/>
-              <a:t>2025-05-14</a:t>
+              <a:t>2025-06-03</a:t>
             </a:fld>
             <a:endParaRPr lang="en-US"/>
           </a:p>
@@ -3703,6 +3711,496 @@
   <p:cSld>
     <p:spTree>
       <p:nvGrpSpPr>
+        <p:cNvPr id="1" name="">
+          <a:extLst>
+            <a:ext uri="{FF2B5EF4-FFF2-40B4-BE49-F238E27FC236}">
+              <a16:creationId xmlns:a16="http://schemas.microsoft.com/office/drawing/2014/main" id="{D5A1DB86-8BEB-313C-D380-658289DD7651}"/>
+            </a:ext>
+          </a:extLst>
+        </p:cNvPr>
+        <p:cNvGrpSpPr/>
+        <p:nvPr/>
+      </p:nvGrpSpPr>
+      <p:grpSpPr>
+        <a:xfrm>
+          <a:off x="0" y="0"/>
+          <a:ext cx="0" cy="0"/>
+          <a:chOff x="0" y="0"/>
+          <a:chExt cx="0" cy="0"/>
+        </a:xfrm>
+      </p:grpSpPr>
+      <p:sp>
+        <p:nvSpPr>
+          <p:cNvPr id="2" name="Slide Image Placeholder 1">
+            <a:extLst>
+              <a:ext uri="{FF2B5EF4-FFF2-40B4-BE49-F238E27FC236}">
+                <a16:creationId xmlns:a16="http://schemas.microsoft.com/office/drawing/2014/main" id="{3B1E8FFE-BF0C-C0D2-6273-752BECE08CDF}"/>
+              </a:ext>
+            </a:extLst>
+          </p:cNvPr>
+          <p:cNvSpPr>
+            <a:spLocks noGrp="1" noRot="1" noChangeAspect="1"/>
+          </p:cNvSpPr>
+          <p:nvPr>
+            <p:ph type="sldImg"/>
+          </p:nvPr>
+        </p:nvSpPr>
+        <p:spPr/>
+      </p:sp>
+      <mc:AlternateContent xmlns:mc="http://schemas.openxmlformats.org/markup-compatibility/2006" xmlns:a14="http://schemas.microsoft.com/office/drawing/2010/main">
+        <mc:Choice Requires="a14">
+          <p:sp>
+            <p:nvSpPr>
+              <p:cNvPr id="3" name="Notes Placeholder 2">
+                <a:extLst>
+                  <a:ext uri="{FF2B5EF4-FFF2-40B4-BE49-F238E27FC236}">
+                    <a16:creationId xmlns:a16="http://schemas.microsoft.com/office/drawing/2014/main" id="{71CE056C-44EA-A6D8-3769-F70B19457592}"/>
+                  </a:ext>
+                </a:extLst>
+              </p:cNvPr>
+              <p:cNvSpPr>
+                <a:spLocks noGrp="1"/>
+              </p:cNvSpPr>
+              <p:nvPr>
+                <p:ph type="body" idx="1"/>
+              </p:nvPr>
+            </p:nvSpPr>
+            <p:spPr/>
+            <p:txBody>
+              <a:bodyPr/>
+              <a:lstStyle/>
+              <a:p>
+                <a:endParaRPr lang="en-US" dirty="0">
+                  <a:latin typeface="Times New Roman" panose="02020603050405020304" pitchFamily="18" charset="0"/>
+                  <a:cs typeface="Times New Roman" panose="02020603050405020304" pitchFamily="18" charset="0"/>
+                </a:endParaRPr>
+              </a:p>
+            </p:txBody>
+          </p:sp>
+        </mc:Choice>
+        <mc:Fallback xmlns="">
+          <p:sp>
+            <p:nvSpPr>
+              <p:cNvPr id="3" name="Notes Placeholder 2"/>
+              <p:cNvSpPr>
+                <a:spLocks noGrp="1"/>
+              </p:cNvSpPr>
+              <p:nvPr>
+                <p:ph type="body" idx="1"/>
+              </p:nvPr>
+            </p:nvSpPr>
+            <p:spPr/>
+            <p:txBody>
+              <a:bodyPr/>
+              <a:lstStyle/>
+              <a:p>
+                <a:r>
+                  <a:rPr lang="en-US" sz="1200" b="0" i="0" kern="1200" dirty="0">
+                    <a:solidFill>
+                      <a:schemeClr val="tx1"/>
+                    </a:solidFill>
+                    <a:effectLst/>
+                    <a:latin typeface="Times New Roman" panose="02020603050405020304" pitchFamily="18" charset="0"/>
+                    <a:ea typeface="+mn-ea"/>
+                    <a:cs typeface="Times New Roman" panose="02020603050405020304" pitchFamily="18" charset="0"/>
+                  </a:rPr>
+                  <a:t>For binary classification, the basic</a:t>
+                </a:r>
+                <a:r>
+                  <a:rPr lang="en-US" dirty="0">
+                    <a:latin typeface="Times New Roman" panose="02020603050405020304" pitchFamily="18" charset="0"/>
+                    <a:cs typeface="Times New Roman" panose="02020603050405020304" pitchFamily="18" charset="0"/>
+                  </a:rPr>
+                  <a:t> </a:t>
+                </a:r>
+                <a:r>
+                  <a:rPr lang="en-US" sz="1200" b="0" i="0" kern="1200" dirty="0">
+                    <a:solidFill>
+                      <a:schemeClr val="tx1"/>
+                    </a:solidFill>
+                    <a:effectLst/>
+                    <a:latin typeface="Times New Roman" panose="02020603050405020304" pitchFamily="18" charset="0"/>
+                    <a:ea typeface="+mn-ea"/>
+                    <a:cs typeface="Times New Roman" panose="02020603050405020304" pitchFamily="18" charset="0"/>
+                  </a:rPr>
+                  <a:t>idea of SVM is to find an hyper-plane which separates positive and negative training observations and maximizes the</a:t>
+                </a:r>
+                <a:br>
+                  <a:rPr lang="en-US" sz="1200" b="0" i="0" kern="1200" dirty="0">
+                    <a:solidFill>
+                      <a:schemeClr val="tx1"/>
+                    </a:solidFill>
+                    <a:effectLst/>
+                    <a:latin typeface="Times New Roman" panose="02020603050405020304" pitchFamily="18" charset="0"/>
+                    <a:ea typeface="+mn-ea"/>
+                    <a:cs typeface="Times New Roman" panose="02020603050405020304" pitchFamily="18" charset="0"/>
+                  </a:rPr>
+                </a:br>
+                <a:r>
+                  <a:rPr lang="en-US" sz="1200" b="0" i="0" kern="1200" dirty="0">
+                    <a:solidFill>
+                      <a:schemeClr val="tx1"/>
+                    </a:solidFill>
+                    <a:effectLst/>
+                    <a:latin typeface="Times New Roman" panose="02020603050405020304" pitchFamily="18" charset="0"/>
+                    <a:ea typeface="+mn-ea"/>
+                    <a:cs typeface="Times New Roman" panose="02020603050405020304" pitchFamily="18" charset="0"/>
+                  </a:rPr>
+                  <a:t>margin between these observations and the hyper-plane. </a:t>
+                </a:r>
+              </a:p>
+              <a:p>
+                <a:r>
+                  <a:rPr lang="en-US" sz="1200" b="0" i="0" kern="1200" dirty="0">
+                    <a:solidFill>
+                      <a:schemeClr val="tx1"/>
+                    </a:solidFill>
+                    <a:effectLst/>
+                    <a:latin typeface="Times New Roman" panose="02020603050405020304" pitchFamily="18" charset="0"/>
+                    <a:ea typeface="+mn-ea"/>
+                    <a:cs typeface="Times New Roman" panose="02020603050405020304" pitchFamily="18" charset="0"/>
+                  </a:rPr>
+                  <a:t>Linear kernel: </a:t>
+                </a:r>
+                <a:r>
+                  <a:rPr lang="en-US" sz="1200" b="0" i="0" kern="1200" dirty="0">
+                    <a:solidFill>
+                      <a:schemeClr val="tx1"/>
+                    </a:solidFill>
+                    <a:effectLst/>
+                    <a:latin typeface="Cambria Math" panose="02040503050406030204" pitchFamily="18" charset="0"/>
+                    <a:ea typeface="+mn-ea"/>
+                    <a:cs typeface="+mn-cs"/>
+                  </a:rPr>
+                  <a:t>𝐾(</a:t>
+                </a:r>
+                <a:r>
+                  <a:rPr lang="en-US" sz="1200" b="0" i="0" kern="1200" dirty="0" err="1">
+                    <a:solidFill>
+                      <a:schemeClr val="tx1"/>
+                    </a:solidFill>
+                    <a:effectLst/>
+                    <a:latin typeface="Cambria Math" panose="02040503050406030204" pitchFamily="18" charset="0"/>
+                    <a:ea typeface="+mn-ea"/>
+                    <a:cs typeface="+mn-cs"/>
+                  </a:rPr>
+                  <a:t>𝑥</a:t>
+                </a:r>
+                <a:r>
+                  <a:rPr lang="en-US" sz="1200" b="0" i="0" kern="1200" baseline="-25000" dirty="0" err="1">
+                    <a:solidFill>
+                      <a:schemeClr val="tx1"/>
+                    </a:solidFill>
+                    <a:effectLst/>
+                    <a:latin typeface="Cambria Math" panose="02040503050406030204" pitchFamily="18" charset="0"/>
+                    <a:ea typeface="+mn-ea"/>
+                    <a:cs typeface="+mn-cs"/>
+                  </a:rPr>
+                  <a:t>𝑖</a:t>
+                </a:r>
+                <a:r>
+                  <a:rPr lang="en-US" sz="1200" b="0" i="0" kern="1200" baseline="0" dirty="0" err="1">
+                    <a:solidFill>
+                      <a:schemeClr val="tx1"/>
+                    </a:solidFill>
+                    <a:effectLst/>
+                    <a:latin typeface="Cambria Math" panose="02040503050406030204" pitchFamily="18" charset="0"/>
+                    <a:ea typeface="+mn-ea"/>
+                    <a:cs typeface="+mn-cs"/>
+                  </a:rPr>
+                  <a:t>,𝑥</a:t>
+                </a:r>
+                <a:r>
+                  <a:rPr lang="en-US" sz="1200" b="0" i="0" kern="1200" dirty="0">
+                    <a:solidFill>
+                      <a:schemeClr val="tx1"/>
+                    </a:solidFill>
+                    <a:effectLst/>
+                    <a:latin typeface="Cambria Math" panose="02040503050406030204" pitchFamily="18" charset="0"/>
+                    <a:ea typeface="+mn-ea"/>
+                    <a:cs typeface="+mn-cs"/>
+                  </a:rPr>
+                  <a:t>)=</a:t>
+                </a:r>
+                <a:r>
+                  <a:rPr lang="en-US" sz="1200" b="0" i="0" kern="1200" dirty="0" err="1">
+                    <a:solidFill>
+                      <a:schemeClr val="tx1"/>
+                    </a:solidFill>
+                    <a:effectLst/>
+                    <a:latin typeface="Cambria Math" panose="02040503050406030204" pitchFamily="18" charset="0"/>
+                    <a:ea typeface="+mn-ea"/>
+                    <a:cs typeface="+mn-cs"/>
+                  </a:rPr>
+                  <a:t>𝑥</a:t>
+                </a:r>
+                <a:r>
+                  <a:rPr lang="en-US" sz="1200" b="0" i="0" kern="1200" baseline="-25000" dirty="0" err="1">
+                    <a:solidFill>
+                      <a:schemeClr val="tx1"/>
+                    </a:solidFill>
+                    <a:effectLst/>
+                    <a:latin typeface="Cambria Math" panose="02040503050406030204" pitchFamily="18" charset="0"/>
+                    <a:ea typeface="+mn-ea"/>
+                    <a:cs typeface="+mn-cs"/>
+                  </a:rPr>
+                  <a:t>𝑖</a:t>
+                </a:r>
+                <a:r>
+                  <a:rPr lang="en-US" sz="1200" b="0" i="0" kern="1200" baseline="30000" dirty="0" err="1">
+                    <a:solidFill>
+                      <a:schemeClr val="tx1"/>
+                    </a:solidFill>
+                    <a:effectLst/>
+                    <a:latin typeface="Cambria Math" panose="02040503050406030204" pitchFamily="18" charset="0"/>
+                    <a:ea typeface="+mn-ea"/>
+                    <a:cs typeface="+mn-cs"/>
+                  </a:rPr>
+                  <a:t>𝑇</a:t>
+                </a:r>
+                <a:r>
+                  <a:rPr lang="en-US" sz="1200" b="0" i="0" kern="1200" baseline="0" dirty="0" err="1">
+                    <a:solidFill>
+                      <a:schemeClr val="tx1"/>
+                    </a:solidFill>
+                    <a:effectLst/>
+                    <a:latin typeface="Cambria Math" panose="02040503050406030204" pitchFamily="18" charset="0"/>
+                    <a:ea typeface="+mn-ea"/>
+                    <a:cs typeface="+mn-cs"/>
+                  </a:rPr>
+                  <a:t>.𝑥</a:t>
+                </a:r>
+                <a:endParaRPr lang="en-US" sz="1200" b="0" i="0" kern="1200" baseline="0" dirty="0">
+                  <a:solidFill>
+                    <a:schemeClr val="tx1"/>
+                  </a:solidFill>
+                  <a:effectLst/>
+                  <a:latin typeface="Times New Roman" panose="02020603050405020304" pitchFamily="18" charset="0"/>
+                  <a:ea typeface="+mn-ea"/>
+                  <a:cs typeface="Times New Roman" panose="02020603050405020304" pitchFamily="18" charset="0"/>
+                </a:endParaRPr>
+              </a:p>
+              <a:p>
+                <a:r>
+                  <a:rPr lang="en-US" sz="1200" b="0" i="0" kern="1200" baseline="0" dirty="0">
+                    <a:solidFill>
+                      <a:schemeClr val="tx1"/>
+                    </a:solidFill>
+                    <a:effectLst/>
+                    <a:latin typeface="Times New Roman" panose="02020603050405020304" pitchFamily="18" charset="0"/>
+                    <a:ea typeface="+mn-ea"/>
+                    <a:cs typeface="Times New Roman" panose="02020603050405020304" pitchFamily="18" charset="0"/>
+                  </a:rPr>
+                  <a:t>Polynomial kernel:</a:t>
+                </a:r>
+                <a:r>
+                  <a:rPr lang="en-US" sz="1200" b="0" i="0" kern="1200" dirty="0">
+                    <a:solidFill>
+                      <a:schemeClr val="tx1"/>
+                    </a:solidFill>
+                    <a:effectLst/>
+                    <a:latin typeface="Cambria Math" panose="02040503050406030204" pitchFamily="18" charset="0"/>
+                    <a:ea typeface="+mn-ea"/>
+                    <a:cs typeface="+mn-cs"/>
+                  </a:rPr>
+                  <a:t> 𝐾(</a:t>
+                </a:r>
+                <a:r>
+                  <a:rPr lang="en-US" sz="1200" b="0" i="0" kern="1200" dirty="0" err="1">
+                    <a:solidFill>
+                      <a:schemeClr val="tx1"/>
+                    </a:solidFill>
+                    <a:effectLst/>
+                    <a:latin typeface="Cambria Math" panose="02040503050406030204" pitchFamily="18" charset="0"/>
+                    <a:ea typeface="+mn-ea"/>
+                    <a:cs typeface="+mn-cs"/>
+                  </a:rPr>
+                  <a:t>𝑥</a:t>
+                </a:r>
+                <a:r>
+                  <a:rPr lang="en-US" sz="1200" b="0" i="0" kern="1200" baseline="-25000" dirty="0" err="1">
+                    <a:solidFill>
+                      <a:schemeClr val="tx1"/>
+                    </a:solidFill>
+                    <a:effectLst/>
+                    <a:latin typeface="Cambria Math" panose="02040503050406030204" pitchFamily="18" charset="0"/>
+                    <a:ea typeface="+mn-ea"/>
+                    <a:cs typeface="+mn-cs"/>
+                  </a:rPr>
+                  <a:t>𝑖</a:t>
+                </a:r>
+                <a:r>
+                  <a:rPr lang="en-US" sz="1200" b="0" i="0" kern="1200" baseline="0" dirty="0" err="1">
+                    <a:solidFill>
+                      <a:schemeClr val="tx1"/>
+                    </a:solidFill>
+                    <a:effectLst/>
+                    <a:latin typeface="Cambria Math" panose="02040503050406030204" pitchFamily="18" charset="0"/>
+                    <a:ea typeface="+mn-ea"/>
+                    <a:cs typeface="+mn-cs"/>
+                  </a:rPr>
+                  <a:t>,𝑥</a:t>
+                </a:r>
+                <a:r>
+                  <a:rPr lang="en-US" sz="1200" b="0" i="0" kern="1200" baseline="0" dirty="0">
+                    <a:solidFill>
+                      <a:schemeClr val="tx1"/>
+                    </a:solidFill>
+                    <a:effectLst/>
+                    <a:latin typeface="Cambria Math" panose="02040503050406030204" pitchFamily="18" charset="0"/>
+                    <a:ea typeface="+mn-ea"/>
+                    <a:cs typeface="+mn-cs"/>
+                  </a:rPr>
+                  <a:t>)"</a:t>
+                </a:r>
+                <a:r>
+                  <a:rPr lang="en-US" sz="1200" b="0" i="0" kern="1200" dirty="0">
+                    <a:solidFill>
+                      <a:schemeClr val="tx1"/>
+                    </a:solidFill>
+                    <a:effectLst/>
+                    <a:latin typeface="Cambria Math" panose="02040503050406030204" pitchFamily="18" charset="0"/>
+                    <a:ea typeface="+mn-ea"/>
+                    <a:cs typeface="Times New Roman" panose="02020603050405020304" pitchFamily="18" charset="0"/>
+                  </a:rPr>
+                  <a:t>=</a:t>
+                </a:r>
+                <a:r>
+                  <a:rPr lang="en-US" sz="1200" b="0" i="0" kern="1200" dirty="0">
+                    <a:solidFill>
+                      <a:schemeClr val="tx1"/>
+                    </a:solidFill>
+                    <a:effectLst/>
+                    <a:latin typeface="Cambria Math" panose="02040503050406030204" pitchFamily="18" charset="0"/>
+                    <a:ea typeface="+mn-ea"/>
+                    <a:cs typeface="+mn-cs"/>
+                  </a:rPr>
+                  <a:t>" (</a:t>
+                </a:r>
+                <a:r>
+                  <a:rPr lang="en-US" sz="1200" b="0" i="0" kern="1200" dirty="0">
+                    <a:solidFill>
+                      <a:schemeClr val="tx1"/>
+                    </a:solidFill>
+                    <a:effectLst/>
+                    <a:latin typeface="Cambria Math" panose="02040503050406030204" pitchFamily="18" charset="0"/>
+                    <a:ea typeface="Cambria Math" panose="02040503050406030204" pitchFamily="18" charset="0"/>
+                    <a:cs typeface="+mn-cs"/>
+                  </a:rPr>
+                  <a:t>𝛾〖.𝑥〗_𝑖^𝑇.𝑥+𝑟</a:t>
+                </a:r>
+                <a:r>
+                  <a:rPr lang="en-US" sz="1200" b="0" i="0" kern="1200" dirty="0">
+                    <a:solidFill>
+                      <a:schemeClr val="tx1"/>
+                    </a:solidFill>
+                    <a:effectLst/>
+                    <a:latin typeface="Cambria Math" panose="02040503050406030204" pitchFamily="18" charset="0"/>
+                    <a:ea typeface="+mn-ea"/>
+                    <a:cs typeface="+mn-cs"/>
+                  </a:rPr>
+                  <a:t>)^𝑑,</a:t>
+                </a:r>
+                <a:r>
+                  <a:rPr lang="en-US" sz="1200" b="0" i="0" kern="1200" dirty="0">
+                    <a:solidFill>
+                      <a:schemeClr val="tx1"/>
+                    </a:solidFill>
+                    <a:effectLst/>
+                    <a:latin typeface="Cambria Math" panose="02040503050406030204" pitchFamily="18" charset="0"/>
+                    <a:ea typeface="Cambria Math" panose="02040503050406030204" pitchFamily="18" charset="0"/>
+                    <a:cs typeface="+mn-cs"/>
+                  </a:rPr>
+                  <a:t>𝛾</a:t>
+                </a:r>
+                <a:r>
+                  <a:rPr lang="en-US" dirty="0">
+                    <a:latin typeface="Times New Roman" panose="02020603050405020304" pitchFamily="18" charset="0"/>
+                    <a:cs typeface="Times New Roman" panose="02020603050405020304" pitchFamily="18" charset="0"/>
+                  </a:rPr>
+                  <a:t>&gt;0. </a:t>
+                </a:r>
+                <a:r>
+                  <a:rPr lang="en-US" sz="1200" b="0" i="0" kern="1200" dirty="0">
+                    <a:solidFill>
+                      <a:schemeClr val="tx1"/>
+                    </a:solidFill>
+                    <a:effectLst/>
+                    <a:latin typeface="Cambria Math" panose="02040503050406030204" pitchFamily="18" charset="0"/>
+                    <a:ea typeface="Cambria Math" panose="02040503050406030204" pitchFamily="18" charset="0"/>
+                    <a:cs typeface="+mn-cs"/>
+                  </a:rPr>
+                  <a:t>𝛾, 𝑟 </a:t>
+                </a:r>
+                <a:r>
+                  <a:rPr lang="en-US" dirty="0">
+                    <a:latin typeface="Times New Roman" panose="02020603050405020304" pitchFamily="18" charset="0"/>
+                    <a:cs typeface="Times New Roman" panose="02020603050405020304" pitchFamily="18" charset="0"/>
+                  </a:rPr>
+                  <a:t>and d parameters of the kernel function.</a:t>
+                </a:r>
+                <a:br>
+                  <a:rPr lang="en-US" dirty="0">
+                    <a:latin typeface="Times New Roman" panose="02020603050405020304" pitchFamily="18" charset="0"/>
+                    <a:cs typeface="Times New Roman" panose="02020603050405020304" pitchFamily="18" charset="0"/>
+                  </a:rPr>
+                </a:br>
+                <a:endParaRPr lang="en-US" dirty="0">
+                  <a:latin typeface="Times New Roman" panose="02020603050405020304" pitchFamily="18" charset="0"/>
+                  <a:cs typeface="Times New Roman" panose="02020603050405020304" pitchFamily="18" charset="0"/>
+                </a:endParaRPr>
+              </a:p>
+            </p:txBody>
+          </p:sp>
+        </mc:Fallback>
+      </mc:AlternateContent>
+      <p:sp>
+        <p:nvSpPr>
+          <p:cNvPr id="4" name="Slide Number Placeholder 3">
+            <a:extLst>
+              <a:ext uri="{FF2B5EF4-FFF2-40B4-BE49-F238E27FC236}">
+                <a16:creationId xmlns:a16="http://schemas.microsoft.com/office/drawing/2014/main" id="{3B76CFFC-FDD6-C2DF-4216-9A8BA11AE9B0}"/>
+              </a:ext>
+            </a:extLst>
+          </p:cNvPr>
+          <p:cNvSpPr>
+            <a:spLocks noGrp="1"/>
+          </p:cNvSpPr>
+          <p:nvPr>
+            <p:ph type="sldNum" sz="quarter" idx="10"/>
+          </p:nvPr>
+        </p:nvSpPr>
+        <p:spPr/>
+        <p:txBody>
+          <a:bodyPr/>
+          <a:lstStyle/>
+          <a:p>
+            <a:fld id="{DCB82D92-0755-4B0E-90A0-D65A6B50ACE9}" type="slidenum">
+              <a:rPr lang="en-US" smtClean="0"/>
+              <a:t>11</a:t>
+            </a:fld>
+            <a:endParaRPr lang="en-US"/>
+          </a:p>
+        </p:txBody>
+      </p:sp>
+    </p:spTree>
+    <p:extLst>
+      <p:ext uri="{BB962C8B-B14F-4D97-AF65-F5344CB8AC3E}">
+        <p14:creationId xmlns:p14="http://schemas.microsoft.com/office/powerpoint/2010/main" val="1983124178"/>
+      </p:ext>
+    </p:extLst>
+  </p:cSld>
+  <p:clrMapOvr>
+    <a:masterClrMapping/>
+  </p:clrMapOvr>
+</p:notes>
+</file>
+
+<file path=ppt/notesSlides/notesSlide11.xml><?xml version="1.0" encoding="utf-8"?>
+<p:notes xmlns:a="http://schemas.openxmlformats.org/drawingml/2006/main" xmlns:r="http://schemas.openxmlformats.org/officeDocument/2006/relationships" xmlns:p="http://schemas.openxmlformats.org/presentationml/2006/main">
+  <p:cSld>
+    <p:spTree>
+      <p:nvGrpSpPr>
         <p:cNvPr id="1" name=""/>
         <p:cNvGrpSpPr/>
         <p:nvPr/>
@@ -4145,7 +4643,7 @@
           <a:p>
             <a:fld id="{DCB82D92-0755-4B0E-90A0-D65A6B50ACE9}" type="slidenum">
               <a:rPr lang="en-US" smtClean="0"/>
-              <a:t>11</a:t>
+              <a:t>12</a:t>
             </a:fld>
             <a:endParaRPr lang="en-US"/>
           </a:p>
@@ -4164,7 +4662,1477 @@
 </p:notes>
 </file>
 
-<file path=ppt/notesSlides/notesSlide11.xml><?xml version="1.0" encoding="utf-8"?>
+<file path=ppt/notesSlides/notesSlide12.xml><?xml version="1.0" encoding="utf-8"?>
+<p:notes xmlns:a="http://schemas.openxmlformats.org/drawingml/2006/main" xmlns:r="http://schemas.openxmlformats.org/officeDocument/2006/relationships" xmlns:p="http://schemas.openxmlformats.org/presentationml/2006/main">
+  <p:cSld>
+    <p:spTree>
+      <p:nvGrpSpPr>
+        <p:cNvPr id="1" name="">
+          <a:extLst>
+            <a:ext uri="{FF2B5EF4-FFF2-40B4-BE49-F238E27FC236}">
+              <a16:creationId xmlns:a16="http://schemas.microsoft.com/office/drawing/2014/main" id="{F0452F37-8233-5CDD-B08A-E590AE4C1F7D}"/>
+            </a:ext>
+          </a:extLst>
+        </p:cNvPr>
+        <p:cNvGrpSpPr/>
+        <p:nvPr/>
+      </p:nvGrpSpPr>
+      <p:grpSpPr>
+        <a:xfrm>
+          <a:off x="0" y="0"/>
+          <a:ext cx="0" cy="0"/>
+          <a:chOff x="0" y="0"/>
+          <a:chExt cx="0" cy="0"/>
+        </a:xfrm>
+      </p:grpSpPr>
+      <p:sp>
+        <p:nvSpPr>
+          <p:cNvPr id="2" name="Slide Image Placeholder 1">
+            <a:extLst>
+              <a:ext uri="{FF2B5EF4-FFF2-40B4-BE49-F238E27FC236}">
+                <a16:creationId xmlns:a16="http://schemas.microsoft.com/office/drawing/2014/main" id="{A66F342C-4E39-16C6-CCCA-18103A3C10E3}"/>
+              </a:ext>
+            </a:extLst>
+          </p:cNvPr>
+          <p:cNvSpPr>
+            <a:spLocks noGrp="1" noRot="1" noChangeAspect="1"/>
+          </p:cNvSpPr>
+          <p:nvPr>
+            <p:ph type="sldImg"/>
+          </p:nvPr>
+        </p:nvSpPr>
+        <p:spPr/>
+      </p:sp>
+      <mc:AlternateContent xmlns:mc="http://schemas.openxmlformats.org/markup-compatibility/2006" xmlns:a14="http://schemas.microsoft.com/office/drawing/2010/main">
+        <mc:Choice Requires="a14">
+          <p:sp>
+            <p:nvSpPr>
+              <p:cNvPr id="3" name="Notes Placeholder 2">
+                <a:extLst>
+                  <a:ext uri="{FF2B5EF4-FFF2-40B4-BE49-F238E27FC236}">
+                    <a16:creationId xmlns:a16="http://schemas.microsoft.com/office/drawing/2014/main" id="{7B2F3E01-E2F2-BF8B-212F-8E3F54AFE3EA}"/>
+                  </a:ext>
+                </a:extLst>
+              </p:cNvPr>
+              <p:cNvSpPr>
+                <a:spLocks noGrp="1"/>
+              </p:cNvSpPr>
+              <p:nvPr>
+                <p:ph type="body" idx="1"/>
+              </p:nvPr>
+            </p:nvSpPr>
+            <p:spPr/>
+            <p:txBody>
+              <a:bodyPr/>
+              <a:lstStyle/>
+              <a:p>
+                <a:endParaRPr lang="en-US" dirty="0">
+                  <a:latin typeface="Times New Roman" panose="02020603050405020304" pitchFamily="18" charset="0"/>
+                  <a:cs typeface="Times New Roman" panose="02020603050405020304" pitchFamily="18" charset="0"/>
+                </a:endParaRPr>
+              </a:p>
+            </p:txBody>
+          </p:sp>
+        </mc:Choice>
+        <mc:Fallback xmlns="">
+          <p:sp>
+            <p:nvSpPr>
+              <p:cNvPr id="3" name="Notes Placeholder 2"/>
+              <p:cNvSpPr>
+                <a:spLocks noGrp="1"/>
+              </p:cNvSpPr>
+              <p:nvPr>
+                <p:ph type="body" idx="1"/>
+              </p:nvPr>
+            </p:nvSpPr>
+            <p:spPr/>
+            <p:txBody>
+              <a:bodyPr/>
+              <a:lstStyle/>
+              <a:p>
+                <a:r>
+                  <a:rPr lang="en-US" sz="1200" b="0" i="0" kern="1200" dirty="0">
+                    <a:solidFill>
+                      <a:schemeClr val="tx1"/>
+                    </a:solidFill>
+                    <a:effectLst/>
+                    <a:latin typeface="Times New Roman" panose="02020603050405020304" pitchFamily="18" charset="0"/>
+                    <a:ea typeface="+mn-ea"/>
+                    <a:cs typeface="Times New Roman" panose="02020603050405020304" pitchFamily="18" charset="0"/>
+                  </a:rPr>
+                  <a:t>For binary classification, the basic</a:t>
+                </a:r>
+                <a:r>
+                  <a:rPr lang="en-US" dirty="0">
+                    <a:latin typeface="Times New Roman" panose="02020603050405020304" pitchFamily="18" charset="0"/>
+                    <a:cs typeface="Times New Roman" panose="02020603050405020304" pitchFamily="18" charset="0"/>
+                  </a:rPr>
+                  <a:t> </a:t>
+                </a:r>
+                <a:r>
+                  <a:rPr lang="en-US" sz="1200" b="0" i="0" kern="1200" dirty="0">
+                    <a:solidFill>
+                      <a:schemeClr val="tx1"/>
+                    </a:solidFill>
+                    <a:effectLst/>
+                    <a:latin typeface="Times New Roman" panose="02020603050405020304" pitchFamily="18" charset="0"/>
+                    <a:ea typeface="+mn-ea"/>
+                    <a:cs typeface="Times New Roman" panose="02020603050405020304" pitchFamily="18" charset="0"/>
+                  </a:rPr>
+                  <a:t>idea of SVM is to find an hyper-plane which separates positive and negative training observations and maximizes the</a:t>
+                </a:r>
+                <a:br>
+                  <a:rPr lang="en-US" sz="1200" b="0" i="0" kern="1200" dirty="0">
+                    <a:solidFill>
+                      <a:schemeClr val="tx1"/>
+                    </a:solidFill>
+                    <a:effectLst/>
+                    <a:latin typeface="Times New Roman" panose="02020603050405020304" pitchFamily="18" charset="0"/>
+                    <a:ea typeface="+mn-ea"/>
+                    <a:cs typeface="Times New Roman" panose="02020603050405020304" pitchFamily="18" charset="0"/>
+                  </a:rPr>
+                </a:br>
+                <a:r>
+                  <a:rPr lang="en-US" sz="1200" b="0" i="0" kern="1200" dirty="0">
+                    <a:solidFill>
+                      <a:schemeClr val="tx1"/>
+                    </a:solidFill>
+                    <a:effectLst/>
+                    <a:latin typeface="Times New Roman" panose="02020603050405020304" pitchFamily="18" charset="0"/>
+                    <a:ea typeface="+mn-ea"/>
+                    <a:cs typeface="Times New Roman" panose="02020603050405020304" pitchFamily="18" charset="0"/>
+                  </a:rPr>
+                  <a:t>margin between these observations and the hyper-plane. </a:t>
+                </a:r>
+              </a:p>
+              <a:p>
+                <a:r>
+                  <a:rPr lang="en-US" sz="1200" b="0" i="0" kern="1200" dirty="0">
+                    <a:solidFill>
+                      <a:schemeClr val="tx1"/>
+                    </a:solidFill>
+                    <a:effectLst/>
+                    <a:latin typeface="Times New Roman" panose="02020603050405020304" pitchFamily="18" charset="0"/>
+                    <a:ea typeface="+mn-ea"/>
+                    <a:cs typeface="Times New Roman" panose="02020603050405020304" pitchFamily="18" charset="0"/>
+                  </a:rPr>
+                  <a:t>Linear kernel: </a:t>
+                </a:r>
+                <a:r>
+                  <a:rPr lang="en-US" sz="1200" b="0" i="0" kern="1200" dirty="0">
+                    <a:solidFill>
+                      <a:schemeClr val="tx1"/>
+                    </a:solidFill>
+                    <a:effectLst/>
+                    <a:latin typeface="Cambria Math" panose="02040503050406030204" pitchFamily="18" charset="0"/>
+                    <a:ea typeface="+mn-ea"/>
+                    <a:cs typeface="+mn-cs"/>
+                  </a:rPr>
+                  <a:t>𝐾(</a:t>
+                </a:r>
+                <a:r>
+                  <a:rPr lang="en-US" sz="1200" b="0" i="0" kern="1200" dirty="0" err="1">
+                    <a:solidFill>
+                      <a:schemeClr val="tx1"/>
+                    </a:solidFill>
+                    <a:effectLst/>
+                    <a:latin typeface="Cambria Math" panose="02040503050406030204" pitchFamily="18" charset="0"/>
+                    <a:ea typeface="+mn-ea"/>
+                    <a:cs typeface="+mn-cs"/>
+                  </a:rPr>
+                  <a:t>𝑥</a:t>
+                </a:r>
+                <a:r>
+                  <a:rPr lang="en-US" sz="1200" b="0" i="0" kern="1200" baseline="-25000" dirty="0" err="1">
+                    <a:solidFill>
+                      <a:schemeClr val="tx1"/>
+                    </a:solidFill>
+                    <a:effectLst/>
+                    <a:latin typeface="Cambria Math" panose="02040503050406030204" pitchFamily="18" charset="0"/>
+                    <a:ea typeface="+mn-ea"/>
+                    <a:cs typeface="+mn-cs"/>
+                  </a:rPr>
+                  <a:t>𝑖</a:t>
+                </a:r>
+                <a:r>
+                  <a:rPr lang="en-US" sz="1200" b="0" i="0" kern="1200" baseline="0" dirty="0" err="1">
+                    <a:solidFill>
+                      <a:schemeClr val="tx1"/>
+                    </a:solidFill>
+                    <a:effectLst/>
+                    <a:latin typeface="Cambria Math" panose="02040503050406030204" pitchFamily="18" charset="0"/>
+                    <a:ea typeface="+mn-ea"/>
+                    <a:cs typeface="+mn-cs"/>
+                  </a:rPr>
+                  <a:t>,𝑥</a:t>
+                </a:r>
+                <a:r>
+                  <a:rPr lang="en-US" sz="1200" b="0" i="0" kern="1200" dirty="0">
+                    <a:solidFill>
+                      <a:schemeClr val="tx1"/>
+                    </a:solidFill>
+                    <a:effectLst/>
+                    <a:latin typeface="Cambria Math" panose="02040503050406030204" pitchFamily="18" charset="0"/>
+                    <a:ea typeface="+mn-ea"/>
+                    <a:cs typeface="+mn-cs"/>
+                  </a:rPr>
+                  <a:t>)=</a:t>
+                </a:r>
+                <a:r>
+                  <a:rPr lang="en-US" sz="1200" b="0" i="0" kern="1200" dirty="0" err="1">
+                    <a:solidFill>
+                      <a:schemeClr val="tx1"/>
+                    </a:solidFill>
+                    <a:effectLst/>
+                    <a:latin typeface="Cambria Math" panose="02040503050406030204" pitchFamily="18" charset="0"/>
+                    <a:ea typeface="+mn-ea"/>
+                    <a:cs typeface="+mn-cs"/>
+                  </a:rPr>
+                  <a:t>𝑥</a:t>
+                </a:r>
+                <a:r>
+                  <a:rPr lang="en-US" sz="1200" b="0" i="0" kern="1200" baseline="-25000" dirty="0" err="1">
+                    <a:solidFill>
+                      <a:schemeClr val="tx1"/>
+                    </a:solidFill>
+                    <a:effectLst/>
+                    <a:latin typeface="Cambria Math" panose="02040503050406030204" pitchFamily="18" charset="0"/>
+                    <a:ea typeface="+mn-ea"/>
+                    <a:cs typeface="+mn-cs"/>
+                  </a:rPr>
+                  <a:t>𝑖</a:t>
+                </a:r>
+                <a:r>
+                  <a:rPr lang="en-US" sz="1200" b="0" i="0" kern="1200" baseline="30000" dirty="0" err="1">
+                    <a:solidFill>
+                      <a:schemeClr val="tx1"/>
+                    </a:solidFill>
+                    <a:effectLst/>
+                    <a:latin typeface="Cambria Math" panose="02040503050406030204" pitchFamily="18" charset="0"/>
+                    <a:ea typeface="+mn-ea"/>
+                    <a:cs typeface="+mn-cs"/>
+                  </a:rPr>
+                  <a:t>𝑇</a:t>
+                </a:r>
+                <a:r>
+                  <a:rPr lang="en-US" sz="1200" b="0" i="0" kern="1200" baseline="0" dirty="0" err="1">
+                    <a:solidFill>
+                      <a:schemeClr val="tx1"/>
+                    </a:solidFill>
+                    <a:effectLst/>
+                    <a:latin typeface="Cambria Math" panose="02040503050406030204" pitchFamily="18" charset="0"/>
+                    <a:ea typeface="+mn-ea"/>
+                    <a:cs typeface="+mn-cs"/>
+                  </a:rPr>
+                  <a:t>.𝑥</a:t>
+                </a:r>
+                <a:endParaRPr lang="en-US" sz="1200" b="0" i="0" kern="1200" baseline="0" dirty="0">
+                  <a:solidFill>
+                    <a:schemeClr val="tx1"/>
+                  </a:solidFill>
+                  <a:effectLst/>
+                  <a:latin typeface="Times New Roman" panose="02020603050405020304" pitchFamily="18" charset="0"/>
+                  <a:ea typeface="+mn-ea"/>
+                  <a:cs typeface="Times New Roman" panose="02020603050405020304" pitchFamily="18" charset="0"/>
+                </a:endParaRPr>
+              </a:p>
+              <a:p>
+                <a:r>
+                  <a:rPr lang="en-US" sz="1200" b="0" i="0" kern="1200" baseline="0" dirty="0">
+                    <a:solidFill>
+                      <a:schemeClr val="tx1"/>
+                    </a:solidFill>
+                    <a:effectLst/>
+                    <a:latin typeface="Times New Roman" panose="02020603050405020304" pitchFamily="18" charset="0"/>
+                    <a:ea typeface="+mn-ea"/>
+                    <a:cs typeface="Times New Roman" panose="02020603050405020304" pitchFamily="18" charset="0"/>
+                  </a:rPr>
+                  <a:t>Polynomial kernel:</a:t>
+                </a:r>
+                <a:r>
+                  <a:rPr lang="en-US" sz="1200" b="0" i="0" kern="1200" dirty="0">
+                    <a:solidFill>
+                      <a:schemeClr val="tx1"/>
+                    </a:solidFill>
+                    <a:effectLst/>
+                    <a:latin typeface="Cambria Math" panose="02040503050406030204" pitchFamily="18" charset="0"/>
+                    <a:ea typeface="+mn-ea"/>
+                    <a:cs typeface="+mn-cs"/>
+                  </a:rPr>
+                  <a:t> 𝐾(</a:t>
+                </a:r>
+                <a:r>
+                  <a:rPr lang="en-US" sz="1200" b="0" i="0" kern="1200" dirty="0" err="1">
+                    <a:solidFill>
+                      <a:schemeClr val="tx1"/>
+                    </a:solidFill>
+                    <a:effectLst/>
+                    <a:latin typeface="Cambria Math" panose="02040503050406030204" pitchFamily="18" charset="0"/>
+                    <a:ea typeface="+mn-ea"/>
+                    <a:cs typeface="+mn-cs"/>
+                  </a:rPr>
+                  <a:t>𝑥</a:t>
+                </a:r>
+                <a:r>
+                  <a:rPr lang="en-US" sz="1200" b="0" i="0" kern="1200" baseline="-25000" dirty="0" err="1">
+                    <a:solidFill>
+                      <a:schemeClr val="tx1"/>
+                    </a:solidFill>
+                    <a:effectLst/>
+                    <a:latin typeface="Cambria Math" panose="02040503050406030204" pitchFamily="18" charset="0"/>
+                    <a:ea typeface="+mn-ea"/>
+                    <a:cs typeface="+mn-cs"/>
+                  </a:rPr>
+                  <a:t>𝑖</a:t>
+                </a:r>
+                <a:r>
+                  <a:rPr lang="en-US" sz="1200" b="0" i="0" kern="1200" baseline="0" dirty="0" err="1">
+                    <a:solidFill>
+                      <a:schemeClr val="tx1"/>
+                    </a:solidFill>
+                    <a:effectLst/>
+                    <a:latin typeface="Cambria Math" panose="02040503050406030204" pitchFamily="18" charset="0"/>
+                    <a:ea typeface="+mn-ea"/>
+                    <a:cs typeface="+mn-cs"/>
+                  </a:rPr>
+                  <a:t>,𝑥</a:t>
+                </a:r>
+                <a:r>
+                  <a:rPr lang="en-US" sz="1200" b="0" i="0" kern="1200" baseline="0" dirty="0">
+                    <a:solidFill>
+                      <a:schemeClr val="tx1"/>
+                    </a:solidFill>
+                    <a:effectLst/>
+                    <a:latin typeface="Cambria Math" panose="02040503050406030204" pitchFamily="18" charset="0"/>
+                    <a:ea typeface="+mn-ea"/>
+                    <a:cs typeface="+mn-cs"/>
+                  </a:rPr>
+                  <a:t>)"</a:t>
+                </a:r>
+                <a:r>
+                  <a:rPr lang="en-US" sz="1200" b="0" i="0" kern="1200" dirty="0">
+                    <a:solidFill>
+                      <a:schemeClr val="tx1"/>
+                    </a:solidFill>
+                    <a:effectLst/>
+                    <a:latin typeface="Cambria Math" panose="02040503050406030204" pitchFamily="18" charset="0"/>
+                    <a:ea typeface="+mn-ea"/>
+                    <a:cs typeface="Times New Roman" panose="02020603050405020304" pitchFamily="18" charset="0"/>
+                  </a:rPr>
+                  <a:t>=</a:t>
+                </a:r>
+                <a:r>
+                  <a:rPr lang="en-US" sz="1200" b="0" i="0" kern="1200" dirty="0">
+                    <a:solidFill>
+                      <a:schemeClr val="tx1"/>
+                    </a:solidFill>
+                    <a:effectLst/>
+                    <a:latin typeface="Cambria Math" panose="02040503050406030204" pitchFamily="18" charset="0"/>
+                    <a:ea typeface="+mn-ea"/>
+                    <a:cs typeface="+mn-cs"/>
+                  </a:rPr>
+                  <a:t>" (</a:t>
+                </a:r>
+                <a:r>
+                  <a:rPr lang="en-US" sz="1200" b="0" i="0" kern="1200" dirty="0">
+                    <a:solidFill>
+                      <a:schemeClr val="tx1"/>
+                    </a:solidFill>
+                    <a:effectLst/>
+                    <a:latin typeface="Cambria Math" panose="02040503050406030204" pitchFamily="18" charset="0"/>
+                    <a:ea typeface="Cambria Math" panose="02040503050406030204" pitchFamily="18" charset="0"/>
+                    <a:cs typeface="+mn-cs"/>
+                  </a:rPr>
+                  <a:t>𝛾〖.𝑥〗_𝑖^𝑇.𝑥+𝑟</a:t>
+                </a:r>
+                <a:r>
+                  <a:rPr lang="en-US" sz="1200" b="0" i="0" kern="1200" dirty="0">
+                    <a:solidFill>
+                      <a:schemeClr val="tx1"/>
+                    </a:solidFill>
+                    <a:effectLst/>
+                    <a:latin typeface="Cambria Math" panose="02040503050406030204" pitchFamily="18" charset="0"/>
+                    <a:ea typeface="+mn-ea"/>
+                    <a:cs typeface="+mn-cs"/>
+                  </a:rPr>
+                  <a:t>)^𝑑,</a:t>
+                </a:r>
+                <a:r>
+                  <a:rPr lang="en-US" sz="1200" b="0" i="0" kern="1200" dirty="0">
+                    <a:solidFill>
+                      <a:schemeClr val="tx1"/>
+                    </a:solidFill>
+                    <a:effectLst/>
+                    <a:latin typeface="Cambria Math" panose="02040503050406030204" pitchFamily="18" charset="0"/>
+                    <a:ea typeface="Cambria Math" panose="02040503050406030204" pitchFamily="18" charset="0"/>
+                    <a:cs typeface="+mn-cs"/>
+                  </a:rPr>
+                  <a:t>𝛾</a:t>
+                </a:r>
+                <a:r>
+                  <a:rPr lang="en-US" dirty="0">
+                    <a:latin typeface="Times New Roman" panose="02020603050405020304" pitchFamily="18" charset="0"/>
+                    <a:cs typeface="Times New Roman" panose="02020603050405020304" pitchFamily="18" charset="0"/>
+                  </a:rPr>
+                  <a:t>&gt;0. </a:t>
+                </a:r>
+                <a:r>
+                  <a:rPr lang="en-US" sz="1200" b="0" i="0" kern="1200" dirty="0">
+                    <a:solidFill>
+                      <a:schemeClr val="tx1"/>
+                    </a:solidFill>
+                    <a:effectLst/>
+                    <a:latin typeface="Cambria Math" panose="02040503050406030204" pitchFamily="18" charset="0"/>
+                    <a:ea typeface="Cambria Math" panose="02040503050406030204" pitchFamily="18" charset="0"/>
+                    <a:cs typeface="+mn-cs"/>
+                  </a:rPr>
+                  <a:t>𝛾, 𝑟 </a:t>
+                </a:r>
+                <a:r>
+                  <a:rPr lang="en-US" dirty="0">
+                    <a:latin typeface="Times New Roman" panose="02020603050405020304" pitchFamily="18" charset="0"/>
+                    <a:cs typeface="Times New Roman" panose="02020603050405020304" pitchFamily="18" charset="0"/>
+                  </a:rPr>
+                  <a:t>and d parameters of the kernel function.</a:t>
+                </a:r>
+                <a:br>
+                  <a:rPr lang="en-US" dirty="0">
+                    <a:latin typeface="Times New Roman" panose="02020603050405020304" pitchFamily="18" charset="0"/>
+                    <a:cs typeface="Times New Roman" panose="02020603050405020304" pitchFamily="18" charset="0"/>
+                  </a:rPr>
+                </a:br>
+                <a:endParaRPr lang="en-US" dirty="0">
+                  <a:latin typeface="Times New Roman" panose="02020603050405020304" pitchFamily="18" charset="0"/>
+                  <a:cs typeface="Times New Roman" panose="02020603050405020304" pitchFamily="18" charset="0"/>
+                </a:endParaRPr>
+              </a:p>
+            </p:txBody>
+          </p:sp>
+        </mc:Fallback>
+      </mc:AlternateContent>
+      <p:sp>
+        <p:nvSpPr>
+          <p:cNvPr id="4" name="Slide Number Placeholder 3">
+            <a:extLst>
+              <a:ext uri="{FF2B5EF4-FFF2-40B4-BE49-F238E27FC236}">
+                <a16:creationId xmlns:a16="http://schemas.microsoft.com/office/drawing/2014/main" id="{FB1485FA-D2CE-91F5-DD86-BE7A55BD8A3D}"/>
+              </a:ext>
+            </a:extLst>
+          </p:cNvPr>
+          <p:cNvSpPr>
+            <a:spLocks noGrp="1"/>
+          </p:cNvSpPr>
+          <p:nvPr>
+            <p:ph type="sldNum" sz="quarter" idx="10"/>
+          </p:nvPr>
+        </p:nvSpPr>
+        <p:spPr/>
+        <p:txBody>
+          <a:bodyPr/>
+          <a:lstStyle/>
+          <a:p>
+            <a:fld id="{DCB82D92-0755-4B0E-90A0-D65A6B50ACE9}" type="slidenum">
+              <a:rPr lang="en-US" smtClean="0"/>
+              <a:t>13</a:t>
+            </a:fld>
+            <a:endParaRPr lang="en-US"/>
+          </a:p>
+        </p:txBody>
+      </p:sp>
+    </p:spTree>
+    <p:extLst>
+      <p:ext uri="{BB962C8B-B14F-4D97-AF65-F5344CB8AC3E}">
+        <p14:creationId xmlns:p14="http://schemas.microsoft.com/office/powerpoint/2010/main" val="2598897092"/>
+      </p:ext>
+    </p:extLst>
+  </p:cSld>
+  <p:clrMapOvr>
+    <a:masterClrMapping/>
+  </p:clrMapOvr>
+</p:notes>
+</file>
+
+<file path=ppt/notesSlides/notesSlide13.xml><?xml version="1.0" encoding="utf-8"?>
+<p:notes xmlns:a="http://schemas.openxmlformats.org/drawingml/2006/main" xmlns:r="http://schemas.openxmlformats.org/officeDocument/2006/relationships" xmlns:p="http://schemas.openxmlformats.org/presentationml/2006/main">
+  <p:cSld>
+    <p:spTree>
+      <p:nvGrpSpPr>
+        <p:cNvPr id="1" name="">
+          <a:extLst>
+            <a:ext uri="{FF2B5EF4-FFF2-40B4-BE49-F238E27FC236}">
+              <a16:creationId xmlns:a16="http://schemas.microsoft.com/office/drawing/2014/main" id="{1B2A5881-0F20-2B5C-1B44-10B44EC3D16F}"/>
+            </a:ext>
+          </a:extLst>
+        </p:cNvPr>
+        <p:cNvGrpSpPr/>
+        <p:nvPr/>
+      </p:nvGrpSpPr>
+      <p:grpSpPr>
+        <a:xfrm>
+          <a:off x="0" y="0"/>
+          <a:ext cx="0" cy="0"/>
+          <a:chOff x="0" y="0"/>
+          <a:chExt cx="0" cy="0"/>
+        </a:xfrm>
+      </p:grpSpPr>
+      <p:sp>
+        <p:nvSpPr>
+          <p:cNvPr id="2" name="Slide Image Placeholder 1">
+            <a:extLst>
+              <a:ext uri="{FF2B5EF4-FFF2-40B4-BE49-F238E27FC236}">
+                <a16:creationId xmlns:a16="http://schemas.microsoft.com/office/drawing/2014/main" id="{F88399BD-86FD-CFF2-4720-300ED74C2CCA}"/>
+              </a:ext>
+            </a:extLst>
+          </p:cNvPr>
+          <p:cNvSpPr>
+            <a:spLocks noGrp="1" noRot="1" noChangeAspect="1"/>
+          </p:cNvSpPr>
+          <p:nvPr>
+            <p:ph type="sldImg"/>
+          </p:nvPr>
+        </p:nvSpPr>
+        <p:spPr/>
+      </p:sp>
+      <mc:AlternateContent xmlns:mc="http://schemas.openxmlformats.org/markup-compatibility/2006" xmlns:a14="http://schemas.microsoft.com/office/drawing/2010/main">
+        <mc:Choice Requires="a14">
+          <p:sp>
+            <p:nvSpPr>
+              <p:cNvPr id="3" name="Notes Placeholder 2">
+                <a:extLst>
+                  <a:ext uri="{FF2B5EF4-FFF2-40B4-BE49-F238E27FC236}">
+                    <a16:creationId xmlns:a16="http://schemas.microsoft.com/office/drawing/2014/main" id="{4AB0CDD3-211D-5A57-B18A-2E387B354195}"/>
+                  </a:ext>
+                </a:extLst>
+              </p:cNvPr>
+              <p:cNvSpPr>
+                <a:spLocks noGrp="1"/>
+              </p:cNvSpPr>
+              <p:nvPr>
+                <p:ph type="body" idx="1"/>
+              </p:nvPr>
+            </p:nvSpPr>
+            <p:spPr/>
+            <p:txBody>
+              <a:bodyPr/>
+              <a:lstStyle/>
+              <a:p>
+                <a:endParaRPr lang="en-US" dirty="0">
+                  <a:latin typeface="Times New Roman" panose="02020603050405020304" pitchFamily="18" charset="0"/>
+                  <a:cs typeface="Times New Roman" panose="02020603050405020304" pitchFamily="18" charset="0"/>
+                </a:endParaRPr>
+              </a:p>
+            </p:txBody>
+          </p:sp>
+        </mc:Choice>
+        <mc:Fallback xmlns="">
+          <p:sp>
+            <p:nvSpPr>
+              <p:cNvPr id="3" name="Notes Placeholder 2"/>
+              <p:cNvSpPr>
+                <a:spLocks noGrp="1"/>
+              </p:cNvSpPr>
+              <p:nvPr>
+                <p:ph type="body" idx="1"/>
+              </p:nvPr>
+            </p:nvSpPr>
+            <p:spPr/>
+            <p:txBody>
+              <a:bodyPr/>
+              <a:lstStyle/>
+              <a:p>
+                <a:r>
+                  <a:rPr lang="en-US" sz="1200" b="0" i="0" kern="1200" dirty="0">
+                    <a:solidFill>
+                      <a:schemeClr val="tx1"/>
+                    </a:solidFill>
+                    <a:effectLst/>
+                    <a:latin typeface="Times New Roman" panose="02020603050405020304" pitchFamily="18" charset="0"/>
+                    <a:ea typeface="+mn-ea"/>
+                    <a:cs typeface="Times New Roman" panose="02020603050405020304" pitchFamily="18" charset="0"/>
+                  </a:rPr>
+                  <a:t>For binary classification, the basic</a:t>
+                </a:r>
+                <a:r>
+                  <a:rPr lang="en-US" dirty="0">
+                    <a:latin typeface="Times New Roman" panose="02020603050405020304" pitchFamily="18" charset="0"/>
+                    <a:cs typeface="Times New Roman" panose="02020603050405020304" pitchFamily="18" charset="0"/>
+                  </a:rPr>
+                  <a:t> </a:t>
+                </a:r>
+                <a:r>
+                  <a:rPr lang="en-US" sz="1200" b="0" i="0" kern="1200" dirty="0">
+                    <a:solidFill>
+                      <a:schemeClr val="tx1"/>
+                    </a:solidFill>
+                    <a:effectLst/>
+                    <a:latin typeface="Times New Roman" panose="02020603050405020304" pitchFamily="18" charset="0"/>
+                    <a:ea typeface="+mn-ea"/>
+                    <a:cs typeface="Times New Roman" panose="02020603050405020304" pitchFamily="18" charset="0"/>
+                  </a:rPr>
+                  <a:t>idea of SVM is to find an hyper-plane which separates positive and negative training observations and maximizes the</a:t>
+                </a:r>
+                <a:br>
+                  <a:rPr lang="en-US" sz="1200" b="0" i="0" kern="1200" dirty="0">
+                    <a:solidFill>
+                      <a:schemeClr val="tx1"/>
+                    </a:solidFill>
+                    <a:effectLst/>
+                    <a:latin typeface="Times New Roman" panose="02020603050405020304" pitchFamily="18" charset="0"/>
+                    <a:ea typeface="+mn-ea"/>
+                    <a:cs typeface="Times New Roman" panose="02020603050405020304" pitchFamily="18" charset="0"/>
+                  </a:rPr>
+                </a:br>
+                <a:r>
+                  <a:rPr lang="en-US" sz="1200" b="0" i="0" kern="1200" dirty="0">
+                    <a:solidFill>
+                      <a:schemeClr val="tx1"/>
+                    </a:solidFill>
+                    <a:effectLst/>
+                    <a:latin typeface="Times New Roman" panose="02020603050405020304" pitchFamily="18" charset="0"/>
+                    <a:ea typeface="+mn-ea"/>
+                    <a:cs typeface="Times New Roman" panose="02020603050405020304" pitchFamily="18" charset="0"/>
+                  </a:rPr>
+                  <a:t>margin between these observations and the hyper-plane. </a:t>
+                </a:r>
+              </a:p>
+              <a:p>
+                <a:r>
+                  <a:rPr lang="en-US" sz="1200" b="0" i="0" kern="1200" dirty="0">
+                    <a:solidFill>
+                      <a:schemeClr val="tx1"/>
+                    </a:solidFill>
+                    <a:effectLst/>
+                    <a:latin typeface="Times New Roman" panose="02020603050405020304" pitchFamily="18" charset="0"/>
+                    <a:ea typeface="+mn-ea"/>
+                    <a:cs typeface="Times New Roman" panose="02020603050405020304" pitchFamily="18" charset="0"/>
+                  </a:rPr>
+                  <a:t>Linear kernel: </a:t>
+                </a:r>
+                <a:r>
+                  <a:rPr lang="en-US" sz="1200" b="0" i="0" kern="1200" dirty="0">
+                    <a:solidFill>
+                      <a:schemeClr val="tx1"/>
+                    </a:solidFill>
+                    <a:effectLst/>
+                    <a:latin typeface="Cambria Math" panose="02040503050406030204" pitchFamily="18" charset="0"/>
+                    <a:ea typeface="+mn-ea"/>
+                    <a:cs typeface="+mn-cs"/>
+                  </a:rPr>
+                  <a:t>𝐾(</a:t>
+                </a:r>
+                <a:r>
+                  <a:rPr lang="en-US" sz="1200" b="0" i="0" kern="1200" dirty="0" err="1">
+                    <a:solidFill>
+                      <a:schemeClr val="tx1"/>
+                    </a:solidFill>
+                    <a:effectLst/>
+                    <a:latin typeface="Cambria Math" panose="02040503050406030204" pitchFamily="18" charset="0"/>
+                    <a:ea typeface="+mn-ea"/>
+                    <a:cs typeface="+mn-cs"/>
+                  </a:rPr>
+                  <a:t>𝑥</a:t>
+                </a:r>
+                <a:r>
+                  <a:rPr lang="en-US" sz="1200" b="0" i="0" kern="1200" baseline="-25000" dirty="0" err="1">
+                    <a:solidFill>
+                      <a:schemeClr val="tx1"/>
+                    </a:solidFill>
+                    <a:effectLst/>
+                    <a:latin typeface="Cambria Math" panose="02040503050406030204" pitchFamily="18" charset="0"/>
+                    <a:ea typeface="+mn-ea"/>
+                    <a:cs typeface="+mn-cs"/>
+                  </a:rPr>
+                  <a:t>𝑖</a:t>
+                </a:r>
+                <a:r>
+                  <a:rPr lang="en-US" sz="1200" b="0" i="0" kern="1200" baseline="0" dirty="0" err="1">
+                    <a:solidFill>
+                      <a:schemeClr val="tx1"/>
+                    </a:solidFill>
+                    <a:effectLst/>
+                    <a:latin typeface="Cambria Math" panose="02040503050406030204" pitchFamily="18" charset="0"/>
+                    <a:ea typeface="+mn-ea"/>
+                    <a:cs typeface="+mn-cs"/>
+                  </a:rPr>
+                  <a:t>,𝑥</a:t>
+                </a:r>
+                <a:r>
+                  <a:rPr lang="en-US" sz="1200" b="0" i="0" kern="1200" dirty="0">
+                    <a:solidFill>
+                      <a:schemeClr val="tx1"/>
+                    </a:solidFill>
+                    <a:effectLst/>
+                    <a:latin typeface="Cambria Math" panose="02040503050406030204" pitchFamily="18" charset="0"/>
+                    <a:ea typeface="+mn-ea"/>
+                    <a:cs typeface="+mn-cs"/>
+                  </a:rPr>
+                  <a:t>)=</a:t>
+                </a:r>
+                <a:r>
+                  <a:rPr lang="en-US" sz="1200" b="0" i="0" kern="1200" dirty="0" err="1">
+                    <a:solidFill>
+                      <a:schemeClr val="tx1"/>
+                    </a:solidFill>
+                    <a:effectLst/>
+                    <a:latin typeface="Cambria Math" panose="02040503050406030204" pitchFamily="18" charset="0"/>
+                    <a:ea typeface="+mn-ea"/>
+                    <a:cs typeface="+mn-cs"/>
+                  </a:rPr>
+                  <a:t>𝑥</a:t>
+                </a:r>
+                <a:r>
+                  <a:rPr lang="en-US" sz="1200" b="0" i="0" kern="1200" baseline="-25000" dirty="0" err="1">
+                    <a:solidFill>
+                      <a:schemeClr val="tx1"/>
+                    </a:solidFill>
+                    <a:effectLst/>
+                    <a:latin typeface="Cambria Math" panose="02040503050406030204" pitchFamily="18" charset="0"/>
+                    <a:ea typeface="+mn-ea"/>
+                    <a:cs typeface="+mn-cs"/>
+                  </a:rPr>
+                  <a:t>𝑖</a:t>
+                </a:r>
+                <a:r>
+                  <a:rPr lang="en-US" sz="1200" b="0" i="0" kern="1200" baseline="30000" dirty="0" err="1">
+                    <a:solidFill>
+                      <a:schemeClr val="tx1"/>
+                    </a:solidFill>
+                    <a:effectLst/>
+                    <a:latin typeface="Cambria Math" panose="02040503050406030204" pitchFamily="18" charset="0"/>
+                    <a:ea typeface="+mn-ea"/>
+                    <a:cs typeface="+mn-cs"/>
+                  </a:rPr>
+                  <a:t>𝑇</a:t>
+                </a:r>
+                <a:r>
+                  <a:rPr lang="en-US" sz="1200" b="0" i="0" kern="1200" baseline="0" dirty="0" err="1">
+                    <a:solidFill>
+                      <a:schemeClr val="tx1"/>
+                    </a:solidFill>
+                    <a:effectLst/>
+                    <a:latin typeface="Cambria Math" panose="02040503050406030204" pitchFamily="18" charset="0"/>
+                    <a:ea typeface="+mn-ea"/>
+                    <a:cs typeface="+mn-cs"/>
+                  </a:rPr>
+                  <a:t>.𝑥</a:t>
+                </a:r>
+                <a:endParaRPr lang="en-US" sz="1200" b="0" i="0" kern="1200" baseline="0" dirty="0">
+                  <a:solidFill>
+                    <a:schemeClr val="tx1"/>
+                  </a:solidFill>
+                  <a:effectLst/>
+                  <a:latin typeface="Times New Roman" panose="02020603050405020304" pitchFamily="18" charset="0"/>
+                  <a:ea typeface="+mn-ea"/>
+                  <a:cs typeface="Times New Roman" panose="02020603050405020304" pitchFamily="18" charset="0"/>
+                </a:endParaRPr>
+              </a:p>
+              <a:p>
+                <a:r>
+                  <a:rPr lang="en-US" sz="1200" b="0" i="0" kern="1200" baseline="0" dirty="0">
+                    <a:solidFill>
+                      <a:schemeClr val="tx1"/>
+                    </a:solidFill>
+                    <a:effectLst/>
+                    <a:latin typeface="Times New Roman" panose="02020603050405020304" pitchFamily="18" charset="0"/>
+                    <a:ea typeface="+mn-ea"/>
+                    <a:cs typeface="Times New Roman" panose="02020603050405020304" pitchFamily="18" charset="0"/>
+                  </a:rPr>
+                  <a:t>Polynomial kernel:</a:t>
+                </a:r>
+                <a:r>
+                  <a:rPr lang="en-US" sz="1200" b="0" i="0" kern="1200" dirty="0">
+                    <a:solidFill>
+                      <a:schemeClr val="tx1"/>
+                    </a:solidFill>
+                    <a:effectLst/>
+                    <a:latin typeface="Cambria Math" panose="02040503050406030204" pitchFamily="18" charset="0"/>
+                    <a:ea typeface="+mn-ea"/>
+                    <a:cs typeface="+mn-cs"/>
+                  </a:rPr>
+                  <a:t> 𝐾(</a:t>
+                </a:r>
+                <a:r>
+                  <a:rPr lang="en-US" sz="1200" b="0" i="0" kern="1200" dirty="0" err="1">
+                    <a:solidFill>
+                      <a:schemeClr val="tx1"/>
+                    </a:solidFill>
+                    <a:effectLst/>
+                    <a:latin typeface="Cambria Math" panose="02040503050406030204" pitchFamily="18" charset="0"/>
+                    <a:ea typeface="+mn-ea"/>
+                    <a:cs typeface="+mn-cs"/>
+                  </a:rPr>
+                  <a:t>𝑥</a:t>
+                </a:r>
+                <a:r>
+                  <a:rPr lang="en-US" sz="1200" b="0" i="0" kern="1200" baseline="-25000" dirty="0" err="1">
+                    <a:solidFill>
+                      <a:schemeClr val="tx1"/>
+                    </a:solidFill>
+                    <a:effectLst/>
+                    <a:latin typeface="Cambria Math" panose="02040503050406030204" pitchFamily="18" charset="0"/>
+                    <a:ea typeface="+mn-ea"/>
+                    <a:cs typeface="+mn-cs"/>
+                  </a:rPr>
+                  <a:t>𝑖</a:t>
+                </a:r>
+                <a:r>
+                  <a:rPr lang="en-US" sz="1200" b="0" i="0" kern="1200" baseline="0" dirty="0" err="1">
+                    <a:solidFill>
+                      <a:schemeClr val="tx1"/>
+                    </a:solidFill>
+                    <a:effectLst/>
+                    <a:latin typeface="Cambria Math" panose="02040503050406030204" pitchFamily="18" charset="0"/>
+                    <a:ea typeface="+mn-ea"/>
+                    <a:cs typeface="+mn-cs"/>
+                  </a:rPr>
+                  <a:t>,𝑥</a:t>
+                </a:r>
+                <a:r>
+                  <a:rPr lang="en-US" sz="1200" b="0" i="0" kern="1200" baseline="0" dirty="0">
+                    <a:solidFill>
+                      <a:schemeClr val="tx1"/>
+                    </a:solidFill>
+                    <a:effectLst/>
+                    <a:latin typeface="Cambria Math" panose="02040503050406030204" pitchFamily="18" charset="0"/>
+                    <a:ea typeface="+mn-ea"/>
+                    <a:cs typeface="+mn-cs"/>
+                  </a:rPr>
+                  <a:t>)"</a:t>
+                </a:r>
+                <a:r>
+                  <a:rPr lang="en-US" sz="1200" b="0" i="0" kern="1200" dirty="0">
+                    <a:solidFill>
+                      <a:schemeClr val="tx1"/>
+                    </a:solidFill>
+                    <a:effectLst/>
+                    <a:latin typeface="Cambria Math" panose="02040503050406030204" pitchFamily="18" charset="0"/>
+                    <a:ea typeface="+mn-ea"/>
+                    <a:cs typeface="Times New Roman" panose="02020603050405020304" pitchFamily="18" charset="0"/>
+                  </a:rPr>
+                  <a:t>=</a:t>
+                </a:r>
+                <a:r>
+                  <a:rPr lang="en-US" sz="1200" b="0" i="0" kern="1200" dirty="0">
+                    <a:solidFill>
+                      <a:schemeClr val="tx1"/>
+                    </a:solidFill>
+                    <a:effectLst/>
+                    <a:latin typeface="Cambria Math" panose="02040503050406030204" pitchFamily="18" charset="0"/>
+                    <a:ea typeface="+mn-ea"/>
+                    <a:cs typeface="+mn-cs"/>
+                  </a:rPr>
+                  <a:t>" (</a:t>
+                </a:r>
+                <a:r>
+                  <a:rPr lang="en-US" sz="1200" b="0" i="0" kern="1200" dirty="0">
+                    <a:solidFill>
+                      <a:schemeClr val="tx1"/>
+                    </a:solidFill>
+                    <a:effectLst/>
+                    <a:latin typeface="Cambria Math" panose="02040503050406030204" pitchFamily="18" charset="0"/>
+                    <a:ea typeface="Cambria Math" panose="02040503050406030204" pitchFamily="18" charset="0"/>
+                    <a:cs typeface="+mn-cs"/>
+                  </a:rPr>
+                  <a:t>𝛾〖.𝑥〗_𝑖^𝑇.𝑥+𝑟</a:t>
+                </a:r>
+                <a:r>
+                  <a:rPr lang="en-US" sz="1200" b="0" i="0" kern="1200" dirty="0">
+                    <a:solidFill>
+                      <a:schemeClr val="tx1"/>
+                    </a:solidFill>
+                    <a:effectLst/>
+                    <a:latin typeface="Cambria Math" panose="02040503050406030204" pitchFamily="18" charset="0"/>
+                    <a:ea typeface="+mn-ea"/>
+                    <a:cs typeface="+mn-cs"/>
+                  </a:rPr>
+                  <a:t>)^𝑑,</a:t>
+                </a:r>
+                <a:r>
+                  <a:rPr lang="en-US" sz="1200" b="0" i="0" kern="1200" dirty="0">
+                    <a:solidFill>
+                      <a:schemeClr val="tx1"/>
+                    </a:solidFill>
+                    <a:effectLst/>
+                    <a:latin typeface="Cambria Math" panose="02040503050406030204" pitchFamily="18" charset="0"/>
+                    <a:ea typeface="Cambria Math" panose="02040503050406030204" pitchFamily="18" charset="0"/>
+                    <a:cs typeface="+mn-cs"/>
+                  </a:rPr>
+                  <a:t>𝛾</a:t>
+                </a:r>
+                <a:r>
+                  <a:rPr lang="en-US" dirty="0">
+                    <a:latin typeface="Times New Roman" panose="02020603050405020304" pitchFamily="18" charset="0"/>
+                    <a:cs typeface="Times New Roman" panose="02020603050405020304" pitchFamily="18" charset="0"/>
+                  </a:rPr>
+                  <a:t>&gt;0. </a:t>
+                </a:r>
+                <a:r>
+                  <a:rPr lang="en-US" sz="1200" b="0" i="0" kern="1200" dirty="0">
+                    <a:solidFill>
+                      <a:schemeClr val="tx1"/>
+                    </a:solidFill>
+                    <a:effectLst/>
+                    <a:latin typeface="Cambria Math" panose="02040503050406030204" pitchFamily="18" charset="0"/>
+                    <a:ea typeface="Cambria Math" panose="02040503050406030204" pitchFamily="18" charset="0"/>
+                    <a:cs typeface="+mn-cs"/>
+                  </a:rPr>
+                  <a:t>𝛾, 𝑟 </a:t>
+                </a:r>
+                <a:r>
+                  <a:rPr lang="en-US" dirty="0">
+                    <a:latin typeface="Times New Roman" panose="02020603050405020304" pitchFamily="18" charset="0"/>
+                    <a:cs typeface="Times New Roman" panose="02020603050405020304" pitchFamily="18" charset="0"/>
+                  </a:rPr>
+                  <a:t>and d parameters of the kernel function.</a:t>
+                </a:r>
+                <a:br>
+                  <a:rPr lang="en-US" dirty="0">
+                    <a:latin typeface="Times New Roman" panose="02020603050405020304" pitchFamily="18" charset="0"/>
+                    <a:cs typeface="Times New Roman" panose="02020603050405020304" pitchFamily="18" charset="0"/>
+                  </a:rPr>
+                </a:br>
+                <a:endParaRPr lang="en-US" dirty="0">
+                  <a:latin typeface="Times New Roman" panose="02020603050405020304" pitchFamily="18" charset="0"/>
+                  <a:cs typeface="Times New Roman" panose="02020603050405020304" pitchFamily="18" charset="0"/>
+                </a:endParaRPr>
+              </a:p>
+            </p:txBody>
+          </p:sp>
+        </mc:Fallback>
+      </mc:AlternateContent>
+      <p:sp>
+        <p:nvSpPr>
+          <p:cNvPr id="4" name="Slide Number Placeholder 3">
+            <a:extLst>
+              <a:ext uri="{FF2B5EF4-FFF2-40B4-BE49-F238E27FC236}">
+                <a16:creationId xmlns:a16="http://schemas.microsoft.com/office/drawing/2014/main" id="{AE3033EB-51DA-E37F-C05F-20A061EBB184}"/>
+              </a:ext>
+            </a:extLst>
+          </p:cNvPr>
+          <p:cNvSpPr>
+            <a:spLocks noGrp="1"/>
+          </p:cNvSpPr>
+          <p:nvPr>
+            <p:ph type="sldNum" sz="quarter" idx="10"/>
+          </p:nvPr>
+        </p:nvSpPr>
+        <p:spPr/>
+        <p:txBody>
+          <a:bodyPr/>
+          <a:lstStyle/>
+          <a:p>
+            <a:fld id="{DCB82D92-0755-4B0E-90A0-D65A6B50ACE9}" type="slidenum">
+              <a:rPr lang="en-US" smtClean="0"/>
+              <a:t>14</a:t>
+            </a:fld>
+            <a:endParaRPr lang="en-US"/>
+          </a:p>
+        </p:txBody>
+      </p:sp>
+    </p:spTree>
+    <p:extLst>
+      <p:ext uri="{BB962C8B-B14F-4D97-AF65-F5344CB8AC3E}">
+        <p14:creationId xmlns:p14="http://schemas.microsoft.com/office/powerpoint/2010/main" val="1072733593"/>
+      </p:ext>
+    </p:extLst>
+  </p:cSld>
+  <p:clrMapOvr>
+    <a:masterClrMapping/>
+  </p:clrMapOvr>
+</p:notes>
+</file>
+
+<file path=ppt/notesSlides/notesSlide14.xml><?xml version="1.0" encoding="utf-8"?>
+<p:notes xmlns:a="http://schemas.openxmlformats.org/drawingml/2006/main" xmlns:r="http://schemas.openxmlformats.org/officeDocument/2006/relationships" xmlns:p="http://schemas.openxmlformats.org/presentationml/2006/main">
+  <p:cSld>
+    <p:spTree>
+      <p:nvGrpSpPr>
+        <p:cNvPr id="1" name="">
+          <a:extLst>
+            <a:ext uri="{FF2B5EF4-FFF2-40B4-BE49-F238E27FC236}">
+              <a16:creationId xmlns:a16="http://schemas.microsoft.com/office/drawing/2014/main" id="{A44EB499-1982-9CA1-9FEE-634234055ABB}"/>
+            </a:ext>
+          </a:extLst>
+        </p:cNvPr>
+        <p:cNvGrpSpPr/>
+        <p:nvPr/>
+      </p:nvGrpSpPr>
+      <p:grpSpPr>
+        <a:xfrm>
+          <a:off x="0" y="0"/>
+          <a:ext cx="0" cy="0"/>
+          <a:chOff x="0" y="0"/>
+          <a:chExt cx="0" cy="0"/>
+        </a:xfrm>
+      </p:grpSpPr>
+      <p:sp>
+        <p:nvSpPr>
+          <p:cNvPr id="2" name="Slide Image Placeholder 1">
+            <a:extLst>
+              <a:ext uri="{FF2B5EF4-FFF2-40B4-BE49-F238E27FC236}">
+                <a16:creationId xmlns:a16="http://schemas.microsoft.com/office/drawing/2014/main" id="{AA31391D-05F6-7B8E-C51F-0D4000DBE49F}"/>
+              </a:ext>
+            </a:extLst>
+          </p:cNvPr>
+          <p:cNvSpPr>
+            <a:spLocks noGrp="1" noRot="1" noChangeAspect="1"/>
+          </p:cNvSpPr>
+          <p:nvPr>
+            <p:ph type="sldImg"/>
+          </p:nvPr>
+        </p:nvSpPr>
+        <p:spPr/>
+      </p:sp>
+      <mc:AlternateContent xmlns:mc="http://schemas.openxmlformats.org/markup-compatibility/2006" xmlns:a14="http://schemas.microsoft.com/office/drawing/2010/main">
+        <mc:Choice Requires="a14">
+          <p:sp>
+            <p:nvSpPr>
+              <p:cNvPr id="3" name="Notes Placeholder 2">
+                <a:extLst>
+                  <a:ext uri="{FF2B5EF4-FFF2-40B4-BE49-F238E27FC236}">
+                    <a16:creationId xmlns:a16="http://schemas.microsoft.com/office/drawing/2014/main" id="{085A31FD-647D-FF02-A2FB-150348117B74}"/>
+                  </a:ext>
+                </a:extLst>
+              </p:cNvPr>
+              <p:cNvSpPr>
+                <a:spLocks noGrp="1"/>
+              </p:cNvSpPr>
+              <p:nvPr>
+                <p:ph type="body" idx="1"/>
+              </p:nvPr>
+            </p:nvSpPr>
+            <p:spPr/>
+            <p:txBody>
+              <a:bodyPr/>
+              <a:lstStyle/>
+              <a:p>
+                <a:endParaRPr lang="en-US" dirty="0">
+                  <a:latin typeface="Times New Roman" panose="02020603050405020304" pitchFamily="18" charset="0"/>
+                  <a:cs typeface="Times New Roman" panose="02020603050405020304" pitchFamily="18" charset="0"/>
+                </a:endParaRPr>
+              </a:p>
+            </p:txBody>
+          </p:sp>
+        </mc:Choice>
+        <mc:Fallback xmlns="">
+          <p:sp>
+            <p:nvSpPr>
+              <p:cNvPr id="3" name="Notes Placeholder 2"/>
+              <p:cNvSpPr>
+                <a:spLocks noGrp="1"/>
+              </p:cNvSpPr>
+              <p:nvPr>
+                <p:ph type="body" idx="1"/>
+              </p:nvPr>
+            </p:nvSpPr>
+            <p:spPr/>
+            <p:txBody>
+              <a:bodyPr/>
+              <a:lstStyle/>
+              <a:p>
+                <a:r>
+                  <a:rPr lang="en-US" sz="1200" b="0" i="0" kern="1200" dirty="0">
+                    <a:solidFill>
+                      <a:schemeClr val="tx1"/>
+                    </a:solidFill>
+                    <a:effectLst/>
+                    <a:latin typeface="Times New Roman" panose="02020603050405020304" pitchFamily="18" charset="0"/>
+                    <a:ea typeface="+mn-ea"/>
+                    <a:cs typeface="Times New Roman" panose="02020603050405020304" pitchFamily="18" charset="0"/>
+                  </a:rPr>
+                  <a:t>For binary classification, the basic</a:t>
+                </a:r>
+                <a:r>
+                  <a:rPr lang="en-US" dirty="0">
+                    <a:latin typeface="Times New Roman" panose="02020603050405020304" pitchFamily="18" charset="0"/>
+                    <a:cs typeface="Times New Roman" panose="02020603050405020304" pitchFamily="18" charset="0"/>
+                  </a:rPr>
+                  <a:t> </a:t>
+                </a:r>
+                <a:r>
+                  <a:rPr lang="en-US" sz="1200" b="0" i="0" kern="1200" dirty="0">
+                    <a:solidFill>
+                      <a:schemeClr val="tx1"/>
+                    </a:solidFill>
+                    <a:effectLst/>
+                    <a:latin typeface="Times New Roman" panose="02020603050405020304" pitchFamily="18" charset="0"/>
+                    <a:ea typeface="+mn-ea"/>
+                    <a:cs typeface="Times New Roman" panose="02020603050405020304" pitchFamily="18" charset="0"/>
+                  </a:rPr>
+                  <a:t>idea of SVM is to find an hyper-plane which separates positive and negative training observations and maximizes the</a:t>
+                </a:r>
+                <a:br>
+                  <a:rPr lang="en-US" sz="1200" b="0" i="0" kern="1200" dirty="0">
+                    <a:solidFill>
+                      <a:schemeClr val="tx1"/>
+                    </a:solidFill>
+                    <a:effectLst/>
+                    <a:latin typeface="Times New Roman" panose="02020603050405020304" pitchFamily="18" charset="0"/>
+                    <a:ea typeface="+mn-ea"/>
+                    <a:cs typeface="Times New Roman" panose="02020603050405020304" pitchFamily="18" charset="0"/>
+                  </a:rPr>
+                </a:br>
+                <a:r>
+                  <a:rPr lang="en-US" sz="1200" b="0" i="0" kern="1200" dirty="0">
+                    <a:solidFill>
+                      <a:schemeClr val="tx1"/>
+                    </a:solidFill>
+                    <a:effectLst/>
+                    <a:latin typeface="Times New Roman" panose="02020603050405020304" pitchFamily="18" charset="0"/>
+                    <a:ea typeface="+mn-ea"/>
+                    <a:cs typeface="Times New Roman" panose="02020603050405020304" pitchFamily="18" charset="0"/>
+                  </a:rPr>
+                  <a:t>margin between these observations and the hyper-plane. </a:t>
+                </a:r>
+              </a:p>
+              <a:p>
+                <a:r>
+                  <a:rPr lang="en-US" sz="1200" b="0" i="0" kern="1200" dirty="0">
+                    <a:solidFill>
+                      <a:schemeClr val="tx1"/>
+                    </a:solidFill>
+                    <a:effectLst/>
+                    <a:latin typeface="Times New Roman" panose="02020603050405020304" pitchFamily="18" charset="0"/>
+                    <a:ea typeface="+mn-ea"/>
+                    <a:cs typeface="Times New Roman" panose="02020603050405020304" pitchFamily="18" charset="0"/>
+                  </a:rPr>
+                  <a:t>Linear kernel: </a:t>
+                </a:r>
+                <a:r>
+                  <a:rPr lang="en-US" sz="1200" b="0" i="0" kern="1200" dirty="0">
+                    <a:solidFill>
+                      <a:schemeClr val="tx1"/>
+                    </a:solidFill>
+                    <a:effectLst/>
+                    <a:latin typeface="Cambria Math" panose="02040503050406030204" pitchFamily="18" charset="0"/>
+                    <a:ea typeface="+mn-ea"/>
+                    <a:cs typeface="+mn-cs"/>
+                  </a:rPr>
+                  <a:t>𝐾(</a:t>
+                </a:r>
+                <a:r>
+                  <a:rPr lang="en-US" sz="1200" b="0" i="0" kern="1200" dirty="0" err="1">
+                    <a:solidFill>
+                      <a:schemeClr val="tx1"/>
+                    </a:solidFill>
+                    <a:effectLst/>
+                    <a:latin typeface="Cambria Math" panose="02040503050406030204" pitchFamily="18" charset="0"/>
+                    <a:ea typeface="+mn-ea"/>
+                    <a:cs typeface="+mn-cs"/>
+                  </a:rPr>
+                  <a:t>𝑥</a:t>
+                </a:r>
+                <a:r>
+                  <a:rPr lang="en-US" sz="1200" b="0" i="0" kern="1200" baseline="-25000" dirty="0" err="1">
+                    <a:solidFill>
+                      <a:schemeClr val="tx1"/>
+                    </a:solidFill>
+                    <a:effectLst/>
+                    <a:latin typeface="Cambria Math" panose="02040503050406030204" pitchFamily="18" charset="0"/>
+                    <a:ea typeface="+mn-ea"/>
+                    <a:cs typeface="+mn-cs"/>
+                  </a:rPr>
+                  <a:t>𝑖</a:t>
+                </a:r>
+                <a:r>
+                  <a:rPr lang="en-US" sz="1200" b="0" i="0" kern="1200" baseline="0" dirty="0" err="1">
+                    <a:solidFill>
+                      <a:schemeClr val="tx1"/>
+                    </a:solidFill>
+                    <a:effectLst/>
+                    <a:latin typeface="Cambria Math" panose="02040503050406030204" pitchFamily="18" charset="0"/>
+                    <a:ea typeface="+mn-ea"/>
+                    <a:cs typeface="+mn-cs"/>
+                  </a:rPr>
+                  <a:t>,𝑥</a:t>
+                </a:r>
+                <a:r>
+                  <a:rPr lang="en-US" sz="1200" b="0" i="0" kern="1200" dirty="0">
+                    <a:solidFill>
+                      <a:schemeClr val="tx1"/>
+                    </a:solidFill>
+                    <a:effectLst/>
+                    <a:latin typeface="Cambria Math" panose="02040503050406030204" pitchFamily="18" charset="0"/>
+                    <a:ea typeface="+mn-ea"/>
+                    <a:cs typeface="+mn-cs"/>
+                  </a:rPr>
+                  <a:t>)=</a:t>
+                </a:r>
+                <a:r>
+                  <a:rPr lang="en-US" sz="1200" b="0" i="0" kern="1200" dirty="0" err="1">
+                    <a:solidFill>
+                      <a:schemeClr val="tx1"/>
+                    </a:solidFill>
+                    <a:effectLst/>
+                    <a:latin typeface="Cambria Math" panose="02040503050406030204" pitchFamily="18" charset="0"/>
+                    <a:ea typeface="+mn-ea"/>
+                    <a:cs typeface="+mn-cs"/>
+                  </a:rPr>
+                  <a:t>𝑥</a:t>
+                </a:r>
+                <a:r>
+                  <a:rPr lang="en-US" sz="1200" b="0" i="0" kern="1200" baseline="-25000" dirty="0" err="1">
+                    <a:solidFill>
+                      <a:schemeClr val="tx1"/>
+                    </a:solidFill>
+                    <a:effectLst/>
+                    <a:latin typeface="Cambria Math" panose="02040503050406030204" pitchFamily="18" charset="0"/>
+                    <a:ea typeface="+mn-ea"/>
+                    <a:cs typeface="+mn-cs"/>
+                  </a:rPr>
+                  <a:t>𝑖</a:t>
+                </a:r>
+                <a:r>
+                  <a:rPr lang="en-US" sz="1200" b="0" i="0" kern="1200" baseline="30000" dirty="0" err="1">
+                    <a:solidFill>
+                      <a:schemeClr val="tx1"/>
+                    </a:solidFill>
+                    <a:effectLst/>
+                    <a:latin typeface="Cambria Math" panose="02040503050406030204" pitchFamily="18" charset="0"/>
+                    <a:ea typeface="+mn-ea"/>
+                    <a:cs typeface="+mn-cs"/>
+                  </a:rPr>
+                  <a:t>𝑇</a:t>
+                </a:r>
+                <a:r>
+                  <a:rPr lang="en-US" sz="1200" b="0" i="0" kern="1200" baseline="0" dirty="0" err="1">
+                    <a:solidFill>
+                      <a:schemeClr val="tx1"/>
+                    </a:solidFill>
+                    <a:effectLst/>
+                    <a:latin typeface="Cambria Math" panose="02040503050406030204" pitchFamily="18" charset="0"/>
+                    <a:ea typeface="+mn-ea"/>
+                    <a:cs typeface="+mn-cs"/>
+                  </a:rPr>
+                  <a:t>.𝑥</a:t>
+                </a:r>
+                <a:endParaRPr lang="en-US" sz="1200" b="0" i="0" kern="1200" baseline="0" dirty="0">
+                  <a:solidFill>
+                    <a:schemeClr val="tx1"/>
+                  </a:solidFill>
+                  <a:effectLst/>
+                  <a:latin typeface="Times New Roman" panose="02020603050405020304" pitchFamily="18" charset="0"/>
+                  <a:ea typeface="+mn-ea"/>
+                  <a:cs typeface="Times New Roman" panose="02020603050405020304" pitchFamily="18" charset="0"/>
+                </a:endParaRPr>
+              </a:p>
+              <a:p>
+                <a:r>
+                  <a:rPr lang="en-US" sz="1200" b="0" i="0" kern="1200" baseline="0" dirty="0">
+                    <a:solidFill>
+                      <a:schemeClr val="tx1"/>
+                    </a:solidFill>
+                    <a:effectLst/>
+                    <a:latin typeface="Times New Roman" panose="02020603050405020304" pitchFamily="18" charset="0"/>
+                    <a:ea typeface="+mn-ea"/>
+                    <a:cs typeface="Times New Roman" panose="02020603050405020304" pitchFamily="18" charset="0"/>
+                  </a:rPr>
+                  <a:t>Polynomial kernel:</a:t>
+                </a:r>
+                <a:r>
+                  <a:rPr lang="en-US" sz="1200" b="0" i="0" kern="1200" dirty="0">
+                    <a:solidFill>
+                      <a:schemeClr val="tx1"/>
+                    </a:solidFill>
+                    <a:effectLst/>
+                    <a:latin typeface="Cambria Math" panose="02040503050406030204" pitchFamily="18" charset="0"/>
+                    <a:ea typeface="+mn-ea"/>
+                    <a:cs typeface="+mn-cs"/>
+                  </a:rPr>
+                  <a:t> 𝐾(</a:t>
+                </a:r>
+                <a:r>
+                  <a:rPr lang="en-US" sz="1200" b="0" i="0" kern="1200" dirty="0" err="1">
+                    <a:solidFill>
+                      <a:schemeClr val="tx1"/>
+                    </a:solidFill>
+                    <a:effectLst/>
+                    <a:latin typeface="Cambria Math" panose="02040503050406030204" pitchFamily="18" charset="0"/>
+                    <a:ea typeface="+mn-ea"/>
+                    <a:cs typeface="+mn-cs"/>
+                  </a:rPr>
+                  <a:t>𝑥</a:t>
+                </a:r>
+                <a:r>
+                  <a:rPr lang="en-US" sz="1200" b="0" i="0" kern="1200" baseline="-25000" dirty="0" err="1">
+                    <a:solidFill>
+                      <a:schemeClr val="tx1"/>
+                    </a:solidFill>
+                    <a:effectLst/>
+                    <a:latin typeface="Cambria Math" panose="02040503050406030204" pitchFamily="18" charset="0"/>
+                    <a:ea typeface="+mn-ea"/>
+                    <a:cs typeface="+mn-cs"/>
+                  </a:rPr>
+                  <a:t>𝑖</a:t>
+                </a:r>
+                <a:r>
+                  <a:rPr lang="en-US" sz="1200" b="0" i="0" kern="1200" baseline="0" dirty="0" err="1">
+                    <a:solidFill>
+                      <a:schemeClr val="tx1"/>
+                    </a:solidFill>
+                    <a:effectLst/>
+                    <a:latin typeface="Cambria Math" panose="02040503050406030204" pitchFamily="18" charset="0"/>
+                    <a:ea typeface="+mn-ea"/>
+                    <a:cs typeface="+mn-cs"/>
+                  </a:rPr>
+                  <a:t>,𝑥</a:t>
+                </a:r>
+                <a:r>
+                  <a:rPr lang="en-US" sz="1200" b="0" i="0" kern="1200" baseline="0" dirty="0">
+                    <a:solidFill>
+                      <a:schemeClr val="tx1"/>
+                    </a:solidFill>
+                    <a:effectLst/>
+                    <a:latin typeface="Cambria Math" panose="02040503050406030204" pitchFamily="18" charset="0"/>
+                    <a:ea typeface="+mn-ea"/>
+                    <a:cs typeface="+mn-cs"/>
+                  </a:rPr>
+                  <a:t>)"</a:t>
+                </a:r>
+                <a:r>
+                  <a:rPr lang="en-US" sz="1200" b="0" i="0" kern="1200" dirty="0">
+                    <a:solidFill>
+                      <a:schemeClr val="tx1"/>
+                    </a:solidFill>
+                    <a:effectLst/>
+                    <a:latin typeface="Cambria Math" panose="02040503050406030204" pitchFamily="18" charset="0"/>
+                    <a:ea typeface="+mn-ea"/>
+                    <a:cs typeface="Times New Roman" panose="02020603050405020304" pitchFamily="18" charset="0"/>
+                  </a:rPr>
+                  <a:t>=</a:t>
+                </a:r>
+                <a:r>
+                  <a:rPr lang="en-US" sz="1200" b="0" i="0" kern="1200" dirty="0">
+                    <a:solidFill>
+                      <a:schemeClr val="tx1"/>
+                    </a:solidFill>
+                    <a:effectLst/>
+                    <a:latin typeface="Cambria Math" panose="02040503050406030204" pitchFamily="18" charset="0"/>
+                    <a:ea typeface="+mn-ea"/>
+                    <a:cs typeface="+mn-cs"/>
+                  </a:rPr>
+                  <a:t>" (</a:t>
+                </a:r>
+                <a:r>
+                  <a:rPr lang="en-US" sz="1200" b="0" i="0" kern="1200" dirty="0">
+                    <a:solidFill>
+                      <a:schemeClr val="tx1"/>
+                    </a:solidFill>
+                    <a:effectLst/>
+                    <a:latin typeface="Cambria Math" panose="02040503050406030204" pitchFamily="18" charset="0"/>
+                    <a:ea typeface="Cambria Math" panose="02040503050406030204" pitchFamily="18" charset="0"/>
+                    <a:cs typeface="+mn-cs"/>
+                  </a:rPr>
+                  <a:t>𝛾〖.𝑥〗_𝑖^𝑇.𝑥+𝑟</a:t>
+                </a:r>
+                <a:r>
+                  <a:rPr lang="en-US" sz="1200" b="0" i="0" kern="1200" dirty="0">
+                    <a:solidFill>
+                      <a:schemeClr val="tx1"/>
+                    </a:solidFill>
+                    <a:effectLst/>
+                    <a:latin typeface="Cambria Math" panose="02040503050406030204" pitchFamily="18" charset="0"/>
+                    <a:ea typeface="+mn-ea"/>
+                    <a:cs typeface="+mn-cs"/>
+                  </a:rPr>
+                  <a:t>)^𝑑,</a:t>
+                </a:r>
+                <a:r>
+                  <a:rPr lang="en-US" sz="1200" b="0" i="0" kern="1200" dirty="0">
+                    <a:solidFill>
+                      <a:schemeClr val="tx1"/>
+                    </a:solidFill>
+                    <a:effectLst/>
+                    <a:latin typeface="Cambria Math" panose="02040503050406030204" pitchFamily="18" charset="0"/>
+                    <a:ea typeface="Cambria Math" panose="02040503050406030204" pitchFamily="18" charset="0"/>
+                    <a:cs typeface="+mn-cs"/>
+                  </a:rPr>
+                  <a:t>𝛾</a:t>
+                </a:r>
+                <a:r>
+                  <a:rPr lang="en-US" dirty="0">
+                    <a:latin typeface="Times New Roman" panose="02020603050405020304" pitchFamily="18" charset="0"/>
+                    <a:cs typeface="Times New Roman" panose="02020603050405020304" pitchFamily="18" charset="0"/>
+                  </a:rPr>
+                  <a:t>&gt;0. </a:t>
+                </a:r>
+                <a:r>
+                  <a:rPr lang="en-US" sz="1200" b="0" i="0" kern="1200" dirty="0">
+                    <a:solidFill>
+                      <a:schemeClr val="tx1"/>
+                    </a:solidFill>
+                    <a:effectLst/>
+                    <a:latin typeface="Cambria Math" panose="02040503050406030204" pitchFamily="18" charset="0"/>
+                    <a:ea typeface="Cambria Math" panose="02040503050406030204" pitchFamily="18" charset="0"/>
+                    <a:cs typeface="+mn-cs"/>
+                  </a:rPr>
+                  <a:t>𝛾, 𝑟 </a:t>
+                </a:r>
+                <a:r>
+                  <a:rPr lang="en-US" dirty="0">
+                    <a:latin typeface="Times New Roman" panose="02020603050405020304" pitchFamily="18" charset="0"/>
+                    <a:cs typeface="Times New Roman" panose="02020603050405020304" pitchFamily="18" charset="0"/>
+                  </a:rPr>
+                  <a:t>and d parameters of the kernel function.</a:t>
+                </a:r>
+                <a:br>
+                  <a:rPr lang="en-US" dirty="0">
+                    <a:latin typeface="Times New Roman" panose="02020603050405020304" pitchFamily="18" charset="0"/>
+                    <a:cs typeface="Times New Roman" panose="02020603050405020304" pitchFamily="18" charset="0"/>
+                  </a:rPr>
+                </a:br>
+                <a:endParaRPr lang="en-US" dirty="0">
+                  <a:latin typeface="Times New Roman" panose="02020603050405020304" pitchFamily="18" charset="0"/>
+                  <a:cs typeface="Times New Roman" panose="02020603050405020304" pitchFamily="18" charset="0"/>
+                </a:endParaRPr>
+              </a:p>
+            </p:txBody>
+          </p:sp>
+        </mc:Fallback>
+      </mc:AlternateContent>
+      <p:sp>
+        <p:nvSpPr>
+          <p:cNvPr id="4" name="Slide Number Placeholder 3">
+            <a:extLst>
+              <a:ext uri="{FF2B5EF4-FFF2-40B4-BE49-F238E27FC236}">
+                <a16:creationId xmlns:a16="http://schemas.microsoft.com/office/drawing/2014/main" id="{B517EC86-C7AF-08B6-F64E-AE2AEBF5552A}"/>
+              </a:ext>
+            </a:extLst>
+          </p:cNvPr>
+          <p:cNvSpPr>
+            <a:spLocks noGrp="1"/>
+          </p:cNvSpPr>
+          <p:nvPr>
+            <p:ph type="sldNum" sz="quarter" idx="10"/>
+          </p:nvPr>
+        </p:nvSpPr>
+        <p:spPr/>
+        <p:txBody>
+          <a:bodyPr/>
+          <a:lstStyle/>
+          <a:p>
+            <a:fld id="{DCB82D92-0755-4B0E-90A0-D65A6B50ACE9}" type="slidenum">
+              <a:rPr lang="en-US" smtClean="0"/>
+              <a:t>15</a:t>
+            </a:fld>
+            <a:endParaRPr lang="en-US"/>
+          </a:p>
+        </p:txBody>
+      </p:sp>
+    </p:spTree>
+    <p:extLst>
+      <p:ext uri="{BB962C8B-B14F-4D97-AF65-F5344CB8AC3E}">
+        <p14:creationId xmlns:p14="http://schemas.microsoft.com/office/powerpoint/2010/main" val="1575142702"/>
+      </p:ext>
+    </p:extLst>
+  </p:cSld>
+  <p:clrMapOvr>
+    <a:masterClrMapping/>
+  </p:clrMapOvr>
+</p:notes>
+</file>
+
+<file path=ppt/notesSlides/notesSlide15.xml><?xml version="1.0" encoding="utf-8"?>
 <p:notes xmlns:a="http://schemas.openxmlformats.org/drawingml/2006/main" xmlns:r="http://schemas.openxmlformats.org/officeDocument/2006/relationships" xmlns:p="http://schemas.openxmlformats.org/presentationml/2006/main">
   <p:cSld>
     <p:spTree>
@@ -4635,7 +6603,7 @@
           <a:p>
             <a:fld id="{DCB82D92-0755-4B0E-90A0-D65A6B50ACE9}" type="slidenum">
               <a:rPr lang="en-US" smtClean="0"/>
-              <a:t>12</a:t>
+              <a:t>16</a:t>
             </a:fld>
             <a:endParaRPr lang="en-US"/>
           </a:p>
@@ -4654,7 +6622,7 @@
 </p:notes>
 </file>
 
-<file path=ppt/notesSlides/notesSlide12.xml><?xml version="1.0" encoding="utf-8"?>
+<file path=ppt/notesSlides/notesSlide16.xml><?xml version="1.0" encoding="utf-8"?>
 <p:notes xmlns:a="http://schemas.openxmlformats.org/drawingml/2006/main" xmlns:r="http://schemas.openxmlformats.org/officeDocument/2006/relationships" xmlns:p="http://schemas.openxmlformats.org/presentationml/2006/main">
   <p:cSld>
     <p:spTree>
@@ -5125,7 +7093,7 @@
           <a:p>
             <a:fld id="{DCB82D92-0755-4B0E-90A0-D65A6B50ACE9}" type="slidenum">
               <a:rPr lang="en-US" smtClean="0"/>
-              <a:t>13</a:t>
+              <a:t>17</a:t>
             </a:fld>
             <a:endParaRPr lang="en-US"/>
           </a:p>
@@ -8922,7 +10890,7 @@
               <a:pPr>
                 <a:defRPr/>
               </a:pPr>
-              <a:t>2025-05-14</a:t>
+              <a:t>2025-06-03</a:t>
             </a:fld>
             <a:endParaRPr lang="ko-KR" altLang="en-US"/>
           </a:p>
@@ -9127,7 +11095,7 @@
               <a:pPr>
                 <a:defRPr/>
               </a:pPr>
-              <a:t>2025-05-14</a:t>
+              <a:t>2025-06-03</a:t>
             </a:fld>
             <a:endParaRPr lang="ko-KR" altLang="en-US"/>
           </a:p>
@@ -9677,7 +11645,7 @@
               <a:pPr>
                 <a:defRPr/>
               </a:pPr>
-              <a:t>2025-05-14</a:t>
+              <a:t>2025-06-03</a:t>
             </a:fld>
             <a:endParaRPr lang="ko-KR" altLang="en-US"/>
           </a:p>
@@ -9989,7 +11957,7 @@
               <a:pPr>
                 <a:defRPr/>
               </a:pPr>
-              <a:t>2025-05-14</a:t>
+              <a:t>2025-06-03</a:t>
             </a:fld>
             <a:endParaRPr lang="ko-KR" altLang="en-US"/>
           </a:p>
@@ -10435,7 +12403,7 @@
               <a:pPr>
                 <a:defRPr/>
               </a:pPr>
-              <a:t>2025-05-14</a:t>
+              <a:t>2025-06-03</a:t>
             </a:fld>
             <a:endParaRPr lang="ko-KR" altLang="en-US"/>
           </a:p>
@@ -10579,7 +12547,7 @@
               <a:pPr>
                 <a:defRPr/>
               </a:pPr>
-              <a:t>2025-05-14</a:t>
+              <a:t>2025-06-03</a:t>
             </a:fld>
             <a:endParaRPr lang="ko-KR" altLang="en-US"/>
           </a:p>
@@ -10701,7 +12669,7 @@
               <a:pPr>
                 <a:defRPr/>
               </a:pPr>
-              <a:t>2025-05-14</a:t>
+              <a:t>2025-06-03</a:t>
             </a:fld>
             <a:endParaRPr lang="ko-KR" altLang="en-US"/>
           </a:p>
@@ -11003,7 +12971,7 @@
               <a:pPr>
                 <a:defRPr/>
               </a:pPr>
-              <a:t>2025-05-14</a:t>
+              <a:t>2025-06-03</a:t>
             </a:fld>
             <a:endParaRPr lang="ko-KR" altLang="en-US"/>
           </a:p>
@@ -11285,7 +13253,7 @@
               <a:pPr>
                 <a:defRPr/>
               </a:pPr>
-              <a:t>2025-05-14</a:t>
+              <a:t>2025-06-03</a:t>
             </a:fld>
             <a:endParaRPr lang="ko-KR" altLang="en-US"/>
           </a:p>
@@ -11546,7 +13514,7 @@
               <a:pPr>
                 <a:defRPr/>
               </a:pPr>
-              <a:t>2025-05-14</a:t>
+              <a:t>2025-06-03</a:t>
             </a:fld>
             <a:endParaRPr lang="ko-KR" altLang="en-US"/>
           </a:p>
@@ -14526,6 +16494,489 @@
   <p:cSld>
     <p:spTree>
       <p:nvGrpSpPr>
+        <p:cNvPr id="1" name="">
+          <a:extLst>
+            <a:ext uri="{FF2B5EF4-FFF2-40B4-BE49-F238E27FC236}">
+              <a16:creationId xmlns:a16="http://schemas.microsoft.com/office/drawing/2014/main" id="{0ADBE533-0C60-02E9-9622-44997238BC93}"/>
+            </a:ext>
+          </a:extLst>
+        </p:cNvPr>
+        <p:cNvGrpSpPr/>
+        <p:nvPr/>
+      </p:nvGrpSpPr>
+      <p:grpSpPr>
+        <a:xfrm>
+          <a:off x="0" y="0"/>
+          <a:ext cx="0" cy="0"/>
+          <a:chOff x="0" y="0"/>
+          <a:chExt cx="0" cy="0"/>
+        </a:xfrm>
+      </p:grpSpPr>
+      <p:sp>
+        <p:nvSpPr>
+          <p:cNvPr id="2" name="Title 1">
+            <a:extLst>
+              <a:ext uri="{FF2B5EF4-FFF2-40B4-BE49-F238E27FC236}">
+                <a16:creationId xmlns:a16="http://schemas.microsoft.com/office/drawing/2014/main" id="{DFDD3570-15AC-FD75-BD84-DEB0AD3FF294}"/>
+              </a:ext>
+            </a:extLst>
+          </p:cNvPr>
+          <p:cNvSpPr>
+            <a:spLocks noGrp="1"/>
+          </p:cNvSpPr>
+          <p:nvPr>
+            <p:ph type="title"/>
+          </p:nvPr>
+        </p:nvSpPr>
+        <p:spPr/>
+        <p:txBody>
+          <a:bodyPr/>
+          <a:lstStyle/>
+          <a:p>
+            <a:r>
+              <a:rPr lang="en-US" sz="3000" dirty="0">
+                <a:latin typeface="Calibri" panose="020F0502020204030204" pitchFamily="34" charset="0"/>
+                <a:ea typeface="Calibri" panose="020F0502020204030204" pitchFamily="34" charset="0"/>
+                <a:cs typeface="Calibri" panose="020F0502020204030204" pitchFamily="34" charset="0"/>
+              </a:rPr>
+              <a:t>Simulation - Goal</a:t>
+            </a:r>
+          </a:p>
+        </p:txBody>
+      </p:sp>
+      <p:sp>
+        <p:nvSpPr>
+          <p:cNvPr id="5" name="Content Placeholder 4">
+            <a:extLst>
+              <a:ext uri="{FF2B5EF4-FFF2-40B4-BE49-F238E27FC236}">
+                <a16:creationId xmlns:a16="http://schemas.microsoft.com/office/drawing/2014/main" id="{E5077F1E-E793-085D-168C-32D19F67B9FD}"/>
+              </a:ext>
+            </a:extLst>
+          </p:cNvPr>
+          <p:cNvSpPr>
+            <a:spLocks noGrp="1"/>
+          </p:cNvSpPr>
+          <p:nvPr>
+            <p:ph idx="1"/>
+          </p:nvPr>
+        </p:nvSpPr>
+        <p:spPr>
+          <a:xfrm>
+            <a:off x="285710" y="857232"/>
+            <a:ext cx="11620581" cy="5572164"/>
+          </a:xfrm>
+        </p:spPr>
+        <p:txBody>
+          <a:bodyPr/>
+          <a:lstStyle/>
+          <a:p>
+            <a:pPr marL="0" indent="0" algn="just">
+              <a:lnSpc>
+                <a:spcPct val="150000"/>
+              </a:lnSpc>
+              <a:spcBef>
+                <a:spcPts val="1200"/>
+              </a:spcBef>
+              <a:spcAft>
+                <a:spcPts val="1200"/>
+              </a:spcAft>
+              <a:buNone/>
+            </a:pPr>
+            <a:endParaRPr lang="en-US" sz="2000" dirty="0"/>
+          </a:p>
+          <a:p>
+            <a:pPr marL="0" indent="0" algn="just">
+              <a:lnSpc>
+                <a:spcPct val="150000"/>
+              </a:lnSpc>
+              <a:spcBef>
+                <a:spcPts val="600"/>
+              </a:spcBef>
+              <a:spcAft>
+                <a:spcPts val="600"/>
+              </a:spcAft>
+              <a:buNone/>
+            </a:pPr>
+            <a:endParaRPr lang="en-US" sz="2000" dirty="0"/>
+          </a:p>
+          <a:p>
+            <a:pPr marL="0" indent="0" algn="just">
+              <a:lnSpc>
+                <a:spcPct val="150000"/>
+              </a:lnSpc>
+              <a:spcBef>
+                <a:spcPts val="600"/>
+              </a:spcBef>
+              <a:spcAft>
+                <a:spcPts val="600"/>
+              </a:spcAft>
+              <a:buNone/>
+            </a:pPr>
+            <a:endParaRPr lang="en-US" sz="2000" dirty="0"/>
+          </a:p>
+        </p:txBody>
+      </p:sp>
+      <p:sp>
+        <p:nvSpPr>
+          <p:cNvPr id="3" name="Content Placeholder 2">
+            <a:extLst>
+              <a:ext uri="{FF2B5EF4-FFF2-40B4-BE49-F238E27FC236}">
+                <a16:creationId xmlns:a16="http://schemas.microsoft.com/office/drawing/2014/main" id="{2E69937C-B8A4-6695-AB60-4F6EFD75954F}"/>
+              </a:ext>
+            </a:extLst>
+          </p:cNvPr>
+          <p:cNvSpPr txBox="1">
+            <a:spLocks/>
+          </p:cNvSpPr>
+          <p:nvPr/>
+        </p:nvSpPr>
+        <p:spPr bwMode="auto">
+          <a:xfrm>
+            <a:off x="285708" y="857232"/>
+            <a:ext cx="11620582" cy="5599552"/>
+          </a:xfrm>
+          <a:prstGeom prst="rect">
+            <a:avLst/>
+          </a:prstGeom>
+          <a:noFill/>
+          <a:ln w="9525">
+            <a:noFill/>
+            <a:miter lim="800000"/>
+            <a:headEnd/>
+            <a:tailEnd/>
+          </a:ln>
+        </p:spPr>
+        <p:txBody>
+          <a:bodyPr vert="horz" wrap="square" lIns="91440" tIns="45720" rIns="91440" bIns="45720" numCol="1" anchor="t" anchorCtr="0" compatLnSpc="1">
+            <a:prstTxWarp prst="textNoShape">
+              <a:avLst/>
+            </a:prstTxWarp>
+          </a:bodyPr>
+          <a:lstStyle>
+            <a:lvl1pPr marL="342900" indent="-342900" algn="l" rtl="0" eaLnBrk="0" fontAlgn="base" latinLnBrk="1" hangingPunct="0">
+              <a:spcBef>
+                <a:spcPct val="20000"/>
+              </a:spcBef>
+              <a:spcAft>
+                <a:spcPct val="0"/>
+              </a:spcAft>
+              <a:buFont typeface="Arial" charset="0"/>
+              <a:buChar char="•"/>
+              <a:defRPr sz="1800" kern="1200" baseline="0">
+                <a:solidFill>
+                  <a:schemeClr val="tx1"/>
+                </a:solidFill>
+                <a:latin typeface="Times New Roman" pitchFamily="18" charset="0"/>
+                <a:ea typeface="+mn-ea"/>
+                <a:cs typeface="Times New Roman" pitchFamily="18" charset="0"/>
+              </a:defRPr>
+            </a:lvl1pPr>
+            <a:lvl2pPr marL="742950" indent="-285750" algn="l" rtl="0" eaLnBrk="0" fontAlgn="base" latinLnBrk="1" hangingPunct="0">
+              <a:spcBef>
+                <a:spcPct val="20000"/>
+              </a:spcBef>
+              <a:spcAft>
+                <a:spcPct val="0"/>
+              </a:spcAft>
+              <a:buFont typeface="Arial" charset="0"/>
+              <a:buChar char="–"/>
+              <a:defRPr sz="1800" kern="1200" baseline="0">
+                <a:solidFill>
+                  <a:schemeClr val="tx1"/>
+                </a:solidFill>
+                <a:latin typeface="Times New Roman" pitchFamily="18" charset="0"/>
+                <a:ea typeface="+mn-ea"/>
+                <a:cs typeface="Times New Roman" pitchFamily="18" charset="0"/>
+              </a:defRPr>
+            </a:lvl2pPr>
+            <a:lvl3pPr marL="1143000" indent="-228600" algn="l" rtl="0" eaLnBrk="0" fontAlgn="base" latinLnBrk="1" hangingPunct="0">
+              <a:spcBef>
+                <a:spcPct val="20000"/>
+              </a:spcBef>
+              <a:spcAft>
+                <a:spcPct val="0"/>
+              </a:spcAft>
+              <a:buFont typeface="Arial" charset="0"/>
+              <a:buChar char="•"/>
+              <a:defRPr sz="1800" kern="1200" baseline="0">
+                <a:solidFill>
+                  <a:schemeClr val="tx1"/>
+                </a:solidFill>
+                <a:latin typeface="Times New Roman" pitchFamily="18" charset="0"/>
+                <a:ea typeface="+mn-ea"/>
+                <a:cs typeface="Times New Roman" pitchFamily="18" charset="0"/>
+              </a:defRPr>
+            </a:lvl3pPr>
+            <a:lvl4pPr marL="1600200" indent="-228600" algn="l" rtl="0" eaLnBrk="0" fontAlgn="base" latinLnBrk="1" hangingPunct="0">
+              <a:spcBef>
+                <a:spcPct val="20000"/>
+              </a:spcBef>
+              <a:spcAft>
+                <a:spcPct val="0"/>
+              </a:spcAft>
+              <a:buFont typeface="Arial" charset="0"/>
+              <a:buChar char="–"/>
+              <a:defRPr sz="1600" kern="1200" baseline="0">
+                <a:solidFill>
+                  <a:schemeClr val="tx1"/>
+                </a:solidFill>
+                <a:latin typeface="Times New Roman" pitchFamily="18" charset="0"/>
+                <a:ea typeface="+mn-ea"/>
+                <a:cs typeface="Times New Roman" pitchFamily="18" charset="0"/>
+              </a:defRPr>
+            </a:lvl4pPr>
+            <a:lvl5pPr marL="2057400" indent="-228600" algn="l" rtl="0" eaLnBrk="0" fontAlgn="base" latinLnBrk="1" hangingPunct="0">
+              <a:spcBef>
+                <a:spcPct val="20000"/>
+              </a:spcBef>
+              <a:spcAft>
+                <a:spcPct val="0"/>
+              </a:spcAft>
+              <a:buFont typeface="Arial" charset="0"/>
+              <a:buChar char="»"/>
+              <a:defRPr sz="1600" kern="1200" baseline="0">
+                <a:solidFill>
+                  <a:schemeClr val="tx1"/>
+                </a:solidFill>
+                <a:latin typeface="Times New Roman" pitchFamily="18" charset="0"/>
+                <a:ea typeface="+mn-ea"/>
+                <a:cs typeface="Times New Roman" pitchFamily="18" charset="0"/>
+              </a:defRPr>
+            </a:lvl5pPr>
+            <a:lvl6pPr marL="2514600" indent="-228600" algn="l" defTabSz="914400" rtl="0" eaLnBrk="1" latinLnBrk="1" hangingPunct="1">
+              <a:spcBef>
+                <a:spcPct val="20000"/>
+              </a:spcBef>
+              <a:buFont typeface="Arial" pitchFamily="34" charset="0"/>
+              <a:buChar char="•"/>
+              <a:defRPr sz="2000" kern="1200">
+                <a:solidFill>
+                  <a:schemeClr val="tx1"/>
+                </a:solidFill>
+                <a:latin typeface="+mn-lt"/>
+                <a:ea typeface="+mn-ea"/>
+                <a:cs typeface="+mn-cs"/>
+              </a:defRPr>
+            </a:lvl6pPr>
+            <a:lvl7pPr marL="2971800" indent="-228600" algn="l" defTabSz="914400" rtl="0" eaLnBrk="1" latinLnBrk="1" hangingPunct="1">
+              <a:spcBef>
+                <a:spcPct val="20000"/>
+              </a:spcBef>
+              <a:buFont typeface="Arial" pitchFamily="34" charset="0"/>
+              <a:buChar char="•"/>
+              <a:defRPr sz="2000" kern="1200">
+                <a:solidFill>
+                  <a:schemeClr val="tx1"/>
+                </a:solidFill>
+                <a:latin typeface="+mn-lt"/>
+                <a:ea typeface="+mn-ea"/>
+                <a:cs typeface="+mn-cs"/>
+              </a:defRPr>
+            </a:lvl7pPr>
+            <a:lvl8pPr marL="3429000" indent="-228600" algn="l" defTabSz="914400" rtl="0" eaLnBrk="1" latinLnBrk="1" hangingPunct="1">
+              <a:spcBef>
+                <a:spcPct val="20000"/>
+              </a:spcBef>
+              <a:buFont typeface="Arial" pitchFamily="34" charset="0"/>
+              <a:buChar char="•"/>
+              <a:defRPr sz="2000" kern="1200">
+                <a:solidFill>
+                  <a:schemeClr val="tx1"/>
+                </a:solidFill>
+                <a:latin typeface="+mn-lt"/>
+                <a:ea typeface="+mn-ea"/>
+                <a:cs typeface="+mn-cs"/>
+              </a:defRPr>
+            </a:lvl8pPr>
+            <a:lvl9pPr marL="3886200" indent="-228600" algn="l" defTabSz="914400" rtl="0" eaLnBrk="1" latinLnBrk="1" hangingPunct="1">
+              <a:spcBef>
+                <a:spcPct val="20000"/>
+              </a:spcBef>
+              <a:buFont typeface="Arial" pitchFamily="34" charset="0"/>
+              <a:buChar char="•"/>
+              <a:defRPr sz="2000" kern="1200">
+                <a:solidFill>
+                  <a:schemeClr val="tx1"/>
+                </a:solidFill>
+                <a:latin typeface="+mn-lt"/>
+                <a:ea typeface="+mn-ea"/>
+                <a:cs typeface="+mn-cs"/>
+              </a:defRPr>
+            </a:lvl9pPr>
+          </a:lstStyle>
+          <a:p>
+            <a:pPr marL="684213" indent="-457200">
+              <a:spcBef>
+                <a:spcPts val="600"/>
+              </a:spcBef>
+              <a:spcAft>
+                <a:spcPts val="600"/>
+              </a:spcAft>
+              <a:buFont typeface="Wingdings" panose="05000000000000000000" pitchFamily="2" charset="2"/>
+              <a:buChar char="q"/>
+            </a:pPr>
+            <a:endParaRPr lang="en-US" sz="2600" kern="100" dirty="0">
+              <a:ea typeface="Malgun Gothic" panose="020B0503020000020004" pitchFamily="34" charset="-127"/>
+            </a:endParaRPr>
+          </a:p>
+          <a:p>
+            <a:pPr marL="684213" indent="-457200">
+              <a:spcBef>
+                <a:spcPts val="600"/>
+              </a:spcBef>
+              <a:spcAft>
+                <a:spcPts val="600"/>
+              </a:spcAft>
+              <a:buFont typeface="Wingdings" panose="05000000000000000000" pitchFamily="2" charset="2"/>
+              <a:buChar char="q"/>
+            </a:pPr>
+            <a:r>
+              <a:rPr lang="en-US" sz="2600" kern="100" dirty="0">
+                <a:ea typeface="Malgun Gothic" panose="020B0503020000020004" pitchFamily="34" charset="-127"/>
+              </a:rPr>
+              <a:t>Compare two control strategies – Proportional (P) and LQR – in regulating</a:t>
+            </a:r>
+          </a:p>
+          <a:p>
+            <a:pPr marL="227013" indent="0">
+              <a:spcBef>
+                <a:spcPts val="600"/>
+              </a:spcBef>
+              <a:spcAft>
+                <a:spcPts val="600"/>
+              </a:spcAft>
+              <a:buNone/>
+            </a:pPr>
+            <a:r>
+              <a:rPr lang="en-US" sz="2600" kern="100" dirty="0">
+                <a:ea typeface="Malgun Gothic" panose="020B0503020000020004" pitchFamily="34" charset="-127"/>
+              </a:rPr>
+              <a:t>the angular velocity of a DC motor.</a:t>
+            </a:r>
+          </a:p>
+          <a:p>
+            <a:pPr marL="684213" indent="-457200">
+              <a:spcBef>
+                <a:spcPts val="600"/>
+              </a:spcBef>
+              <a:spcAft>
+                <a:spcPts val="600"/>
+              </a:spcAft>
+              <a:buFont typeface="Wingdings" panose="05000000000000000000" pitchFamily="2" charset="2"/>
+              <a:buChar char="q"/>
+            </a:pPr>
+            <a:endParaRPr lang="en-US" sz="2600" b="0" i="0" dirty="0">
+              <a:effectLst/>
+            </a:endParaRPr>
+          </a:p>
+          <a:p>
+            <a:pPr marL="684213" indent="-457200">
+              <a:spcBef>
+                <a:spcPts val="600"/>
+              </a:spcBef>
+              <a:spcAft>
+                <a:spcPts val="600"/>
+              </a:spcAft>
+              <a:buFont typeface="Wingdings" panose="05000000000000000000" pitchFamily="2" charset="2"/>
+              <a:buChar char="q"/>
+            </a:pPr>
+            <a:r>
+              <a:rPr lang="en-US" sz="2600" b="0" i="0" dirty="0">
+                <a:effectLst/>
+              </a:rPr>
+              <a:t>Compare the impact of different Q and R matrices on LQR behavior.</a:t>
+            </a:r>
+          </a:p>
+          <a:p>
+            <a:pPr marL="227013" indent="0">
+              <a:spcBef>
+                <a:spcPts val="600"/>
+              </a:spcBef>
+              <a:spcAft>
+                <a:spcPts val="600"/>
+              </a:spcAft>
+              <a:buNone/>
+            </a:pPr>
+            <a:endParaRPr lang="en-US" sz="2600" b="0" i="0" dirty="0">
+              <a:effectLst/>
+            </a:endParaRPr>
+          </a:p>
+          <a:p>
+            <a:pPr marL="227013" indent="0">
+              <a:lnSpc>
+                <a:spcPct val="150000"/>
+              </a:lnSpc>
+              <a:spcBef>
+                <a:spcPts val="600"/>
+              </a:spcBef>
+              <a:spcAft>
+                <a:spcPts val="600"/>
+              </a:spcAft>
+              <a:buNone/>
+            </a:pPr>
+            <a:br>
+              <a:rPr lang="en-US" sz="2600" dirty="0"/>
+            </a:br>
+            <a:endParaRPr lang="en-US" sz="2600" kern="100" dirty="0">
+              <a:ea typeface="Malgun Gothic" panose="020B0503020000020004" pitchFamily="34" charset="-127"/>
+            </a:endParaRPr>
+          </a:p>
+          <a:p>
+            <a:pPr marL="227013" indent="0">
+              <a:lnSpc>
+                <a:spcPct val="150000"/>
+              </a:lnSpc>
+              <a:spcBef>
+                <a:spcPts val="600"/>
+              </a:spcBef>
+              <a:spcAft>
+                <a:spcPts val="600"/>
+              </a:spcAft>
+              <a:buFont typeface="Arial" charset="0"/>
+              <a:buNone/>
+            </a:pPr>
+            <a:endParaRPr lang="en-US" sz="2600" kern="100" dirty="0">
+              <a:ea typeface="Malgun Gothic" panose="020B0503020000020004" pitchFamily="34" charset="-127"/>
+            </a:endParaRPr>
+          </a:p>
+          <a:p>
+            <a:pPr marL="227013" indent="0">
+              <a:lnSpc>
+                <a:spcPct val="150000"/>
+              </a:lnSpc>
+              <a:spcBef>
+                <a:spcPts val="600"/>
+              </a:spcBef>
+              <a:spcAft>
+                <a:spcPts val="600"/>
+              </a:spcAft>
+              <a:buFont typeface="Arial" charset="0"/>
+              <a:buNone/>
+            </a:pPr>
+            <a:endParaRPr lang="en-US" sz="2600" kern="100" dirty="0">
+              <a:ea typeface="Malgun Gothic" panose="020B0503020000020004" pitchFamily="34" charset="-127"/>
+            </a:endParaRPr>
+          </a:p>
+        </p:txBody>
+      </p:sp>
+    </p:spTree>
+    <p:extLst>
+      <p:ext uri="{BB962C8B-B14F-4D97-AF65-F5344CB8AC3E}">
+        <p14:creationId xmlns:p14="http://schemas.microsoft.com/office/powerpoint/2010/main" val="2365302854"/>
+      </p:ext>
+    </p:extLst>
+  </p:cSld>
+  <p:clrMapOvr>
+    <a:masterClrMapping/>
+  </p:clrMapOvr>
+</p:sld>
+</file>
+
+<file path=ppt/slides/slide12.xml><?xml version="1.0" encoding="utf-8"?>
+<p:sld xmlns:a="http://schemas.openxmlformats.org/drawingml/2006/main" xmlns:r="http://schemas.openxmlformats.org/officeDocument/2006/relationships" xmlns:p="http://schemas.openxmlformats.org/presentationml/2006/main">
+  <p:cSld>
+    <p:spTree>
+      <p:nvGrpSpPr>
         <p:cNvPr id="1" name=""/>
         <p:cNvGrpSpPr/>
         <p:nvPr/>
@@ -14565,7 +17016,7 @@
                 <a:ea typeface="Calibri" panose="020F0502020204030204" pitchFamily="34" charset="0"/>
                 <a:cs typeface="Calibri" panose="020F0502020204030204" pitchFamily="34" charset="0"/>
               </a:rPr>
-              <a:t>Simulation results</a:t>
+              <a:t>Simulation – DC motor parameters</a:t>
             </a:r>
           </a:p>
         </p:txBody>
@@ -14642,6 +17093,1522 @@
           </a:p>
         </p:txBody>
       </p:sp>
+      <p:graphicFrame>
+        <p:nvGraphicFramePr>
+          <p:cNvPr id="8" name="Table 7">
+            <a:extLst>
+              <a:ext uri="{FF2B5EF4-FFF2-40B4-BE49-F238E27FC236}">
+                <a16:creationId xmlns:a16="http://schemas.microsoft.com/office/drawing/2014/main" id="{2D449E7D-4826-8347-BBBD-564D78D7A196}"/>
+              </a:ext>
+            </a:extLst>
+          </p:cNvPr>
+          <p:cNvGraphicFramePr>
+            <a:graphicFrameLocks noGrp="1"/>
+          </p:cNvGraphicFramePr>
+          <p:nvPr>
+            <p:extLst>
+              <p:ext uri="{D42A27DB-BD31-4B8C-83A1-F6EECF244321}">
+                <p14:modId xmlns:p14="http://schemas.microsoft.com/office/powerpoint/2010/main" val="1282914921"/>
+              </p:ext>
+            </p:extLst>
+          </p:nvPr>
+        </p:nvGraphicFramePr>
+        <p:xfrm>
+          <a:off x="285709" y="1775693"/>
+          <a:ext cx="6392798" cy="3300281"/>
+        </p:xfrm>
+        <a:graphic>
+          <a:graphicData uri="http://schemas.openxmlformats.org/drawingml/2006/table">
+            <a:tbl>
+              <a:tblPr firstRow="1" bandRow="1">
+                <a:tableStyleId>{5C22544A-7EE6-4342-B048-85BDC9FD1C3A}</a:tableStyleId>
+              </a:tblPr>
+              <a:tblGrid>
+                <a:gridCol w="3717331">
+                  <a:extLst>
+                    <a:ext uri="{9D8B030D-6E8A-4147-A177-3AD203B41FA5}">
+                      <a16:colId xmlns:a16="http://schemas.microsoft.com/office/drawing/2014/main" val="909679999"/>
+                    </a:ext>
+                  </a:extLst>
+                </a:gridCol>
+                <a:gridCol w="2675467">
+                  <a:extLst>
+                    <a:ext uri="{9D8B030D-6E8A-4147-A177-3AD203B41FA5}">
+                      <a16:colId xmlns:a16="http://schemas.microsoft.com/office/drawing/2014/main" val="2335915627"/>
+                    </a:ext>
+                  </a:extLst>
+                </a:gridCol>
+              </a:tblGrid>
+              <a:tr h="507051">
+                <a:tc>
+                  <a:txBody>
+                    <a:bodyPr/>
+                    <a:lstStyle/>
+                    <a:p>
+                      <a:pPr algn="ctr">
+                        <a:lnSpc>
+                          <a:spcPct val="150000"/>
+                        </a:lnSpc>
+                        <a:spcBef>
+                          <a:spcPts val="600"/>
+                        </a:spcBef>
+                        <a:spcAft>
+                          <a:spcPts val="600"/>
+                        </a:spcAft>
+                      </a:pPr>
+                      <a:r>
+                        <a:rPr lang="en-US" sz="2000" dirty="0">
+                          <a:latin typeface="Times New Roman" panose="02020603050405020304" pitchFamily="18" charset="0"/>
+                          <a:cs typeface="Times New Roman" panose="02020603050405020304" pitchFamily="18" charset="0"/>
+                        </a:rPr>
+                        <a:t>Symbol</a:t>
+                      </a:r>
+                    </a:p>
+                  </a:txBody>
+                  <a:tcPr anchor="ctr">
+                    <a:lnB w="12700" cap="flat" cmpd="sng" algn="ctr">
+                      <a:solidFill>
+                        <a:schemeClr val="tx1"/>
+                      </a:solidFill>
+                      <a:prstDash val="solid"/>
+                      <a:round/>
+                      <a:headEnd type="none" w="med" len="med"/>
+                      <a:tailEnd type="none" w="med" len="med"/>
+                    </a:lnB>
+                    <a:solidFill>
+                      <a:srgbClr val="1F8D49"/>
+                    </a:solidFill>
+                  </a:tcPr>
+                </a:tc>
+                <a:tc>
+                  <a:txBody>
+                    <a:bodyPr/>
+                    <a:lstStyle/>
+                    <a:p>
+                      <a:pPr algn="ctr">
+                        <a:lnSpc>
+                          <a:spcPct val="150000"/>
+                        </a:lnSpc>
+                        <a:spcBef>
+                          <a:spcPts val="600"/>
+                        </a:spcBef>
+                        <a:spcAft>
+                          <a:spcPts val="600"/>
+                        </a:spcAft>
+                      </a:pPr>
+                      <a:r>
+                        <a:rPr lang="en-US" sz="2000" dirty="0">
+                          <a:latin typeface="Times New Roman" panose="02020603050405020304" pitchFamily="18" charset="0"/>
+                          <a:cs typeface="Times New Roman" panose="02020603050405020304" pitchFamily="18" charset="0"/>
+                        </a:rPr>
+                        <a:t>Value and unit</a:t>
+                      </a:r>
+                    </a:p>
+                  </a:txBody>
+                  <a:tcPr anchor="ctr">
+                    <a:lnB w="12700" cap="flat" cmpd="sng" algn="ctr">
+                      <a:solidFill>
+                        <a:schemeClr val="tx1"/>
+                      </a:solidFill>
+                      <a:prstDash val="solid"/>
+                      <a:round/>
+                      <a:headEnd type="none" w="med" len="med"/>
+                      <a:tailEnd type="none" w="med" len="med"/>
+                    </a:lnB>
+                    <a:solidFill>
+                      <a:srgbClr val="1F8D49"/>
+                    </a:solidFill>
+                  </a:tcPr>
+                </a:tc>
+                <a:extLst>
+                  <a:ext uri="{0D108BD9-81ED-4DB2-BD59-A6C34878D82A}">
+                    <a16:rowId xmlns:a16="http://schemas.microsoft.com/office/drawing/2014/main" val="1808665459"/>
+                  </a:ext>
+                </a:extLst>
+              </a:tr>
+              <a:tr h="467229">
+                <a:tc>
+                  <a:txBody>
+                    <a:bodyPr/>
+                    <a:lstStyle/>
+                    <a:p>
+                      <a:pPr algn="ctr" fontAlgn="b">
+                        <a:lnSpc>
+                          <a:spcPct val="150000"/>
+                        </a:lnSpc>
+                        <a:spcBef>
+                          <a:spcPts val="600"/>
+                        </a:spcBef>
+                        <a:spcAft>
+                          <a:spcPts val="600"/>
+                        </a:spcAft>
+                      </a:pPr>
+                      <a:r>
+                        <a:rPr lang="en-US" sz="2000" b="1" i="0" u="none" strike="noStrike" dirty="0">
+                          <a:solidFill>
+                            <a:srgbClr val="000000"/>
+                          </a:solidFill>
+                          <a:effectLst/>
+                          <a:latin typeface="Times New Roman" panose="02020603050405020304" pitchFamily="18" charset="0"/>
+                          <a:cs typeface="Times New Roman" panose="02020603050405020304" pitchFamily="18" charset="0"/>
+                        </a:rPr>
+                        <a:t>J </a:t>
+                      </a:r>
+                      <a:r>
+                        <a:rPr lang="en-US" sz="2000" b="0" i="0" u="none" strike="noStrike" dirty="0">
+                          <a:solidFill>
+                            <a:srgbClr val="000000"/>
+                          </a:solidFill>
+                          <a:effectLst/>
+                          <a:latin typeface="Times New Roman" panose="02020603050405020304" pitchFamily="18" charset="0"/>
+                          <a:cs typeface="Times New Roman" panose="02020603050405020304" pitchFamily="18" charset="0"/>
+                        </a:rPr>
+                        <a:t>(Rotor inertia)</a:t>
+                      </a:r>
+                    </a:p>
+                  </a:txBody>
+                  <a:tcPr marL="9525" marR="9525" marT="9525" marB="0" anchor="ctr">
+                    <a:lnL w="12700" cap="flat" cmpd="sng" algn="ctr">
+                      <a:solidFill>
+                        <a:schemeClr val="tx1"/>
+                      </a:solidFill>
+                      <a:prstDash val="solid"/>
+                      <a:round/>
+                      <a:headEnd type="none" w="med" len="med"/>
+                      <a:tailEnd type="none" w="med" len="med"/>
+                    </a:lnL>
+                    <a:lnR w="12700" cap="flat" cmpd="sng" algn="ctr">
+                      <a:solidFill>
+                        <a:schemeClr val="tx1"/>
+                      </a:solidFill>
+                      <a:prstDash val="solid"/>
+                      <a:round/>
+                      <a:headEnd type="none" w="med" len="med"/>
+                      <a:tailEnd type="none" w="med" len="med"/>
+                    </a:lnR>
+                    <a:lnT w="12700" cap="flat" cmpd="sng" algn="ctr">
+                      <a:solidFill>
+                        <a:schemeClr val="tx1"/>
+                      </a:solidFill>
+                      <a:prstDash val="solid"/>
+                      <a:round/>
+                      <a:headEnd type="none" w="med" len="med"/>
+                      <a:tailEnd type="none" w="med" len="med"/>
+                    </a:lnT>
+                    <a:lnB w="12700" cap="flat" cmpd="sng" algn="ctr">
+                      <a:solidFill>
+                        <a:schemeClr val="tx1"/>
+                      </a:solidFill>
+                      <a:prstDash val="solid"/>
+                      <a:round/>
+                      <a:headEnd type="none" w="med" len="med"/>
+                      <a:tailEnd type="none" w="med" len="med"/>
+                    </a:lnB>
+                    <a:solidFill>
+                      <a:schemeClr val="bg1"/>
+                    </a:solidFill>
+                  </a:tcPr>
+                </a:tc>
+                <a:tc>
+                  <a:txBody>
+                    <a:bodyPr/>
+                    <a:lstStyle/>
+                    <a:p>
+                      <a:pPr algn="ctr" fontAlgn="b">
+                        <a:lnSpc>
+                          <a:spcPct val="150000"/>
+                        </a:lnSpc>
+                        <a:spcBef>
+                          <a:spcPts val="600"/>
+                        </a:spcBef>
+                        <a:spcAft>
+                          <a:spcPts val="600"/>
+                        </a:spcAft>
+                      </a:pPr>
+                      <a:r>
+                        <a:rPr lang="en-US" sz="2000" b="0" i="0" u="none" strike="noStrike" dirty="0">
+                          <a:solidFill>
+                            <a:srgbClr val="000000"/>
+                          </a:solidFill>
+                          <a:effectLst/>
+                          <a:latin typeface="Times New Roman" panose="02020603050405020304" pitchFamily="18" charset="0"/>
+                          <a:cs typeface="Times New Roman" panose="02020603050405020304" pitchFamily="18" charset="0"/>
+                        </a:rPr>
+                        <a:t>1</a:t>
+                      </a:r>
+                      <a:r>
+                        <a:rPr lang="en-US" sz="2000" dirty="0"/>
+                        <a:t>×</a:t>
+                      </a:r>
+                      <a:r>
+                        <a:rPr lang="en-US" sz="2000" b="0" i="0" u="none" strike="noStrike" dirty="0">
+                          <a:solidFill>
+                            <a:srgbClr val="000000"/>
+                          </a:solidFill>
+                          <a:effectLst/>
+                          <a:latin typeface="Times New Roman" panose="02020603050405020304" pitchFamily="18" charset="0"/>
+                          <a:cs typeface="Times New Roman" panose="02020603050405020304" pitchFamily="18" charset="0"/>
+                        </a:rPr>
+                        <a:t>10</a:t>
+                      </a:r>
+                      <a:r>
+                        <a:rPr lang="en-US" sz="2000" b="0" i="0" u="none" strike="noStrike" baseline="30000" dirty="0">
+                          <a:solidFill>
+                            <a:srgbClr val="000000"/>
+                          </a:solidFill>
+                          <a:effectLst/>
+                          <a:latin typeface="Times New Roman" panose="02020603050405020304" pitchFamily="18" charset="0"/>
+                          <a:cs typeface="Times New Roman" panose="02020603050405020304" pitchFamily="18" charset="0"/>
+                        </a:rPr>
+                        <a:t>-2</a:t>
+                      </a:r>
+                      <a:r>
+                        <a:rPr lang="en-US" sz="2000" b="0" i="0" u="none" strike="noStrike" dirty="0">
+                          <a:solidFill>
+                            <a:srgbClr val="000000"/>
+                          </a:solidFill>
+                          <a:effectLst/>
+                          <a:latin typeface="Times New Roman" panose="02020603050405020304" pitchFamily="18" charset="0"/>
+                          <a:cs typeface="Times New Roman" panose="02020603050405020304" pitchFamily="18" charset="0"/>
+                        </a:rPr>
+                        <a:t>  kg</a:t>
+                      </a:r>
+                      <a:r>
+                        <a:rPr lang="en-US" sz="2000" dirty="0"/>
+                        <a:t>⋅</a:t>
+                      </a:r>
+                      <a:r>
+                        <a:rPr lang="en-US" sz="2000" b="0" i="0" u="none" strike="noStrike" dirty="0">
+                          <a:solidFill>
+                            <a:srgbClr val="000000"/>
+                          </a:solidFill>
+                          <a:effectLst/>
+                          <a:latin typeface="Times New Roman" panose="02020603050405020304" pitchFamily="18" charset="0"/>
+                          <a:cs typeface="Times New Roman" panose="02020603050405020304" pitchFamily="18" charset="0"/>
+                        </a:rPr>
+                        <a:t>m</a:t>
+                      </a:r>
+                      <a:r>
+                        <a:rPr lang="en-US" sz="2000" b="0" i="0" u="none" strike="noStrike" baseline="30000" dirty="0">
+                          <a:solidFill>
+                            <a:srgbClr val="000000"/>
+                          </a:solidFill>
+                          <a:effectLst/>
+                          <a:latin typeface="Times New Roman" panose="02020603050405020304" pitchFamily="18" charset="0"/>
+                          <a:cs typeface="Times New Roman" panose="02020603050405020304" pitchFamily="18" charset="0"/>
+                        </a:rPr>
+                        <a:t>2</a:t>
+                      </a:r>
+                    </a:p>
+                  </a:txBody>
+                  <a:tcPr marL="9525" marR="9525" marT="9525" marB="0" anchor="ctr">
+                    <a:lnL w="12700" cap="flat" cmpd="sng" algn="ctr">
+                      <a:solidFill>
+                        <a:schemeClr val="tx1"/>
+                      </a:solidFill>
+                      <a:prstDash val="solid"/>
+                      <a:round/>
+                      <a:headEnd type="none" w="med" len="med"/>
+                      <a:tailEnd type="none" w="med" len="med"/>
+                    </a:lnL>
+                    <a:lnR w="12700" cap="flat" cmpd="sng" algn="ctr">
+                      <a:solidFill>
+                        <a:schemeClr val="tx1"/>
+                      </a:solidFill>
+                      <a:prstDash val="solid"/>
+                      <a:round/>
+                      <a:headEnd type="none" w="med" len="med"/>
+                      <a:tailEnd type="none" w="med" len="med"/>
+                    </a:lnR>
+                    <a:lnT w="12700" cap="flat" cmpd="sng" algn="ctr">
+                      <a:solidFill>
+                        <a:schemeClr val="tx1"/>
+                      </a:solidFill>
+                      <a:prstDash val="solid"/>
+                      <a:round/>
+                      <a:headEnd type="none" w="med" len="med"/>
+                      <a:tailEnd type="none" w="med" len="med"/>
+                    </a:lnT>
+                    <a:lnB w="12700" cap="flat" cmpd="sng" algn="ctr">
+                      <a:solidFill>
+                        <a:schemeClr val="tx1"/>
+                      </a:solidFill>
+                      <a:prstDash val="solid"/>
+                      <a:round/>
+                      <a:headEnd type="none" w="med" len="med"/>
+                      <a:tailEnd type="none" w="med" len="med"/>
+                    </a:lnB>
+                    <a:solidFill>
+                      <a:schemeClr val="bg1"/>
+                    </a:solidFill>
+                  </a:tcPr>
+                </a:tc>
+                <a:extLst>
+                  <a:ext uri="{0D108BD9-81ED-4DB2-BD59-A6C34878D82A}">
+                    <a16:rowId xmlns:a16="http://schemas.microsoft.com/office/drawing/2014/main" val="3670459792"/>
+                  </a:ext>
+                </a:extLst>
+              </a:tr>
+              <a:tr h="487680">
+                <a:tc>
+                  <a:txBody>
+                    <a:bodyPr/>
+                    <a:lstStyle/>
+                    <a:p>
+                      <a:pPr algn="ctr" fontAlgn="b">
+                        <a:lnSpc>
+                          <a:spcPct val="150000"/>
+                        </a:lnSpc>
+                        <a:spcBef>
+                          <a:spcPts val="600"/>
+                        </a:spcBef>
+                        <a:spcAft>
+                          <a:spcPts val="600"/>
+                        </a:spcAft>
+                      </a:pPr>
+                      <a:r>
+                        <a:rPr lang="en-US" sz="2000" b="1" i="0" u="none" strike="noStrike" dirty="0">
+                          <a:solidFill>
+                            <a:srgbClr val="000000"/>
+                          </a:solidFill>
+                          <a:effectLst/>
+                          <a:latin typeface="Times New Roman" panose="02020603050405020304" pitchFamily="18" charset="0"/>
+                          <a:cs typeface="Times New Roman" panose="02020603050405020304" pitchFamily="18" charset="0"/>
+                        </a:rPr>
+                        <a:t>b </a:t>
+                      </a:r>
+                      <a:r>
+                        <a:rPr lang="en-US" sz="2000" b="0" i="0" u="none" strike="noStrike" dirty="0">
+                          <a:solidFill>
+                            <a:srgbClr val="000000"/>
+                          </a:solidFill>
+                          <a:effectLst/>
+                          <a:latin typeface="Times New Roman" panose="02020603050405020304" pitchFamily="18" charset="0"/>
+                          <a:cs typeface="Times New Roman" panose="02020603050405020304" pitchFamily="18" charset="0"/>
+                        </a:rPr>
+                        <a:t>(Viscous friction coefficient)</a:t>
+                      </a:r>
+                    </a:p>
+                  </a:txBody>
+                  <a:tcPr marL="9525" marR="9525" marT="9525" marB="0" anchor="ctr">
+                    <a:lnL w="12700" cap="flat" cmpd="sng" algn="ctr">
+                      <a:solidFill>
+                        <a:schemeClr val="tx1"/>
+                      </a:solidFill>
+                      <a:prstDash val="solid"/>
+                      <a:round/>
+                      <a:headEnd type="none" w="med" len="med"/>
+                      <a:tailEnd type="none" w="med" len="med"/>
+                    </a:lnL>
+                    <a:lnR w="12700" cap="flat" cmpd="sng" algn="ctr">
+                      <a:solidFill>
+                        <a:schemeClr val="tx1"/>
+                      </a:solidFill>
+                      <a:prstDash val="solid"/>
+                      <a:round/>
+                      <a:headEnd type="none" w="med" len="med"/>
+                      <a:tailEnd type="none" w="med" len="med"/>
+                    </a:lnR>
+                    <a:lnT w="12700" cap="flat" cmpd="sng" algn="ctr">
+                      <a:solidFill>
+                        <a:schemeClr val="tx1"/>
+                      </a:solidFill>
+                      <a:prstDash val="solid"/>
+                      <a:round/>
+                      <a:headEnd type="none" w="med" len="med"/>
+                      <a:tailEnd type="none" w="med" len="med"/>
+                    </a:lnT>
+                    <a:lnB w="12700" cap="flat" cmpd="sng" algn="ctr">
+                      <a:solidFill>
+                        <a:schemeClr val="tx1"/>
+                      </a:solidFill>
+                      <a:prstDash val="solid"/>
+                      <a:round/>
+                      <a:headEnd type="none" w="med" len="med"/>
+                      <a:tailEnd type="none" w="med" len="med"/>
+                    </a:lnB>
+                    <a:solidFill>
+                      <a:schemeClr val="bg1"/>
+                    </a:solidFill>
+                  </a:tcPr>
+                </a:tc>
+                <a:tc>
+                  <a:txBody>
+                    <a:bodyPr/>
+                    <a:lstStyle/>
+                    <a:p>
+                      <a:pPr algn="ctr" fontAlgn="b">
+                        <a:lnSpc>
+                          <a:spcPct val="150000"/>
+                        </a:lnSpc>
+                        <a:spcBef>
+                          <a:spcPts val="600"/>
+                        </a:spcBef>
+                        <a:spcAft>
+                          <a:spcPts val="600"/>
+                        </a:spcAft>
+                      </a:pPr>
+                      <a:r>
+                        <a:rPr lang="en-US" sz="2000" b="0" i="0" u="none" strike="noStrike" dirty="0">
+                          <a:solidFill>
+                            <a:srgbClr val="000000"/>
+                          </a:solidFill>
+                          <a:effectLst/>
+                          <a:latin typeface="Times New Roman" panose="02020603050405020304" pitchFamily="18" charset="0"/>
+                          <a:cs typeface="Times New Roman" panose="02020603050405020304" pitchFamily="18" charset="0"/>
+                        </a:rPr>
+                        <a:t>3</a:t>
+                      </a:r>
+                      <a:r>
+                        <a:rPr lang="en-US" sz="2000" dirty="0"/>
+                        <a:t>×</a:t>
+                      </a:r>
+                      <a:r>
+                        <a:rPr lang="en-US" sz="2000" b="0" i="0" u="none" strike="noStrike" dirty="0">
+                          <a:solidFill>
+                            <a:srgbClr val="000000"/>
+                          </a:solidFill>
+                          <a:effectLst/>
+                          <a:latin typeface="Times New Roman" panose="02020603050405020304" pitchFamily="18" charset="0"/>
+                          <a:cs typeface="Times New Roman" panose="02020603050405020304" pitchFamily="18" charset="0"/>
+                        </a:rPr>
+                        <a:t>10</a:t>
+                      </a:r>
+                      <a:r>
+                        <a:rPr lang="en-US" sz="2000" b="0" i="0" u="none" strike="noStrike" baseline="30000" dirty="0">
+                          <a:solidFill>
+                            <a:srgbClr val="000000"/>
+                          </a:solidFill>
+                          <a:effectLst/>
+                          <a:latin typeface="Times New Roman" panose="02020603050405020304" pitchFamily="18" charset="0"/>
+                          <a:cs typeface="Times New Roman" panose="02020603050405020304" pitchFamily="18" charset="0"/>
+                        </a:rPr>
+                        <a:t>-5</a:t>
+                      </a:r>
+                      <a:r>
+                        <a:rPr lang="en-US" sz="2000" b="0" i="0" u="none" strike="noStrike" dirty="0">
+                          <a:solidFill>
+                            <a:srgbClr val="000000"/>
+                          </a:solidFill>
+                          <a:effectLst/>
+                          <a:latin typeface="Times New Roman" panose="02020603050405020304" pitchFamily="18" charset="0"/>
+                          <a:cs typeface="Times New Roman" panose="02020603050405020304" pitchFamily="18" charset="0"/>
+                        </a:rPr>
+                        <a:t>  </a:t>
+                      </a:r>
+                      <a:r>
+                        <a:rPr lang="en-US" sz="2000" b="0" i="0" u="none" strike="noStrike" dirty="0" err="1">
+                          <a:solidFill>
+                            <a:srgbClr val="000000"/>
+                          </a:solidFill>
+                          <a:effectLst/>
+                          <a:latin typeface="Times New Roman" panose="02020603050405020304" pitchFamily="18" charset="0"/>
+                          <a:cs typeface="Times New Roman" panose="02020603050405020304" pitchFamily="18" charset="0"/>
+                        </a:rPr>
+                        <a:t>N</a:t>
+                      </a:r>
+                      <a:r>
+                        <a:rPr lang="en-US" sz="2000" dirty="0" err="1"/>
+                        <a:t>⋅</a:t>
+                      </a:r>
+                      <a:r>
+                        <a:rPr lang="en-US" sz="2000" b="0" i="0" u="none" strike="noStrike" dirty="0" err="1">
+                          <a:solidFill>
+                            <a:srgbClr val="000000"/>
+                          </a:solidFill>
+                          <a:effectLst/>
+                          <a:latin typeface="Times New Roman" panose="02020603050405020304" pitchFamily="18" charset="0"/>
+                          <a:cs typeface="Times New Roman" panose="02020603050405020304" pitchFamily="18" charset="0"/>
+                        </a:rPr>
+                        <a:t>m</a:t>
+                      </a:r>
+                      <a:r>
+                        <a:rPr lang="en-US" sz="2000" dirty="0" err="1"/>
+                        <a:t>⋅</a:t>
+                      </a:r>
+                      <a:r>
+                        <a:rPr lang="en-US" sz="2000" b="0" i="0" u="none" strike="noStrike" dirty="0" err="1">
+                          <a:solidFill>
+                            <a:srgbClr val="000000"/>
+                          </a:solidFill>
+                          <a:effectLst/>
+                          <a:latin typeface="Times New Roman" panose="02020603050405020304" pitchFamily="18" charset="0"/>
+                          <a:cs typeface="Times New Roman" panose="02020603050405020304" pitchFamily="18" charset="0"/>
+                        </a:rPr>
+                        <a:t>s</a:t>
+                      </a:r>
+                      <a:r>
+                        <a:rPr lang="en-US" sz="2000" b="0" i="0" u="none" strike="noStrike" dirty="0">
+                          <a:solidFill>
+                            <a:srgbClr val="000000"/>
+                          </a:solidFill>
+                          <a:effectLst/>
+                          <a:latin typeface="Times New Roman" panose="02020603050405020304" pitchFamily="18" charset="0"/>
+                          <a:cs typeface="Times New Roman" panose="02020603050405020304" pitchFamily="18" charset="0"/>
+                        </a:rPr>
+                        <a:t>/rad</a:t>
+                      </a:r>
+                      <a:endParaRPr lang="en-US" sz="2000" b="0" i="0" u="none" strike="noStrike" baseline="30000" dirty="0">
+                        <a:solidFill>
+                          <a:srgbClr val="000000"/>
+                        </a:solidFill>
+                        <a:effectLst/>
+                        <a:latin typeface="Times New Roman" panose="02020603050405020304" pitchFamily="18" charset="0"/>
+                        <a:cs typeface="Times New Roman" panose="02020603050405020304" pitchFamily="18" charset="0"/>
+                      </a:endParaRPr>
+                    </a:p>
+                  </a:txBody>
+                  <a:tcPr marL="9525" marR="9525" marT="9525" marB="0" anchor="ctr">
+                    <a:lnL w="12700" cap="flat" cmpd="sng" algn="ctr">
+                      <a:solidFill>
+                        <a:schemeClr val="tx1"/>
+                      </a:solidFill>
+                      <a:prstDash val="solid"/>
+                      <a:round/>
+                      <a:headEnd type="none" w="med" len="med"/>
+                      <a:tailEnd type="none" w="med" len="med"/>
+                    </a:lnL>
+                    <a:lnR w="12700" cap="flat" cmpd="sng" algn="ctr">
+                      <a:solidFill>
+                        <a:schemeClr val="tx1"/>
+                      </a:solidFill>
+                      <a:prstDash val="solid"/>
+                      <a:round/>
+                      <a:headEnd type="none" w="med" len="med"/>
+                      <a:tailEnd type="none" w="med" len="med"/>
+                    </a:lnR>
+                    <a:lnT w="12700" cap="flat" cmpd="sng" algn="ctr">
+                      <a:solidFill>
+                        <a:schemeClr val="tx1"/>
+                      </a:solidFill>
+                      <a:prstDash val="solid"/>
+                      <a:round/>
+                      <a:headEnd type="none" w="med" len="med"/>
+                      <a:tailEnd type="none" w="med" len="med"/>
+                    </a:lnT>
+                    <a:lnB w="12700" cap="flat" cmpd="sng" algn="ctr">
+                      <a:solidFill>
+                        <a:schemeClr val="tx1"/>
+                      </a:solidFill>
+                      <a:prstDash val="solid"/>
+                      <a:round/>
+                      <a:headEnd type="none" w="med" len="med"/>
+                      <a:tailEnd type="none" w="med" len="med"/>
+                    </a:lnB>
+                    <a:solidFill>
+                      <a:schemeClr val="bg1"/>
+                    </a:solidFill>
+                  </a:tcPr>
+                </a:tc>
+                <a:extLst>
+                  <a:ext uri="{0D108BD9-81ED-4DB2-BD59-A6C34878D82A}">
+                    <a16:rowId xmlns:a16="http://schemas.microsoft.com/office/drawing/2014/main" val="3627183564"/>
+                  </a:ext>
+                </a:extLst>
+              </a:tr>
+              <a:tr h="477755">
+                <a:tc>
+                  <a:txBody>
+                    <a:bodyPr/>
+                    <a:lstStyle/>
+                    <a:p>
+                      <a:pPr algn="ctr" fontAlgn="b">
+                        <a:lnSpc>
+                          <a:spcPct val="150000"/>
+                        </a:lnSpc>
+                        <a:spcBef>
+                          <a:spcPts val="600"/>
+                        </a:spcBef>
+                        <a:spcAft>
+                          <a:spcPts val="600"/>
+                        </a:spcAft>
+                      </a:pPr>
+                      <a:r>
+                        <a:rPr lang="en-US" sz="2000" b="1" i="0" u="none" strike="noStrike" dirty="0">
+                          <a:solidFill>
+                            <a:srgbClr val="000000"/>
+                          </a:solidFill>
+                          <a:effectLst/>
+                          <a:latin typeface="Times New Roman" panose="02020603050405020304" pitchFamily="18" charset="0"/>
+                          <a:cs typeface="Times New Roman" panose="02020603050405020304" pitchFamily="18" charset="0"/>
+                        </a:rPr>
+                        <a:t>K</a:t>
+                      </a:r>
+                      <a:r>
+                        <a:rPr lang="en-US" sz="2000" b="1" i="0" u="none" strike="noStrike" baseline="-25000" dirty="0">
+                          <a:solidFill>
+                            <a:srgbClr val="000000"/>
+                          </a:solidFill>
+                          <a:effectLst/>
+                          <a:latin typeface="Times New Roman" panose="02020603050405020304" pitchFamily="18" charset="0"/>
+                          <a:cs typeface="Times New Roman" panose="02020603050405020304" pitchFamily="18" charset="0"/>
+                        </a:rPr>
+                        <a:t>e</a:t>
+                      </a:r>
+                      <a:r>
+                        <a:rPr lang="en-US" sz="2000" b="0" i="0" u="none" strike="noStrike" dirty="0">
+                          <a:solidFill>
+                            <a:srgbClr val="000000"/>
+                          </a:solidFill>
+                          <a:effectLst/>
+                          <a:latin typeface="Times New Roman" panose="02020603050405020304" pitchFamily="18" charset="0"/>
+                          <a:cs typeface="Times New Roman" panose="02020603050405020304" pitchFamily="18" charset="0"/>
+                        </a:rPr>
+                        <a:t> (Back EMF constant)</a:t>
+                      </a:r>
+                    </a:p>
+                  </a:txBody>
+                  <a:tcPr marL="9525" marR="9525" marT="9525" marB="0" anchor="ctr">
+                    <a:lnL w="12700" cap="flat" cmpd="sng" algn="ctr">
+                      <a:solidFill>
+                        <a:schemeClr val="tx1"/>
+                      </a:solidFill>
+                      <a:prstDash val="solid"/>
+                      <a:round/>
+                      <a:headEnd type="none" w="med" len="med"/>
+                      <a:tailEnd type="none" w="med" len="med"/>
+                    </a:lnL>
+                    <a:lnR w="12700" cap="flat" cmpd="sng" algn="ctr">
+                      <a:solidFill>
+                        <a:schemeClr val="tx1"/>
+                      </a:solidFill>
+                      <a:prstDash val="solid"/>
+                      <a:round/>
+                      <a:headEnd type="none" w="med" len="med"/>
+                      <a:tailEnd type="none" w="med" len="med"/>
+                    </a:lnR>
+                    <a:lnT w="12700" cap="flat" cmpd="sng" algn="ctr">
+                      <a:solidFill>
+                        <a:schemeClr val="tx1"/>
+                      </a:solidFill>
+                      <a:prstDash val="solid"/>
+                      <a:round/>
+                      <a:headEnd type="none" w="med" len="med"/>
+                      <a:tailEnd type="none" w="med" len="med"/>
+                    </a:lnT>
+                    <a:lnB w="12700" cap="flat" cmpd="sng" algn="ctr">
+                      <a:solidFill>
+                        <a:schemeClr val="tx1"/>
+                      </a:solidFill>
+                      <a:prstDash val="solid"/>
+                      <a:round/>
+                      <a:headEnd type="none" w="med" len="med"/>
+                      <a:tailEnd type="none" w="med" len="med"/>
+                    </a:lnB>
+                    <a:solidFill>
+                      <a:schemeClr val="bg1"/>
+                    </a:solidFill>
+                  </a:tcPr>
+                </a:tc>
+                <a:tc>
+                  <a:txBody>
+                    <a:bodyPr/>
+                    <a:lstStyle/>
+                    <a:p>
+                      <a:pPr algn="ctr" fontAlgn="b">
+                        <a:lnSpc>
+                          <a:spcPct val="150000"/>
+                        </a:lnSpc>
+                        <a:spcBef>
+                          <a:spcPts val="600"/>
+                        </a:spcBef>
+                        <a:spcAft>
+                          <a:spcPts val="600"/>
+                        </a:spcAft>
+                      </a:pPr>
+                      <a:r>
+                        <a:rPr lang="en-US" sz="2000" b="0" i="0" u="none" strike="noStrike" dirty="0">
+                          <a:solidFill>
+                            <a:srgbClr val="000000"/>
+                          </a:solidFill>
+                          <a:effectLst/>
+                          <a:latin typeface="Times New Roman" panose="02020603050405020304" pitchFamily="18" charset="0"/>
+                          <a:cs typeface="Times New Roman" panose="02020603050405020304" pitchFamily="18" charset="0"/>
+                        </a:rPr>
+                        <a:t>23</a:t>
+                      </a:r>
+                      <a:r>
+                        <a:rPr lang="en-US" sz="2000" dirty="0"/>
+                        <a:t>×</a:t>
+                      </a:r>
+                      <a:r>
+                        <a:rPr lang="en-US" sz="2000" b="0" i="0" u="none" strike="noStrike" dirty="0">
+                          <a:solidFill>
+                            <a:srgbClr val="000000"/>
+                          </a:solidFill>
+                          <a:effectLst/>
+                          <a:latin typeface="Times New Roman" panose="02020603050405020304" pitchFamily="18" charset="0"/>
+                          <a:cs typeface="Times New Roman" panose="02020603050405020304" pitchFamily="18" charset="0"/>
+                        </a:rPr>
+                        <a:t>10</a:t>
+                      </a:r>
+                      <a:r>
+                        <a:rPr lang="en-US" sz="2000" b="0" i="0" u="none" strike="noStrike" baseline="30000" dirty="0">
+                          <a:solidFill>
+                            <a:srgbClr val="000000"/>
+                          </a:solidFill>
+                          <a:effectLst/>
+                          <a:latin typeface="Times New Roman" panose="02020603050405020304" pitchFamily="18" charset="0"/>
+                          <a:cs typeface="Times New Roman" panose="02020603050405020304" pitchFamily="18" charset="0"/>
+                        </a:rPr>
+                        <a:t>-3</a:t>
+                      </a:r>
+                      <a:r>
+                        <a:rPr lang="en-US" sz="2000" b="0" i="0" u="none" strike="noStrike" dirty="0">
+                          <a:solidFill>
+                            <a:srgbClr val="000000"/>
+                          </a:solidFill>
+                          <a:effectLst/>
+                          <a:latin typeface="Times New Roman" panose="02020603050405020304" pitchFamily="18" charset="0"/>
+                          <a:cs typeface="Times New Roman" panose="02020603050405020304" pitchFamily="18" charset="0"/>
+                        </a:rPr>
+                        <a:t>  V</a:t>
+                      </a:r>
+                      <a:r>
+                        <a:rPr lang="en-US" sz="2000" dirty="0"/>
+                        <a:t>⋅</a:t>
+                      </a:r>
+                      <a:r>
+                        <a:rPr lang="en-US" sz="2000" b="0" i="0" u="none" strike="noStrike" dirty="0">
+                          <a:solidFill>
+                            <a:srgbClr val="000000"/>
+                          </a:solidFill>
+                          <a:effectLst/>
+                          <a:latin typeface="Times New Roman" panose="02020603050405020304" pitchFamily="18" charset="0"/>
+                          <a:cs typeface="Times New Roman" panose="02020603050405020304" pitchFamily="18" charset="0"/>
+                        </a:rPr>
+                        <a:t>s/rad</a:t>
+                      </a:r>
+                    </a:p>
+                  </a:txBody>
+                  <a:tcPr marL="9525" marR="9525" marT="9525" marB="0" anchor="ctr">
+                    <a:lnL w="12700" cap="flat" cmpd="sng" algn="ctr">
+                      <a:solidFill>
+                        <a:schemeClr val="tx1"/>
+                      </a:solidFill>
+                      <a:prstDash val="solid"/>
+                      <a:round/>
+                      <a:headEnd type="none" w="med" len="med"/>
+                      <a:tailEnd type="none" w="med" len="med"/>
+                    </a:lnL>
+                    <a:lnR w="12700" cap="flat" cmpd="sng" algn="ctr">
+                      <a:solidFill>
+                        <a:schemeClr val="tx1"/>
+                      </a:solidFill>
+                      <a:prstDash val="solid"/>
+                      <a:round/>
+                      <a:headEnd type="none" w="med" len="med"/>
+                      <a:tailEnd type="none" w="med" len="med"/>
+                    </a:lnR>
+                    <a:lnT w="12700" cap="flat" cmpd="sng" algn="ctr">
+                      <a:solidFill>
+                        <a:schemeClr val="tx1"/>
+                      </a:solidFill>
+                      <a:prstDash val="solid"/>
+                      <a:round/>
+                      <a:headEnd type="none" w="med" len="med"/>
+                      <a:tailEnd type="none" w="med" len="med"/>
+                    </a:lnT>
+                    <a:lnB w="12700" cap="flat" cmpd="sng" algn="ctr">
+                      <a:solidFill>
+                        <a:schemeClr val="tx1"/>
+                      </a:solidFill>
+                      <a:prstDash val="solid"/>
+                      <a:round/>
+                      <a:headEnd type="none" w="med" len="med"/>
+                      <a:tailEnd type="none" w="med" len="med"/>
+                    </a:lnB>
+                    <a:solidFill>
+                      <a:schemeClr val="bg1"/>
+                    </a:solidFill>
+                  </a:tcPr>
+                </a:tc>
+                <a:extLst>
+                  <a:ext uri="{0D108BD9-81ED-4DB2-BD59-A6C34878D82A}">
+                    <a16:rowId xmlns:a16="http://schemas.microsoft.com/office/drawing/2014/main" val="591704919"/>
+                  </a:ext>
+                </a:extLst>
+              </a:tr>
+              <a:tr h="470512">
+                <a:tc>
+                  <a:txBody>
+                    <a:bodyPr/>
+                    <a:lstStyle/>
+                    <a:p>
+                      <a:pPr marL="0" marR="0" lvl="0" indent="0" algn="ctr" defTabSz="914400" rtl="0" eaLnBrk="1" fontAlgn="b" latinLnBrk="1" hangingPunct="1">
+                        <a:lnSpc>
+                          <a:spcPct val="150000"/>
+                        </a:lnSpc>
+                        <a:spcBef>
+                          <a:spcPts val="600"/>
+                        </a:spcBef>
+                        <a:spcAft>
+                          <a:spcPts val="600"/>
+                        </a:spcAft>
+                        <a:buClrTx/>
+                        <a:buSzTx/>
+                        <a:buFontTx/>
+                        <a:buNone/>
+                        <a:tabLst/>
+                        <a:defRPr/>
+                      </a:pPr>
+                      <a:r>
+                        <a:rPr lang="en-US" sz="2000" b="1" i="0" u="none" strike="noStrike" dirty="0">
+                          <a:solidFill>
+                            <a:srgbClr val="000000"/>
+                          </a:solidFill>
+                          <a:effectLst/>
+                          <a:latin typeface="Times New Roman" panose="02020603050405020304" pitchFamily="18" charset="0"/>
+                          <a:cs typeface="Times New Roman" panose="02020603050405020304" pitchFamily="18" charset="0"/>
+                        </a:rPr>
+                        <a:t>K</a:t>
+                      </a:r>
+                      <a:r>
+                        <a:rPr lang="en-US" sz="2000" b="1" i="0" u="none" strike="noStrike" baseline="-25000" dirty="0">
+                          <a:solidFill>
+                            <a:srgbClr val="000000"/>
+                          </a:solidFill>
+                          <a:effectLst/>
+                          <a:latin typeface="Times New Roman" panose="02020603050405020304" pitchFamily="18" charset="0"/>
+                          <a:cs typeface="Times New Roman" panose="02020603050405020304" pitchFamily="18" charset="0"/>
+                        </a:rPr>
+                        <a:t>i</a:t>
+                      </a:r>
+                      <a:r>
+                        <a:rPr lang="en-US" sz="2000" b="0" i="0" u="none" strike="noStrike" dirty="0">
+                          <a:solidFill>
+                            <a:srgbClr val="000000"/>
+                          </a:solidFill>
+                          <a:effectLst/>
+                          <a:latin typeface="Times New Roman" panose="02020603050405020304" pitchFamily="18" charset="0"/>
+                          <a:cs typeface="Times New Roman" panose="02020603050405020304" pitchFamily="18" charset="0"/>
+                        </a:rPr>
+                        <a:t> (Torque constant)</a:t>
+                      </a:r>
+                      <a:endParaRPr lang="en-US" sz="2000" b="1" i="0" u="none" strike="noStrike" baseline="-25000" dirty="0">
+                        <a:solidFill>
+                          <a:srgbClr val="000000"/>
+                        </a:solidFill>
+                        <a:effectLst/>
+                        <a:latin typeface="Times New Roman" panose="02020603050405020304" pitchFamily="18" charset="0"/>
+                        <a:cs typeface="Times New Roman" panose="02020603050405020304" pitchFamily="18" charset="0"/>
+                      </a:endParaRPr>
+                    </a:p>
+                  </a:txBody>
+                  <a:tcPr marL="9525" marR="9525" marT="9525" marB="0" anchor="ctr">
+                    <a:lnL w="12700" cap="flat" cmpd="sng" algn="ctr">
+                      <a:solidFill>
+                        <a:schemeClr val="tx1"/>
+                      </a:solidFill>
+                      <a:prstDash val="solid"/>
+                      <a:round/>
+                      <a:headEnd type="none" w="med" len="med"/>
+                      <a:tailEnd type="none" w="med" len="med"/>
+                    </a:lnL>
+                    <a:lnR w="12700" cap="flat" cmpd="sng" algn="ctr">
+                      <a:solidFill>
+                        <a:schemeClr val="tx1"/>
+                      </a:solidFill>
+                      <a:prstDash val="solid"/>
+                      <a:round/>
+                      <a:headEnd type="none" w="med" len="med"/>
+                      <a:tailEnd type="none" w="med" len="med"/>
+                    </a:lnR>
+                    <a:lnT w="12700" cap="flat" cmpd="sng" algn="ctr">
+                      <a:solidFill>
+                        <a:schemeClr val="tx1"/>
+                      </a:solidFill>
+                      <a:prstDash val="solid"/>
+                      <a:round/>
+                      <a:headEnd type="none" w="med" len="med"/>
+                      <a:tailEnd type="none" w="med" len="med"/>
+                    </a:lnT>
+                    <a:lnB w="12700" cap="flat" cmpd="sng" algn="ctr">
+                      <a:solidFill>
+                        <a:schemeClr val="tx1"/>
+                      </a:solidFill>
+                      <a:prstDash val="solid"/>
+                      <a:round/>
+                      <a:headEnd type="none" w="med" len="med"/>
+                      <a:tailEnd type="none" w="med" len="med"/>
+                    </a:lnB>
+                    <a:solidFill>
+                      <a:schemeClr val="bg1"/>
+                    </a:solidFill>
+                  </a:tcPr>
+                </a:tc>
+                <a:tc>
+                  <a:txBody>
+                    <a:bodyPr/>
+                    <a:lstStyle/>
+                    <a:p>
+                      <a:pPr algn="ctr" fontAlgn="b">
+                        <a:lnSpc>
+                          <a:spcPct val="150000"/>
+                        </a:lnSpc>
+                        <a:spcBef>
+                          <a:spcPts val="600"/>
+                        </a:spcBef>
+                        <a:spcAft>
+                          <a:spcPts val="600"/>
+                        </a:spcAft>
+                      </a:pPr>
+                      <a:r>
+                        <a:rPr lang="en-US" sz="2000" b="0" i="0" u="none" strike="noStrike" dirty="0">
+                          <a:solidFill>
+                            <a:srgbClr val="000000"/>
+                          </a:solidFill>
+                          <a:effectLst/>
+                          <a:latin typeface="Times New Roman" panose="02020603050405020304" pitchFamily="18" charset="0"/>
+                          <a:cs typeface="Times New Roman" panose="02020603050405020304" pitchFamily="18" charset="0"/>
+                        </a:rPr>
+                        <a:t>23</a:t>
+                      </a:r>
+                      <a:r>
+                        <a:rPr lang="en-US" sz="2000" dirty="0"/>
+                        <a:t>×</a:t>
+                      </a:r>
+                      <a:r>
+                        <a:rPr lang="en-US" sz="2000" b="0" i="0" u="none" strike="noStrike" dirty="0">
+                          <a:solidFill>
+                            <a:srgbClr val="000000"/>
+                          </a:solidFill>
+                          <a:effectLst/>
+                          <a:latin typeface="Times New Roman" panose="02020603050405020304" pitchFamily="18" charset="0"/>
+                          <a:cs typeface="Times New Roman" panose="02020603050405020304" pitchFamily="18" charset="0"/>
+                        </a:rPr>
+                        <a:t>10</a:t>
+                      </a:r>
+                      <a:r>
+                        <a:rPr lang="en-US" sz="2000" b="0" i="0" u="none" strike="noStrike" baseline="30000" dirty="0">
+                          <a:solidFill>
+                            <a:srgbClr val="000000"/>
+                          </a:solidFill>
+                          <a:effectLst/>
+                          <a:latin typeface="Times New Roman" panose="02020603050405020304" pitchFamily="18" charset="0"/>
+                          <a:cs typeface="Times New Roman" panose="02020603050405020304" pitchFamily="18" charset="0"/>
+                        </a:rPr>
+                        <a:t>-3</a:t>
+                      </a:r>
+                      <a:r>
+                        <a:rPr lang="en-US" sz="2000" b="0" i="0" u="none" strike="noStrike" dirty="0">
+                          <a:solidFill>
+                            <a:srgbClr val="000000"/>
+                          </a:solidFill>
+                          <a:effectLst/>
+                          <a:latin typeface="Times New Roman" panose="02020603050405020304" pitchFamily="18" charset="0"/>
+                          <a:cs typeface="Times New Roman" panose="02020603050405020304" pitchFamily="18" charset="0"/>
+                        </a:rPr>
+                        <a:t>  </a:t>
+                      </a:r>
+                      <a:r>
+                        <a:rPr lang="en-US" sz="2000" b="0" i="0" u="none" strike="noStrike" dirty="0" err="1">
+                          <a:solidFill>
+                            <a:srgbClr val="000000"/>
+                          </a:solidFill>
+                          <a:effectLst/>
+                          <a:latin typeface="Times New Roman" panose="02020603050405020304" pitchFamily="18" charset="0"/>
+                          <a:cs typeface="Times New Roman" panose="02020603050405020304" pitchFamily="18" charset="0"/>
+                        </a:rPr>
+                        <a:t>N</a:t>
+                      </a:r>
+                      <a:r>
+                        <a:rPr lang="en-US" sz="2000" dirty="0" err="1"/>
+                        <a:t>⋅</a:t>
+                      </a:r>
+                      <a:r>
+                        <a:rPr lang="en-US" sz="2000" b="0" i="0" u="none" strike="noStrike" dirty="0" err="1">
+                          <a:solidFill>
+                            <a:srgbClr val="000000"/>
+                          </a:solidFill>
+                          <a:effectLst/>
+                          <a:latin typeface="Times New Roman" panose="02020603050405020304" pitchFamily="18" charset="0"/>
+                          <a:cs typeface="Times New Roman" panose="02020603050405020304" pitchFamily="18" charset="0"/>
+                        </a:rPr>
+                        <a:t>m</a:t>
+                      </a:r>
+                      <a:r>
+                        <a:rPr lang="en-US" sz="2000" b="0" i="0" u="none" strike="noStrike" dirty="0">
+                          <a:solidFill>
+                            <a:srgbClr val="000000"/>
+                          </a:solidFill>
+                          <a:effectLst/>
+                          <a:latin typeface="Times New Roman" panose="02020603050405020304" pitchFamily="18" charset="0"/>
+                          <a:cs typeface="Times New Roman" panose="02020603050405020304" pitchFamily="18" charset="0"/>
+                        </a:rPr>
+                        <a:t>/A</a:t>
+                      </a:r>
+                    </a:p>
+                  </a:txBody>
+                  <a:tcPr marL="9525" marR="9525" marT="9525" marB="0" anchor="ctr">
+                    <a:lnL w="12700" cap="flat" cmpd="sng" algn="ctr">
+                      <a:solidFill>
+                        <a:schemeClr val="tx1"/>
+                      </a:solidFill>
+                      <a:prstDash val="solid"/>
+                      <a:round/>
+                      <a:headEnd type="none" w="med" len="med"/>
+                      <a:tailEnd type="none" w="med" len="med"/>
+                    </a:lnL>
+                    <a:lnR w="12700" cap="flat" cmpd="sng" algn="ctr">
+                      <a:solidFill>
+                        <a:schemeClr val="tx1"/>
+                      </a:solidFill>
+                      <a:prstDash val="solid"/>
+                      <a:round/>
+                      <a:headEnd type="none" w="med" len="med"/>
+                      <a:tailEnd type="none" w="med" len="med"/>
+                    </a:lnR>
+                    <a:lnT w="12700" cap="flat" cmpd="sng" algn="ctr">
+                      <a:solidFill>
+                        <a:schemeClr val="tx1"/>
+                      </a:solidFill>
+                      <a:prstDash val="solid"/>
+                      <a:round/>
+                      <a:headEnd type="none" w="med" len="med"/>
+                      <a:tailEnd type="none" w="med" len="med"/>
+                    </a:lnT>
+                    <a:lnB w="12700" cap="flat" cmpd="sng" algn="ctr">
+                      <a:solidFill>
+                        <a:schemeClr val="tx1"/>
+                      </a:solidFill>
+                      <a:prstDash val="solid"/>
+                      <a:round/>
+                      <a:headEnd type="none" w="med" len="med"/>
+                      <a:tailEnd type="none" w="med" len="med"/>
+                    </a:lnB>
+                    <a:solidFill>
+                      <a:schemeClr val="bg1"/>
+                    </a:solidFill>
+                  </a:tcPr>
+                </a:tc>
+                <a:extLst>
+                  <a:ext uri="{0D108BD9-81ED-4DB2-BD59-A6C34878D82A}">
+                    <a16:rowId xmlns:a16="http://schemas.microsoft.com/office/drawing/2014/main" val="1177981657"/>
+                  </a:ext>
+                </a:extLst>
+              </a:tr>
+              <a:tr h="453813">
+                <a:tc>
+                  <a:txBody>
+                    <a:bodyPr/>
+                    <a:lstStyle/>
+                    <a:p>
+                      <a:pPr algn="ctr" fontAlgn="b">
+                        <a:lnSpc>
+                          <a:spcPct val="150000"/>
+                        </a:lnSpc>
+                        <a:spcBef>
+                          <a:spcPts val="600"/>
+                        </a:spcBef>
+                        <a:spcAft>
+                          <a:spcPts val="600"/>
+                        </a:spcAft>
+                      </a:pPr>
+                      <a:r>
+                        <a:rPr lang="en-US" sz="2000" b="1" i="0" u="none" strike="noStrike" dirty="0">
+                          <a:solidFill>
+                            <a:srgbClr val="000000"/>
+                          </a:solidFill>
+                          <a:effectLst/>
+                          <a:latin typeface="Times New Roman" panose="02020603050405020304" pitchFamily="18" charset="0"/>
+                          <a:cs typeface="Times New Roman" panose="02020603050405020304" pitchFamily="18" charset="0"/>
+                        </a:rPr>
+                        <a:t>R </a:t>
+                      </a:r>
+                      <a:r>
+                        <a:rPr lang="en-US" sz="2000" b="0" i="0" u="none" strike="noStrike" dirty="0">
+                          <a:solidFill>
+                            <a:srgbClr val="000000"/>
+                          </a:solidFill>
+                          <a:effectLst/>
+                          <a:latin typeface="Times New Roman" panose="02020603050405020304" pitchFamily="18" charset="0"/>
+                          <a:cs typeface="Times New Roman" panose="02020603050405020304" pitchFamily="18" charset="0"/>
+                        </a:rPr>
+                        <a:t>(Armature resistance)</a:t>
+                      </a:r>
+                    </a:p>
+                  </a:txBody>
+                  <a:tcPr marL="9525" marR="9525" marT="9525" marB="0" anchor="ctr">
+                    <a:lnL w="12700" cap="flat" cmpd="sng" algn="ctr">
+                      <a:solidFill>
+                        <a:schemeClr val="tx1"/>
+                      </a:solidFill>
+                      <a:prstDash val="solid"/>
+                      <a:round/>
+                      <a:headEnd type="none" w="med" len="med"/>
+                      <a:tailEnd type="none" w="med" len="med"/>
+                    </a:lnL>
+                    <a:lnR w="12700" cap="flat" cmpd="sng" algn="ctr">
+                      <a:solidFill>
+                        <a:schemeClr val="tx1"/>
+                      </a:solidFill>
+                      <a:prstDash val="solid"/>
+                      <a:round/>
+                      <a:headEnd type="none" w="med" len="med"/>
+                      <a:tailEnd type="none" w="med" len="med"/>
+                    </a:lnR>
+                    <a:lnT w="12700" cap="flat" cmpd="sng" algn="ctr">
+                      <a:solidFill>
+                        <a:schemeClr val="tx1"/>
+                      </a:solidFill>
+                      <a:prstDash val="solid"/>
+                      <a:round/>
+                      <a:headEnd type="none" w="med" len="med"/>
+                      <a:tailEnd type="none" w="med" len="med"/>
+                    </a:lnT>
+                    <a:lnB w="12700" cap="flat" cmpd="sng" algn="ctr">
+                      <a:solidFill>
+                        <a:schemeClr val="tx1"/>
+                      </a:solidFill>
+                      <a:prstDash val="solid"/>
+                      <a:round/>
+                      <a:headEnd type="none" w="med" len="med"/>
+                      <a:tailEnd type="none" w="med" len="med"/>
+                    </a:lnB>
+                    <a:solidFill>
+                      <a:schemeClr val="bg1"/>
+                    </a:solidFill>
+                  </a:tcPr>
+                </a:tc>
+                <a:tc>
+                  <a:txBody>
+                    <a:bodyPr/>
+                    <a:lstStyle/>
+                    <a:p>
+                      <a:pPr algn="ctr" fontAlgn="b">
+                        <a:lnSpc>
+                          <a:spcPct val="150000"/>
+                        </a:lnSpc>
+                        <a:spcBef>
+                          <a:spcPts val="600"/>
+                        </a:spcBef>
+                        <a:spcAft>
+                          <a:spcPts val="600"/>
+                        </a:spcAft>
+                      </a:pPr>
+                      <a:r>
+                        <a:rPr lang="en-US" sz="2000" b="0" i="0" u="none" strike="noStrike" dirty="0">
+                          <a:solidFill>
+                            <a:srgbClr val="000000"/>
+                          </a:solidFill>
+                          <a:effectLst/>
+                          <a:latin typeface="Times New Roman" panose="02020603050405020304" pitchFamily="18" charset="0"/>
+                          <a:cs typeface="Times New Roman" panose="02020603050405020304" pitchFamily="18" charset="0"/>
+                        </a:rPr>
+                        <a:t>1  </a:t>
+                      </a:r>
+                      <a:r>
+                        <a:rPr lang="en-US" sz="2000" b="0" i="0" u="none" strike="noStrike" dirty="0">
+                          <a:solidFill>
+                            <a:srgbClr val="000000"/>
+                          </a:solidFill>
+                          <a:effectLst/>
+                          <a:latin typeface="Times New Roman" panose="02020603050405020304" pitchFamily="18" charset="0"/>
+                          <a:cs typeface="Times New Roman" panose="02020603050405020304" pitchFamily="18" charset="0"/>
+                          <a:sym typeface="Symbol" panose="05050102010706020507" pitchFamily="18" charset="2"/>
+                        </a:rPr>
+                        <a:t></a:t>
+                      </a:r>
+                      <a:endParaRPr lang="en-US" sz="2000" b="0" i="0" u="none" strike="noStrike" dirty="0">
+                        <a:solidFill>
+                          <a:srgbClr val="000000"/>
+                        </a:solidFill>
+                        <a:effectLst/>
+                        <a:latin typeface="Times New Roman" panose="02020603050405020304" pitchFamily="18" charset="0"/>
+                        <a:cs typeface="Times New Roman" panose="02020603050405020304" pitchFamily="18" charset="0"/>
+                      </a:endParaRPr>
+                    </a:p>
+                  </a:txBody>
+                  <a:tcPr marL="9525" marR="9525" marT="9525" marB="0" anchor="ctr">
+                    <a:lnL w="12700" cap="flat" cmpd="sng" algn="ctr">
+                      <a:solidFill>
+                        <a:schemeClr val="tx1"/>
+                      </a:solidFill>
+                      <a:prstDash val="solid"/>
+                      <a:round/>
+                      <a:headEnd type="none" w="med" len="med"/>
+                      <a:tailEnd type="none" w="med" len="med"/>
+                    </a:lnL>
+                    <a:lnR w="12700" cap="flat" cmpd="sng" algn="ctr">
+                      <a:solidFill>
+                        <a:schemeClr val="tx1"/>
+                      </a:solidFill>
+                      <a:prstDash val="solid"/>
+                      <a:round/>
+                      <a:headEnd type="none" w="med" len="med"/>
+                      <a:tailEnd type="none" w="med" len="med"/>
+                    </a:lnR>
+                    <a:lnT w="12700" cap="flat" cmpd="sng" algn="ctr">
+                      <a:solidFill>
+                        <a:schemeClr val="tx1"/>
+                      </a:solidFill>
+                      <a:prstDash val="solid"/>
+                      <a:round/>
+                      <a:headEnd type="none" w="med" len="med"/>
+                      <a:tailEnd type="none" w="med" len="med"/>
+                    </a:lnT>
+                    <a:lnB w="12700" cap="flat" cmpd="sng" algn="ctr">
+                      <a:solidFill>
+                        <a:schemeClr val="tx1"/>
+                      </a:solidFill>
+                      <a:prstDash val="solid"/>
+                      <a:round/>
+                      <a:headEnd type="none" w="med" len="med"/>
+                      <a:tailEnd type="none" w="med" len="med"/>
+                    </a:lnB>
+                    <a:solidFill>
+                      <a:schemeClr val="bg1"/>
+                    </a:solidFill>
+                  </a:tcPr>
+                </a:tc>
+                <a:extLst>
+                  <a:ext uri="{0D108BD9-81ED-4DB2-BD59-A6C34878D82A}">
+                    <a16:rowId xmlns:a16="http://schemas.microsoft.com/office/drawing/2014/main" val="1230902822"/>
+                  </a:ext>
+                </a:extLst>
+              </a:tr>
+              <a:tr h="436241">
+                <a:tc>
+                  <a:txBody>
+                    <a:bodyPr/>
+                    <a:lstStyle/>
+                    <a:p>
+                      <a:pPr algn="ctr" fontAlgn="b">
+                        <a:lnSpc>
+                          <a:spcPct val="150000"/>
+                        </a:lnSpc>
+                        <a:spcBef>
+                          <a:spcPts val="600"/>
+                        </a:spcBef>
+                        <a:spcAft>
+                          <a:spcPts val="600"/>
+                        </a:spcAft>
+                      </a:pPr>
+                      <a:r>
+                        <a:rPr lang="en-US" sz="2000" b="1" i="0" u="none" strike="noStrike" dirty="0">
+                          <a:solidFill>
+                            <a:srgbClr val="000000"/>
+                          </a:solidFill>
+                          <a:effectLst/>
+                          <a:latin typeface="Times New Roman" panose="02020603050405020304" pitchFamily="18" charset="0"/>
+                          <a:cs typeface="Times New Roman" panose="02020603050405020304" pitchFamily="18" charset="0"/>
+                        </a:rPr>
+                        <a:t>L </a:t>
+                      </a:r>
+                      <a:r>
+                        <a:rPr lang="en-US" sz="2000" b="0" i="0" u="none" strike="noStrike" dirty="0">
+                          <a:solidFill>
+                            <a:srgbClr val="000000"/>
+                          </a:solidFill>
+                          <a:effectLst/>
+                          <a:latin typeface="Times New Roman" panose="02020603050405020304" pitchFamily="18" charset="0"/>
+                          <a:cs typeface="Times New Roman" panose="02020603050405020304" pitchFamily="18" charset="0"/>
+                        </a:rPr>
+                        <a:t>(Armature inductance)</a:t>
+                      </a:r>
+                    </a:p>
+                  </a:txBody>
+                  <a:tcPr marL="9525" marR="9525" marT="9525" marB="0" anchor="ctr">
+                    <a:lnL w="12700" cap="flat" cmpd="sng" algn="ctr">
+                      <a:solidFill>
+                        <a:schemeClr val="tx1"/>
+                      </a:solidFill>
+                      <a:prstDash val="solid"/>
+                      <a:round/>
+                      <a:headEnd type="none" w="med" len="med"/>
+                      <a:tailEnd type="none" w="med" len="med"/>
+                    </a:lnL>
+                    <a:lnR w="12700" cap="flat" cmpd="sng" algn="ctr">
+                      <a:solidFill>
+                        <a:schemeClr val="tx1"/>
+                      </a:solidFill>
+                      <a:prstDash val="solid"/>
+                      <a:round/>
+                      <a:headEnd type="none" w="med" len="med"/>
+                      <a:tailEnd type="none" w="med" len="med"/>
+                    </a:lnR>
+                    <a:lnT w="12700" cap="flat" cmpd="sng" algn="ctr">
+                      <a:solidFill>
+                        <a:schemeClr val="tx1"/>
+                      </a:solidFill>
+                      <a:prstDash val="solid"/>
+                      <a:round/>
+                      <a:headEnd type="none" w="med" len="med"/>
+                      <a:tailEnd type="none" w="med" len="med"/>
+                    </a:lnT>
+                    <a:lnB w="12700" cap="flat" cmpd="sng" algn="ctr">
+                      <a:solidFill>
+                        <a:schemeClr val="tx1"/>
+                      </a:solidFill>
+                      <a:prstDash val="solid"/>
+                      <a:round/>
+                      <a:headEnd type="none" w="med" len="med"/>
+                      <a:tailEnd type="none" w="med" len="med"/>
+                    </a:lnB>
+                    <a:solidFill>
+                      <a:schemeClr val="bg1"/>
+                    </a:solidFill>
+                  </a:tcPr>
+                </a:tc>
+                <a:tc>
+                  <a:txBody>
+                    <a:bodyPr/>
+                    <a:lstStyle/>
+                    <a:p>
+                      <a:pPr algn="ctr" fontAlgn="b">
+                        <a:lnSpc>
+                          <a:spcPct val="150000"/>
+                        </a:lnSpc>
+                        <a:spcBef>
+                          <a:spcPts val="600"/>
+                        </a:spcBef>
+                        <a:spcAft>
+                          <a:spcPts val="600"/>
+                        </a:spcAft>
+                      </a:pPr>
+                      <a:r>
+                        <a:rPr lang="en-US" sz="2000" b="0" i="0" u="none" strike="noStrike" dirty="0">
+                          <a:solidFill>
+                            <a:srgbClr val="000000"/>
+                          </a:solidFill>
+                          <a:effectLst/>
+                          <a:latin typeface="Times New Roman" panose="02020603050405020304" pitchFamily="18" charset="0"/>
+                          <a:cs typeface="Times New Roman" panose="02020603050405020304" pitchFamily="18" charset="0"/>
+                        </a:rPr>
+                        <a:t>0.5  H</a:t>
+                      </a:r>
+                    </a:p>
+                  </a:txBody>
+                  <a:tcPr marL="9525" marR="9525" marT="9525" marB="0" anchor="ctr">
+                    <a:lnL w="12700" cap="flat" cmpd="sng" algn="ctr">
+                      <a:solidFill>
+                        <a:schemeClr val="tx1"/>
+                      </a:solidFill>
+                      <a:prstDash val="solid"/>
+                      <a:round/>
+                      <a:headEnd type="none" w="med" len="med"/>
+                      <a:tailEnd type="none" w="med" len="med"/>
+                    </a:lnL>
+                    <a:lnR w="12700" cap="flat" cmpd="sng" algn="ctr">
+                      <a:solidFill>
+                        <a:schemeClr val="tx1"/>
+                      </a:solidFill>
+                      <a:prstDash val="solid"/>
+                      <a:round/>
+                      <a:headEnd type="none" w="med" len="med"/>
+                      <a:tailEnd type="none" w="med" len="med"/>
+                    </a:lnR>
+                    <a:lnT w="12700" cap="flat" cmpd="sng" algn="ctr">
+                      <a:solidFill>
+                        <a:schemeClr val="tx1"/>
+                      </a:solidFill>
+                      <a:prstDash val="solid"/>
+                      <a:round/>
+                      <a:headEnd type="none" w="med" len="med"/>
+                      <a:tailEnd type="none" w="med" len="med"/>
+                    </a:lnT>
+                    <a:lnB w="12700" cap="flat" cmpd="sng" algn="ctr">
+                      <a:solidFill>
+                        <a:schemeClr val="tx1"/>
+                      </a:solidFill>
+                      <a:prstDash val="solid"/>
+                      <a:round/>
+                      <a:headEnd type="none" w="med" len="med"/>
+                      <a:tailEnd type="none" w="med" len="med"/>
+                    </a:lnB>
+                    <a:solidFill>
+                      <a:schemeClr val="bg1"/>
+                    </a:solidFill>
+                  </a:tcPr>
+                </a:tc>
+                <a:extLst>
+                  <a:ext uri="{0D108BD9-81ED-4DB2-BD59-A6C34878D82A}">
+                    <a16:rowId xmlns:a16="http://schemas.microsoft.com/office/drawing/2014/main" val="1872229405"/>
+                  </a:ext>
+                </a:extLst>
+              </a:tr>
+            </a:tbl>
+          </a:graphicData>
+        </a:graphic>
+      </p:graphicFrame>
+      <p:pic>
+        <p:nvPicPr>
+          <p:cNvPr id="11" name="Picture 10">
+            <a:extLst>
+              <a:ext uri="{FF2B5EF4-FFF2-40B4-BE49-F238E27FC236}">
+                <a16:creationId xmlns:a16="http://schemas.microsoft.com/office/drawing/2014/main" id="{38D64F5E-18BD-88C0-1C73-38A749D7BAE1}"/>
+              </a:ext>
+            </a:extLst>
+          </p:cNvPr>
+          <p:cNvPicPr>
+            <a:picLocks noChangeAspect="1"/>
+          </p:cNvPicPr>
+          <p:nvPr/>
+        </p:nvPicPr>
+        <p:blipFill>
+          <a:blip r:embed="rId3"/>
+          <a:srcRect l="1123" r="1662"/>
+          <a:stretch/>
+        </p:blipFill>
+        <p:spPr>
+          <a:xfrm>
+            <a:off x="7010399" y="1544633"/>
+            <a:ext cx="4983689" cy="4537819"/>
+          </a:xfrm>
+          <a:prstGeom prst="rect">
+            <a:avLst/>
+          </a:prstGeom>
+        </p:spPr>
+      </p:pic>
+      <p:sp>
+        <p:nvSpPr>
+          <p:cNvPr id="12" name="Rectangle 11">
+            <a:extLst>
+              <a:ext uri="{FF2B5EF4-FFF2-40B4-BE49-F238E27FC236}">
+                <a16:creationId xmlns:a16="http://schemas.microsoft.com/office/drawing/2014/main" id="{A00902A2-86F0-781A-AD94-CD9038AFC69D}"/>
+              </a:ext>
+            </a:extLst>
+          </p:cNvPr>
+          <p:cNvSpPr/>
+          <p:nvPr/>
+        </p:nvSpPr>
+        <p:spPr>
+          <a:xfrm>
+            <a:off x="6942665" y="1073085"/>
+            <a:ext cx="2681897" cy="400110"/>
+          </a:xfrm>
+          <a:prstGeom prst="rect">
+            <a:avLst/>
+          </a:prstGeom>
+        </p:spPr>
+        <p:txBody>
+          <a:bodyPr wrap="square">
+            <a:spAutoFit/>
+          </a:bodyPr>
+          <a:lstStyle/>
+          <a:p>
+            <a:pPr marL="457200" indent="-457200">
+              <a:buFont typeface="Wingdings" panose="05000000000000000000" pitchFamily="2" charset="2"/>
+              <a:buChar char="q"/>
+            </a:pPr>
+            <a:r>
+              <a:rPr lang="en-US" sz="2000" b="1" dirty="0">
+                <a:solidFill>
+                  <a:srgbClr val="231F20"/>
+                </a:solidFill>
+                <a:latin typeface="Times New Roman" panose="02020603050405020304" pitchFamily="18" charset="0"/>
+                <a:cs typeface="Times New Roman" panose="02020603050405020304" pitchFamily="18" charset="0"/>
+              </a:rPr>
+              <a:t>MATLAB codes:</a:t>
+            </a:r>
+            <a:endParaRPr lang="en-US" sz="2000" b="1" dirty="0">
+              <a:latin typeface="Times New Roman" panose="02020603050405020304" pitchFamily="18" charset="0"/>
+              <a:cs typeface="Times New Roman" panose="02020603050405020304" pitchFamily="18" charset="0"/>
+            </a:endParaRPr>
+          </a:p>
+        </p:txBody>
+      </p:sp>
     </p:spTree>
     <p:extLst>
       <p:ext uri="{BB962C8B-B14F-4D97-AF65-F5344CB8AC3E}">
@@ -14655,7 +18622,825 @@
 </p:sld>
 </file>
 
-<file path=ppt/slides/slide12.xml><?xml version="1.0" encoding="utf-8"?>
+<file path=ppt/slides/slide13.xml><?xml version="1.0" encoding="utf-8"?>
+<p:sld xmlns:a="http://schemas.openxmlformats.org/drawingml/2006/main" xmlns:r="http://schemas.openxmlformats.org/officeDocument/2006/relationships" xmlns:p="http://schemas.openxmlformats.org/presentationml/2006/main">
+  <p:cSld>
+    <p:spTree>
+      <p:nvGrpSpPr>
+        <p:cNvPr id="1" name="">
+          <a:extLst>
+            <a:ext uri="{FF2B5EF4-FFF2-40B4-BE49-F238E27FC236}">
+              <a16:creationId xmlns:a16="http://schemas.microsoft.com/office/drawing/2014/main" id="{3B94F5AC-44A9-E0B3-8C89-389AACD4BAF7}"/>
+            </a:ext>
+          </a:extLst>
+        </p:cNvPr>
+        <p:cNvGrpSpPr/>
+        <p:nvPr/>
+      </p:nvGrpSpPr>
+      <p:grpSpPr>
+        <a:xfrm>
+          <a:off x="0" y="0"/>
+          <a:ext cx="0" cy="0"/>
+          <a:chOff x="0" y="0"/>
+          <a:chExt cx="0" cy="0"/>
+        </a:xfrm>
+      </p:grpSpPr>
+      <p:sp>
+        <p:nvSpPr>
+          <p:cNvPr id="2" name="Title 1">
+            <a:extLst>
+              <a:ext uri="{FF2B5EF4-FFF2-40B4-BE49-F238E27FC236}">
+                <a16:creationId xmlns:a16="http://schemas.microsoft.com/office/drawing/2014/main" id="{ABDA154C-D2F8-F7CD-4492-7A5694438D24}"/>
+              </a:ext>
+            </a:extLst>
+          </p:cNvPr>
+          <p:cNvSpPr>
+            <a:spLocks noGrp="1"/>
+          </p:cNvSpPr>
+          <p:nvPr>
+            <p:ph type="title"/>
+          </p:nvPr>
+        </p:nvSpPr>
+        <p:spPr/>
+        <p:txBody>
+          <a:bodyPr/>
+          <a:lstStyle/>
+          <a:p>
+            <a:r>
+              <a:rPr lang="en-US" sz="3000" dirty="0">
+                <a:latin typeface="Calibri" panose="020F0502020204030204" pitchFamily="34" charset="0"/>
+                <a:ea typeface="Calibri" panose="020F0502020204030204" pitchFamily="34" charset="0"/>
+                <a:cs typeface="Calibri" panose="020F0502020204030204" pitchFamily="34" charset="0"/>
+              </a:rPr>
+              <a:t>Proportional </a:t>
+            </a:r>
+            <a:r>
+              <a:rPr lang="en-US" sz="3000" dirty="0">
+                <a:solidFill>
+                  <a:schemeClr val="bg1">
+                    <a:lumMod val="75000"/>
+                  </a:schemeClr>
+                </a:solidFill>
+                <a:latin typeface="Calibri" panose="020F0502020204030204" pitchFamily="34" charset="0"/>
+                <a:ea typeface="Calibri" panose="020F0502020204030204" pitchFamily="34" charset="0"/>
+                <a:cs typeface="Calibri" panose="020F0502020204030204" pitchFamily="34" charset="0"/>
+              </a:rPr>
+              <a:t>vs LQR</a:t>
+            </a:r>
+          </a:p>
+        </p:txBody>
+      </p:sp>
+      <p:sp>
+        <p:nvSpPr>
+          <p:cNvPr id="5" name="Content Placeholder 4">
+            <a:extLst>
+              <a:ext uri="{FF2B5EF4-FFF2-40B4-BE49-F238E27FC236}">
+                <a16:creationId xmlns:a16="http://schemas.microsoft.com/office/drawing/2014/main" id="{F0A16475-9D1A-7908-E56B-962BF74D918B}"/>
+              </a:ext>
+            </a:extLst>
+          </p:cNvPr>
+          <p:cNvSpPr>
+            <a:spLocks noGrp="1"/>
+          </p:cNvSpPr>
+          <p:nvPr>
+            <p:ph idx="1"/>
+          </p:nvPr>
+        </p:nvSpPr>
+        <p:spPr>
+          <a:xfrm>
+            <a:off x="285710" y="857232"/>
+            <a:ext cx="11620581" cy="5572164"/>
+          </a:xfrm>
+        </p:spPr>
+        <p:txBody>
+          <a:bodyPr/>
+          <a:lstStyle/>
+          <a:p>
+            <a:pPr marL="0" indent="0" algn="just">
+              <a:lnSpc>
+                <a:spcPct val="150000"/>
+              </a:lnSpc>
+              <a:spcBef>
+                <a:spcPts val="1200"/>
+              </a:spcBef>
+              <a:spcAft>
+                <a:spcPts val="1200"/>
+              </a:spcAft>
+              <a:buNone/>
+            </a:pPr>
+            <a:endParaRPr lang="en-US" sz="2000" dirty="0"/>
+          </a:p>
+          <a:p>
+            <a:pPr marL="0" indent="0" algn="just">
+              <a:lnSpc>
+                <a:spcPct val="150000"/>
+              </a:lnSpc>
+              <a:spcBef>
+                <a:spcPts val="600"/>
+              </a:spcBef>
+              <a:spcAft>
+                <a:spcPts val="600"/>
+              </a:spcAft>
+              <a:buNone/>
+            </a:pPr>
+            <a:endParaRPr lang="en-US" sz="2000" dirty="0"/>
+          </a:p>
+          <a:p>
+            <a:pPr marL="0" indent="0" algn="just">
+              <a:lnSpc>
+                <a:spcPct val="150000"/>
+              </a:lnSpc>
+              <a:spcBef>
+                <a:spcPts val="600"/>
+              </a:spcBef>
+              <a:spcAft>
+                <a:spcPts val="600"/>
+              </a:spcAft>
+              <a:buNone/>
+            </a:pPr>
+            <a:endParaRPr lang="en-US" sz="2000" dirty="0"/>
+          </a:p>
+        </p:txBody>
+      </p:sp>
+      <p:sp>
+        <p:nvSpPr>
+          <p:cNvPr id="3" name="Rectangle 2">
+            <a:extLst>
+              <a:ext uri="{FF2B5EF4-FFF2-40B4-BE49-F238E27FC236}">
+                <a16:creationId xmlns:a16="http://schemas.microsoft.com/office/drawing/2014/main" id="{6525EFCF-299B-2BC5-1C7F-0777B5C658CA}"/>
+              </a:ext>
+            </a:extLst>
+          </p:cNvPr>
+          <p:cNvSpPr/>
+          <p:nvPr/>
+        </p:nvSpPr>
+        <p:spPr>
+          <a:xfrm>
+            <a:off x="285709" y="957938"/>
+            <a:ext cx="2681897" cy="400110"/>
+          </a:xfrm>
+          <a:prstGeom prst="rect">
+            <a:avLst/>
+          </a:prstGeom>
+        </p:spPr>
+        <p:txBody>
+          <a:bodyPr wrap="square">
+            <a:spAutoFit/>
+          </a:bodyPr>
+          <a:lstStyle/>
+          <a:p>
+            <a:pPr marL="457200" indent="-457200">
+              <a:buFont typeface="Wingdings" panose="05000000000000000000" pitchFamily="2" charset="2"/>
+              <a:buChar char="q"/>
+            </a:pPr>
+            <a:r>
+              <a:rPr lang="en-US" sz="2000" b="1" dirty="0">
+                <a:solidFill>
+                  <a:srgbClr val="231F20"/>
+                </a:solidFill>
+                <a:latin typeface="Times New Roman" panose="02020603050405020304" pitchFamily="18" charset="0"/>
+                <a:cs typeface="Times New Roman" panose="02020603050405020304" pitchFamily="18" charset="0"/>
+              </a:rPr>
+              <a:t>MATLAB codes:</a:t>
+            </a:r>
+            <a:endParaRPr lang="en-US" sz="2000" b="1" dirty="0">
+              <a:latin typeface="Times New Roman" panose="02020603050405020304" pitchFamily="18" charset="0"/>
+              <a:cs typeface="Times New Roman" panose="02020603050405020304" pitchFamily="18" charset="0"/>
+            </a:endParaRPr>
+          </a:p>
+        </p:txBody>
+      </p:sp>
+      <p:sp>
+        <p:nvSpPr>
+          <p:cNvPr id="10" name="Rectangle 9">
+            <a:extLst>
+              <a:ext uri="{FF2B5EF4-FFF2-40B4-BE49-F238E27FC236}">
+                <a16:creationId xmlns:a16="http://schemas.microsoft.com/office/drawing/2014/main" id="{0E220D87-2B58-D2B5-6265-13AE2175088C}"/>
+              </a:ext>
+            </a:extLst>
+          </p:cNvPr>
+          <p:cNvSpPr/>
+          <p:nvPr/>
+        </p:nvSpPr>
+        <p:spPr>
+          <a:xfrm>
+            <a:off x="6834293" y="1458754"/>
+            <a:ext cx="4565227" cy="338554"/>
+          </a:xfrm>
+          <a:prstGeom prst="rect">
+            <a:avLst/>
+          </a:prstGeom>
+        </p:spPr>
+        <p:txBody>
+          <a:bodyPr wrap="square">
+            <a:spAutoFit/>
+          </a:bodyPr>
+          <a:lstStyle/>
+          <a:p>
+            <a:pPr algn="ctr"/>
+            <a:r>
+              <a:rPr lang="en-US" sz="1600" b="1" dirty="0">
+                <a:solidFill>
+                  <a:srgbClr val="231F20"/>
+                </a:solidFill>
+                <a:latin typeface="Times New Roman" panose="02020603050405020304" pitchFamily="18" charset="0"/>
+                <a:cs typeface="Times New Roman" panose="02020603050405020304" pitchFamily="18" charset="0"/>
+              </a:rPr>
+              <a:t>Step response with Proportional controller</a:t>
+            </a:r>
+            <a:endParaRPr lang="en-US" sz="1600" b="1" dirty="0">
+              <a:latin typeface="Times New Roman" panose="02020603050405020304" pitchFamily="18" charset="0"/>
+              <a:cs typeface="Times New Roman" panose="02020603050405020304" pitchFamily="18" charset="0"/>
+            </a:endParaRPr>
+          </a:p>
+        </p:txBody>
+      </p:sp>
+      <p:pic>
+        <p:nvPicPr>
+          <p:cNvPr id="12" name="Picture 11" descr="A graph with a line&#10;&#10;AI-generated content may be incorrect.">
+            <a:extLst>
+              <a:ext uri="{FF2B5EF4-FFF2-40B4-BE49-F238E27FC236}">
+                <a16:creationId xmlns:a16="http://schemas.microsoft.com/office/drawing/2014/main" id="{3EC0C12B-6D1F-8945-4A82-CF433D00B34A}"/>
+              </a:ext>
+            </a:extLst>
+          </p:cNvPr>
+          <p:cNvPicPr>
+            <a:picLocks noChangeAspect="1"/>
+          </p:cNvPicPr>
+          <p:nvPr/>
+        </p:nvPicPr>
+        <p:blipFill>
+          <a:blip r:embed="rId3">
+            <a:extLst>
+              <a:ext uri="{28A0092B-C50C-407E-A947-70E740481C1C}">
+                <a14:useLocalDpi xmlns:a14="http://schemas.microsoft.com/office/drawing/2010/main" val="0"/>
+              </a:ext>
+            </a:extLst>
+          </a:blip>
+          <a:srcRect l="3964" t="5917" r="7841" b="-393"/>
+          <a:stretch/>
+        </p:blipFill>
+        <p:spPr>
+          <a:xfrm>
+            <a:off x="6310166" y="1777812"/>
+            <a:ext cx="5191982" cy="4171331"/>
+          </a:xfrm>
+          <a:prstGeom prst="rect">
+            <a:avLst/>
+          </a:prstGeom>
+        </p:spPr>
+      </p:pic>
+      <p:pic>
+        <p:nvPicPr>
+          <p:cNvPr id="7" name="Picture 6">
+            <a:extLst>
+              <a:ext uri="{FF2B5EF4-FFF2-40B4-BE49-F238E27FC236}">
+                <a16:creationId xmlns:a16="http://schemas.microsoft.com/office/drawing/2014/main" id="{47675B0E-F78C-5938-5EB8-23EADC8F912D}"/>
+              </a:ext>
+            </a:extLst>
+          </p:cNvPr>
+          <p:cNvPicPr>
+            <a:picLocks noChangeAspect="1"/>
+          </p:cNvPicPr>
+          <p:nvPr/>
+        </p:nvPicPr>
+        <p:blipFill>
+          <a:blip r:embed="rId4"/>
+          <a:stretch>
+            <a:fillRect/>
+          </a:stretch>
+        </p:blipFill>
+        <p:spPr>
+          <a:xfrm>
+            <a:off x="475466" y="1628031"/>
+            <a:ext cx="5620534" cy="3839111"/>
+          </a:xfrm>
+          <a:prstGeom prst="rect">
+            <a:avLst/>
+          </a:prstGeom>
+        </p:spPr>
+      </p:pic>
+    </p:spTree>
+    <p:extLst>
+      <p:ext uri="{BB962C8B-B14F-4D97-AF65-F5344CB8AC3E}">
+        <p14:creationId xmlns:p14="http://schemas.microsoft.com/office/powerpoint/2010/main" val="2919886946"/>
+      </p:ext>
+    </p:extLst>
+  </p:cSld>
+  <p:clrMapOvr>
+    <a:masterClrMapping/>
+  </p:clrMapOvr>
+</p:sld>
+</file>
+
+<file path=ppt/slides/slide14.xml><?xml version="1.0" encoding="utf-8"?>
+<p:sld xmlns:a="http://schemas.openxmlformats.org/drawingml/2006/main" xmlns:r="http://schemas.openxmlformats.org/officeDocument/2006/relationships" xmlns:p="http://schemas.openxmlformats.org/presentationml/2006/main">
+  <p:cSld>
+    <p:spTree>
+      <p:nvGrpSpPr>
+        <p:cNvPr id="1" name="">
+          <a:extLst>
+            <a:ext uri="{FF2B5EF4-FFF2-40B4-BE49-F238E27FC236}">
+              <a16:creationId xmlns:a16="http://schemas.microsoft.com/office/drawing/2014/main" id="{0FD43AD2-ED7B-2F7C-24FA-FE8191FF9171}"/>
+            </a:ext>
+          </a:extLst>
+        </p:cNvPr>
+        <p:cNvGrpSpPr/>
+        <p:nvPr/>
+      </p:nvGrpSpPr>
+      <p:grpSpPr>
+        <a:xfrm>
+          <a:off x="0" y="0"/>
+          <a:ext cx="0" cy="0"/>
+          <a:chOff x="0" y="0"/>
+          <a:chExt cx="0" cy="0"/>
+        </a:xfrm>
+      </p:grpSpPr>
+      <p:sp>
+        <p:nvSpPr>
+          <p:cNvPr id="2" name="Title 1">
+            <a:extLst>
+              <a:ext uri="{FF2B5EF4-FFF2-40B4-BE49-F238E27FC236}">
+                <a16:creationId xmlns:a16="http://schemas.microsoft.com/office/drawing/2014/main" id="{9BAFB19F-E4DD-343B-9F5A-354760BCC478}"/>
+              </a:ext>
+            </a:extLst>
+          </p:cNvPr>
+          <p:cNvSpPr>
+            <a:spLocks noGrp="1"/>
+          </p:cNvSpPr>
+          <p:nvPr>
+            <p:ph type="title"/>
+          </p:nvPr>
+        </p:nvSpPr>
+        <p:spPr/>
+        <p:txBody>
+          <a:bodyPr/>
+          <a:lstStyle/>
+          <a:p>
+            <a:r>
+              <a:rPr lang="en-US" sz="3000" dirty="0">
+                <a:solidFill>
+                  <a:schemeClr val="bg1">
+                    <a:lumMod val="75000"/>
+                  </a:schemeClr>
+                </a:solidFill>
+                <a:latin typeface="Calibri" panose="020F0502020204030204" pitchFamily="34" charset="0"/>
+                <a:ea typeface="Calibri" panose="020F0502020204030204" pitchFamily="34" charset="0"/>
+                <a:cs typeface="Calibri" panose="020F0502020204030204" pitchFamily="34" charset="0"/>
+              </a:rPr>
+              <a:t>Proportional vs </a:t>
+            </a:r>
+            <a:r>
+              <a:rPr lang="en-US" sz="3000" dirty="0">
+                <a:latin typeface="Calibri" panose="020F0502020204030204" pitchFamily="34" charset="0"/>
+                <a:ea typeface="Calibri" panose="020F0502020204030204" pitchFamily="34" charset="0"/>
+                <a:cs typeface="Calibri" panose="020F0502020204030204" pitchFamily="34" charset="0"/>
+              </a:rPr>
+              <a:t>LQR</a:t>
+            </a:r>
+          </a:p>
+        </p:txBody>
+      </p:sp>
+      <p:sp>
+        <p:nvSpPr>
+          <p:cNvPr id="5" name="Content Placeholder 4">
+            <a:extLst>
+              <a:ext uri="{FF2B5EF4-FFF2-40B4-BE49-F238E27FC236}">
+                <a16:creationId xmlns:a16="http://schemas.microsoft.com/office/drawing/2014/main" id="{6C24B7ED-151E-C525-0066-85C0EA19B4BD}"/>
+              </a:ext>
+            </a:extLst>
+          </p:cNvPr>
+          <p:cNvSpPr>
+            <a:spLocks noGrp="1"/>
+          </p:cNvSpPr>
+          <p:nvPr>
+            <p:ph idx="1"/>
+          </p:nvPr>
+        </p:nvSpPr>
+        <p:spPr>
+          <a:xfrm>
+            <a:off x="285710" y="857232"/>
+            <a:ext cx="11620581" cy="5572164"/>
+          </a:xfrm>
+        </p:spPr>
+        <p:txBody>
+          <a:bodyPr/>
+          <a:lstStyle/>
+          <a:p>
+            <a:pPr marL="0" indent="0" algn="just">
+              <a:lnSpc>
+                <a:spcPct val="150000"/>
+              </a:lnSpc>
+              <a:spcBef>
+                <a:spcPts val="1200"/>
+              </a:spcBef>
+              <a:spcAft>
+                <a:spcPts val="1200"/>
+              </a:spcAft>
+              <a:buNone/>
+            </a:pPr>
+            <a:endParaRPr lang="en-US" sz="2000" dirty="0"/>
+          </a:p>
+          <a:p>
+            <a:pPr marL="0" indent="0" algn="just">
+              <a:lnSpc>
+                <a:spcPct val="150000"/>
+              </a:lnSpc>
+              <a:spcBef>
+                <a:spcPts val="600"/>
+              </a:spcBef>
+              <a:spcAft>
+                <a:spcPts val="600"/>
+              </a:spcAft>
+              <a:buNone/>
+            </a:pPr>
+            <a:endParaRPr lang="en-US" sz="2000" dirty="0"/>
+          </a:p>
+          <a:p>
+            <a:pPr marL="0" indent="0" algn="just">
+              <a:lnSpc>
+                <a:spcPct val="150000"/>
+              </a:lnSpc>
+              <a:spcBef>
+                <a:spcPts val="600"/>
+              </a:spcBef>
+              <a:spcAft>
+                <a:spcPts val="600"/>
+              </a:spcAft>
+              <a:buNone/>
+            </a:pPr>
+            <a:endParaRPr lang="en-US" sz="2000" dirty="0"/>
+          </a:p>
+        </p:txBody>
+      </p:sp>
+      <p:sp>
+        <p:nvSpPr>
+          <p:cNvPr id="3" name="Rectangle 2">
+            <a:extLst>
+              <a:ext uri="{FF2B5EF4-FFF2-40B4-BE49-F238E27FC236}">
+                <a16:creationId xmlns:a16="http://schemas.microsoft.com/office/drawing/2014/main" id="{F9A49489-712E-719A-006C-0FE0B6688141}"/>
+              </a:ext>
+            </a:extLst>
+          </p:cNvPr>
+          <p:cNvSpPr/>
+          <p:nvPr/>
+        </p:nvSpPr>
+        <p:spPr>
+          <a:xfrm>
+            <a:off x="285709" y="957938"/>
+            <a:ext cx="2681897" cy="400110"/>
+          </a:xfrm>
+          <a:prstGeom prst="rect">
+            <a:avLst/>
+          </a:prstGeom>
+        </p:spPr>
+        <p:txBody>
+          <a:bodyPr wrap="square">
+            <a:spAutoFit/>
+          </a:bodyPr>
+          <a:lstStyle/>
+          <a:p>
+            <a:pPr marL="457200" indent="-457200">
+              <a:buFont typeface="Wingdings" panose="05000000000000000000" pitchFamily="2" charset="2"/>
+              <a:buChar char="q"/>
+            </a:pPr>
+            <a:r>
+              <a:rPr lang="en-US" sz="2000" b="1" dirty="0">
+                <a:solidFill>
+                  <a:srgbClr val="231F20"/>
+                </a:solidFill>
+                <a:latin typeface="Times New Roman" panose="02020603050405020304" pitchFamily="18" charset="0"/>
+                <a:cs typeface="Times New Roman" panose="02020603050405020304" pitchFamily="18" charset="0"/>
+              </a:rPr>
+              <a:t>MATLAB codes:</a:t>
+            </a:r>
+            <a:endParaRPr lang="en-US" sz="2000" b="1" dirty="0">
+              <a:latin typeface="Times New Roman" panose="02020603050405020304" pitchFamily="18" charset="0"/>
+              <a:cs typeface="Times New Roman" panose="02020603050405020304" pitchFamily="18" charset="0"/>
+            </a:endParaRPr>
+          </a:p>
+        </p:txBody>
+      </p:sp>
+      <p:sp>
+        <p:nvSpPr>
+          <p:cNvPr id="10" name="Rectangle 9">
+            <a:extLst>
+              <a:ext uri="{FF2B5EF4-FFF2-40B4-BE49-F238E27FC236}">
+                <a16:creationId xmlns:a16="http://schemas.microsoft.com/office/drawing/2014/main" id="{49D4F112-EF5E-D7C9-8408-82DFBF3AD776}"/>
+              </a:ext>
+            </a:extLst>
+          </p:cNvPr>
+          <p:cNvSpPr/>
+          <p:nvPr/>
+        </p:nvSpPr>
+        <p:spPr>
+          <a:xfrm>
+            <a:off x="7457440" y="1286187"/>
+            <a:ext cx="4375573" cy="338554"/>
+          </a:xfrm>
+          <a:prstGeom prst="rect">
+            <a:avLst/>
+          </a:prstGeom>
+        </p:spPr>
+        <p:txBody>
+          <a:bodyPr wrap="square">
+            <a:spAutoFit/>
+          </a:bodyPr>
+          <a:lstStyle/>
+          <a:p>
+            <a:pPr algn="ctr"/>
+            <a:r>
+              <a:rPr lang="en-US" sz="1600" b="1" dirty="0">
+                <a:solidFill>
+                  <a:srgbClr val="231F20"/>
+                </a:solidFill>
+                <a:latin typeface="Times New Roman" panose="02020603050405020304" pitchFamily="18" charset="0"/>
+                <a:cs typeface="Times New Roman" panose="02020603050405020304" pitchFamily="18" charset="0"/>
+              </a:rPr>
+              <a:t>Step response with LQR controller</a:t>
+            </a:r>
+            <a:endParaRPr lang="en-US" sz="1600" b="1" dirty="0">
+              <a:latin typeface="Times New Roman" panose="02020603050405020304" pitchFamily="18" charset="0"/>
+              <a:cs typeface="Times New Roman" panose="02020603050405020304" pitchFamily="18" charset="0"/>
+            </a:endParaRPr>
+          </a:p>
+        </p:txBody>
+      </p:sp>
+      <p:pic>
+        <p:nvPicPr>
+          <p:cNvPr id="11" name="Picture 10" descr="A graph with a red line&#10;&#10;AI-generated content may be incorrect.">
+            <a:extLst>
+              <a:ext uri="{FF2B5EF4-FFF2-40B4-BE49-F238E27FC236}">
+                <a16:creationId xmlns:a16="http://schemas.microsoft.com/office/drawing/2014/main" id="{2C3A284D-580C-54B0-6D0F-991D30E0E103}"/>
+              </a:ext>
+            </a:extLst>
+          </p:cNvPr>
+          <p:cNvPicPr>
+            <a:picLocks noChangeAspect="1"/>
+          </p:cNvPicPr>
+          <p:nvPr/>
+        </p:nvPicPr>
+        <p:blipFill>
+          <a:blip r:embed="rId3">
+            <a:extLst>
+              <a:ext uri="{28A0092B-C50C-407E-A947-70E740481C1C}">
+                <a14:useLocalDpi xmlns:a14="http://schemas.microsoft.com/office/drawing/2010/main" val="0"/>
+              </a:ext>
+            </a:extLst>
+          </a:blip>
+          <a:srcRect l="3540" t="4782" r="6944"/>
+          <a:stretch/>
+        </p:blipFill>
+        <p:spPr>
+          <a:xfrm>
+            <a:off x="6736277" y="1631818"/>
+            <a:ext cx="5256220" cy="4193249"/>
+          </a:xfrm>
+          <a:prstGeom prst="rect">
+            <a:avLst/>
+          </a:prstGeom>
+        </p:spPr>
+      </p:pic>
+      <p:pic>
+        <p:nvPicPr>
+          <p:cNvPr id="13" name="Picture 12">
+            <a:extLst>
+              <a:ext uri="{FF2B5EF4-FFF2-40B4-BE49-F238E27FC236}">
+                <a16:creationId xmlns:a16="http://schemas.microsoft.com/office/drawing/2014/main" id="{AB9081D5-7D34-10DB-BF97-78CDF9BCABC2}"/>
+              </a:ext>
+            </a:extLst>
+          </p:cNvPr>
+          <p:cNvPicPr>
+            <a:picLocks noChangeAspect="1"/>
+          </p:cNvPicPr>
+          <p:nvPr/>
+        </p:nvPicPr>
+        <p:blipFill>
+          <a:blip r:embed="rId4"/>
+          <a:stretch>
+            <a:fillRect/>
+          </a:stretch>
+        </p:blipFill>
+        <p:spPr>
+          <a:xfrm>
+            <a:off x="103754" y="1631818"/>
+            <a:ext cx="6611883" cy="4527217"/>
+          </a:xfrm>
+          <a:prstGeom prst="rect">
+            <a:avLst/>
+          </a:prstGeom>
+        </p:spPr>
+      </p:pic>
+    </p:spTree>
+    <p:extLst>
+      <p:ext uri="{BB962C8B-B14F-4D97-AF65-F5344CB8AC3E}">
+        <p14:creationId xmlns:p14="http://schemas.microsoft.com/office/powerpoint/2010/main" val="293654005"/>
+      </p:ext>
+    </p:extLst>
+  </p:cSld>
+  <p:clrMapOvr>
+    <a:masterClrMapping/>
+  </p:clrMapOvr>
+</p:sld>
+</file>
+
+<file path=ppt/slides/slide15.xml><?xml version="1.0" encoding="utf-8"?>
+<p:sld xmlns:a="http://schemas.openxmlformats.org/drawingml/2006/main" xmlns:r="http://schemas.openxmlformats.org/officeDocument/2006/relationships" xmlns:p="http://schemas.openxmlformats.org/presentationml/2006/main">
+  <p:cSld>
+    <p:spTree>
+      <p:nvGrpSpPr>
+        <p:cNvPr id="1" name="">
+          <a:extLst>
+            <a:ext uri="{FF2B5EF4-FFF2-40B4-BE49-F238E27FC236}">
+              <a16:creationId xmlns:a16="http://schemas.microsoft.com/office/drawing/2014/main" id="{3F73429A-547A-1BDA-DAE8-451E3E5B29DD}"/>
+            </a:ext>
+          </a:extLst>
+        </p:cNvPr>
+        <p:cNvGrpSpPr/>
+        <p:nvPr/>
+      </p:nvGrpSpPr>
+      <p:grpSpPr>
+        <a:xfrm>
+          <a:off x="0" y="0"/>
+          <a:ext cx="0" cy="0"/>
+          <a:chOff x="0" y="0"/>
+          <a:chExt cx="0" cy="0"/>
+        </a:xfrm>
+      </p:grpSpPr>
+      <p:sp>
+        <p:nvSpPr>
+          <p:cNvPr id="2" name="Title 1">
+            <a:extLst>
+              <a:ext uri="{FF2B5EF4-FFF2-40B4-BE49-F238E27FC236}">
+                <a16:creationId xmlns:a16="http://schemas.microsoft.com/office/drawing/2014/main" id="{4FE9817F-8506-E432-3A39-A72AE258BF2E}"/>
+              </a:ext>
+            </a:extLst>
+          </p:cNvPr>
+          <p:cNvSpPr>
+            <a:spLocks noGrp="1"/>
+          </p:cNvSpPr>
+          <p:nvPr>
+            <p:ph type="title"/>
+          </p:nvPr>
+        </p:nvSpPr>
+        <p:spPr/>
+        <p:txBody>
+          <a:bodyPr/>
+          <a:lstStyle/>
+          <a:p>
+            <a:r>
+              <a:rPr lang="en-US" sz="3000" dirty="0">
+                <a:latin typeface="Calibri" panose="020F0502020204030204" pitchFamily="34" charset="0"/>
+                <a:ea typeface="Calibri" panose="020F0502020204030204" pitchFamily="34" charset="0"/>
+                <a:cs typeface="Calibri" panose="020F0502020204030204" pitchFamily="34" charset="0"/>
+              </a:rPr>
+              <a:t>Proportional vs</a:t>
+            </a:r>
+            <a:r>
+              <a:rPr lang="en-US" sz="3000" dirty="0">
+                <a:solidFill>
+                  <a:schemeClr val="bg1">
+                    <a:lumMod val="75000"/>
+                  </a:schemeClr>
+                </a:solidFill>
+                <a:latin typeface="Calibri" panose="020F0502020204030204" pitchFamily="34" charset="0"/>
+                <a:ea typeface="Calibri" panose="020F0502020204030204" pitchFamily="34" charset="0"/>
+                <a:cs typeface="Calibri" panose="020F0502020204030204" pitchFamily="34" charset="0"/>
+              </a:rPr>
+              <a:t> </a:t>
+            </a:r>
+            <a:r>
+              <a:rPr lang="en-US" sz="3000" dirty="0">
+                <a:latin typeface="Calibri" panose="020F0502020204030204" pitchFamily="34" charset="0"/>
+                <a:ea typeface="Calibri" panose="020F0502020204030204" pitchFamily="34" charset="0"/>
+                <a:cs typeface="Calibri" panose="020F0502020204030204" pitchFamily="34" charset="0"/>
+              </a:rPr>
+              <a:t>LQR</a:t>
+            </a:r>
+          </a:p>
+        </p:txBody>
+      </p:sp>
+      <p:sp>
+        <p:nvSpPr>
+          <p:cNvPr id="5" name="Content Placeholder 4">
+            <a:extLst>
+              <a:ext uri="{FF2B5EF4-FFF2-40B4-BE49-F238E27FC236}">
+                <a16:creationId xmlns:a16="http://schemas.microsoft.com/office/drawing/2014/main" id="{0CCD2796-4C1E-4C54-7E3E-00266B8B3369}"/>
+              </a:ext>
+            </a:extLst>
+          </p:cNvPr>
+          <p:cNvSpPr>
+            <a:spLocks noGrp="1"/>
+          </p:cNvSpPr>
+          <p:nvPr>
+            <p:ph idx="1"/>
+          </p:nvPr>
+        </p:nvSpPr>
+        <p:spPr>
+          <a:xfrm>
+            <a:off x="285710" y="857232"/>
+            <a:ext cx="11620581" cy="5572164"/>
+          </a:xfrm>
+        </p:spPr>
+        <p:txBody>
+          <a:bodyPr/>
+          <a:lstStyle/>
+          <a:p>
+            <a:pPr marL="0" indent="0" algn="just">
+              <a:lnSpc>
+                <a:spcPct val="150000"/>
+              </a:lnSpc>
+              <a:spcBef>
+                <a:spcPts val="1200"/>
+              </a:spcBef>
+              <a:spcAft>
+                <a:spcPts val="1200"/>
+              </a:spcAft>
+              <a:buNone/>
+            </a:pPr>
+            <a:endParaRPr lang="en-US" sz="2000" dirty="0"/>
+          </a:p>
+          <a:p>
+            <a:pPr marL="0" indent="0" algn="just">
+              <a:lnSpc>
+                <a:spcPct val="150000"/>
+              </a:lnSpc>
+              <a:spcBef>
+                <a:spcPts val="600"/>
+              </a:spcBef>
+              <a:spcAft>
+                <a:spcPts val="600"/>
+              </a:spcAft>
+              <a:buNone/>
+            </a:pPr>
+            <a:endParaRPr lang="en-US" sz="2000" dirty="0"/>
+          </a:p>
+          <a:p>
+            <a:pPr marL="0" indent="0" algn="just">
+              <a:lnSpc>
+                <a:spcPct val="150000"/>
+              </a:lnSpc>
+              <a:spcBef>
+                <a:spcPts val="600"/>
+              </a:spcBef>
+              <a:spcAft>
+                <a:spcPts val="600"/>
+              </a:spcAft>
+              <a:buNone/>
+            </a:pPr>
+            <a:endParaRPr lang="en-US" sz="2000" dirty="0"/>
+          </a:p>
+        </p:txBody>
+      </p:sp>
+      <p:pic>
+        <p:nvPicPr>
+          <p:cNvPr id="4" name="Picture 3" descr="A graph of a function&#10;&#10;AI-generated content may be incorrect.">
+            <a:extLst>
+              <a:ext uri="{FF2B5EF4-FFF2-40B4-BE49-F238E27FC236}">
+                <a16:creationId xmlns:a16="http://schemas.microsoft.com/office/drawing/2014/main" id="{D646A539-BA50-A4B0-7FFD-F55140FDC9FF}"/>
+              </a:ext>
+            </a:extLst>
+          </p:cNvPr>
+          <p:cNvPicPr>
+            <a:picLocks noChangeAspect="1"/>
+          </p:cNvPicPr>
+          <p:nvPr/>
+        </p:nvPicPr>
+        <p:blipFill>
+          <a:blip r:embed="rId3">
+            <a:extLst>
+              <a:ext uri="{28A0092B-C50C-407E-A947-70E740481C1C}">
+                <a14:useLocalDpi xmlns:a14="http://schemas.microsoft.com/office/drawing/2010/main" val="0"/>
+              </a:ext>
+            </a:extLst>
+          </a:blip>
+          <a:srcRect l="4159" t="5937" r="7587"/>
+          <a:stretch/>
+        </p:blipFill>
+        <p:spPr>
+          <a:xfrm>
+            <a:off x="285709" y="1219200"/>
+            <a:ext cx="4707466" cy="3763010"/>
+          </a:xfrm>
+          <a:prstGeom prst="rect">
+            <a:avLst/>
+          </a:prstGeom>
+        </p:spPr>
+      </p:pic>
+    </p:spTree>
+    <p:extLst>
+      <p:ext uri="{BB962C8B-B14F-4D97-AF65-F5344CB8AC3E}">
+        <p14:creationId xmlns:p14="http://schemas.microsoft.com/office/powerpoint/2010/main" val="4024710191"/>
+      </p:ext>
+    </p:extLst>
+  </p:cSld>
+  <p:clrMapOvr>
+    <a:masterClrMapping/>
+  </p:clrMapOvr>
+</p:sld>
+</file>
+
+<file path=ppt/slides/slide16.xml><?xml version="1.0" encoding="utf-8"?>
 <p:sld xmlns:a="http://schemas.openxmlformats.org/drawingml/2006/main" xmlns:r="http://schemas.openxmlformats.org/officeDocument/2006/relationships" xmlns:p="http://schemas.openxmlformats.org/presentationml/2006/main">
   <p:cSld>
     <p:spTree>
@@ -15328,7 +20113,7 @@
 </p:sld>
 </file>
 
-<file path=ppt/slides/slide13.xml><?xml version="1.0" encoding="utf-8"?>
+<file path=ppt/slides/slide17.xml><?xml version="1.0" encoding="utf-8"?>
 <p:sld xmlns:a="http://schemas.openxmlformats.org/drawingml/2006/main" xmlns:r="http://schemas.openxmlformats.org/officeDocument/2006/relationships" xmlns:p="http://schemas.openxmlformats.org/presentationml/2006/main">
   <p:cSld>
     <p:spTree>
@@ -16073,7 +20858,7 @@
             </a:pPr>
             <a:r>
               <a:rPr lang="en-US" sz="2600" dirty="0"/>
-              <a:t>Simulation results</a:t>
+              <a:t>Simulation</a:t>
             </a:r>
           </a:p>
         </p:txBody>
@@ -16686,13 +21471,13 @@
             </a:r>
             <a:r>
               <a:rPr lang="en-US" sz="2600" dirty="0"/>
-              <a:t>those obtained using</a:t>
+              <a:t>that obtained using</a:t>
             </a:r>
             <a:r>
               <a:rPr lang="en-US" sz="2600" b="0" i="0" dirty="0">
                 <a:effectLst/>
               </a:rPr>
-              <a:t> the PID and a simple</a:t>
+              <a:t> a simple closed-loop</a:t>
             </a:r>
           </a:p>
           <a:p>
@@ -16709,7 +21494,7 @@
               <a:rPr lang="en-US" sz="2600" b="0" i="0" dirty="0">
                 <a:effectLst/>
               </a:rPr>
-              <a:t>closed-loop technique.</a:t>
+              <a:t>technique.</a:t>
             </a:r>
           </a:p>
           <a:p>
@@ -17598,7 +22383,7 @@
                 </a14:m>
                 <a:r>
                   <a:rPr lang="en-US" sz="2400" dirty="0"/>
-                  <a:t>: penalizes state deviation (like position, speed, current, etc.)</a:t>
+                  <a:t>: penalizes state deviation (e.g., position, speed and current)</a:t>
                 </a:r>
               </a:p>
               <a:p>
@@ -17629,7 +22414,15 @@
                 </a:r>
                 <a:r>
                   <a:rPr lang="fr-FR" sz="2400" dirty="0"/>
-                  <a:t>(like input voltage, force, torque, etc.)</a:t>
+                  <a:t>(</a:t>
+                </a:r>
+                <a:r>
+                  <a:rPr lang="en-US" sz="2400" dirty="0"/>
+                  <a:t>e.g.,</a:t>
+                </a:r>
+                <a:r>
+                  <a:rPr lang="fr-FR" sz="2400" dirty="0"/>
+                  <a:t> input voltage, force and torque)</a:t>
                 </a:r>
                 <a:endParaRPr lang="en-US" sz="2400" dirty="0"/>
               </a:p>
@@ -17843,8 +22636,8 @@
           </a:p>
         </p:txBody>
       </p:sp>
-      <mc:AlternateContent xmlns:mc="http://schemas.openxmlformats.org/markup-compatibility/2006">
-        <mc:Choice xmlns:a14="http://schemas.microsoft.com/office/drawing/2010/main" Requires="a14">
+      <mc:AlternateContent xmlns:mc="http://schemas.openxmlformats.org/markup-compatibility/2006" xmlns:a14="http://schemas.microsoft.com/office/drawing/2010/main">
+        <mc:Choice Requires="a14">
           <p:sp>
             <p:nvSpPr>
               <p:cNvPr id="5" name="Content Placeholder 4">
@@ -18253,7 +23046,7 @@
             </p:txBody>
           </p:sp>
         </mc:Choice>
-        <mc:Fallback>
+        <mc:Fallback xmlns="">
           <p:sp>
             <p:nvSpPr>
               <p:cNvPr id="5" name="Content Placeholder 4">
@@ -20013,7 +24806,7 @@
                 <a:ea typeface="Calibri" panose="020F0502020204030204" pitchFamily="34" charset="0"/>
                 <a:cs typeface="Calibri" panose="020F0502020204030204" pitchFamily="34" charset="0"/>
               </a:rPr>
-              <a:t>DC motor model</a:t>
+              <a:t>DC motor model – State space</a:t>
             </a:r>
           </a:p>
         </p:txBody>
@@ -21368,7 +26161,7 @@
                 <a:ea typeface="Calibri" panose="020F0502020204030204" pitchFamily="34" charset="0"/>
                 <a:cs typeface="Calibri" panose="020F0502020204030204" pitchFamily="34" charset="0"/>
               </a:rPr>
-              <a:t>DC motor model</a:t>
+              <a:t>DC motor model – Transfer function</a:t>
             </a:r>
           </a:p>
         </p:txBody>

--- a/Exercises/20245360_CHUNG_QUANG_KHANH_Term_Project/20245360_CHUNG_QUANG_KHANH_Optimal_Control.pptx
+++ b/Exercises/20245360_CHUNG_QUANG_KHANH_Term_Project/20245360_CHUNG_QUANG_KHANH_Optimal_Control.pptx
@@ -5,7 +5,7 @@
     <p:sldMasterId id="2147483660" r:id="rId1"/>
   </p:sldMasterIdLst>
   <p:notesMasterIdLst>
-    <p:notesMasterId r:id="rId19"/>
+    <p:notesMasterId r:id="rId22"/>
   </p:notesMasterIdLst>
   <p:sldIdLst>
     <p:sldId id="282" r:id="rId2"/>
@@ -23,8 +23,11 @@
     <p:sldId id="444" r:id="rId14"/>
     <p:sldId id="446" r:id="rId15"/>
     <p:sldId id="447" r:id="rId16"/>
-    <p:sldId id="442" r:id="rId17"/>
-    <p:sldId id="443" r:id="rId18"/>
+    <p:sldId id="448" r:id="rId17"/>
+    <p:sldId id="449" r:id="rId18"/>
+    <p:sldId id="450" r:id="rId19"/>
+    <p:sldId id="442" r:id="rId20"/>
+    <p:sldId id="443" r:id="rId21"/>
   </p:sldIdLst>
   <p:sldSz cx="12192000" cy="6858000"/>
   <p:notesSz cx="6858000" cy="9144000"/>
@@ -143,6 +146,9 @@
             <p14:sldId id="444"/>
             <p14:sldId id="446"/>
             <p14:sldId id="447"/>
+            <p14:sldId id="448"/>
+            <p14:sldId id="449"/>
+            <p14:sldId id="450"/>
             <p14:sldId id="442"/>
             <p14:sldId id="443"/>
           </p14:sldIdLst>
@@ -3352,7 +3358,7 @@
           <a:p>
             <a:fld id="{A6FF4BB7-400C-47DC-9549-A0243A7AD47A}" type="datetimeFigureOut">
               <a:rPr lang="en-US" smtClean="0"/>
-              <a:t>2025-06-03</a:t>
+              <a:t>2025-06-04</a:t>
             </a:fld>
             <a:endParaRPr lang="en-US"/>
           </a:p>
@@ -6140,6 +6146,1476 @@
         <p:cNvPr id="1" name="">
           <a:extLst>
             <a:ext uri="{FF2B5EF4-FFF2-40B4-BE49-F238E27FC236}">
+              <a16:creationId xmlns:a16="http://schemas.microsoft.com/office/drawing/2014/main" id="{D744D3DE-5EF4-AAC5-8E1F-EFC1409C8DE9}"/>
+            </a:ext>
+          </a:extLst>
+        </p:cNvPr>
+        <p:cNvGrpSpPr/>
+        <p:nvPr/>
+      </p:nvGrpSpPr>
+      <p:grpSpPr>
+        <a:xfrm>
+          <a:off x="0" y="0"/>
+          <a:ext cx="0" cy="0"/>
+          <a:chOff x="0" y="0"/>
+          <a:chExt cx="0" cy="0"/>
+        </a:xfrm>
+      </p:grpSpPr>
+      <p:sp>
+        <p:nvSpPr>
+          <p:cNvPr id="2" name="Slide Image Placeholder 1">
+            <a:extLst>
+              <a:ext uri="{FF2B5EF4-FFF2-40B4-BE49-F238E27FC236}">
+                <a16:creationId xmlns:a16="http://schemas.microsoft.com/office/drawing/2014/main" id="{6623E4E9-4CF5-F955-BC0A-E34E39E5554C}"/>
+              </a:ext>
+            </a:extLst>
+          </p:cNvPr>
+          <p:cNvSpPr>
+            <a:spLocks noGrp="1" noRot="1" noChangeAspect="1"/>
+          </p:cNvSpPr>
+          <p:nvPr>
+            <p:ph type="sldImg"/>
+          </p:nvPr>
+        </p:nvSpPr>
+        <p:spPr/>
+      </p:sp>
+      <mc:AlternateContent xmlns:mc="http://schemas.openxmlformats.org/markup-compatibility/2006" xmlns:a14="http://schemas.microsoft.com/office/drawing/2010/main">
+        <mc:Choice Requires="a14">
+          <p:sp>
+            <p:nvSpPr>
+              <p:cNvPr id="3" name="Notes Placeholder 2">
+                <a:extLst>
+                  <a:ext uri="{FF2B5EF4-FFF2-40B4-BE49-F238E27FC236}">
+                    <a16:creationId xmlns:a16="http://schemas.microsoft.com/office/drawing/2014/main" id="{FB589137-0C88-64D5-63B3-73D7C58E9962}"/>
+                  </a:ext>
+                </a:extLst>
+              </p:cNvPr>
+              <p:cNvSpPr>
+                <a:spLocks noGrp="1"/>
+              </p:cNvSpPr>
+              <p:nvPr>
+                <p:ph type="body" idx="1"/>
+              </p:nvPr>
+            </p:nvSpPr>
+            <p:spPr/>
+            <p:txBody>
+              <a:bodyPr/>
+              <a:lstStyle/>
+              <a:p>
+                <a:endParaRPr lang="en-US" dirty="0">
+                  <a:latin typeface="Times New Roman" panose="02020603050405020304" pitchFamily="18" charset="0"/>
+                  <a:cs typeface="Times New Roman" panose="02020603050405020304" pitchFamily="18" charset="0"/>
+                </a:endParaRPr>
+              </a:p>
+            </p:txBody>
+          </p:sp>
+        </mc:Choice>
+        <mc:Fallback xmlns="">
+          <p:sp>
+            <p:nvSpPr>
+              <p:cNvPr id="3" name="Notes Placeholder 2"/>
+              <p:cNvSpPr>
+                <a:spLocks noGrp="1"/>
+              </p:cNvSpPr>
+              <p:nvPr>
+                <p:ph type="body" idx="1"/>
+              </p:nvPr>
+            </p:nvSpPr>
+            <p:spPr/>
+            <p:txBody>
+              <a:bodyPr/>
+              <a:lstStyle/>
+              <a:p>
+                <a:r>
+                  <a:rPr lang="en-US" sz="1200" b="0" i="0" kern="1200" dirty="0">
+                    <a:solidFill>
+                      <a:schemeClr val="tx1"/>
+                    </a:solidFill>
+                    <a:effectLst/>
+                    <a:latin typeface="Times New Roman" panose="02020603050405020304" pitchFamily="18" charset="0"/>
+                    <a:ea typeface="+mn-ea"/>
+                    <a:cs typeface="Times New Roman" panose="02020603050405020304" pitchFamily="18" charset="0"/>
+                  </a:rPr>
+                  <a:t>For binary classification, the basic</a:t>
+                </a:r>
+                <a:r>
+                  <a:rPr lang="en-US" dirty="0">
+                    <a:latin typeface="Times New Roman" panose="02020603050405020304" pitchFamily="18" charset="0"/>
+                    <a:cs typeface="Times New Roman" panose="02020603050405020304" pitchFamily="18" charset="0"/>
+                  </a:rPr>
+                  <a:t> </a:t>
+                </a:r>
+                <a:r>
+                  <a:rPr lang="en-US" sz="1200" b="0" i="0" kern="1200" dirty="0">
+                    <a:solidFill>
+                      <a:schemeClr val="tx1"/>
+                    </a:solidFill>
+                    <a:effectLst/>
+                    <a:latin typeface="Times New Roman" panose="02020603050405020304" pitchFamily="18" charset="0"/>
+                    <a:ea typeface="+mn-ea"/>
+                    <a:cs typeface="Times New Roman" panose="02020603050405020304" pitchFamily="18" charset="0"/>
+                  </a:rPr>
+                  <a:t>idea of SVM is to find an hyper-plane which separates positive and negative training observations and maximizes the</a:t>
+                </a:r>
+                <a:br>
+                  <a:rPr lang="en-US" sz="1200" b="0" i="0" kern="1200" dirty="0">
+                    <a:solidFill>
+                      <a:schemeClr val="tx1"/>
+                    </a:solidFill>
+                    <a:effectLst/>
+                    <a:latin typeface="Times New Roman" panose="02020603050405020304" pitchFamily="18" charset="0"/>
+                    <a:ea typeface="+mn-ea"/>
+                    <a:cs typeface="Times New Roman" panose="02020603050405020304" pitchFamily="18" charset="0"/>
+                  </a:rPr>
+                </a:br>
+                <a:r>
+                  <a:rPr lang="en-US" sz="1200" b="0" i="0" kern="1200" dirty="0">
+                    <a:solidFill>
+                      <a:schemeClr val="tx1"/>
+                    </a:solidFill>
+                    <a:effectLst/>
+                    <a:latin typeface="Times New Roman" panose="02020603050405020304" pitchFamily="18" charset="0"/>
+                    <a:ea typeface="+mn-ea"/>
+                    <a:cs typeface="Times New Roman" panose="02020603050405020304" pitchFamily="18" charset="0"/>
+                  </a:rPr>
+                  <a:t>margin between these observations and the hyper-plane. </a:t>
+                </a:r>
+              </a:p>
+              <a:p>
+                <a:r>
+                  <a:rPr lang="en-US" sz="1200" b="0" i="0" kern="1200" dirty="0">
+                    <a:solidFill>
+                      <a:schemeClr val="tx1"/>
+                    </a:solidFill>
+                    <a:effectLst/>
+                    <a:latin typeface="Times New Roman" panose="02020603050405020304" pitchFamily="18" charset="0"/>
+                    <a:ea typeface="+mn-ea"/>
+                    <a:cs typeface="Times New Roman" panose="02020603050405020304" pitchFamily="18" charset="0"/>
+                  </a:rPr>
+                  <a:t>Linear kernel: </a:t>
+                </a:r>
+                <a:r>
+                  <a:rPr lang="en-US" sz="1200" b="0" i="0" kern="1200" dirty="0">
+                    <a:solidFill>
+                      <a:schemeClr val="tx1"/>
+                    </a:solidFill>
+                    <a:effectLst/>
+                    <a:latin typeface="Cambria Math" panose="02040503050406030204" pitchFamily="18" charset="0"/>
+                    <a:ea typeface="+mn-ea"/>
+                    <a:cs typeface="+mn-cs"/>
+                  </a:rPr>
+                  <a:t>𝐾(</a:t>
+                </a:r>
+                <a:r>
+                  <a:rPr lang="en-US" sz="1200" b="0" i="0" kern="1200" dirty="0" err="1">
+                    <a:solidFill>
+                      <a:schemeClr val="tx1"/>
+                    </a:solidFill>
+                    <a:effectLst/>
+                    <a:latin typeface="Cambria Math" panose="02040503050406030204" pitchFamily="18" charset="0"/>
+                    <a:ea typeface="+mn-ea"/>
+                    <a:cs typeface="+mn-cs"/>
+                  </a:rPr>
+                  <a:t>𝑥</a:t>
+                </a:r>
+                <a:r>
+                  <a:rPr lang="en-US" sz="1200" b="0" i="0" kern="1200" baseline="-25000" dirty="0" err="1">
+                    <a:solidFill>
+                      <a:schemeClr val="tx1"/>
+                    </a:solidFill>
+                    <a:effectLst/>
+                    <a:latin typeface="Cambria Math" panose="02040503050406030204" pitchFamily="18" charset="0"/>
+                    <a:ea typeface="+mn-ea"/>
+                    <a:cs typeface="+mn-cs"/>
+                  </a:rPr>
+                  <a:t>𝑖</a:t>
+                </a:r>
+                <a:r>
+                  <a:rPr lang="en-US" sz="1200" b="0" i="0" kern="1200" baseline="0" dirty="0" err="1">
+                    <a:solidFill>
+                      <a:schemeClr val="tx1"/>
+                    </a:solidFill>
+                    <a:effectLst/>
+                    <a:latin typeface="Cambria Math" panose="02040503050406030204" pitchFamily="18" charset="0"/>
+                    <a:ea typeface="+mn-ea"/>
+                    <a:cs typeface="+mn-cs"/>
+                  </a:rPr>
+                  <a:t>,𝑥</a:t>
+                </a:r>
+                <a:r>
+                  <a:rPr lang="en-US" sz="1200" b="0" i="0" kern="1200" dirty="0">
+                    <a:solidFill>
+                      <a:schemeClr val="tx1"/>
+                    </a:solidFill>
+                    <a:effectLst/>
+                    <a:latin typeface="Cambria Math" panose="02040503050406030204" pitchFamily="18" charset="0"/>
+                    <a:ea typeface="+mn-ea"/>
+                    <a:cs typeface="+mn-cs"/>
+                  </a:rPr>
+                  <a:t>)=</a:t>
+                </a:r>
+                <a:r>
+                  <a:rPr lang="en-US" sz="1200" b="0" i="0" kern="1200" dirty="0" err="1">
+                    <a:solidFill>
+                      <a:schemeClr val="tx1"/>
+                    </a:solidFill>
+                    <a:effectLst/>
+                    <a:latin typeface="Cambria Math" panose="02040503050406030204" pitchFamily="18" charset="0"/>
+                    <a:ea typeface="+mn-ea"/>
+                    <a:cs typeface="+mn-cs"/>
+                  </a:rPr>
+                  <a:t>𝑥</a:t>
+                </a:r>
+                <a:r>
+                  <a:rPr lang="en-US" sz="1200" b="0" i="0" kern="1200" baseline="-25000" dirty="0" err="1">
+                    <a:solidFill>
+                      <a:schemeClr val="tx1"/>
+                    </a:solidFill>
+                    <a:effectLst/>
+                    <a:latin typeface="Cambria Math" panose="02040503050406030204" pitchFamily="18" charset="0"/>
+                    <a:ea typeface="+mn-ea"/>
+                    <a:cs typeface="+mn-cs"/>
+                  </a:rPr>
+                  <a:t>𝑖</a:t>
+                </a:r>
+                <a:r>
+                  <a:rPr lang="en-US" sz="1200" b="0" i="0" kern="1200" baseline="30000" dirty="0" err="1">
+                    <a:solidFill>
+                      <a:schemeClr val="tx1"/>
+                    </a:solidFill>
+                    <a:effectLst/>
+                    <a:latin typeface="Cambria Math" panose="02040503050406030204" pitchFamily="18" charset="0"/>
+                    <a:ea typeface="+mn-ea"/>
+                    <a:cs typeface="+mn-cs"/>
+                  </a:rPr>
+                  <a:t>𝑇</a:t>
+                </a:r>
+                <a:r>
+                  <a:rPr lang="en-US" sz="1200" b="0" i="0" kern="1200" baseline="0" dirty="0" err="1">
+                    <a:solidFill>
+                      <a:schemeClr val="tx1"/>
+                    </a:solidFill>
+                    <a:effectLst/>
+                    <a:latin typeface="Cambria Math" panose="02040503050406030204" pitchFamily="18" charset="0"/>
+                    <a:ea typeface="+mn-ea"/>
+                    <a:cs typeface="+mn-cs"/>
+                  </a:rPr>
+                  <a:t>.𝑥</a:t>
+                </a:r>
+                <a:endParaRPr lang="en-US" sz="1200" b="0" i="0" kern="1200" baseline="0" dirty="0">
+                  <a:solidFill>
+                    <a:schemeClr val="tx1"/>
+                  </a:solidFill>
+                  <a:effectLst/>
+                  <a:latin typeface="Times New Roman" panose="02020603050405020304" pitchFamily="18" charset="0"/>
+                  <a:ea typeface="+mn-ea"/>
+                  <a:cs typeface="Times New Roman" panose="02020603050405020304" pitchFamily="18" charset="0"/>
+                </a:endParaRPr>
+              </a:p>
+              <a:p>
+                <a:r>
+                  <a:rPr lang="en-US" sz="1200" b="0" i="0" kern="1200" baseline="0" dirty="0">
+                    <a:solidFill>
+                      <a:schemeClr val="tx1"/>
+                    </a:solidFill>
+                    <a:effectLst/>
+                    <a:latin typeface="Times New Roman" panose="02020603050405020304" pitchFamily="18" charset="0"/>
+                    <a:ea typeface="+mn-ea"/>
+                    <a:cs typeface="Times New Roman" panose="02020603050405020304" pitchFamily="18" charset="0"/>
+                  </a:rPr>
+                  <a:t>Polynomial kernel:</a:t>
+                </a:r>
+                <a:r>
+                  <a:rPr lang="en-US" sz="1200" b="0" i="0" kern="1200" dirty="0">
+                    <a:solidFill>
+                      <a:schemeClr val="tx1"/>
+                    </a:solidFill>
+                    <a:effectLst/>
+                    <a:latin typeface="Cambria Math" panose="02040503050406030204" pitchFamily="18" charset="0"/>
+                    <a:ea typeface="+mn-ea"/>
+                    <a:cs typeface="+mn-cs"/>
+                  </a:rPr>
+                  <a:t> 𝐾(</a:t>
+                </a:r>
+                <a:r>
+                  <a:rPr lang="en-US" sz="1200" b="0" i="0" kern="1200" dirty="0" err="1">
+                    <a:solidFill>
+                      <a:schemeClr val="tx1"/>
+                    </a:solidFill>
+                    <a:effectLst/>
+                    <a:latin typeface="Cambria Math" panose="02040503050406030204" pitchFamily="18" charset="0"/>
+                    <a:ea typeface="+mn-ea"/>
+                    <a:cs typeface="+mn-cs"/>
+                  </a:rPr>
+                  <a:t>𝑥</a:t>
+                </a:r>
+                <a:r>
+                  <a:rPr lang="en-US" sz="1200" b="0" i="0" kern="1200" baseline="-25000" dirty="0" err="1">
+                    <a:solidFill>
+                      <a:schemeClr val="tx1"/>
+                    </a:solidFill>
+                    <a:effectLst/>
+                    <a:latin typeface="Cambria Math" panose="02040503050406030204" pitchFamily="18" charset="0"/>
+                    <a:ea typeface="+mn-ea"/>
+                    <a:cs typeface="+mn-cs"/>
+                  </a:rPr>
+                  <a:t>𝑖</a:t>
+                </a:r>
+                <a:r>
+                  <a:rPr lang="en-US" sz="1200" b="0" i="0" kern="1200" baseline="0" dirty="0" err="1">
+                    <a:solidFill>
+                      <a:schemeClr val="tx1"/>
+                    </a:solidFill>
+                    <a:effectLst/>
+                    <a:latin typeface="Cambria Math" panose="02040503050406030204" pitchFamily="18" charset="0"/>
+                    <a:ea typeface="+mn-ea"/>
+                    <a:cs typeface="+mn-cs"/>
+                  </a:rPr>
+                  <a:t>,𝑥</a:t>
+                </a:r>
+                <a:r>
+                  <a:rPr lang="en-US" sz="1200" b="0" i="0" kern="1200" baseline="0" dirty="0">
+                    <a:solidFill>
+                      <a:schemeClr val="tx1"/>
+                    </a:solidFill>
+                    <a:effectLst/>
+                    <a:latin typeface="Cambria Math" panose="02040503050406030204" pitchFamily="18" charset="0"/>
+                    <a:ea typeface="+mn-ea"/>
+                    <a:cs typeface="+mn-cs"/>
+                  </a:rPr>
+                  <a:t>)"</a:t>
+                </a:r>
+                <a:r>
+                  <a:rPr lang="en-US" sz="1200" b="0" i="0" kern="1200" dirty="0">
+                    <a:solidFill>
+                      <a:schemeClr val="tx1"/>
+                    </a:solidFill>
+                    <a:effectLst/>
+                    <a:latin typeface="Cambria Math" panose="02040503050406030204" pitchFamily="18" charset="0"/>
+                    <a:ea typeface="+mn-ea"/>
+                    <a:cs typeface="Times New Roman" panose="02020603050405020304" pitchFamily="18" charset="0"/>
+                  </a:rPr>
+                  <a:t>=</a:t>
+                </a:r>
+                <a:r>
+                  <a:rPr lang="en-US" sz="1200" b="0" i="0" kern="1200" dirty="0">
+                    <a:solidFill>
+                      <a:schemeClr val="tx1"/>
+                    </a:solidFill>
+                    <a:effectLst/>
+                    <a:latin typeface="Cambria Math" panose="02040503050406030204" pitchFamily="18" charset="0"/>
+                    <a:ea typeface="+mn-ea"/>
+                    <a:cs typeface="+mn-cs"/>
+                  </a:rPr>
+                  <a:t>" (</a:t>
+                </a:r>
+                <a:r>
+                  <a:rPr lang="en-US" sz="1200" b="0" i="0" kern="1200" dirty="0">
+                    <a:solidFill>
+                      <a:schemeClr val="tx1"/>
+                    </a:solidFill>
+                    <a:effectLst/>
+                    <a:latin typeface="Cambria Math" panose="02040503050406030204" pitchFamily="18" charset="0"/>
+                    <a:ea typeface="Cambria Math" panose="02040503050406030204" pitchFamily="18" charset="0"/>
+                    <a:cs typeface="+mn-cs"/>
+                  </a:rPr>
+                  <a:t>𝛾〖.𝑥〗_𝑖^𝑇.𝑥+𝑟</a:t>
+                </a:r>
+                <a:r>
+                  <a:rPr lang="en-US" sz="1200" b="0" i="0" kern="1200" dirty="0">
+                    <a:solidFill>
+                      <a:schemeClr val="tx1"/>
+                    </a:solidFill>
+                    <a:effectLst/>
+                    <a:latin typeface="Cambria Math" panose="02040503050406030204" pitchFamily="18" charset="0"/>
+                    <a:ea typeface="+mn-ea"/>
+                    <a:cs typeface="+mn-cs"/>
+                  </a:rPr>
+                  <a:t>)^𝑑,</a:t>
+                </a:r>
+                <a:r>
+                  <a:rPr lang="en-US" sz="1200" b="0" i="0" kern="1200" dirty="0">
+                    <a:solidFill>
+                      <a:schemeClr val="tx1"/>
+                    </a:solidFill>
+                    <a:effectLst/>
+                    <a:latin typeface="Cambria Math" panose="02040503050406030204" pitchFamily="18" charset="0"/>
+                    <a:ea typeface="Cambria Math" panose="02040503050406030204" pitchFamily="18" charset="0"/>
+                    <a:cs typeface="+mn-cs"/>
+                  </a:rPr>
+                  <a:t>𝛾</a:t>
+                </a:r>
+                <a:r>
+                  <a:rPr lang="en-US" dirty="0">
+                    <a:latin typeface="Times New Roman" panose="02020603050405020304" pitchFamily="18" charset="0"/>
+                    <a:cs typeface="Times New Roman" panose="02020603050405020304" pitchFamily="18" charset="0"/>
+                  </a:rPr>
+                  <a:t>&gt;0. </a:t>
+                </a:r>
+                <a:r>
+                  <a:rPr lang="en-US" sz="1200" b="0" i="0" kern="1200" dirty="0">
+                    <a:solidFill>
+                      <a:schemeClr val="tx1"/>
+                    </a:solidFill>
+                    <a:effectLst/>
+                    <a:latin typeface="Cambria Math" panose="02040503050406030204" pitchFamily="18" charset="0"/>
+                    <a:ea typeface="Cambria Math" panose="02040503050406030204" pitchFamily="18" charset="0"/>
+                    <a:cs typeface="+mn-cs"/>
+                  </a:rPr>
+                  <a:t>𝛾, 𝑟 </a:t>
+                </a:r>
+                <a:r>
+                  <a:rPr lang="en-US" dirty="0">
+                    <a:latin typeface="Times New Roman" panose="02020603050405020304" pitchFamily="18" charset="0"/>
+                    <a:cs typeface="Times New Roman" panose="02020603050405020304" pitchFamily="18" charset="0"/>
+                  </a:rPr>
+                  <a:t>and d parameters of the kernel function.</a:t>
+                </a:r>
+                <a:br>
+                  <a:rPr lang="en-US" dirty="0">
+                    <a:latin typeface="Times New Roman" panose="02020603050405020304" pitchFamily="18" charset="0"/>
+                    <a:cs typeface="Times New Roman" panose="02020603050405020304" pitchFamily="18" charset="0"/>
+                  </a:rPr>
+                </a:br>
+                <a:endParaRPr lang="en-US" dirty="0">
+                  <a:latin typeface="Times New Roman" panose="02020603050405020304" pitchFamily="18" charset="0"/>
+                  <a:cs typeface="Times New Roman" panose="02020603050405020304" pitchFamily="18" charset="0"/>
+                </a:endParaRPr>
+              </a:p>
+            </p:txBody>
+          </p:sp>
+        </mc:Fallback>
+      </mc:AlternateContent>
+      <p:sp>
+        <p:nvSpPr>
+          <p:cNvPr id="4" name="Slide Number Placeholder 3">
+            <a:extLst>
+              <a:ext uri="{FF2B5EF4-FFF2-40B4-BE49-F238E27FC236}">
+                <a16:creationId xmlns:a16="http://schemas.microsoft.com/office/drawing/2014/main" id="{97876B77-7639-4AC3-7457-D9814C33D9D5}"/>
+              </a:ext>
+            </a:extLst>
+          </p:cNvPr>
+          <p:cNvSpPr>
+            <a:spLocks noGrp="1"/>
+          </p:cNvSpPr>
+          <p:nvPr>
+            <p:ph type="sldNum" sz="quarter" idx="10"/>
+          </p:nvPr>
+        </p:nvSpPr>
+        <p:spPr/>
+        <p:txBody>
+          <a:bodyPr/>
+          <a:lstStyle/>
+          <a:p>
+            <a:fld id="{DCB82D92-0755-4B0E-90A0-D65A6B50ACE9}" type="slidenum">
+              <a:rPr lang="en-US" smtClean="0"/>
+              <a:t>16</a:t>
+            </a:fld>
+            <a:endParaRPr lang="en-US"/>
+          </a:p>
+        </p:txBody>
+      </p:sp>
+    </p:spTree>
+    <p:extLst>
+      <p:ext uri="{BB962C8B-B14F-4D97-AF65-F5344CB8AC3E}">
+        <p14:creationId xmlns:p14="http://schemas.microsoft.com/office/powerpoint/2010/main" val="3727198662"/>
+      </p:ext>
+    </p:extLst>
+  </p:cSld>
+  <p:clrMapOvr>
+    <a:masterClrMapping/>
+  </p:clrMapOvr>
+</p:notes>
+</file>
+
+<file path=ppt/notesSlides/notesSlide16.xml><?xml version="1.0" encoding="utf-8"?>
+<p:notes xmlns:a="http://schemas.openxmlformats.org/drawingml/2006/main" xmlns:r="http://schemas.openxmlformats.org/officeDocument/2006/relationships" xmlns:p="http://schemas.openxmlformats.org/presentationml/2006/main">
+  <p:cSld>
+    <p:spTree>
+      <p:nvGrpSpPr>
+        <p:cNvPr id="1" name="">
+          <a:extLst>
+            <a:ext uri="{FF2B5EF4-FFF2-40B4-BE49-F238E27FC236}">
+              <a16:creationId xmlns:a16="http://schemas.microsoft.com/office/drawing/2014/main" id="{B3CACE69-1029-9A84-56B9-33E074556F57}"/>
+            </a:ext>
+          </a:extLst>
+        </p:cNvPr>
+        <p:cNvGrpSpPr/>
+        <p:nvPr/>
+      </p:nvGrpSpPr>
+      <p:grpSpPr>
+        <a:xfrm>
+          <a:off x="0" y="0"/>
+          <a:ext cx="0" cy="0"/>
+          <a:chOff x="0" y="0"/>
+          <a:chExt cx="0" cy="0"/>
+        </a:xfrm>
+      </p:grpSpPr>
+      <p:sp>
+        <p:nvSpPr>
+          <p:cNvPr id="2" name="Slide Image Placeholder 1">
+            <a:extLst>
+              <a:ext uri="{FF2B5EF4-FFF2-40B4-BE49-F238E27FC236}">
+                <a16:creationId xmlns:a16="http://schemas.microsoft.com/office/drawing/2014/main" id="{9E619303-52EC-AB79-1CC4-F8A60C696EF1}"/>
+              </a:ext>
+            </a:extLst>
+          </p:cNvPr>
+          <p:cNvSpPr>
+            <a:spLocks noGrp="1" noRot="1" noChangeAspect="1"/>
+          </p:cNvSpPr>
+          <p:nvPr>
+            <p:ph type="sldImg"/>
+          </p:nvPr>
+        </p:nvSpPr>
+        <p:spPr/>
+      </p:sp>
+      <mc:AlternateContent xmlns:mc="http://schemas.openxmlformats.org/markup-compatibility/2006" xmlns:a14="http://schemas.microsoft.com/office/drawing/2010/main">
+        <mc:Choice Requires="a14">
+          <p:sp>
+            <p:nvSpPr>
+              <p:cNvPr id="3" name="Notes Placeholder 2">
+                <a:extLst>
+                  <a:ext uri="{FF2B5EF4-FFF2-40B4-BE49-F238E27FC236}">
+                    <a16:creationId xmlns:a16="http://schemas.microsoft.com/office/drawing/2014/main" id="{40CC6217-82F4-9F2C-71C7-A03833FFA9E2}"/>
+                  </a:ext>
+                </a:extLst>
+              </p:cNvPr>
+              <p:cNvSpPr>
+                <a:spLocks noGrp="1"/>
+              </p:cNvSpPr>
+              <p:nvPr>
+                <p:ph type="body" idx="1"/>
+              </p:nvPr>
+            </p:nvSpPr>
+            <p:spPr/>
+            <p:txBody>
+              <a:bodyPr/>
+              <a:lstStyle/>
+              <a:p>
+                <a:endParaRPr lang="en-US" dirty="0">
+                  <a:latin typeface="Times New Roman" panose="02020603050405020304" pitchFamily="18" charset="0"/>
+                  <a:cs typeface="Times New Roman" panose="02020603050405020304" pitchFamily="18" charset="0"/>
+                </a:endParaRPr>
+              </a:p>
+            </p:txBody>
+          </p:sp>
+        </mc:Choice>
+        <mc:Fallback xmlns="">
+          <p:sp>
+            <p:nvSpPr>
+              <p:cNvPr id="3" name="Notes Placeholder 2"/>
+              <p:cNvSpPr>
+                <a:spLocks noGrp="1"/>
+              </p:cNvSpPr>
+              <p:nvPr>
+                <p:ph type="body" idx="1"/>
+              </p:nvPr>
+            </p:nvSpPr>
+            <p:spPr/>
+            <p:txBody>
+              <a:bodyPr/>
+              <a:lstStyle/>
+              <a:p>
+                <a:r>
+                  <a:rPr lang="en-US" sz="1200" b="0" i="0" kern="1200" dirty="0">
+                    <a:solidFill>
+                      <a:schemeClr val="tx1"/>
+                    </a:solidFill>
+                    <a:effectLst/>
+                    <a:latin typeface="Times New Roman" panose="02020603050405020304" pitchFamily="18" charset="0"/>
+                    <a:ea typeface="+mn-ea"/>
+                    <a:cs typeface="Times New Roman" panose="02020603050405020304" pitchFamily="18" charset="0"/>
+                  </a:rPr>
+                  <a:t>For binary classification, the basic</a:t>
+                </a:r>
+                <a:r>
+                  <a:rPr lang="en-US" dirty="0">
+                    <a:latin typeface="Times New Roman" panose="02020603050405020304" pitchFamily="18" charset="0"/>
+                    <a:cs typeface="Times New Roman" panose="02020603050405020304" pitchFamily="18" charset="0"/>
+                  </a:rPr>
+                  <a:t> </a:t>
+                </a:r>
+                <a:r>
+                  <a:rPr lang="en-US" sz="1200" b="0" i="0" kern="1200" dirty="0">
+                    <a:solidFill>
+                      <a:schemeClr val="tx1"/>
+                    </a:solidFill>
+                    <a:effectLst/>
+                    <a:latin typeface="Times New Roman" panose="02020603050405020304" pitchFamily="18" charset="0"/>
+                    <a:ea typeface="+mn-ea"/>
+                    <a:cs typeface="Times New Roman" panose="02020603050405020304" pitchFamily="18" charset="0"/>
+                  </a:rPr>
+                  <a:t>idea of SVM is to find an hyper-plane which separates positive and negative training observations and maximizes the</a:t>
+                </a:r>
+                <a:br>
+                  <a:rPr lang="en-US" sz="1200" b="0" i="0" kern="1200" dirty="0">
+                    <a:solidFill>
+                      <a:schemeClr val="tx1"/>
+                    </a:solidFill>
+                    <a:effectLst/>
+                    <a:latin typeface="Times New Roman" panose="02020603050405020304" pitchFamily="18" charset="0"/>
+                    <a:ea typeface="+mn-ea"/>
+                    <a:cs typeface="Times New Roman" panose="02020603050405020304" pitchFamily="18" charset="0"/>
+                  </a:rPr>
+                </a:br>
+                <a:r>
+                  <a:rPr lang="en-US" sz="1200" b="0" i="0" kern="1200" dirty="0">
+                    <a:solidFill>
+                      <a:schemeClr val="tx1"/>
+                    </a:solidFill>
+                    <a:effectLst/>
+                    <a:latin typeface="Times New Roman" panose="02020603050405020304" pitchFamily="18" charset="0"/>
+                    <a:ea typeface="+mn-ea"/>
+                    <a:cs typeface="Times New Roman" panose="02020603050405020304" pitchFamily="18" charset="0"/>
+                  </a:rPr>
+                  <a:t>margin between these observations and the hyper-plane. </a:t>
+                </a:r>
+              </a:p>
+              <a:p>
+                <a:r>
+                  <a:rPr lang="en-US" sz="1200" b="0" i="0" kern="1200" dirty="0">
+                    <a:solidFill>
+                      <a:schemeClr val="tx1"/>
+                    </a:solidFill>
+                    <a:effectLst/>
+                    <a:latin typeface="Times New Roman" panose="02020603050405020304" pitchFamily="18" charset="0"/>
+                    <a:ea typeface="+mn-ea"/>
+                    <a:cs typeface="Times New Roman" panose="02020603050405020304" pitchFamily="18" charset="0"/>
+                  </a:rPr>
+                  <a:t>Linear kernel: </a:t>
+                </a:r>
+                <a:r>
+                  <a:rPr lang="en-US" sz="1200" b="0" i="0" kern="1200" dirty="0">
+                    <a:solidFill>
+                      <a:schemeClr val="tx1"/>
+                    </a:solidFill>
+                    <a:effectLst/>
+                    <a:latin typeface="Cambria Math" panose="02040503050406030204" pitchFamily="18" charset="0"/>
+                    <a:ea typeface="+mn-ea"/>
+                    <a:cs typeface="+mn-cs"/>
+                  </a:rPr>
+                  <a:t>𝐾(</a:t>
+                </a:r>
+                <a:r>
+                  <a:rPr lang="en-US" sz="1200" b="0" i="0" kern="1200" dirty="0" err="1">
+                    <a:solidFill>
+                      <a:schemeClr val="tx1"/>
+                    </a:solidFill>
+                    <a:effectLst/>
+                    <a:latin typeface="Cambria Math" panose="02040503050406030204" pitchFamily="18" charset="0"/>
+                    <a:ea typeface="+mn-ea"/>
+                    <a:cs typeface="+mn-cs"/>
+                  </a:rPr>
+                  <a:t>𝑥</a:t>
+                </a:r>
+                <a:r>
+                  <a:rPr lang="en-US" sz="1200" b="0" i="0" kern="1200" baseline="-25000" dirty="0" err="1">
+                    <a:solidFill>
+                      <a:schemeClr val="tx1"/>
+                    </a:solidFill>
+                    <a:effectLst/>
+                    <a:latin typeface="Cambria Math" panose="02040503050406030204" pitchFamily="18" charset="0"/>
+                    <a:ea typeface="+mn-ea"/>
+                    <a:cs typeface="+mn-cs"/>
+                  </a:rPr>
+                  <a:t>𝑖</a:t>
+                </a:r>
+                <a:r>
+                  <a:rPr lang="en-US" sz="1200" b="0" i="0" kern="1200" baseline="0" dirty="0" err="1">
+                    <a:solidFill>
+                      <a:schemeClr val="tx1"/>
+                    </a:solidFill>
+                    <a:effectLst/>
+                    <a:latin typeface="Cambria Math" panose="02040503050406030204" pitchFamily="18" charset="0"/>
+                    <a:ea typeface="+mn-ea"/>
+                    <a:cs typeface="+mn-cs"/>
+                  </a:rPr>
+                  <a:t>,𝑥</a:t>
+                </a:r>
+                <a:r>
+                  <a:rPr lang="en-US" sz="1200" b="0" i="0" kern="1200" dirty="0">
+                    <a:solidFill>
+                      <a:schemeClr val="tx1"/>
+                    </a:solidFill>
+                    <a:effectLst/>
+                    <a:latin typeface="Cambria Math" panose="02040503050406030204" pitchFamily="18" charset="0"/>
+                    <a:ea typeface="+mn-ea"/>
+                    <a:cs typeface="+mn-cs"/>
+                  </a:rPr>
+                  <a:t>)=</a:t>
+                </a:r>
+                <a:r>
+                  <a:rPr lang="en-US" sz="1200" b="0" i="0" kern="1200" dirty="0" err="1">
+                    <a:solidFill>
+                      <a:schemeClr val="tx1"/>
+                    </a:solidFill>
+                    <a:effectLst/>
+                    <a:latin typeface="Cambria Math" panose="02040503050406030204" pitchFamily="18" charset="0"/>
+                    <a:ea typeface="+mn-ea"/>
+                    <a:cs typeface="+mn-cs"/>
+                  </a:rPr>
+                  <a:t>𝑥</a:t>
+                </a:r>
+                <a:r>
+                  <a:rPr lang="en-US" sz="1200" b="0" i="0" kern="1200" baseline="-25000" dirty="0" err="1">
+                    <a:solidFill>
+                      <a:schemeClr val="tx1"/>
+                    </a:solidFill>
+                    <a:effectLst/>
+                    <a:latin typeface="Cambria Math" panose="02040503050406030204" pitchFamily="18" charset="0"/>
+                    <a:ea typeface="+mn-ea"/>
+                    <a:cs typeface="+mn-cs"/>
+                  </a:rPr>
+                  <a:t>𝑖</a:t>
+                </a:r>
+                <a:r>
+                  <a:rPr lang="en-US" sz="1200" b="0" i="0" kern="1200" baseline="30000" dirty="0" err="1">
+                    <a:solidFill>
+                      <a:schemeClr val="tx1"/>
+                    </a:solidFill>
+                    <a:effectLst/>
+                    <a:latin typeface="Cambria Math" panose="02040503050406030204" pitchFamily="18" charset="0"/>
+                    <a:ea typeface="+mn-ea"/>
+                    <a:cs typeface="+mn-cs"/>
+                  </a:rPr>
+                  <a:t>𝑇</a:t>
+                </a:r>
+                <a:r>
+                  <a:rPr lang="en-US" sz="1200" b="0" i="0" kern="1200" baseline="0" dirty="0" err="1">
+                    <a:solidFill>
+                      <a:schemeClr val="tx1"/>
+                    </a:solidFill>
+                    <a:effectLst/>
+                    <a:latin typeface="Cambria Math" panose="02040503050406030204" pitchFamily="18" charset="0"/>
+                    <a:ea typeface="+mn-ea"/>
+                    <a:cs typeface="+mn-cs"/>
+                  </a:rPr>
+                  <a:t>.𝑥</a:t>
+                </a:r>
+                <a:endParaRPr lang="en-US" sz="1200" b="0" i="0" kern="1200" baseline="0" dirty="0">
+                  <a:solidFill>
+                    <a:schemeClr val="tx1"/>
+                  </a:solidFill>
+                  <a:effectLst/>
+                  <a:latin typeface="Times New Roman" panose="02020603050405020304" pitchFamily="18" charset="0"/>
+                  <a:ea typeface="+mn-ea"/>
+                  <a:cs typeface="Times New Roman" panose="02020603050405020304" pitchFamily="18" charset="0"/>
+                </a:endParaRPr>
+              </a:p>
+              <a:p>
+                <a:r>
+                  <a:rPr lang="en-US" sz="1200" b="0" i="0" kern="1200" baseline="0" dirty="0">
+                    <a:solidFill>
+                      <a:schemeClr val="tx1"/>
+                    </a:solidFill>
+                    <a:effectLst/>
+                    <a:latin typeface="Times New Roman" panose="02020603050405020304" pitchFamily="18" charset="0"/>
+                    <a:ea typeface="+mn-ea"/>
+                    <a:cs typeface="Times New Roman" panose="02020603050405020304" pitchFamily="18" charset="0"/>
+                  </a:rPr>
+                  <a:t>Polynomial kernel:</a:t>
+                </a:r>
+                <a:r>
+                  <a:rPr lang="en-US" sz="1200" b="0" i="0" kern="1200" dirty="0">
+                    <a:solidFill>
+                      <a:schemeClr val="tx1"/>
+                    </a:solidFill>
+                    <a:effectLst/>
+                    <a:latin typeface="Cambria Math" panose="02040503050406030204" pitchFamily="18" charset="0"/>
+                    <a:ea typeface="+mn-ea"/>
+                    <a:cs typeface="+mn-cs"/>
+                  </a:rPr>
+                  <a:t> 𝐾(</a:t>
+                </a:r>
+                <a:r>
+                  <a:rPr lang="en-US" sz="1200" b="0" i="0" kern="1200" dirty="0" err="1">
+                    <a:solidFill>
+                      <a:schemeClr val="tx1"/>
+                    </a:solidFill>
+                    <a:effectLst/>
+                    <a:latin typeface="Cambria Math" panose="02040503050406030204" pitchFamily="18" charset="0"/>
+                    <a:ea typeface="+mn-ea"/>
+                    <a:cs typeface="+mn-cs"/>
+                  </a:rPr>
+                  <a:t>𝑥</a:t>
+                </a:r>
+                <a:r>
+                  <a:rPr lang="en-US" sz="1200" b="0" i="0" kern="1200" baseline="-25000" dirty="0" err="1">
+                    <a:solidFill>
+                      <a:schemeClr val="tx1"/>
+                    </a:solidFill>
+                    <a:effectLst/>
+                    <a:latin typeface="Cambria Math" panose="02040503050406030204" pitchFamily="18" charset="0"/>
+                    <a:ea typeface="+mn-ea"/>
+                    <a:cs typeface="+mn-cs"/>
+                  </a:rPr>
+                  <a:t>𝑖</a:t>
+                </a:r>
+                <a:r>
+                  <a:rPr lang="en-US" sz="1200" b="0" i="0" kern="1200" baseline="0" dirty="0" err="1">
+                    <a:solidFill>
+                      <a:schemeClr val="tx1"/>
+                    </a:solidFill>
+                    <a:effectLst/>
+                    <a:latin typeface="Cambria Math" panose="02040503050406030204" pitchFamily="18" charset="0"/>
+                    <a:ea typeface="+mn-ea"/>
+                    <a:cs typeface="+mn-cs"/>
+                  </a:rPr>
+                  <a:t>,𝑥</a:t>
+                </a:r>
+                <a:r>
+                  <a:rPr lang="en-US" sz="1200" b="0" i="0" kern="1200" baseline="0" dirty="0">
+                    <a:solidFill>
+                      <a:schemeClr val="tx1"/>
+                    </a:solidFill>
+                    <a:effectLst/>
+                    <a:latin typeface="Cambria Math" panose="02040503050406030204" pitchFamily="18" charset="0"/>
+                    <a:ea typeface="+mn-ea"/>
+                    <a:cs typeface="+mn-cs"/>
+                  </a:rPr>
+                  <a:t>)"</a:t>
+                </a:r>
+                <a:r>
+                  <a:rPr lang="en-US" sz="1200" b="0" i="0" kern="1200" dirty="0">
+                    <a:solidFill>
+                      <a:schemeClr val="tx1"/>
+                    </a:solidFill>
+                    <a:effectLst/>
+                    <a:latin typeface="Cambria Math" panose="02040503050406030204" pitchFamily="18" charset="0"/>
+                    <a:ea typeface="+mn-ea"/>
+                    <a:cs typeface="Times New Roman" panose="02020603050405020304" pitchFamily="18" charset="0"/>
+                  </a:rPr>
+                  <a:t>=</a:t>
+                </a:r>
+                <a:r>
+                  <a:rPr lang="en-US" sz="1200" b="0" i="0" kern="1200" dirty="0">
+                    <a:solidFill>
+                      <a:schemeClr val="tx1"/>
+                    </a:solidFill>
+                    <a:effectLst/>
+                    <a:latin typeface="Cambria Math" panose="02040503050406030204" pitchFamily="18" charset="0"/>
+                    <a:ea typeface="+mn-ea"/>
+                    <a:cs typeface="+mn-cs"/>
+                  </a:rPr>
+                  <a:t>" (</a:t>
+                </a:r>
+                <a:r>
+                  <a:rPr lang="en-US" sz="1200" b="0" i="0" kern="1200" dirty="0">
+                    <a:solidFill>
+                      <a:schemeClr val="tx1"/>
+                    </a:solidFill>
+                    <a:effectLst/>
+                    <a:latin typeface="Cambria Math" panose="02040503050406030204" pitchFamily="18" charset="0"/>
+                    <a:ea typeface="Cambria Math" panose="02040503050406030204" pitchFamily="18" charset="0"/>
+                    <a:cs typeface="+mn-cs"/>
+                  </a:rPr>
+                  <a:t>𝛾〖.𝑥〗_𝑖^𝑇.𝑥+𝑟</a:t>
+                </a:r>
+                <a:r>
+                  <a:rPr lang="en-US" sz="1200" b="0" i="0" kern="1200" dirty="0">
+                    <a:solidFill>
+                      <a:schemeClr val="tx1"/>
+                    </a:solidFill>
+                    <a:effectLst/>
+                    <a:latin typeface="Cambria Math" panose="02040503050406030204" pitchFamily="18" charset="0"/>
+                    <a:ea typeface="+mn-ea"/>
+                    <a:cs typeface="+mn-cs"/>
+                  </a:rPr>
+                  <a:t>)^𝑑,</a:t>
+                </a:r>
+                <a:r>
+                  <a:rPr lang="en-US" sz="1200" b="0" i="0" kern="1200" dirty="0">
+                    <a:solidFill>
+                      <a:schemeClr val="tx1"/>
+                    </a:solidFill>
+                    <a:effectLst/>
+                    <a:latin typeface="Cambria Math" panose="02040503050406030204" pitchFamily="18" charset="0"/>
+                    <a:ea typeface="Cambria Math" panose="02040503050406030204" pitchFamily="18" charset="0"/>
+                    <a:cs typeface="+mn-cs"/>
+                  </a:rPr>
+                  <a:t>𝛾</a:t>
+                </a:r>
+                <a:r>
+                  <a:rPr lang="en-US" dirty="0">
+                    <a:latin typeface="Times New Roman" panose="02020603050405020304" pitchFamily="18" charset="0"/>
+                    <a:cs typeface="Times New Roman" panose="02020603050405020304" pitchFamily="18" charset="0"/>
+                  </a:rPr>
+                  <a:t>&gt;0. </a:t>
+                </a:r>
+                <a:r>
+                  <a:rPr lang="en-US" sz="1200" b="0" i="0" kern="1200" dirty="0">
+                    <a:solidFill>
+                      <a:schemeClr val="tx1"/>
+                    </a:solidFill>
+                    <a:effectLst/>
+                    <a:latin typeface="Cambria Math" panose="02040503050406030204" pitchFamily="18" charset="0"/>
+                    <a:ea typeface="Cambria Math" panose="02040503050406030204" pitchFamily="18" charset="0"/>
+                    <a:cs typeface="+mn-cs"/>
+                  </a:rPr>
+                  <a:t>𝛾, 𝑟 </a:t>
+                </a:r>
+                <a:r>
+                  <a:rPr lang="en-US" dirty="0">
+                    <a:latin typeface="Times New Roman" panose="02020603050405020304" pitchFamily="18" charset="0"/>
+                    <a:cs typeface="Times New Roman" panose="02020603050405020304" pitchFamily="18" charset="0"/>
+                  </a:rPr>
+                  <a:t>and d parameters of the kernel function.</a:t>
+                </a:r>
+                <a:br>
+                  <a:rPr lang="en-US" dirty="0">
+                    <a:latin typeface="Times New Roman" panose="02020603050405020304" pitchFamily="18" charset="0"/>
+                    <a:cs typeface="Times New Roman" panose="02020603050405020304" pitchFamily="18" charset="0"/>
+                  </a:rPr>
+                </a:br>
+                <a:endParaRPr lang="en-US" dirty="0">
+                  <a:latin typeface="Times New Roman" panose="02020603050405020304" pitchFamily="18" charset="0"/>
+                  <a:cs typeface="Times New Roman" panose="02020603050405020304" pitchFamily="18" charset="0"/>
+                </a:endParaRPr>
+              </a:p>
+            </p:txBody>
+          </p:sp>
+        </mc:Fallback>
+      </mc:AlternateContent>
+      <p:sp>
+        <p:nvSpPr>
+          <p:cNvPr id="4" name="Slide Number Placeholder 3">
+            <a:extLst>
+              <a:ext uri="{FF2B5EF4-FFF2-40B4-BE49-F238E27FC236}">
+                <a16:creationId xmlns:a16="http://schemas.microsoft.com/office/drawing/2014/main" id="{42B9371E-1DC3-BA12-5968-38CBCA71AA93}"/>
+              </a:ext>
+            </a:extLst>
+          </p:cNvPr>
+          <p:cNvSpPr>
+            <a:spLocks noGrp="1"/>
+          </p:cNvSpPr>
+          <p:nvPr>
+            <p:ph type="sldNum" sz="quarter" idx="10"/>
+          </p:nvPr>
+        </p:nvSpPr>
+        <p:spPr/>
+        <p:txBody>
+          <a:bodyPr/>
+          <a:lstStyle/>
+          <a:p>
+            <a:fld id="{DCB82D92-0755-4B0E-90A0-D65A6B50ACE9}" type="slidenum">
+              <a:rPr lang="en-US" smtClean="0"/>
+              <a:t>17</a:t>
+            </a:fld>
+            <a:endParaRPr lang="en-US"/>
+          </a:p>
+        </p:txBody>
+      </p:sp>
+    </p:spTree>
+    <p:extLst>
+      <p:ext uri="{BB962C8B-B14F-4D97-AF65-F5344CB8AC3E}">
+        <p14:creationId xmlns:p14="http://schemas.microsoft.com/office/powerpoint/2010/main" val="1455801389"/>
+      </p:ext>
+    </p:extLst>
+  </p:cSld>
+  <p:clrMapOvr>
+    <a:masterClrMapping/>
+  </p:clrMapOvr>
+</p:notes>
+</file>
+
+<file path=ppt/notesSlides/notesSlide17.xml><?xml version="1.0" encoding="utf-8"?>
+<p:notes xmlns:a="http://schemas.openxmlformats.org/drawingml/2006/main" xmlns:r="http://schemas.openxmlformats.org/officeDocument/2006/relationships" xmlns:p="http://schemas.openxmlformats.org/presentationml/2006/main">
+  <p:cSld>
+    <p:spTree>
+      <p:nvGrpSpPr>
+        <p:cNvPr id="1" name="">
+          <a:extLst>
+            <a:ext uri="{FF2B5EF4-FFF2-40B4-BE49-F238E27FC236}">
+              <a16:creationId xmlns:a16="http://schemas.microsoft.com/office/drawing/2014/main" id="{975A1FDD-68DF-06C3-3D9A-D8BDF5ED0514}"/>
+            </a:ext>
+          </a:extLst>
+        </p:cNvPr>
+        <p:cNvGrpSpPr/>
+        <p:nvPr/>
+      </p:nvGrpSpPr>
+      <p:grpSpPr>
+        <a:xfrm>
+          <a:off x="0" y="0"/>
+          <a:ext cx="0" cy="0"/>
+          <a:chOff x="0" y="0"/>
+          <a:chExt cx="0" cy="0"/>
+        </a:xfrm>
+      </p:grpSpPr>
+      <p:sp>
+        <p:nvSpPr>
+          <p:cNvPr id="2" name="Slide Image Placeholder 1">
+            <a:extLst>
+              <a:ext uri="{FF2B5EF4-FFF2-40B4-BE49-F238E27FC236}">
+                <a16:creationId xmlns:a16="http://schemas.microsoft.com/office/drawing/2014/main" id="{D61B7429-AD0B-150C-9724-F0C1434D266E}"/>
+              </a:ext>
+            </a:extLst>
+          </p:cNvPr>
+          <p:cNvSpPr>
+            <a:spLocks noGrp="1" noRot="1" noChangeAspect="1"/>
+          </p:cNvSpPr>
+          <p:nvPr>
+            <p:ph type="sldImg"/>
+          </p:nvPr>
+        </p:nvSpPr>
+        <p:spPr/>
+      </p:sp>
+      <mc:AlternateContent xmlns:mc="http://schemas.openxmlformats.org/markup-compatibility/2006" xmlns:a14="http://schemas.microsoft.com/office/drawing/2010/main">
+        <mc:Choice Requires="a14">
+          <p:sp>
+            <p:nvSpPr>
+              <p:cNvPr id="3" name="Notes Placeholder 2">
+                <a:extLst>
+                  <a:ext uri="{FF2B5EF4-FFF2-40B4-BE49-F238E27FC236}">
+                    <a16:creationId xmlns:a16="http://schemas.microsoft.com/office/drawing/2014/main" id="{585A1B86-4380-2E9C-78F1-462FA94FD766}"/>
+                  </a:ext>
+                </a:extLst>
+              </p:cNvPr>
+              <p:cNvSpPr>
+                <a:spLocks noGrp="1"/>
+              </p:cNvSpPr>
+              <p:nvPr>
+                <p:ph type="body" idx="1"/>
+              </p:nvPr>
+            </p:nvSpPr>
+            <p:spPr/>
+            <p:txBody>
+              <a:bodyPr/>
+              <a:lstStyle/>
+              <a:p>
+                <a:endParaRPr lang="en-US" dirty="0">
+                  <a:latin typeface="Times New Roman" panose="02020603050405020304" pitchFamily="18" charset="0"/>
+                  <a:cs typeface="Times New Roman" panose="02020603050405020304" pitchFamily="18" charset="0"/>
+                </a:endParaRPr>
+              </a:p>
+            </p:txBody>
+          </p:sp>
+        </mc:Choice>
+        <mc:Fallback xmlns="">
+          <p:sp>
+            <p:nvSpPr>
+              <p:cNvPr id="3" name="Notes Placeholder 2"/>
+              <p:cNvSpPr>
+                <a:spLocks noGrp="1"/>
+              </p:cNvSpPr>
+              <p:nvPr>
+                <p:ph type="body" idx="1"/>
+              </p:nvPr>
+            </p:nvSpPr>
+            <p:spPr/>
+            <p:txBody>
+              <a:bodyPr/>
+              <a:lstStyle/>
+              <a:p>
+                <a:r>
+                  <a:rPr lang="en-US" sz="1200" b="0" i="0" kern="1200" dirty="0">
+                    <a:solidFill>
+                      <a:schemeClr val="tx1"/>
+                    </a:solidFill>
+                    <a:effectLst/>
+                    <a:latin typeface="Times New Roman" panose="02020603050405020304" pitchFamily="18" charset="0"/>
+                    <a:ea typeface="+mn-ea"/>
+                    <a:cs typeface="Times New Roman" panose="02020603050405020304" pitchFamily="18" charset="0"/>
+                  </a:rPr>
+                  <a:t>For binary classification, the basic</a:t>
+                </a:r>
+                <a:r>
+                  <a:rPr lang="en-US" dirty="0">
+                    <a:latin typeface="Times New Roman" panose="02020603050405020304" pitchFamily="18" charset="0"/>
+                    <a:cs typeface="Times New Roman" panose="02020603050405020304" pitchFamily="18" charset="0"/>
+                  </a:rPr>
+                  <a:t> </a:t>
+                </a:r>
+                <a:r>
+                  <a:rPr lang="en-US" sz="1200" b="0" i="0" kern="1200" dirty="0">
+                    <a:solidFill>
+                      <a:schemeClr val="tx1"/>
+                    </a:solidFill>
+                    <a:effectLst/>
+                    <a:latin typeface="Times New Roman" panose="02020603050405020304" pitchFamily="18" charset="0"/>
+                    <a:ea typeface="+mn-ea"/>
+                    <a:cs typeface="Times New Roman" panose="02020603050405020304" pitchFamily="18" charset="0"/>
+                  </a:rPr>
+                  <a:t>idea of SVM is to find an hyper-plane which separates positive and negative training observations and maximizes the</a:t>
+                </a:r>
+                <a:br>
+                  <a:rPr lang="en-US" sz="1200" b="0" i="0" kern="1200" dirty="0">
+                    <a:solidFill>
+                      <a:schemeClr val="tx1"/>
+                    </a:solidFill>
+                    <a:effectLst/>
+                    <a:latin typeface="Times New Roman" panose="02020603050405020304" pitchFamily="18" charset="0"/>
+                    <a:ea typeface="+mn-ea"/>
+                    <a:cs typeface="Times New Roman" panose="02020603050405020304" pitchFamily="18" charset="0"/>
+                  </a:rPr>
+                </a:br>
+                <a:r>
+                  <a:rPr lang="en-US" sz="1200" b="0" i="0" kern="1200" dirty="0">
+                    <a:solidFill>
+                      <a:schemeClr val="tx1"/>
+                    </a:solidFill>
+                    <a:effectLst/>
+                    <a:latin typeface="Times New Roman" panose="02020603050405020304" pitchFamily="18" charset="0"/>
+                    <a:ea typeface="+mn-ea"/>
+                    <a:cs typeface="Times New Roman" panose="02020603050405020304" pitchFamily="18" charset="0"/>
+                  </a:rPr>
+                  <a:t>margin between these observations and the hyper-plane. </a:t>
+                </a:r>
+              </a:p>
+              <a:p>
+                <a:r>
+                  <a:rPr lang="en-US" sz="1200" b="0" i="0" kern="1200" dirty="0">
+                    <a:solidFill>
+                      <a:schemeClr val="tx1"/>
+                    </a:solidFill>
+                    <a:effectLst/>
+                    <a:latin typeface="Times New Roman" panose="02020603050405020304" pitchFamily="18" charset="0"/>
+                    <a:ea typeface="+mn-ea"/>
+                    <a:cs typeface="Times New Roman" panose="02020603050405020304" pitchFamily="18" charset="0"/>
+                  </a:rPr>
+                  <a:t>Linear kernel: </a:t>
+                </a:r>
+                <a:r>
+                  <a:rPr lang="en-US" sz="1200" b="0" i="0" kern="1200" dirty="0">
+                    <a:solidFill>
+                      <a:schemeClr val="tx1"/>
+                    </a:solidFill>
+                    <a:effectLst/>
+                    <a:latin typeface="Cambria Math" panose="02040503050406030204" pitchFamily="18" charset="0"/>
+                    <a:ea typeface="+mn-ea"/>
+                    <a:cs typeface="+mn-cs"/>
+                  </a:rPr>
+                  <a:t>𝐾(</a:t>
+                </a:r>
+                <a:r>
+                  <a:rPr lang="en-US" sz="1200" b="0" i="0" kern="1200" dirty="0" err="1">
+                    <a:solidFill>
+                      <a:schemeClr val="tx1"/>
+                    </a:solidFill>
+                    <a:effectLst/>
+                    <a:latin typeface="Cambria Math" panose="02040503050406030204" pitchFamily="18" charset="0"/>
+                    <a:ea typeface="+mn-ea"/>
+                    <a:cs typeface="+mn-cs"/>
+                  </a:rPr>
+                  <a:t>𝑥</a:t>
+                </a:r>
+                <a:r>
+                  <a:rPr lang="en-US" sz="1200" b="0" i="0" kern="1200" baseline="-25000" dirty="0" err="1">
+                    <a:solidFill>
+                      <a:schemeClr val="tx1"/>
+                    </a:solidFill>
+                    <a:effectLst/>
+                    <a:latin typeface="Cambria Math" panose="02040503050406030204" pitchFamily="18" charset="0"/>
+                    <a:ea typeface="+mn-ea"/>
+                    <a:cs typeface="+mn-cs"/>
+                  </a:rPr>
+                  <a:t>𝑖</a:t>
+                </a:r>
+                <a:r>
+                  <a:rPr lang="en-US" sz="1200" b="0" i="0" kern="1200" baseline="0" dirty="0" err="1">
+                    <a:solidFill>
+                      <a:schemeClr val="tx1"/>
+                    </a:solidFill>
+                    <a:effectLst/>
+                    <a:latin typeface="Cambria Math" panose="02040503050406030204" pitchFamily="18" charset="0"/>
+                    <a:ea typeface="+mn-ea"/>
+                    <a:cs typeface="+mn-cs"/>
+                  </a:rPr>
+                  <a:t>,𝑥</a:t>
+                </a:r>
+                <a:r>
+                  <a:rPr lang="en-US" sz="1200" b="0" i="0" kern="1200" dirty="0">
+                    <a:solidFill>
+                      <a:schemeClr val="tx1"/>
+                    </a:solidFill>
+                    <a:effectLst/>
+                    <a:latin typeface="Cambria Math" panose="02040503050406030204" pitchFamily="18" charset="0"/>
+                    <a:ea typeface="+mn-ea"/>
+                    <a:cs typeface="+mn-cs"/>
+                  </a:rPr>
+                  <a:t>)=</a:t>
+                </a:r>
+                <a:r>
+                  <a:rPr lang="en-US" sz="1200" b="0" i="0" kern="1200" dirty="0" err="1">
+                    <a:solidFill>
+                      <a:schemeClr val="tx1"/>
+                    </a:solidFill>
+                    <a:effectLst/>
+                    <a:latin typeface="Cambria Math" panose="02040503050406030204" pitchFamily="18" charset="0"/>
+                    <a:ea typeface="+mn-ea"/>
+                    <a:cs typeface="+mn-cs"/>
+                  </a:rPr>
+                  <a:t>𝑥</a:t>
+                </a:r>
+                <a:r>
+                  <a:rPr lang="en-US" sz="1200" b="0" i="0" kern="1200" baseline="-25000" dirty="0" err="1">
+                    <a:solidFill>
+                      <a:schemeClr val="tx1"/>
+                    </a:solidFill>
+                    <a:effectLst/>
+                    <a:latin typeface="Cambria Math" panose="02040503050406030204" pitchFamily="18" charset="0"/>
+                    <a:ea typeface="+mn-ea"/>
+                    <a:cs typeface="+mn-cs"/>
+                  </a:rPr>
+                  <a:t>𝑖</a:t>
+                </a:r>
+                <a:r>
+                  <a:rPr lang="en-US" sz="1200" b="0" i="0" kern="1200" baseline="30000" dirty="0" err="1">
+                    <a:solidFill>
+                      <a:schemeClr val="tx1"/>
+                    </a:solidFill>
+                    <a:effectLst/>
+                    <a:latin typeface="Cambria Math" panose="02040503050406030204" pitchFamily="18" charset="0"/>
+                    <a:ea typeface="+mn-ea"/>
+                    <a:cs typeface="+mn-cs"/>
+                  </a:rPr>
+                  <a:t>𝑇</a:t>
+                </a:r>
+                <a:r>
+                  <a:rPr lang="en-US" sz="1200" b="0" i="0" kern="1200" baseline="0" dirty="0" err="1">
+                    <a:solidFill>
+                      <a:schemeClr val="tx1"/>
+                    </a:solidFill>
+                    <a:effectLst/>
+                    <a:latin typeface="Cambria Math" panose="02040503050406030204" pitchFamily="18" charset="0"/>
+                    <a:ea typeface="+mn-ea"/>
+                    <a:cs typeface="+mn-cs"/>
+                  </a:rPr>
+                  <a:t>.𝑥</a:t>
+                </a:r>
+                <a:endParaRPr lang="en-US" sz="1200" b="0" i="0" kern="1200" baseline="0" dirty="0">
+                  <a:solidFill>
+                    <a:schemeClr val="tx1"/>
+                  </a:solidFill>
+                  <a:effectLst/>
+                  <a:latin typeface="Times New Roman" panose="02020603050405020304" pitchFamily="18" charset="0"/>
+                  <a:ea typeface="+mn-ea"/>
+                  <a:cs typeface="Times New Roman" panose="02020603050405020304" pitchFamily="18" charset="0"/>
+                </a:endParaRPr>
+              </a:p>
+              <a:p>
+                <a:r>
+                  <a:rPr lang="en-US" sz="1200" b="0" i="0" kern="1200" baseline="0" dirty="0">
+                    <a:solidFill>
+                      <a:schemeClr val="tx1"/>
+                    </a:solidFill>
+                    <a:effectLst/>
+                    <a:latin typeface="Times New Roman" panose="02020603050405020304" pitchFamily="18" charset="0"/>
+                    <a:ea typeface="+mn-ea"/>
+                    <a:cs typeface="Times New Roman" panose="02020603050405020304" pitchFamily="18" charset="0"/>
+                  </a:rPr>
+                  <a:t>Polynomial kernel:</a:t>
+                </a:r>
+                <a:r>
+                  <a:rPr lang="en-US" sz="1200" b="0" i="0" kern="1200" dirty="0">
+                    <a:solidFill>
+                      <a:schemeClr val="tx1"/>
+                    </a:solidFill>
+                    <a:effectLst/>
+                    <a:latin typeface="Cambria Math" panose="02040503050406030204" pitchFamily="18" charset="0"/>
+                    <a:ea typeface="+mn-ea"/>
+                    <a:cs typeface="+mn-cs"/>
+                  </a:rPr>
+                  <a:t> 𝐾(</a:t>
+                </a:r>
+                <a:r>
+                  <a:rPr lang="en-US" sz="1200" b="0" i="0" kern="1200" dirty="0" err="1">
+                    <a:solidFill>
+                      <a:schemeClr val="tx1"/>
+                    </a:solidFill>
+                    <a:effectLst/>
+                    <a:latin typeface="Cambria Math" panose="02040503050406030204" pitchFamily="18" charset="0"/>
+                    <a:ea typeface="+mn-ea"/>
+                    <a:cs typeface="+mn-cs"/>
+                  </a:rPr>
+                  <a:t>𝑥</a:t>
+                </a:r>
+                <a:r>
+                  <a:rPr lang="en-US" sz="1200" b="0" i="0" kern="1200" baseline="-25000" dirty="0" err="1">
+                    <a:solidFill>
+                      <a:schemeClr val="tx1"/>
+                    </a:solidFill>
+                    <a:effectLst/>
+                    <a:latin typeface="Cambria Math" panose="02040503050406030204" pitchFamily="18" charset="0"/>
+                    <a:ea typeface="+mn-ea"/>
+                    <a:cs typeface="+mn-cs"/>
+                  </a:rPr>
+                  <a:t>𝑖</a:t>
+                </a:r>
+                <a:r>
+                  <a:rPr lang="en-US" sz="1200" b="0" i="0" kern="1200" baseline="0" dirty="0" err="1">
+                    <a:solidFill>
+                      <a:schemeClr val="tx1"/>
+                    </a:solidFill>
+                    <a:effectLst/>
+                    <a:latin typeface="Cambria Math" panose="02040503050406030204" pitchFamily="18" charset="0"/>
+                    <a:ea typeface="+mn-ea"/>
+                    <a:cs typeface="+mn-cs"/>
+                  </a:rPr>
+                  <a:t>,𝑥</a:t>
+                </a:r>
+                <a:r>
+                  <a:rPr lang="en-US" sz="1200" b="0" i="0" kern="1200" baseline="0" dirty="0">
+                    <a:solidFill>
+                      <a:schemeClr val="tx1"/>
+                    </a:solidFill>
+                    <a:effectLst/>
+                    <a:latin typeface="Cambria Math" panose="02040503050406030204" pitchFamily="18" charset="0"/>
+                    <a:ea typeface="+mn-ea"/>
+                    <a:cs typeface="+mn-cs"/>
+                  </a:rPr>
+                  <a:t>)"</a:t>
+                </a:r>
+                <a:r>
+                  <a:rPr lang="en-US" sz="1200" b="0" i="0" kern="1200" dirty="0">
+                    <a:solidFill>
+                      <a:schemeClr val="tx1"/>
+                    </a:solidFill>
+                    <a:effectLst/>
+                    <a:latin typeface="Cambria Math" panose="02040503050406030204" pitchFamily="18" charset="0"/>
+                    <a:ea typeface="+mn-ea"/>
+                    <a:cs typeface="Times New Roman" panose="02020603050405020304" pitchFamily="18" charset="0"/>
+                  </a:rPr>
+                  <a:t>=</a:t>
+                </a:r>
+                <a:r>
+                  <a:rPr lang="en-US" sz="1200" b="0" i="0" kern="1200" dirty="0">
+                    <a:solidFill>
+                      <a:schemeClr val="tx1"/>
+                    </a:solidFill>
+                    <a:effectLst/>
+                    <a:latin typeface="Cambria Math" panose="02040503050406030204" pitchFamily="18" charset="0"/>
+                    <a:ea typeface="+mn-ea"/>
+                    <a:cs typeface="+mn-cs"/>
+                  </a:rPr>
+                  <a:t>" (</a:t>
+                </a:r>
+                <a:r>
+                  <a:rPr lang="en-US" sz="1200" b="0" i="0" kern="1200" dirty="0">
+                    <a:solidFill>
+                      <a:schemeClr val="tx1"/>
+                    </a:solidFill>
+                    <a:effectLst/>
+                    <a:latin typeface="Cambria Math" panose="02040503050406030204" pitchFamily="18" charset="0"/>
+                    <a:ea typeface="Cambria Math" panose="02040503050406030204" pitchFamily="18" charset="0"/>
+                    <a:cs typeface="+mn-cs"/>
+                  </a:rPr>
+                  <a:t>𝛾〖.𝑥〗_𝑖^𝑇.𝑥+𝑟</a:t>
+                </a:r>
+                <a:r>
+                  <a:rPr lang="en-US" sz="1200" b="0" i="0" kern="1200" dirty="0">
+                    <a:solidFill>
+                      <a:schemeClr val="tx1"/>
+                    </a:solidFill>
+                    <a:effectLst/>
+                    <a:latin typeface="Cambria Math" panose="02040503050406030204" pitchFamily="18" charset="0"/>
+                    <a:ea typeface="+mn-ea"/>
+                    <a:cs typeface="+mn-cs"/>
+                  </a:rPr>
+                  <a:t>)^𝑑,</a:t>
+                </a:r>
+                <a:r>
+                  <a:rPr lang="en-US" sz="1200" b="0" i="0" kern="1200" dirty="0">
+                    <a:solidFill>
+                      <a:schemeClr val="tx1"/>
+                    </a:solidFill>
+                    <a:effectLst/>
+                    <a:latin typeface="Cambria Math" panose="02040503050406030204" pitchFamily="18" charset="0"/>
+                    <a:ea typeface="Cambria Math" panose="02040503050406030204" pitchFamily="18" charset="0"/>
+                    <a:cs typeface="+mn-cs"/>
+                  </a:rPr>
+                  <a:t>𝛾</a:t>
+                </a:r>
+                <a:r>
+                  <a:rPr lang="en-US" dirty="0">
+                    <a:latin typeface="Times New Roman" panose="02020603050405020304" pitchFamily="18" charset="0"/>
+                    <a:cs typeface="Times New Roman" panose="02020603050405020304" pitchFamily="18" charset="0"/>
+                  </a:rPr>
+                  <a:t>&gt;0. </a:t>
+                </a:r>
+                <a:r>
+                  <a:rPr lang="en-US" sz="1200" b="0" i="0" kern="1200" dirty="0">
+                    <a:solidFill>
+                      <a:schemeClr val="tx1"/>
+                    </a:solidFill>
+                    <a:effectLst/>
+                    <a:latin typeface="Cambria Math" panose="02040503050406030204" pitchFamily="18" charset="0"/>
+                    <a:ea typeface="Cambria Math" panose="02040503050406030204" pitchFamily="18" charset="0"/>
+                    <a:cs typeface="+mn-cs"/>
+                  </a:rPr>
+                  <a:t>𝛾, 𝑟 </a:t>
+                </a:r>
+                <a:r>
+                  <a:rPr lang="en-US" dirty="0">
+                    <a:latin typeface="Times New Roman" panose="02020603050405020304" pitchFamily="18" charset="0"/>
+                    <a:cs typeface="Times New Roman" panose="02020603050405020304" pitchFamily="18" charset="0"/>
+                  </a:rPr>
+                  <a:t>and d parameters of the kernel function.</a:t>
+                </a:r>
+                <a:br>
+                  <a:rPr lang="en-US" dirty="0">
+                    <a:latin typeface="Times New Roman" panose="02020603050405020304" pitchFamily="18" charset="0"/>
+                    <a:cs typeface="Times New Roman" panose="02020603050405020304" pitchFamily="18" charset="0"/>
+                  </a:rPr>
+                </a:br>
+                <a:endParaRPr lang="en-US" dirty="0">
+                  <a:latin typeface="Times New Roman" panose="02020603050405020304" pitchFamily="18" charset="0"/>
+                  <a:cs typeface="Times New Roman" panose="02020603050405020304" pitchFamily="18" charset="0"/>
+                </a:endParaRPr>
+              </a:p>
+            </p:txBody>
+          </p:sp>
+        </mc:Fallback>
+      </mc:AlternateContent>
+      <p:sp>
+        <p:nvSpPr>
+          <p:cNvPr id="4" name="Slide Number Placeholder 3">
+            <a:extLst>
+              <a:ext uri="{FF2B5EF4-FFF2-40B4-BE49-F238E27FC236}">
+                <a16:creationId xmlns:a16="http://schemas.microsoft.com/office/drawing/2014/main" id="{3F9DDE44-A327-A96F-4E2E-727757BC5E20}"/>
+              </a:ext>
+            </a:extLst>
+          </p:cNvPr>
+          <p:cNvSpPr>
+            <a:spLocks noGrp="1"/>
+          </p:cNvSpPr>
+          <p:nvPr>
+            <p:ph type="sldNum" sz="quarter" idx="10"/>
+          </p:nvPr>
+        </p:nvSpPr>
+        <p:spPr/>
+        <p:txBody>
+          <a:bodyPr/>
+          <a:lstStyle/>
+          <a:p>
+            <a:fld id="{DCB82D92-0755-4B0E-90A0-D65A6B50ACE9}" type="slidenum">
+              <a:rPr lang="en-US" smtClean="0"/>
+              <a:t>18</a:t>
+            </a:fld>
+            <a:endParaRPr lang="en-US"/>
+          </a:p>
+        </p:txBody>
+      </p:sp>
+    </p:spTree>
+    <p:extLst>
+      <p:ext uri="{BB962C8B-B14F-4D97-AF65-F5344CB8AC3E}">
+        <p14:creationId xmlns:p14="http://schemas.microsoft.com/office/powerpoint/2010/main" val="886318573"/>
+      </p:ext>
+    </p:extLst>
+  </p:cSld>
+  <p:clrMapOvr>
+    <a:masterClrMapping/>
+  </p:clrMapOvr>
+</p:notes>
+</file>
+
+<file path=ppt/notesSlides/notesSlide18.xml><?xml version="1.0" encoding="utf-8"?>
+<p:notes xmlns:a="http://schemas.openxmlformats.org/drawingml/2006/main" xmlns:r="http://schemas.openxmlformats.org/officeDocument/2006/relationships" xmlns:p="http://schemas.openxmlformats.org/presentationml/2006/main">
+  <p:cSld>
+    <p:spTree>
+      <p:nvGrpSpPr>
+        <p:cNvPr id="1" name="">
+          <a:extLst>
+            <a:ext uri="{FF2B5EF4-FFF2-40B4-BE49-F238E27FC236}">
               <a16:creationId xmlns:a16="http://schemas.microsoft.com/office/drawing/2014/main" id="{D5B1A1CE-C256-6109-BFD0-FD18A8FD23C4}"/>
             </a:ext>
           </a:extLst>
@@ -6603,7 +8079,7 @@
           <a:p>
             <a:fld id="{DCB82D92-0755-4B0E-90A0-D65A6B50ACE9}" type="slidenum">
               <a:rPr lang="en-US" smtClean="0"/>
-              <a:t>16</a:t>
+              <a:t>19</a:t>
             </a:fld>
             <a:endParaRPr lang="en-US"/>
           </a:p>
@@ -6622,7 +8098,7 @@
 </p:notes>
 </file>
 
-<file path=ppt/notesSlides/notesSlide16.xml><?xml version="1.0" encoding="utf-8"?>
+<file path=ppt/notesSlides/notesSlide19.xml><?xml version="1.0" encoding="utf-8"?>
 <p:notes xmlns:a="http://schemas.openxmlformats.org/drawingml/2006/main" xmlns:r="http://schemas.openxmlformats.org/officeDocument/2006/relationships" xmlns:p="http://schemas.openxmlformats.org/presentationml/2006/main">
   <p:cSld>
     <p:spTree>
@@ -7093,7 +8569,7 @@
           <a:p>
             <a:fld id="{DCB82D92-0755-4B0E-90A0-D65A6B50ACE9}" type="slidenum">
               <a:rPr lang="en-US" smtClean="0"/>
-              <a:t>17</a:t>
+              <a:t>20</a:t>
             </a:fld>
             <a:endParaRPr lang="en-US"/>
           </a:p>
@@ -10890,7 +12366,7 @@
               <a:pPr>
                 <a:defRPr/>
               </a:pPr>
-              <a:t>2025-06-03</a:t>
+              <a:t>2025-06-04</a:t>
             </a:fld>
             <a:endParaRPr lang="ko-KR" altLang="en-US"/>
           </a:p>
@@ -11095,7 +12571,7 @@
               <a:pPr>
                 <a:defRPr/>
               </a:pPr>
-              <a:t>2025-06-03</a:t>
+              <a:t>2025-06-04</a:t>
             </a:fld>
             <a:endParaRPr lang="ko-KR" altLang="en-US"/>
           </a:p>
@@ -11645,7 +13121,7 @@
               <a:pPr>
                 <a:defRPr/>
               </a:pPr>
-              <a:t>2025-06-03</a:t>
+              <a:t>2025-06-04</a:t>
             </a:fld>
             <a:endParaRPr lang="ko-KR" altLang="en-US"/>
           </a:p>
@@ -11957,7 +13433,7 @@
               <a:pPr>
                 <a:defRPr/>
               </a:pPr>
-              <a:t>2025-06-03</a:t>
+              <a:t>2025-06-04</a:t>
             </a:fld>
             <a:endParaRPr lang="ko-KR" altLang="en-US"/>
           </a:p>
@@ -12403,7 +13879,7 @@
               <a:pPr>
                 <a:defRPr/>
               </a:pPr>
-              <a:t>2025-06-03</a:t>
+              <a:t>2025-06-04</a:t>
             </a:fld>
             <a:endParaRPr lang="ko-KR" altLang="en-US"/>
           </a:p>
@@ -12547,7 +14023,7 @@
               <a:pPr>
                 <a:defRPr/>
               </a:pPr>
-              <a:t>2025-06-03</a:t>
+              <a:t>2025-06-04</a:t>
             </a:fld>
             <a:endParaRPr lang="ko-KR" altLang="en-US"/>
           </a:p>
@@ -12669,7 +14145,7 @@
               <a:pPr>
                 <a:defRPr/>
               </a:pPr>
-              <a:t>2025-06-03</a:t>
+              <a:t>2025-06-04</a:t>
             </a:fld>
             <a:endParaRPr lang="ko-KR" altLang="en-US"/>
           </a:p>
@@ -12971,7 +14447,7 @@
               <a:pPr>
                 <a:defRPr/>
               </a:pPr>
-              <a:t>2025-06-03</a:t>
+              <a:t>2025-06-04</a:t>
             </a:fld>
             <a:endParaRPr lang="ko-KR" altLang="en-US"/>
           </a:p>
@@ -13253,7 +14729,7 @@
               <a:pPr>
                 <a:defRPr/>
               </a:pPr>
-              <a:t>2025-06-03</a:t>
+              <a:t>2025-06-04</a:t>
             </a:fld>
             <a:endParaRPr lang="ko-KR" altLang="en-US"/>
           </a:p>
@@ -13514,7 +14990,7 @@
               <a:pPr>
                 <a:defRPr/>
               </a:pPr>
-              <a:t>2025-06-03</a:t>
+              <a:t>2025-06-04</a:t>
             </a:fld>
             <a:endParaRPr lang="ko-KR" altLang="en-US"/>
           </a:p>
@@ -17108,7 +18584,7 @@
           <p:nvPr>
             <p:extLst>
               <p:ext uri="{D42A27DB-BD31-4B8C-83A1-F6EECF244321}">
-                <p14:modId xmlns:p14="http://schemas.microsoft.com/office/powerpoint/2010/main" val="1282914921"/>
+                <p14:modId xmlns:p14="http://schemas.microsoft.com/office/powerpoint/2010/main" val="2099778025"/>
               </p:ext>
             </p:extLst>
           </p:nvPr>
@@ -17337,7 +18813,10 @@
                         <a:t>1</a:t>
                       </a:r>
                       <a:r>
-                        <a:rPr lang="en-US" sz="2000" dirty="0"/>
+                        <a:rPr lang="en-US" sz="2000" dirty="0">
+                          <a:latin typeface="Times New Roman" panose="02020603050405020304" pitchFamily="18" charset="0"/>
+                          <a:cs typeface="Times New Roman" panose="02020603050405020304" pitchFamily="18" charset="0"/>
+                        </a:rPr>
                         <a:t>×</a:t>
                       </a:r>
                       <a:r>
@@ -17374,7 +18853,10 @@
                         <a:t>  kg</a:t>
                       </a:r>
                       <a:r>
-                        <a:rPr lang="en-US" sz="2000" dirty="0"/>
+                        <a:rPr lang="en-US" sz="2000" dirty="0">
+                          <a:latin typeface="Times New Roman" panose="02020603050405020304" pitchFamily="18" charset="0"/>
+                          <a:cs typeface="Times New Roman" panose="02020603050405020304" pitchFamily="18" charset="0"/>
+                        </a:rPr>
                         <a:t>⋅</a:t>
                       </a:r>
                       <a:r>
@@ -17560,7 +19042,10 @@
                         <a:t>3</a:t>
                       </a:r>
                       <a:r>
-                        <a:rPr lang="en-US" sz="2000" dirty="0"/>
+                        <a:rPr lang="en-US" sz="2000" dirty="0">
+                          <a:latin typeface="Times New Roman" panose="02020603050405020304" pitchFamily="18" charset="0"/>
+                          <a:cs typeface="Times New Roman" panose="02020603050405020304" pitchFamily="18" charset="0"/>
+                        </a:rPr>
                         <a:t>×</a:t>
                       </a:r>
                       <a:r>
@@ -17608,7 +19093,10 @@
                         <a:t>N</a:t>
                       </a:r>
                       <a:r>
-                        <a:rPr lang="en-US" sz="2000" dirty="0" err="1"/>
+                        <a:rPr lang="en-US" sz="2000" dirty="0" err="1">
+                          <a:latin typeface="Times New Roman" panose="02020603050405020304" pitchFamily="18" charset="0"/>
+                          <a:cs typeface="Times New Roman" panose="02020603050405020304" pitchFamily="18" charset="0"/>
+                        </a:rPr>
                         <a:t>⋅</a:t>
                       </a:r>
                       <a:r>
@@ -17623,7 +19111,10 @@
                         <a:t>m</a:t>
                       </a:r>
                       <a:r>
-                        <a:rPr lang="en-US" sz="2000" dirty="0" err="1"/>
+                        <a:rPr lang="en-US" sz="2000" dirty="0" err="1">
+                          <a:latin typeface="Times New Roman" panose="02020603050405020304" pitchFamily="18" charset="0"/>
+                          <a:cs typeface="Times New Roman" panose="02020603050405020304" pitchFamily="18" charset="0"/>
+                        </a:rPr>
                         <a:t>⋅</a:t>
                       </a:r>
                       <a:r>
@@ -17828,7 +19319,10 @@
                         <a:t>23</a:t>
                       </a:r>
                       <a:r>
-                        <a:rPr lang="en-US" sz="2000" dirty="0"/>
+                        <a:rPr lang="en-US" sz="2000" dirty="0">
+                          <a:latin typeface="Times New Roman" panose="02020603050405020304" pitchFamily="18" charset="0"/>
+                          <a:cs typeface="Times New Roman" panose="02020603050405020304" pitchFamily="18" charset="0"/>
+                        </a:rPr>
                         <a:t>×</a:t>
                       </a:r>
                       <a:r>
@@ -17865,7 +19359,10 @@
                         <a:t>  V</a:t>
                       </a:r>
                       <a:r>
-                        <a:rPr lang="en-US" sz="2000" dirty="0"/>
+                        <a:rPr lang="en-US" sz="2000" dirty="0">
+                          <a:latin typeface="Times New Roman" panose="02020603050405020304" pitchFamily="18" charset="0"/>
+                          <a:cs typeface="Times New Roman" panose="02020603050405020304" pitchFamily="18" charset="0"/>
+                        </a:rPr>
                         <a:t>⋅</a:t>
                       </a:r>
                       <a:r>
@@ -18065,7 +19562,10 @@
                         <a:t>23</a:t>
                       </a:r>
                       <a:r>
-                        <a:rPr lang="en-US" sz="2000" dirty="0"/>
+                        <a:rPr lang="en-US" sz="2000" dirty="0">
+                          <a:latin typeface="Times New Roman" panose="02020603050405020304" pitchFamily="18" charset="0"/>
+                          <a:cs typeface="Times New Roman" panose="02020603050405020304" pitchFamily="18" charset="0"/>
+                        </a:rPr>
                         <a:t>×</a:t>
                       </a:r>
                       <a:r>
@@ -18113,7 +19613,10 @@
                         <a:t>N</a:t>
                       </a:r>
                       <a:r>
-                        <a:rPr lang="en-US" sz="2000" dirty="0" err="1"/>
+                        <a:rPr lang="en-US" sz="2000" dirty="0" err="1">
+                          <a:latin typeface="Times New Roman" panose="02020603050405020304" pitchFamily="18" charset="0"/>
+                          <a:cs typeface="Times New Roman" panose="02020603050405020304" pitchFamily="18" charset="0"/>
+                        </a:rPr>
                         <a:t>⋅</a:t>
                       </a:r>
                       <a:r>
@@ -18672,7 +20175,7 @@
                 <a:ea typeface="Calibri" panose="020F0502020204030204" pitchFamily="34" charset="0"/>
                 <a:cs typeface="Calibri" panose="020F0502020204030204" pitchFamily="34" charset="0"/>
               </a:rPr>
-              <a:t>Proportional </a:t>
+              <a:t>Simulation – P controller </a:t>
             </a:r>
             <a:r>
               <a:rPr lang="en-US" sz="3000" dirty="0">
@@ -18685,7 +20188,7 @@
                 <a:ea typeface="Calibri" panose="020F0502020204030204" pitchFamily="34" charset="0"/>
                 <a:cs typeface="Calibri" panose="020F0502020204030204" pitchFamily="34" charset="0"/>
               </a:rPr>
-              <a:t>vs LQR</a:t>
+              <a:t>vs LQR controller</a:t>
             </a:r>
           </a:p>
         </p:txBody>
@@ -18979,6 +20482,14 @@
           <a:p>
             <a:r>
               <a:rPr lang="en-US" sz="3000" dirty="0">
+                <a:latin typeface="Calibri" panose="020F0502020204030204" pitchFamily="34" charset="0"/>
+                <a:ea typeface="Calibri" panose="020F0502020204030204" pitchFamily="34" charset="0"/>
+                <a:cs typeface="Calibri" panose="020F0502020204030204" pitchFamily="34" charset="0"/>
+              </a:rPr>
+              <a:t>Simulation – </a:t>
+            </a:r>
+            <a:r>
+              <a:rPr lang="en-US" sz="3000" dirty="0">
                 <a:solidFill>
                   <a:schemeClr val="bg1">
                     <a:lumMod val="75000"/>
@@ -18988,7 +20499,7 @@
                 <a:ea typeface="Calibri" panose="020F0502020204030204" pitchFamily="34" charset="0"/>
                 <a:cs typeface="Calibri" panose="020F0502020204030204" pitchFamily="34" charset="0"/>
               </a:rPr>
-              <a:t>Proportional vs </a:t>
+              <a:t>P controller vs </a:t>
             </a:r>
             <a:r>
               <a:rPr lang="en-US" sz="3000" dirty="0">
@@ -18996,7 +20507,7 @@
                 <a:ea typeface="Calibri" panose="020F0502020204030204" pitchFamily="34" charset="0"/>
                 <a:cs typeface="Calibri" panose="020F0502020204030204" pitchFamily="34" charset="0"/>
               </a:rPr>
-              <a:t>LQR</a:t>
+              <a:t>LQR controller</a:t>
             </a:r>
           </a:p>
         </p:txBody>
@@ -19217,14 +20728,13 @@
         </p:nvPicPr>
         <p:blipFill>
           <a:blip r:embed="rId4"/>
-          <a:stretch>
-            <a:fillRect/>
-          </a:stretch>
+          <a:srcRect t="19312"/>
+          <a:stretch/>
         </p:blipFill>
         <p:spPr>
           <a:xfrm>
-            <a:off x="103754" y="1631818"/>
-            <a:ext cx="6611883" cy="4527217"/>
+            <a:off x="124394" y="1429486"/>
+            <a:ext cx="6611883" cy="3913120"/>
           </a:xfrm>
           <a:prstGeom prst="rect">
             <a:avLst/>
@@ -19294,7 +20804,7 @@
                 <a:ea typeface="Calibri" panose="020F0502020204030204" pitchFamily="34" charset="0"/>
                 <a:cs typeface="Calibri" panose="020F0502020204030204" pitchFamily="34" charset="0"/>
               </a:rPr>
-              <a:t>Proportional vs</a:t>
+              <a:t>Simulation – P controller vs</a:t>
             </a:r>
             <a:r>
               <a:rPr lang="en-US" sz="3000" dirty="0">
@@ -19315,7 +20825,7 @@
                 <a:ea typeface="Calibri" panose="020F0502020204030204" pitchFamily="34" charset="0"/>
                 <a:cs typeface="Calibri" panose="020F0502020204030204" pitchFamily="34" charset="0"/>
               </a:rPr>
-              <a:t>LQR</a:t>
+              <a:t>LQR controller</a:t>
             </a:r>
           </a:p>
         </p:txBody>
@@ -19419,14 +20929,642 @@
         </p:blipFill>
         <p:spPr>
           <a:xfrm>
-            <a:off x="285709" y="1219200"/>
-            <a:ext cx="4707466" cy="3763010"/>
+            <a:off x="190829" y="1689171"/>
+            <a:ext cx="5255813" cy="4201343"/>
           </a:xfrm>
           <a:prstGeom prst="rect">
             <a:avLst/>
           </a:prstGeom>
         </p:spPr>
       </p:pic>
+      <p:sp>
+        <p:nvSpPr>
+          <p:cNvPr id="3" name="Rectangle 2">
+            <a:extLst>
+              <a:ext uri="{FF2B5EF4-FFF2-40B4-BE49-F238E27FC236}">
+                <a16:creationId xmlns:a16="http://schemas.microsoft.com/office/drawing/2014/main" id="{904B6D05-A28B-D625-B263-45FEF2EEC52B}"/>
+              </a:ext>
+            </a:extLst>
+          </p:cNvPr>
+          <p:cNvSpPr/>
+          <p:nvPr/>
+        </p:nvSpPr>
+        <p:spPr>
+          <a:xfrm>
+            <a:off x="695738" y="1279180"/>
+            <a:ext cx="4601819" cy="338554"/>
+          </a:xfrm>
+          <a:prstGeom prst="rect">
+            <a:avLst/>
+          </a:prstGeom>
+        </p:spPr>
+        <p:txBody>
+          <a:bodyPr wrap="square">
+            <a:spAutoFit/>
+          </a:bodyPr>
+          <a:lstStyle/>
+          <a:p>
+            <a:pPr algn="ctr"/>
+            <a:r>
+              <a:rPr lang="en-US" sz="1600" b="1" dirty="0">
+                <a:latin typeface="Times New Roman" panose="02020603050405020304" pitchFamily="18" charset="0"/>
+                <a:cs typeface="Times New Roman" panose="02020603050405020304" pitchFamily="18" charset="0"/>
+              </a:rPr>
+              <a:t>Step response comparison</a:t>
+            </a:r>
+          </a:p>
+        </p:txBody>
+      </p:sp>
+      <p:graphicFrame>
+        <p:nvGraphicFramePr>
+          <p:cNvPr id="6" name="Table 5">
+            <a:extLst>
+              <a:ext uri="{FF2B5EF4-FFF2-40B4-BE49-F238E27FC236}">
+                <a16:creationId xmlns:a16="http://schemas.microsoft.com/office/drawing/2014/main" id="{8C9725C8-28B7-341C-C8FA-802F4C877E60}"/>
+              </a:ext>
+            </a:extLst>
+          </p:cNvPr>
+          <p:cNvGraphicFramePr>
+            <a:graphicFrameLocks noGrp="1"/>
+          </p:cNvGraphicFramePr>
+          <p:nvPr>
+            <p:extLst>
+              <p:ext uri="{D42A27DB-BD31-4B8C-83A1-F6EECF244321}">
+                <p14:modId xmlns:p14="http://schemas.microsoft.com/office/powerpoint/2010/main" val="1906974334"/>
+              </p:ext>
+            </p:extLst>
+          </p:nvPr>
+        </p:nvGraphicFramePr>
+        <p:xfrm>
+          <a:off x="5801245" y="2722990"/>
+          <a:ext cx="5965320" cy="2133704"/>
+        </p:xfrm>
+        <a:graphic>
+          <a:graphicData uri="http://schemas.openxmlformats.org/drawingml/2006/table">
+            <a:tbl>
+              <a:tblPr firstRow="1" bandRow="1">
+                <a:tableStyleId>{5940675A-B579-460E-94D1-54222C63F5DA}</a:tableStyleId>
+              </a:tblPr>
+              <a:tblGrid>
+                <a:gridCol w="2037522">
+                  <a:extLst>
+                    <a:ext uri="{9D8B030D-6E8A-4147-A177-3AD203B41FA5}">
+                      <a16:colId xmlns:a16="http://schemas.microsoft.com/office/drawing/2014/main" val="909679999"/>
+                    </a:ext>
+                  </a:extLst>
+                </a:gridCol>
+                <a:gridCol w="1828800">
+                  <a:extLst>
+                    <a:ext uri="{9D8B030D-6E8A-4147-A177-3AD203B41FA5}">
+                      <a16:colId xmlns:a16="http://schemas.microsoft.com/office/drawing/2014/main" val="2335915627"/>
+                    </a:ext>
+                  </a:extLst>
+                </a:gridCol>
+                <a:gridCol w="2098998">
+                  <a:extLst>
+                    <a:ext uri="{9D8B030D-6E8A-4147-A177-3AD203B41FA5}">
+                      <a16:colId xmlns:a16="http://schemas.microsoft.com/office/drawing/2014/main" val="3643336808"/>
+                    </a:ext>
+                  </a:extLst>
+                </a:gridCol>
+              </a:tblGrid>
+              <a:tr h="328997">
+                <a:tc>
+                  <a:txBody>
+                    <a:bodyPr/>
+                    <a:lstStyle/>
+                    <a:p>
+                      <a:pPr algn="ctr">
+                        <a:lnSpc>
+                          <a:spcPct val="100000"/>
+                        </a:lnSpc>
+                        <a:spcBef>
+                          <a:spcPts val="600"/>
+                        </a:spcBef>
+                        <a:spcAft>
+                          <a:spcPts val="600"/>
+                        </a:spcAft>
+                      </a:pPr>
+                      <a:r>
+                        <a:rPr lang="en-US" sz="2000" b="1" dirty="0">
+                          <a:latin typeface="Times New Roman" panose="02020603050405020304" pitchFamily="18" charset="0"/>
+                          <a:cs typeface="Times New Roman" panose="02020603050405020304" pitchFamily="18" charset="0"/>
+                        </a:rPr>
+                        <a:t>Performance</a:t>
+                      </a:r>
+                      <a:br>
+                        <a:rPr lang="en-US" sz="2000" b="1" dirty="0">
+                          <a:latin typeface="Times New Roman" panose="02020603050405020304" pitchFamily="18" charset="0"/>
+                          <a:cs typeface="Times New Roman" panose="02020603050405020304" pitchFamily="18" charset="0"/>
+                        </a:rPr>
+                      </a:br>
+                      <a:r>
+                        <a:rPr lang="en-US" sz="2000" b="1" dirty="0">
+                          <a:latin typeface="Times New Roman" panose="02020603050405020304" pitchFamily="18" charset="0"/>
+                          <a:cs typeface="Times New Roman" panose="02020603050405020304" pitchFamily="18" charset="0"/>
+                        </a:rPr>
+                        <a:t>metrics</a:t>
+                      </a:r>
+                    </a:p>
+                  </a:txBody>
+                  <a:tcPr anchor="ctr"/>
+                </a:tc>
+                <a:tc>
+                  <a:txBody>
+                    <a:bodyPr/>
+                    <a:lstStyle/>
+                    <a:p>
+                      <a:pPr algn="ctr">
+                        <a:lnSpc>
+                          <a:spcPct val="150000"/>
+                        </a:lnSpc>
+                        <a:spcBef>
+                          <a:spcPts val="600"/>
+                        </a:spcBef>
+                        <a:spcAft>
+                          <a:spcPts val="600"/>
+                        </a:spcAft>
+                      </a:pPr>
+                      <a:r>
+                        <a:rPr lang="en-US" sz="2000" b="0" dirty="0">
+                          <a:solidFill>
+                            <a:srgbClr val="0000FF"/>
+                          </a:solidFill>
+                          <a:latin typeface="Times New Roman" panose="02020603050405020304" pitchFamily="18" charset="0"/>
+                          <a:cs typeface="Times New Roman" panose="02020603050405020304" pitchFamily="18" charset="0"/>
+                        </a:rPr>
+                        <a:t>P controller</a:t>
+                      </a:r>
+                    </a:p>
+                  </a:txBody>
+                  <a:tcPr anchor="ctr"/>
+                </a:tc>
+                <a:tc>
+                  <a:txBody>
+                    <a:bodyPr/>
+                    <a:lstStyle/>
+                    <a:p>
+                      <a:pPr marL="0" marR="0" lvl="0" indent="0" algn="ctr" defTabSz="914400" rtl="0" eaLnBrk="1" fontAlgn="auto" latinLnBrk="1" hangingPunct="1">
+                        <a:lnSpc>
+                          <a:spcPct val="150000"/>
+                        </a:lnSpc>
+                        <a:spcBef>
+                          <a:spcPts val="600"/>
+                        </a:spcBef>
+                        <a:spcAft>
+                          <a:spcPts val="600"/>
+                        </a:spcAft>
+                        <a:buClrTx/>
+                        <a:buSzTx/>
+                        <a:buFontTx/>
+                        <a:buNone/>
+                        <a:tabLst/>
+                        <a:defRPr/>
+                      </a:pPr>
+                      <a:r>
+                        <a:rPr lang="en-US" sz="2000" b="0" dirty="0">
+                          <a:solidFill>
+                            <a:srgbClr val="C00000"/>
+                          </a:solidFill>
+                          <a:latin typeface="Times New Roman" panose="02020603050405020304" pitchFamily="18" charset="0"/>
+                          <a:cs typeface="Times New Roman" panose="02020603050405020304" pitchFamily="18" charset="0"/>
+                        </a:rPr>
+                        <a:t>LQR controller</a:t>
+                      </a:r>
+                      <a:endParaRPr lang="en-US" sz="2000" dirty="0">
+                        <a:solidFill>
+                          <a:srgbClr val="C00000"/>
+                        </a:solidFill>
+                        <a:latin typeface="Times New Roman" panose="02020603050405020304" pitchFamily="18" charset="0"/>
+                        <a:cs typeface="Times New Roman" panose="02020603050405020304" pitchFamily="18" charset="0"/>
+                      </a:endParaRPr>
+                    </a:p>
+                  </a:txBody>
+                  <a:tcPr anchor="ctr"/>
+                </a:tc>
+                <a:extLst>
+                  <a:ext uri="{0D108BD9-81ED-4DB2-BD59-A6C34878D82A}">
+                    <a16:rowId xmlns:a16="http://schemas.microsoft.com/office/drawing/2014/main" val="1808665459"/>
+                  </a:ext>
+                </a:extLst>
+              </a:tr>
+              <a:tr h="467229">
+                <a:tc>
+                  <a:txBody>
+                    <a:bodyPr/>
+                    <a:lstStyle/>
+                    <a:p>
+                      <a:pPr algn="ctr" fontAlgn="b">
+                        <a:lnSpc>
+                          <a:spcPct val="150000"/>
+                        </a:lnSpc>
+                        <a:spcBef>
+                          <a:spcPts val="600"/>
+                        </a:spcBef>
+                        <a:spcAft>
+                          <a:spcPts val="600"/>
+                        </a:spcAft>
+                      </a:pPr>
+                      <a:r>
+                        <a:rPr lang="en-US" sz="2000" b="1" dirty="0" err="1">
+                          <a:latin typeface="Times New Roman" panose="02020603050405020304" pitchFamily="18" charset="0"/>
+                          <a:cs typeface="Times New Roman" panose="02020603050405020304" pitchFamily="18" charset="0"/>
+                        </a:rPr>
+                        <a:t>t</a:t>
+                      </a:r>
+                      <a:r>
+                        <a:rPr lang="en-US" sz="2000" b="1" baseline="-25000" dirty="0" err="1">
+                          <a:latin typeface="Times New Roman" panose="02020603050405020304" pitchFamily="18" charset="0"/>
+                          <a:cs typeface="Times New Roman" panose="02020603050405020304" pitchFamily="18" charset="0"/>
+                        </a:rPr>
+                        <a:t>s</a:t>
+                      </a:r>
+                      <a:endParaRPr lang="en-US" sz="2000" b="1" i="0" u="none" strike="noStrike" dirty="0">
+                        <a:solidFill>
+                          <a:srgbClr val="000000"/>
+                        </a:solidFill>
+                        <a:effectLst/>
+                        <a:latin typeface="Times New Roman" panose="02020603050405020304" pitchFamily="18" charset="0"/>
+                        <a:cs typeface="Times New Roman" panose="02020603050405020304" pitchFamily="18" charset="0"/>
+                      </a:endParaRPr>
+                    </a:p>
+                  </a:txBody>
+                  <a:tcPr marL="9525" marR="9525" marT="9525" marB="0" anchor="ctr"/>
+                </a:tc>
+                <a:tc>
+                  <a:txBody>
+                    <a:bodyPr/>
+                    <a:lstStyle/>
+                    <a:p>
+                      <a:pPr algn="ctr" fontAlgn="b">
+                        <a:lnSpc>
+                          <a:spcPct val="150000"/>
+                        </a:lnSpc>
+                        <a:spcBef>
+                          <a:spcPts val="600"/>
+                        </a:spcBef>
+                        <a:spcAft>
+                          <a:spcPts val="600"/>
+                        </a:spcAft>
+                      </a:pPr>
+                      <a:r>
+                        <a:rPr lang="en-US" sz="2000" b="0" u="none" strike="noStrike" dirty="0">
+                          <a:solidFill>
+                            <a:srgbClr val="0000FF"/>
+                          </a:solidFill>
+                          <a:effectLst/>
+                          <a:latin typeface="Times New Roman" panose="02020603050405020304" pitchFamily="18" charset="0"/>
+                          <a:cs typeface="Times New Roman" panose="02020603050405020304" pitchFamily="18" charset="0"/>
+                        </a:rPr>
+                        <a:t>3.8268 s</a:t>
+                      </a:r>
+                      <a:endParaRPr lang="en-US" sz="2000" b="0" i="0" u="none" strike="noStrike" baseline="30000" dirty="0">
+                        <a:solidFill>
+                          <a:srgbClr val="0000FF"/>
+                        </a:solidFill>
+                        <a:effectLst/>
+                        <a:latin typeface="Times New Roman" panose="02020603050405020304" pitchFamily="18" charset="0"/>
+                        <a:cs typeface="Times New Roman" panose="02020603050405020304" pitchFamily="18" charset="0"/>
+                      </a:endParaRPr>
+                    </a:p>
+                  </a:txBody>
+                  <a:tcPr marL="9525" marR="9525" marT="9525" marB="0" anchor="ctr"/>
+                </a:tc>
+                <a:tc>
+                  <a:txBody>
+                    <a:bodyPr/>
+                    <a:lstStyle/>
+                    <a:p>
+                      <a:pPr marL="0" algn="ctr" defTabSz="914400" rtl="0" eaLnBrk="1" fontAlgn="b" latinLnBrk="1" hangingPunct="1">
+                        <a:lnSpc>
+                          <a:spcPct val="150000"/>
+                        </a:lnSpc>
+                        <a:spcBef>
+                          <a:spcPts val="600"/>
+                        </a:spcBef>
+                        <a:spcAft>
+                          <a:spcPts val="600"/>
+                        </a:spcAft>
+                      </a:pPr>
+                      <a:r>
+                        <a:rPr lang="en-US" sz="2000" b="0" i="0" u="none" strike="noStrike" kern="1200" dirty="0">
+                          <a:solidFill>
+                            <a:srgbClr val="C00000"/>
+                          </a:solidFill>
+                          <a:effectLst/>
+                          <a:latin typeface="Times New Roman" panose="02020603050405020304" pitchFamily="18" charset="0"/>
+                          <a:ea typeface="+mn-ea"/>
+                          <a:cs typeface="Times New Roman" panose="02020603050405020304" pitchFamily="18" charset="0"/>
+                        </a:rPr>
+                        <a:t>1.9102 s</a:t>
+                      </a:r>
+                    </a:p>
+                  </a:txBody>
+                  <a:tcPr marL="9525" marR="9525" marT="9525" marB="0" anchor="ctr"/>
+                </a:tc>
+                <a:extLst>
+                  <a:ext uri="{0D108BD9-81ED-4DB2-BD59-A6C34878D82A}">
+                    <a16:rowId xmlns:a16="http://schemas.microsoft.com/office/drawing/2014/main" val="3670459792"/>
+                  </a:ext>
+                </a:extLst>
+              </a:tr>
+              <a:tr h="487680">
+                <a:tc>
+                  <a:txBody>
+                    <a:bodyPr/>
+                    <a:lstStyle/>
+                    <a:p>
+                      <a:pPr algn="ctr" fontAlgn="b">
+                        <a:lnSpc>
+                          <a:spcPct val="150000"/>
+                        </a:lnSpc>
+                        <a:spcBef>
+                          <a:spcPts val="600"/>
+                        </a:spcBef>
+                        <a:spcAft>
+                          <a:spcPts val="600"/>
+                        </a:spcAft>
+                      </a:pPr>
+                      <a:r>
+                        <a:rPr lang="en-US" sz="2000" b="1" dirty="0" err="1">
+                          <a:latin typeface="Times New Roman" panose="02020603050405020304" pitchFamily="18" charset="0"/>
+                          <a:cs typeface="Times New Roman" panose="02020603050405020304" pitchFamily="18" charset="0"/>
+                        </a:rPr>
+                        <a:t>t</a:t>
+                      </a:r>
+                      <a:r>
+                        <a:rPr lang="en-US" sz="2000" b="1" baseline="-25000" dirty="0" err="1">
+                          <a:latin typeface="Times New Roman" panose="02020603050405020304" pitchFamily="18" charset="0"/>
+                          <a:cs typeface="Times New Roman" panose="02020603050405020304" pitchFamily="18" charset="0"/>
+                        </a:rPr>
+                        <a:t>p</a:t>
+                      </a:r>
+                      <a:endParaRPr lang="en-US" sz="2000" b="1" i="0" u="none" strike="noStrike" dirty="0">
+                        <a:solidFill>
+                          <a:srgbClr val="000000"/>
+                        </a:solidFill>
+                        <a:effectLst/>
+                        <a:latin typeface="Times New Roman" panose="02020603050405020304" pitchFamily="18" charset="0"/>
+                        <a:cs typeface="Times New Roman" panose="02020603050405020304" pitchFamily="18" charset="0"/>
+                      </a:endParaRPr>
+                    </a:p>
+                  </a:txBody>
+                  <a:tcPr marL="9525" marR="9525" marT="9525" marB="0" anchor="ctr"/>
+                </a:tc>
+                <a:tc>
+                  <a:txBody>
+                    <a:bodyPr/>
+                    <a:lstStyle/>
+                    <a:p>
+                      <a:pPr algn="ctr" fontAlgn="b">
+                        <a:lnSpc>
+                          <a:spcPct val="150000"/>
+                        </a:lnSpc>
+                        <a:spcBef>
+                          <a:spcPts val="600"/>
+                        </a:spcBef>
+                        <a:spcAft>
+                          <a:spcPts val="600"/>
+                        </a:spcAft>
+                      </a:pPr>
+                      <a:r>
+                        <a:rPr lang="en-US" sz="2000" b="0" u="none" strike="noStrike" dirty="0">
+                          <a:solidFill>
+                            <a:srgbClr val="0000FF"/>
+                          </a:solidFill>
+                          <a:effectLst/>
+                          <a:latin typeface="Times New Roman" panose="02020603050405020304" pitchFamily="18" charset="0"/>
+                          <a:cs typeface="Times New Roman" panose="02020603050405020304" pitchFamily="18" charset="0"/>
+                        </a:rPr>
+                        <a:t>1.6300 s</a:t>
+                      </a:r>
+                      <a:endParaRPr lang="en-US" sz="2000" b="0" i="0" u="none" strike="noStrike" baseline="30000" dirty="0">
+                        <a:solidFill>
+                          <a:srgbClr val="0000FF"/>
+                        </a:solidFill>
+                        <a:effectLst/>
+                        <a:latin typeface="Times New Roman" panose="02020603050405020304" pitchFamily="18" charset="0"/>
+                        <a:cs typeface="Times New Roman" panose="02020603050405020304" pitchFamily="18" charset="0"/>
+                      </a:endParaRPr>
+                    </a:p>
+                  </a:txBody>
+                  <a:tcPr marL="9525" marR="9525" marT="9525" marB="0" anchor="ctr"/>
+                </a:tc>
+                <a:tc>
+                  <a:txBody>
+                    <a:bodyPr/>
+                    <a:lstStyle/>
+                    <a:p>
+                      <a:pPr marL="0" algn="ctr" defTabSz="914400" rtl="0" eaLnBrk="1" fontAlgn="b" latinLnBrk="1" hangingPunct="1">
+                        <a:lnSpc>
+                          <a:spcPct val="150000"/>
+                        </a:lnSpc>
+                        <a:spcBef>
+                          <a:spcPts val="600"/>
+                        </a:spcBef>
+                        <a:spcAft>
+                          <a:spcPts val="600"/>
+                        </a:spcAft>
+                      </a:pPr>
+                      <a:r>
+                        <a:rPr lang="en-US" sz="2000" b="0" i="0" u="none" strike="noStrike" kern="1200" dirty="0">
+                          <a:solidFill>
+                            <a:srgbClr val="C00000"/>
+                          </a:solidFill>
+                          <a:effectLst/>
+                          <a:latin typeface="Times New Roman" panose="02020603050405020304" pitchFamily="18" charset="0"/>
+                          <a:ea typeface="+mn-ea"/>
+                          <a:cs typeface="Times New Roman" panose="02020603050405020304" pitchFamily="18" charset="0"/>
+                        </a:rPr>
+                        <a:t>2.7000 s</a:t>
+                      </a:r>
+                    </a:p>
+                  </a:txBody>
+                  <a:tcPr marL="9525" marR="9525" marT="9525" marB="0" anchor="ctr"/>
+                </a:tc>
+                <a:extLst>
+                  <a:ext uri="{0D108BD9-81ED-4DB2-BD59-A6C34878D82A}">
+                    <a16:rowId xmlns:a16="http://schemas.microsoft.com/office/drawing/2014/main" val="3627183564"/>
+                  </a:ext>
+                </a:extLst>
+              </a:tr>
+              <a:tr h="477755">
+                <a:tc>
+                  <a:txBody>
+                    <a:bodyPr/>
+                    <a:lstStyle/>
+                    <a:p>
+                      <a:pPr marL="0" marR="0" lvl="0" indent="0" algn="ctr" defTabSz="914400" rtl="0" eaLnBrk="1" fontAlgn="b" latinLnBrk="1" hangingPunct="1">
+                        <a:lnSpc>
+                          <a:spcPct val="150000"/>
+                        </a:lnSpc>
+                        <a:spcBef>
+                          <a:spcPts val="600"/>
+                        </a:spcBef>
+                        <a:spcAft>
+                          <a:spcPts val="600"/>
+                        </a:spcAft>
+                        <a:buClrTx/>
+                        <a:buSzTx/>
+                        <a:buFontTx/>
+                        <a:buNone/>
+                        <a:tabLst/>
+                        <a:defRPr/>
+                      </a:pPr>
+                      <a:r>
+                        <a:rPr lang="en-US" sz="2000" b="1" dirty="0" err="1">
+                          <a:latin typeface="Times New Roman" panose="02020603050405020304" pitchFamily="18" charset="0"/>
+                          <a:cs typeface="Times New Roman" panose="02020603050405020304" pitchFamily="18" charset="0"/>
+                        </a:rPr>
+                        <a:t>M</a:t>
+                      </a:r>
+                      <a:r>
+                        <a:rPr lang="en-US" sz="2000" b="1" baseline="-25000" dirty="0" err="1">
+                          <a:latin typeface="Times New Roman" panose="02020603050405020304" pitchFamily="18" charset="0"/>
+                          <a:cs typeface="Times New Roman" panose="02020603050405020304" pitchFamily="18" charset="0"/>
+                        </a:rPr>
+                        <a:t>p</a:t>
+                      </a:r>
+                      <a:endParaRPr lang="en-US" sz="2000" b="1" i="0" u="none" strike="noStrike" dirty="0">
+                        <a:solidFill>
+                          <a:srgbClr val="000000"/>
+                        </a:solidFill>
+                        <a:effectLst/>
+                        <a:latin typeface="Times New Roman" panose="02020603050405020304" pitchFamily="18" charset="0"/>
+                        <a:cs typeface="Times New Roman" panose="02020603050405020304" pitchFamily="18" charset="0"/>
+                      </a:endParaRPr>
+                    </a:p>
+                  </a:txBody>
+                  <a:tcPr marL="9525" marR="9525" marT="9525" marB="0" anchor="ctr"/>
+                </a:tc>
+                <a:tc>
+                  <a:txBody>
+                    <a:bodyPr/>
+                    <a:lstStyle/>
+                    <a:p>
+                      <a:pPr algn="ctr" fontAlgn="b">
+                        <a:lnSpc>
+                          <a:spcPct val="150000"/>
+                        </a:lnSpc>
+                        <a:spcBef>
+                          <a:spcPts val="600"/>
+                        </a:spcBef>
+                        <a:spcAft>
+                          <a:spcPts val="600"/>
+                        </a:spcAft>
+                      </a:pPr>
+                      <a:r>
+                        <a:rPr lang="en-US" sz="2000" b="0" u="none" strike="noStrike" dirty="0">
+                          <a:solidFill>
+                            <a:srgbClr val="0000FF"/>
+                          </a:solidFill>
+                          <a:effectLst/>
+                          <a:latin typeface="Times New Roman" panose="02020603050405020304" pitchFamily="18" charset="0"/>
+                          <a:cs typeface="Times New Roman" panose="02020603050405020304" pitchFamily="18" charset="0"/>
+                        </a:rPr>
+                        <a:t>19.53 %</a:t>
+                      </a:r>
+                      <a:endParaRPr lang="en-US" sz="2000" b="0" i="0" u="none" strike="noStrike" dirty="0">
+                        <a:solidFill>
+                          <a:srgbClr val="0000FF"/>
+                        </a:solidFill>
+                        <a:effectLst/>
+                        <a:latin typeface="Times New Roman" panose="02020603050405020304" pitchFamily="18" charset="0"/>
+                        <a:cs typeface="Times New Roman" panose="02020603050405020304" pitchFamily="18" charset="0"/>
+                      </a:endParaRPr>
+                    </a:p>
+                  </a:txBody>
+                  <a:tcPr marL="9525" marR="9525" marT="9525" marB="0" anchor="ctr"/>
+                </a:tc>
+                <a:tc>
+                  <a:txBody>
+                    <a:bodyPr/>
+                    <a:lstStyle/>
+                    <a:p>
+                      <a:pPr algn="ctr" fontAlgn="b">
+                        <a:lnSpc>
+                          <a:spcPct val="150000"/>
+                        </a:lnSpc>
+                        <a:spcBef>
+                          <a:spcPts val="600"/>
+                        </a:spcBef>
+                        <a:spcAft>
+                          <a:spcPts val="600"/>
+                        </a:spcAft>
+                      </a:pPr>
+                      <a:r>
+                        <a:rPr lang="en-US" sz="2000" b="0" i="0" u="none" strike="noStrike" dirty="0">
+                          <a:solidFill>
+                            <a:srgbClr val="C00000"/>
+                          </a:solidFill>
+                          <a:effectLst/>
+                          <a:latin typeface="Times New Roman" panose="02020603050405020304" pitchFamily="18" charset="0"/>
+                          <a:cs typeface="Times New Roman" panose="02020603050405020304" pitchFamily="18" charset="0"/>
+                        </a:rPr>
+                        <a:t>0.77 %</a:t>
+                      </a:r>
+                    </a:p>
+                  </a:txBody>
+                  <a:tcPr marL="9525" marR="9525" marT="9525" marB="0" anchor="ctr"/>
+                </a:tc>
+                <a:extLst>
+                  <a:ext uri="{0D108BD9-81ED-4DB2-BD59-A6C34878D82A}">
+                    <a16:rowId xmlns:a16="http://schemas.microsoft.com/office/drawing/2014/main" val="591704919"/>
+                  </a:ext>
+                </a:extLst>
+              </a:tr>
+            </a:tbl>
+          </a:graphicData>
+        </a:graphic>
+      </p:graphicFrame>
+      <p:sp>
+        <p:nvSpPr>
+          <p:cNvPr id="7" name="Rectangle 6">
+            <a:extLst>
+              <a:ext uri="{FF2B5EF4-FFF2-40B4-BE49-F238E27FC236}">
+                <a16:creationId xmlns:a16="http://schemas.microsoft.com/office/drawing/2014/main" id="{06B8E2BC-6311-F6C9-697D-7C7206911C10}"/>
+              </a:ext>
+            </a:extLst>
+          </p:cNvPr>
+          <p:cNvSpPr/>
+          <p:nvPr/>
+        </p:nvSpPr>
+        <p:spPr>
+          <a:xfrm>
+            <a:off x="6555764" y="2179440"/>
+            <a:ext cx="4601819" cy="338554"/>
+          </a:xfrm>
+          <a:prstGeom prst="rect">
+            <a:avLst/>
+          </a:prstGeom>
+        </p:spPr>
+        <p:txBody>
+          <a:bodyPr wrap="square">
+            <a:spAutoFit/>
+          </a:bodyPr>
+          <a:lstStyle/>
+          <a:p>
+            <a:pPr algn="ctr">
+              <a:lnSpc>
+                <a:spcPct val="100000"/>
+              </a:lnSpc>
+              <a:spcBef>
+                <a:spcPts val="600"/>
+              </a:spcBef>
+              <a:spcAft>
+                <a:spcPts val="600"/>
+              </a:spcAft>
+            </a:pPr>
+            <a:r>
+              <a:rPr lang="en-US" sz="1600" b="1" dirty="0">
+                <a:latin typeface="Times New Roman" panose="02020603050405020304" pitchFamily="18" charset="0"/>
+                <a:cs typeface="Times New Roman" panose="02020603050405020304" pitchFamily="18" charset="0"/>
+              </a:rPr>
+              <a:t>Performance metrics comparison</a:t>
+            </a:r>
+          </a:p>
+        </p:txBody>
+      </p:sp>
     </p:spTree>
     <p:extLst>
       <p:ext uri="{BB962C8B-B14F-4D97-AF65-F5344CB8AC3E}">
@@ -19441,6 +21579,4999 @@
 </file>
 
 <file path=ppt/slides/slide16.xml><?xml version="1.0" encoding="utf-8"?>
+<p:sld xmlns:a="http://schemas.openxmlformats.org/drawingml/2006/main" xmlns:r="http://schemas.openxmlformats.org/officeDocument/2006/relationships" xmlns:p="http://schemas.openxmlformats.org/presentationml/2006/main">
+  <p:cSld>
+    <p:spTree>
+      <p:nvGrpSpPr>
+        <p:cNvPr id="1" name="">
+          <a:extLst>
+            <a:ext uri="{FF2B5EF4-FFF2-40B4-BE49-F238E27FC236}">
+              <a16:creationId xmlns:a16="http://schemas.microsoft.com/office/drawing/2014/main" id="{576CA7B8-7C5F-18D1-E0EA-E9DDE3E914C2}"/>
+            </a:ext>
+          </a:extLst>
+        </p:cNvPr>
+        <p:cNvGrpSpPr/>
+        <p:nvPr/>
+      </p:nvGrpSpPr>
+      <p:grpSpPr>
+        <a:xfrm>
+          <a:off x="0" y="0"/>
+          <a:ext cx="0" cy="0"/>
+          <a:chOff x="0" y="0"/>
+          <a:chExt cx="0" cy="0"/>
+        </a:xfrm>
+      </p:grpSpPr>
+      <p:sp>
+        <p:nvSpPr>
+          <p:cNvPr id="2" name="Title 1">
+            <a:extLst>
+              <a:ext uri="{FF2B5EF4-FFF2-40B4-BE49-F238E27FC236}">
+                <a16:creationId xmlns:a16="http://schemas.microsoft.com/office/drawing/2014/main" id="{1E529E91-F969-31DE-0794-BC8CA5EAA486}"/>
+              </a:ext>
+            </a:extLst>
+          </p:cNvPr>
+          <p:cNvSpPr>
+            <a:spLocks noGrp="1"/>
+          </p:cNvSpPr>
+          <p:nvPr>
+            <p:ph type="title"/>
+          </p:nvPr>
+        </p:nvSpPr>
+        <p:spPr/>
+        <p:txBody>
+          <a:bodyPr/>
+          <a:lstStyle/>
+          <a:p>
+            <a:r>
+              <a:rPr lang="en-US" sz="3000" dirty="0">
+                <a:latin typeface="Calibri" panose="020F0502020204030204" pitchFamily="34" charset="0"/>
+                <a:ea typeface="Calibri" panose="020F0502020204030204" pitchFamily="34" charset="0"/>
+                <a:cs typeface="Calibri" panose="020F0502020204030204" pitchFamily="34" charset="0"/>
+              </a:rPr>
+              <a:t>Simulation – Different Q and R in</a:t>
+            </a:r>
+            <a:r>
+              <a:rPr lang="en-US" sz="3000" dirty="0">
+                <a:solidFill>
+                  <a:schemeClr val="bg1">
+                    <a:lumMod val="75000"/>
+                  </a:schemeClr>
+                </a:solidFill>
+                <a:latin typeface="Calibri" panose="020F0502020204030204" pitchFamily="34" charset="0"/>
+                <a:ea typeface="Calibri" panose="020F0502020204030204" pitchFamily="34" charset="0"/>
+                <a:cs typeface="Calibri" panose="020F0502020204030204" pitchFamily="34" charset="0"/>
+              </a:rPr>
+              <a:t> </a:t>
+            </a:r>
+            <a:r>
+              <a:rPr lang="en-US" sz="3000" dirty="0">
+                <a:latin typeface="Calibri" panose="020F0502020204030204" pitchFamily="34" charset="0"/>
+                <a:ea typeface="Calibri" panose="020F0502020204030204" pitchFamily="34" charset="0"/>
+                <a:cs typeface="Calibri" panose="020F0502020204030204" pitchFamily="34" charset="0"/>
+              </a:rPr>
+              <a:t>LQR controller</a:t>
+            </a:r>
+          </a:p>
+        </p:txBody>
+      </p:sp>
+      <p:sp>
+        <p:nvSpPr>
+          <p:cNvPr id="5" name="Content Placeholder 4">
+            <a:extLst>
+              <a:ext uri="{FF2B5EF4-FFF2-40B4-BE49-F238E27FC236}">
+                <a16:creationId xmlns:a16="http://schemas.microsoft.com/office/drawing/2014/main" id="{8131634A-19E3-27F6-4A44-3C61A5FBCB2A}"/>
+              </a:ext>
+            </a:extLst>
+          </p:cNvPr>
+          <p:cNvSpPr>
+            <a:spLocks noGrp="1"/>
+          </p:cNvSpPr>
+          <p:nvPr>
+            <p:ph idx="1"/>
+          </p:nvPr>
+        </p:nvSpPr>
+        <p:spPr>
+          <a:xfrm>
+            <a:off x="285710" y="857232"/>
+            <a:ext cx="11620581" cy="5572164"/>
+          </a:xfrm>
+        </p:spPr>
+        <p:txBody>
+          <a:bodyPr/>
+          <a:lstStyle/>
+          <a:p>
+            <a:pPr marL="0" indent="0" algn="just">
+              <a:lnSpc>
+                <a:spcPct val="150000"/>
+              </a:lnSpc>
+              <a:spcBef>
+                <a:spcPts val="1200"/>
+              </a:spcBef>
+              <a:spcAft>
+                <a:spcPts val="1200"/>
+              </a:spcAft>
+              <a:buNone/>
+            </a:pPr>
+            <a:endParaRPr lang="en-US" sz="2000" dirty="0"/>
+          </a:p>
+          <a:p>
+            <a:pPr marL="0" indent="0" algn="just">
+              <a:lnSpc>
+                <a:spcPct val="150000"/>
+              </a:lnSpc>
+              <a:spcBef>
+                <a:spcPts val="600"/>
+              </a:spcBef>
+              <a:spcAft>
+                <a:spcPts val="600"/>
+              </a:spcAft>
+              <a:buNone/>
+            </a:pPr>
+            <a:endParaRPr lang="en-US" sz="2000" dirty="0"/>
+          </a:p>
+          <a:p>
+            <a:pPr marL="0" indent="0" algn="just">
+              <a:lnSpc>
+                <a:spcPct val="150000"/>
+              </a:lnSpc>
+              <a:spcBef>
+                <a:spcPts val="600"/>
+              </a:spcBef>
+              <a:spcAft>
+                <a:spcPts val="600"/>
+              </a:spcAft>
+              <a:buNone/>
+            </a:pPr>
+            <a:endParaRPr lang="en-US" sz="2000" dirty="0"/>
+          </a:p>
+        </p:txBody>
+      </p:sp>
+      <mc:AlternateContent xmlns:mc="http://schemas.openxmlformats.org/markup-compatibility/2006">
+        <mc:Choice xmlns:a14="http://schemas.microsoft.com/office/drawing/2010/main" Requires="a14">
+          <p:graphicFrame>
+            <p:nvGraphicFramePr>
+              <p:cNvPr id="6" name="Table 5">
+                <a:extLst>
+                  <a:ext uri="{FF2B5EF4-FFF2-40B4-BE49-F238E27FC236}">
+                    <a16:creationId xmlns:a16="http://schemas.microsoft.com/office/drawing/2014/main" id="{26F0C41E-C192-4C6D-331D-5464F154188F}"/>
+                  </a:ext>
+                </a:extLst>
+              </p:cNvPr>
+              <p:cNvGraphicFramePr>
+                <a:graphicFrameLocks noGrp="1"/>
+              </p:cNvGraphicFramePr>
+              <p:nvPr>
+                <p:extLst>
+                  <p:ext uri="{D42A27DB-BD31-4B8C-83A1-F6EECF244321}">
+                    <p14:modId xmlns:p14="http://schemas.microsoft.com/office/powerpoint/2010/main" val="524456272"/>
+                  </p:ext>
+                </p:extLst>
+              </p:nvPr>
+            </p:nvGraphicFramePr>
+            <p:xfrm>
+              <a:off x="1401097" y="1937644"/>
+              <a:ext cx="9033387" cy="4491752"/>
+            </p:xfrm>
+            <a:graphic>
+              <a:graphicData uri="http://schemas.openxmlformats.org/drawingml/2006/table">
+                <a:tbl>
+                  <a:tblPr firstRow="1" bandRow="1">
+                    <a:tableStyleId>{5940675A-B579-460E-94D1-54222C63F5DA}</a:tableStyleId>
+                  </a:tblPr>
+                  <a:tblGrid>
+                    <a:gridCol w="1255816">
+                      <a:extLst>
+                        <a:ext uri="{9D8B030D-6E8A-4147-A177-3AD203B41FA5}">
+                          <a16:colId xmlns:a16="http://schemas.microsoft.com/office/drawing/2014/main" val="909679999"/>
+                        </a:ext>
+                      </a:extLst>
+                    </a:gridCol>
+                    <a:gridCol w="1951959">
+                      <a:extLst>
+                        <a:ext uri="{9D8B030D-6E8A-4147-A177-3AD203B41FA5}">
+                          <a16:colId xmlns:a16="http://schemas.microsoft.com/office/drawing/2014/main" val="2335915627"/>
+                        </a:ext>
+                      </a:extLst>
+                    </a:gridCol>
+                    <a:gridCol w="1784554">
+                      <a:extLst>
+                        <a:ext uri="{9D8B030D-6E8A-4147-A177-3AD203B41FA5}">
+                          <a16:colId xmlns:a16="http://schemas.microsoft.com/office/drawing/2014/main" val="3643336808"/>
+                        </a:ext>
+                      </a:extLst>
+                    </a:gridCol>
+                    <a:gridCol w="4041058">
+                      <a:extLst>
+                        <a:ext uri="{9D8B030D-6E8A-4147-A177-3AD203B41FA5}">
+                          <a16:colId xmlns:a16="http://schemas.microsoft.com/office/drawing/2014/main" val="723058215"/>
+                        </a:ext>
+                      </a:extLst>
+                    </a:gridCol>
+                  </a:tblGrid>
+                  <a:tr h="328997">
+                    <a:tc>
+                      <a:txBody>
+                        <a:bodyPr/>
+                        <a:lstStyle/>
+                        <a:p>
+                          <a:pPr marL="0" algn="ctr" defTabSz="914400" rtl="0" eaLnBrk="1" latinLnBrk="1" hangingPunct="1">
+                            <a:lnSpc>
+                              <a:spcPct val="150000"/>
+                            </a:lnSpc>
+                            <a:spcBef>
+                              <a:spcPts val="600"/>
+                            </a:spcBef>
+                            <a:spcAft>
+                              <a:spcPts val="600"/>
+                            </a:spcAft>
+                          </a:pPr>
+                          <a:r>
+                            <a:rPr lang="en-US" sz="2000" b="1" kern="1200" dirty="0">
+                              <a:solidFill>
+                                <a:schemeClr val="tx1"/>
+                              </a:solidFill>
+                              <a:latin typeface="Times New Roman" panose="02020603050405020304" pitchFamily="18" charset="0"/>
+                              <a:ea typeface="+mn-ea"/>
+                              <a:cs typeface="Times New Roman" panose="02020603050405020304" pitchFamily="18" charset="0"/>
+                            </a:rPr>
+                            <a:t>Case</a:t>
+                          </a:r>
+                        </a:p>
+                      </a:txBody>
+                      <a:tcPr anchor="ctr"/>
+                    </a:tc>
+                    <a:tc>
+                      <a:txBody>
+                        <a:bodyPr/>
+                        <a:lstStyle/>
+                        <a:p>
+                          <a:pPr algn="ctr">
+                            <a:lnSpc>
+                              <a:spcPct val="150000"/>
+                            </a:lnSpc>
+                            <a:spcBef>
+                              <a:spcPts val="600"/>
+                            </a:spcBef>
+                            <a:spcAft>
+                              <a:spcPts val="600"/>
+                            </a:spcAft>
+                          </a:pPr>
+                          <a:r>
+                            <a:rPr lang="en-US" sz="2000" b="1" kern="1200" dirty="0">
+                              <a:solidFill>
+                                <a:schemeClr val="tx1"/>
+                              </a:solidFill>
+                              <a:latin typeface="Times New Roman" panose="02020603050405020304" pitchFamily="18" charset="0"/>
+                              <a:ea typeface="+mn-ea"/>
+                              <a:cs typeface="Times New Roman" panose="02020603050405020304" pitchFamily="18" charset="0"/>
+                            </a:rPr>
+                            <a:t>Q</a:t>
+                          </a:r>
+                        </a:p>
+                      </a:txBody>
+                      <a:tcPr anchor="ctr"/>
+                    </a:tc>
+                    <a:tc>
+                      <a:txBody>
+                        <a:bodyPr/>
+                        <a:lstStyle/>
+                        <a:p>
+                          <a:pPr marL="0" marR="0" lvl="0" indent="0" algn="ctr" defTabSz="914400" rtl="0" eaLnBrk="1" fontAlgn="auto" latinLnBrk="1" hangingPunct="1">
+                            <a:lnSpc>
+                              <a:spcPct val="150000"/>
+                            </a:lnSpc>
+                            <a:spcBef>
+                              <a:spcPts val="600"/>
+                            </a:spcBef>
+                            <a:spcAft>
+                              <a:spcPts val="600"/>
+                            </a:spcAft>
+                            <a:buClrTx/>
+                            <a:buSzTx/>
+                            <a:buFontTx/>
+                            <a:buNone/>
+                            <a:tabLst/>
+                            <a:defRPr/>
+                          </a:pPr>
+                          <a:r>
+                            <a:rPr lang="en-US" sz="2000" b="1" kern="1200" dirty="0">
+                              <a:solidFill>
+                                <a:schemeClr val="tx1"/>
+                              </a:solidFill>
+                              <a:latin typeface="Times New Roman" panose="02020603050405020304" pitchFamily="18" charset="0"/>
+                              <a:ea typeface="+mn-ea"/>
+                              <a:cs typeface="Times New Roman" panose="02020603050405020304" pitchFamily="18" charset="0"/>
+                            </a:rPr>
+                            <a:t>R</a:t>
+                          </a:r>
+                        </a:p>
+                      </a:txBody>
+                      <a:tcPr anchor="ctr"/>
+                    </a:tc>
+                    <a:tc>
+                      <a:txBody>
+                        <a:bodyPr/>
+                        <a:lstStyle/>
+                        <a:p>
+                          <a:pPr marL="0" marR="0" lvl="0" indent="0" algn="ctr" defTabSz="914400" rtl="0" eaLnBrk="1" fontAlgn="auto" latinLnBrk="1" hangingPunct="1">
+                            <a:lnSpc>
+                              <a:spcPct val="150000"/>
+                            </a:lnSpc>
+                            <a:spcBef>
+                              <a:spcPts val="600"/>
+                            </a:spcBef>
+                            <a:spcAft>
+                              <a:spcPts val="600"/>
+                            </a:spcAft>
+                            <a:buClrTx/>
+                            <a:buSzTx/>
+                            <a:buFontTx/>
+                            <a:buNone/>
+                            <a:tabLst/>
+                            <a:defRPr/>
+                          </a:pPr>
+                          <a:r>
+                            <a:rPr lang="en-US" sz="2000" b="1" kern="1200" dirty="0">
+                              <a:solidFill>
+                                <a:schemeClr val="tx1"/>
+                              </a:solidFill>
+                              <a:latin typeface="Times New Roman" panose="02020603050405020304" pitchFamily="18" charset="0"/>
+                              <a:ea typeface="+mn-ea"/>
+                              <a:cs typeface="Times New Roman" panose="02020603050405020304" pitchFamily="18" charset="0"/>
+                            </a:rPr>
+                            <a:t>Notes</a:t>
+                          </a:r>
+                        </a:p>
+                      </a:txBody>
+                      <a:tcPr anchor="ctr"/>
+                    </a:tc>
+                    <a:extLst>
+                      <a:ext uri="{0D108BD9-81ED-4DB2-BD59-A6C34878D82A}">
+                        <a16:rowId xmlns:a16="http://schemas.microsoft.com/office/drawing/2014/main" val="1808665459"/>
+                      </a:ext>
+                    </a:extLst>
+                  </a:tr>
+                  <a:tr h="725002">
+                    <a:tc>
+                      <a:txBody>
+                        <a:bodyPr/>
+                        <a:lstStyle/>
+                        <a:p>
+                          <a:pPr algn="ctr" fontAlgn="b">
+                            <a:lnSpc>
+                              <a:spcPct val="100000"/>
+                            </a:lnSpc>
+                            <a:spcBef>
+                              <a:spcPts val="600"/>
+                            </a:spcBef>
+                            <a:spcAft>
+                              <a:spcPts val="600"/>
+                            </a:spcAft>
+                          </a:pPr>
+                          <a:r>
+                            <a:rPr lang="en-US" sz="2000" b="0" i="0" u="none" strike="noStrike" dirty="0">
+                              <a:solidFill>
+                                <a:schemeClr val="tx1"/>
+                              </a:solidFill>
+                              <a:effectLst/>
+                              <a:latin typeface="Times New Roman" panose="02020603050405020304" pitchFamily="18" charset="0"/>
+                              <a:cs typeface="Times New Roman" panose="02020603050405020304" pitchFamily="18" charset="0"/>
+                            </a:rPr>
+                            <a:t>Case 1</a:t>
+                          </a:r>
+                        </a:p>
+                      </a:txBody>
+                      <a:tcPr marL="9525" marR="9525" marT="9525" marB="0" anchor="ctr"/>
+                    </a:tc>
+                    <a:tc>
+                      <a:txBody>
+                        <a:bodyPr/>
+                        <a:lstStyle/>
+                        <a:p>
+                          <a:pPr algn="ctr" fontAlgn="b">
+                            <a:lnSpc>
+                              <a:spcPct val="100000"/>
+                            </a:lnSpc>
+                            <a:spcBef>
+                              <a:spcPts val="600"/>
+                            </a:spcBef>
+                            <a:spcAft>
+                              <a:spcPts val="600"/>
+                            </a:spcAft>
+                          </a:pPr>
+                          <a14:m>
+                            <m:oMathPara xmlns:m="http://schemas.openxmlformats.org/officeDocument/2006/math">
+                              <m:oMathParaPr>
+                                <m:jc m:val="center"/>
+                              </m:oMathParaPr>
+                              <m:oMath xmlns:m="http://schemas.openxmlformats.org/officeDocument/2006/math">
+                                <m:d>
+                                  <m:dPr>
+                                    <m:begChr m:val="["/>
+                                    <m:endChr m:val="]"/>
+                                    <m:ctrlPr>
+                                      <a:rPr lang="en-US" sz="2000" b="0" i="1" u="none" strike="noStrike" smtClean="0">
+                                        <a:solidFill>
+                                          <a:schemeClr val="tx1"/>
+                                        </a:solidFill>
+                                        <a:effectLst/>
+                                        <a:latin typeface="Cambria Math" panose="02040503050406030204" pitchFamily="18" charset="0"/>
+                                        <a:cs typeface="Times New Roman" panose="02020603050405020304" pitchFamily="18" charset="0"/>
+                                      </a:rPr>
+                                    </m:ctrlPr>
+                                  </m:dPr>
+                                  <m:e>
+                                    <m:m>
+                                      <m:mPr>
+                                        <m:mcs>
+                                          <m:mc>
+                                            <m:mcPr>
+                                              <m:count m:val="2"/>
+                                              <m:mcJc m:val="center"/>
+                                            </m:mcPr>
+                                          </m:mc>
+                                        </m:mcs>
+                                        <m:ctrlPr>
+                                          <a:rPr lang="en-US" sz="2000" b="0" i="1" u="none" strike="noStrike" smtClean="0">
+                                            <a:solidFill>
+                                              <a:schemeClr val="tx1"/>
+                                            </a:solidFill>
+                                            <a:effectLst/>
+                                            <a:latin typeface="Cambria Math" panose="02040503050406030204" pitchFamily="18" charset="0"/>
+                                            <a:cs typeface="Times New Roman" panose="02020603050405020304" pitchFamily="18" charset="0"/>
+                                          </a:rPr>
+                                        </m:ctrlPr>
+                                      </m:mPr>
+                                      <m:mr>
+                                        <m:e>
+                                          <m:r>
+                                            <m:rPr>
+                                              <m:brk m:alnAt="7"/>
+                                            </m:rPr>
+                                            <a:rPr lang="en-US" sz="2000" b="0" i="0" u="none" strike="noStrike" smtClean="0">
+                                              <a:solidFill>
+                                                <a:srgbClr val="C00000"/>
+                                              </a:solidFill>
+                                              <a:effectLst/>
+                                              <a:latin typeface="Cambria Math" panose="02040503050406030204" pitchFamily="18" charset="0"/>
+                                              <a:cs typeface="Times New Roman" panose="02020603050405020304" pitchFamily="18" charset="0"/>
+                                            </a:rPr>
+                                            <m:t>1</m:t>
+                                          </m:r>
+                                        </m:e>
+                                        <m:e>
+                                          <m:r>
+                                            <a:rPr lang="en-US" sz="2000" b="0" i="0" u="none" strike="noStrike" smtClean="0">
+                                              <a:solidFill>
+                                                <a:schemeClr val="tx1"/>
+                                              </a:solidFill>
+                                              <a:effectLst/>
+                                              <a:latin typeface="Cambria Math" panose="02040503050406030204" pitchFamily="18" charset="0"/>
+                                              <a:cs typeface="Times New Roman" panose="02020603050405020304" pitchFamily="18" charset="0"/>
+                                            </a:rPr>
+                                            <m:t>0</m:t>
+                                          </m:r>
+                                        </m:e>
+                                      </m:mr>
+                                      <m:mr>
+                                        <m:e>
+                                          <m:r>
+                                            <a:rPr lang="en-US" sz="2000" b="0" i="0" u="none" strike="noStrike" smtClean="0">
+                                              <a:solidFill>
+                                                <a:schemeClr val="tx1"/>
+                                              </a:solidFill>
+                                              <a:effectLst/>
+                                              <a:latin typeface="Cambria Math" panose="02040503050406030204" pitchFamily="18" charset="0"/>
+                                              <a:cs typeface="Times New Roman" panose="02020603050405020304" pitchFamily="18" charset="0"/>
+                                            </a:rPr>
+                                            <m:t>0</m:t>
+                                          </m:r>
+                                        </m:e>
+                                        <m:e>
+                                          <m:r>
+                                            <a:rPr lang="en-US" sz="2000" b="0" i="0" u="none" strike="noStrike" smtClean="0">
+                                              <a:solidFill>
+                                                <a:srgbClr val="C00000"/>
+                                              </a:solidFill>
+                                              <a:effectLst/>
+                                              <a:latin typeface="Cambria Math" panose="02040503050406030204" pitchFamily="18" charset="0"/>
+                                              <a:cs typeface="Times New Roman" panose="02020603050405020304" pitchFamily="18" charset="0"/>
+                                            </a:rPr>
+                                            <m:t>0</m:t>
+                                          </m:r>
+                                        </m:e>
+                                      </m:mr>
+                                    </m:m>
+                                  </m:e>
+                                </m:d>
+                              </m:oMath>
+                            </m:oMathPara>
+                          </a14:m>
+                          <a:endParaRPr lang="en-US" sz="2000" b="0" i="0" u="none" strike="noStrike" baseline="30000" dirty="0">
+                            <a:solidFill>
+                              <a:schemeClr val="tx1"/>
+                            </a:solidFill>
+                            <a:effectLst/>
+                            <a:latin typeface="Times New Roman" panose="02020603050405020304" pitchFamily="18" charset="0"/>
+                            <a:cs typeface="Times New Roman" panose="02020603050405020304" pitchFamily="18" charset="0"/>
+                          </a:endParaRPr>
+                        </a:p>
+                      </a:txBody>
+                      <a:tcPr marL="9525" marR="9525" marT="9525" marB="0" anchor="ctr"/>
+                    </a:tc>
+                    <a:tc>
+                      <a:txBody>
+                        <a:bodyPr/>
+                        <a:lstStyle/>
+                        <a:p>
+                          <a:pPr marL="0" marR="0" lvl="0" indent="0" algn="ctr" defTabSz="914400" rtl="0" eaLnBrk="1" fontAlgn="b" latinLnBrk="1" hangingPunct="1">
+                            <a:lnSpc>
+                              <a:spcPct val="100000"/>
+                            </a:lnSpc>
+                            <a:spcBef>
+                              <a:spcPts val="600"/>
+                            </a:spcBef>
+                            <a:spcAft>
+                              <a:spcPts val="600"/>
+                            </a:spcAft>
+                            <a:buClrTx/>
+                            <a:buSzTx/>
+                            <a:buFontTx/>
+                            <a:buNone/>
+                            <a:tabLst/>
+                            <a:defRPr/>
+                          </a:pPr>
+                          <a14:m>
+                            <m:oMathPara xmlns:m="http://schemas.openxmlformats.org/officeDocument/2006/math">
+                              <m:oMathParaPr>
+                                <m:jc m:val="centerGroup"/>
+                              </m:oMathParaPr>
+                              <m:oMath xmlns:m="http://schemas.openxmlformats.org/officeDocument/2006/math">
+                                <m:r>
+                                  <a:rPr lang="en-US" sz="2000" b="0" i="1" u="none" strike="noStrike" kern="1200" dirty="0" smtClean="0">
+                                    <a:solidFill>
+                                      <a:schemeClr val="tx1"/>
+                                    </a:solidFill>
+                                    <a:effectLst/>
+                                    <a:latin typeface="Cambria Math" panose="02040503050406030204" pitchFamily="18" charset="0"/>
+                                    <a:ea typeface="+mn-ea"/>
+                                    <a:cs typeface="Times New Roman" panose="02020603050405020304" pitchFamily="18" charset="0"/>
+                                  </a:rPr>
+                                  <m:t>[ 1 ]</m:t>
+                                </m:r>
+                              </m:oMath>
+                            </m:oMathPara>
+                          </a14:m>
+                          <a:endParaRPr lang="en-US" sz="2000" b="0" i="0" u="none" strike="noStrike" kern="1200" dirty="0">
+                            <a:solidFill>
+                              <a:schemeClr val="tx1"/>
+                            </a:solidFill>
+                            <a:effectLst/>
+                            <a:latin typeface="Times New Roman" panose="02020603050405020304" pitchFamily="18" charset="0"/>
+                            <a:ea typeface="+mn-ea"/>
+                            <a:cs typeface="Times New Roman" panose="02020603050405020304" pitchFamily="18" charset="0"/>
+                          </a:endParaRPr>
+                        </a:p>
+                      </a:txBody>
+                      <a:tcPr marL="9525" marR="9525" marT="9525" marB="0" anchor="ctr"/>
+                    </a:tc>
+                    <a:tc>
+                      <a:txBody>
+                        <a:bodyPr/>
+                        <a:lstStyle/>
+                        <a:p>
+                          <a:pPr marL="0" algn="l" defTabSz="914400" rtl="0" eaLnBrk="1" fontAlgn="b" latinLnBrk="1" hangingPunct="1">
+                            <a:lnSpc>
+                              <a:spcPct val="100000"/>
+                            </a:lnSpc>
+                            <a:spcBef>
+                              <a:spcPts val="600"/>
+                            </a:spcBef>
+                            <a:spcAft>
+                              <a:spcPts val="600"/>
+                            </a:spcAft>
+                          </a:pPr>
+                          <a:r>
+                            <a:rPr lang="en-US" sz="2000" b="0" i="0" u="none" strike="noStrike" kern="1200" dirty="0">
+                              <a:solidFill>
+                                <a:schemeClr val="tx1"/>
+                              </a:solidFill>
+                              <a:effectLst/>
+                              <a:latin typeface="Times New Roman" panose="02020603050405020304" pitchFamily="18" charset="0"/>
+                              <a:ea typeface="+mn-ea"/>
+                              <a:cs typeface="Times New Roman" panose="02020603050405020304" pitchFamily="18" charset="0"/>
+                            </a:rPr>
+                            <a:t>Penalize only angular velocity error</a:t>
+                          </a:r>
+                        </a:p>
+                      </a:txBody>
+                      <a:tcPr marL="9525" marR="9525" marT="9525" marB="0" anchor="ctr"/>
+                    </a:tc>
+                    <a:extLst>
+                      <a:ext uri="{0D108BD9-81ED-4DB2-BD59-A6C34878D82A}">
+                        <a16:rowId xmlns:a16="http://schemas.microsoft.com/office/drawing/2014/main" val="2089705525"/>
+                      </a:ext>
+                    </a:extLst>
+                  </a:tr>
+                  <a:tr h="809512">
+                    <a:tc>
+                      <a:txBody>
+                        <a:bodyPr/>
+                        <a:lstStyle/>
+                        <a:p>
+                          <a:pPr algn="ctr" fontAlgn="b">
+                            <a:lnSpc>
+                              <a:spcPct val="100000"/>
+                            </a:lnSpc>
+                            <a:spcBef>
+                              <a:spcPts val="600"/>
+                            </a:spcBef>
+                            <a:spcAft>
+                              <a:spcPts val="600"/>
+                            </a:spcAft>
+                          </a:pPr>
+                          <a:r>
+                            <a:rPr lang="en-US" sz="2000" b="0" dirty="0">
+                              <a:solidFill>
+                                <a:schemeClr val="tx1"/>
+                              </a:solidFill>
+                              <a:latin typeface="Times New Roman" panose="02020603050405020304" pitchFamily="18" charset="0"/>
+                              <a:cs typeface="Times New Roman" panose="02020603050405020304" pitchFamily="18" charset="0"/>
+                            </a:rPr>
+                            <a:t>Case 2</a:t>
+                          </a:r>
+                          <a:endParaRPr lang="en-US" sz="2000" b="0" i="0" u="none" strike="noStrike" dirty="0">
+                            <a:solidFill>
+                              <a:schemeClr val="tx1"/>
+                            </a:solidFill>
+                            <a:effectLst/>
+                            <a:latin typeface="Times New Roman" panose="02020603050405020304" pitchFamily="18" charset="0"/>
+                            <a:cs typeface="Times New Roman" panose="02020603050405020304" pitchFamily="18" charset="0"/>
+                          </a:endParaRPr>
+                        </a:p>
+                      </a:txBody>
+                      <a:tcPr marL="9525" marR="9525" marT="9525" marB="0" anchor="ctr"/>
+                    </a:tc>
+                    <a:tc>
+                      <a:txBody>
+                        <a:bodyPr/>
+                        <a:lstStyle/>
+                        <a:p>
+                          <a:pPr algn="ctr" fontAlgn="b">
+                            <a:lnSpc>
+                              <a:spcPct val="100000"/>
+                            </a:lnSpc>
+                            <a:spcBef>
+                              <a:spcPts val="600"/>
+                            </a:spcBef>
+                            <a:spcAft>
+                              <a:spcPts val="600"/>
+                            </a:spcAft>
+                          </a:pPr>
+                          <a14:m>
+                            <m:oMathPara xmlns:m="http://schemas.openxmlformats.org/officeDocument/2006/math">
+                              <m:oMathParaPr>
+                                <m:jc m:val="center"/>
+                              </m:oMathParaPr>
+                              <m:oMath xmlns:m="http://schemas.openxmlformats.org/officeDocument/2006/math">
+                                <m:d>
+                                  <m:dPr>
+                                    <m:begChr m:val="["/>
+                                    <m:endChr m:val="]"/>
+                                    <m:ctrlPr>
+                                      <a:rPr lang="en-US" sz="2000" b="0" i="1" u="none" strike="noStrike" smtClean="0">
+                                        <a:solidFill>
+                                          <a:schemeClr val="tx1"/>
+                                        </a:solidFill>
+                                        <a:effectLst/>
+                                        <a:latin typeface="Cambria Math" panose="02040503050406030204" pitchFamily="18" charset="0"/>
+                                        <a:cs typeface="Times New Roman" panose="02020603050405020304" pitchFamily="18" charset="0"/>
+                                      </a:rPr>
+                                    </m:ctrlPr>
+                                  </m:dPr>
+                                  <m:e>
+                                    <m:m>
+                                      <m:mPr>
+                                        <m:mcs>
+                                          <m:mc>
+                                            <m:mcPr>
+                                              <m:count m:val="2"/>
+                                              <m:mcJc m:val="center"/>
+                                            </m:mcPr>
+                                          </m:mc>
+                                        </m:mcs>
+                                        <m:ctrlPr>
+                                          <a:rPr lang="en-US" sz="2000" b="0" i="1" u="none" strike="noStrike" smtClean="0">
+                                            <a:solidFill>
+                                              <a:schemeClr val="tx1"/>
+                                            </a:solidFill>
+                                            <a:effectLst/>
+                                            <a:latin typeface="Cambria Math" panose="02040503050406030204" pitchFamily="18" charset="0"/>
+                                            <a:cs typeface="Times New Roman" panose="02020603050405020304" pitchFamily="18" charset="0"/>
+                                          </a:rPr>
+                                        </m:ctrlPr>
+                                      </m:mPr>
+                                      <m:mr>
+                                        <m:e>
+                                          <m:r>
+                                            <m:rPr>
+                                              <m:brk m:alnAt="7"/>
+                                            </m:rPr>
+                                            <a:rPr lang="en-US" sz="2000" b="0" i="0" u="none" strike="noStrike" smtClean="0">
+                                              <a:solidFill>
+                                                <a:srgbClr val="C00000"/>
+                                              </a:solidFill>
+                                              <a:effectLst/>
+                                              <a:latin typeface="Cambria Math" panose="02040503050406030204" pitchFamily="18" charset="0"/>
+                                              <a:cs typeface="Times New Roman" panose="02020603050405020304" pitchFamily="18" charset="0"/>
+                                            </a:rPr>
+                                            <m:t>1</m:t>
+                                          </m:r>
+                                        </m:e>
+                                        <m:e>
+                                          <m:r>
+                                            <a:rPr lang="en-US" sz="2000" b="0" i="0" u="none" strike="noStrike" smtClean="0">
+                                              <a:solidFill>
+                                                <a:schemeClr val="tx1"/>
+                                              </a:solidFill>
+                                              <a:effectLst/>
+                                              <a:latin typeface="Cambria Math" panose="02040503050406030204" pitchFamily="18" charset="0"/>
+                                              <a:cs typeface="Times New Roman" panose="02020603050405020304" pitchFamily="18" charset="0"/>
+                                            </a:rPr>
+                                            <m:t>0</m:t>
+                                          </m:r>
+                                        </m:e>
+                                      </m:mr>
+                                      <m:mr>
+                                        <m:e>
+                                          <m:r>
+                                            <a:rPr lang="en-US" sz="2000" b="0" i="0" u="none" strike="noStrike" smtClean="0">
+                                              <a:solidFill>
+                                                <a:schemeClr val="tx1"/>
+                                              </a:solidFill>
+                                              <a:effectLst/>
+                                              <a:latin typeface="Cambria Math" panose="02040503050406030204" pitchFamily="18" charset="0"/>
+                                              <a:cs typeface="Times New Roman" panose="02020603050405020304" pitchFamily="18" charset="0"/>
+                                            </a:rPr>
+                                            <m:t>0</m:t>
+                                          </m:r>
+                                        </m:e>
+                                        <m:e>
+                                          <m:r>
+                                            <a:rPr lang="en-US" sz="2000" b="0" i="1" u="none" strike="noStrike" smtClean="0">
+                                              <a:solidFill>
+                                                <a:srgbClr val="C00000"/>
+                                              </a:solidFill>
+                                              <a:effectLst/>
+                                              <a:latin typeface="Cambria Math" panose="02040503050406030204" pitchFamily="18" charset="0"/>
+                                              <a:cs typeface="Times New Roman" panose="02020603050405020304" pitchFamily="18" charset="0"/>
+                                            </a:rPr>
+                                            <m:t>1</m:t>
+                                          </m:r>
+                                        </m:e>
+                                      </m:mr>
+                                    </m:m>
+                                  </m:e>
+                                </m:d>
+                              </m:oMath>
+                            </m:oMathPara>
+                          </a14:m>
+                          <a:endParaRPr lang="en-US" sz="2000" b="0" i="0" u="none" strike="noStrike" baseline="30000" dirty="0">
+                            <a:solidFill>
+                              <a:schemeClr val="tx1"/>
+                            </a:solidFill>
+                            <a:effectLst/>
+                            <a:latin typeface="Times New Roman" panose="02020603050405020304" pitchFamily="18" charset="0"/>
+                            <a:cs typeface="Times New Roman" panose="02020603050405020304" pitchFamily="18" charset="0"/>
+                          </a:endParaRPr>
+                        </a:p>
+                      </a:txBody>
+                      <a:tcPr marL="9525" marR="9525" marT="9525" marB="0" anchor="ctr"/>
+                    </a:tc>
+                    <a:tc>
+                      <a:txBody>
+                        <a:bodyPr/>
+                        <a:lstStyle/>
+                        <a:p>
+                          <a:pPr marL="0" algn="ctr" defTabSz="914400" rtl="0" eaLnBrk="1" fontAlgn="b" latinLnBrk="1" hangingPunct="1">
+                            <a:lnSpc>
+                              <a:spcPct val="100000"/>
+                            </a:lnSpc>
+                            <a:spcBef>
+                              <a:spcPts val="600"/>
+                            </a:spcBef>
+                            <a:spcAft>
+                              <a:spcPts val="600"/>
+                            </a:spcAft>
+                          </a:pPr>
+                          <a14:m>
+                            <m:oMathPara xmlns:m="http://schemas.openxmlformats.org/officeDocument/2006/math">
+                              <m:oMathParaPr>
+                                <m:jc m:val="centerGroup"/>
+                              </m:oMathParaPr>
+                              <m:oMath xmlns:m="http://schemas.openxmlformats.org/officeDocument/2006/math">
+                                <m:r>
+                                  <a:rPr lang="en-US" sz="2000" b="0" i="1" u="none" strike="noStrike" kern="1200" dirty="0" smtClean="0">
+                                    <a:solidFill>
+                                      <a:schemeClr val="tx1"/>
+                                    </a:solidFill>
+                                    <a:effectLst/>
+                                    <a:latin typeface="Cambria Math" panose="02040503050406030204" pitchFamily="18" charset="0"/>
+                                    <a:ea typeface="+mn-ea"/>
+                                    <a:cs typeface="Times New Roman" panose="02020603050405020304" pitchFamily="18" charset="0"/>
+                                  </a:rPr>
+                                  <m:t>[ 1 ]</m:t>
+                                </m:r>
+                              </m:oMath>
+                            </m:oMathPara>
+                          </a14:m>
+                          <a:endParaRPr lang="en-US" sz="2000" b="0" i="0" u="none" strike="noStrike" kern="1200" dirty="0">
+                            <a:solidFill>
+                              <a:schemeClr val="tx1"/>
+                            </a:solidFill>
+                            <a:effectLst/>
+                            <a:latin typeface="Times New Roman" panose="02020603050405020304" pitchFamily="18" charset="0"/>
+                            <a:ea typeface="+mn-ea"/>
+                            <a:cs typeface="Times New Roman" panose="02020603050405020304" pitchFamily="18" charset="0"/>
+                          </a:endParaRPr>
+                        </a:p>
+                      </a:txBody>
+                      <a:tcPr marL="9525" marR="9525" marT="9525" marB="0" anchor="ctr"/>
+                    </a:tc>
+                    <a:tc>
+                      <a:txBody>
+                        <a:bodyPr/>
+                        <a:lstStyle/>
+                        <a:p>
+                          <a:pPr marL="0" algn="l" defTabSz="914400" rtl="0" eaLnBrk="1" fontAlgn="b" latinLnBrk="1" hangingPunct="1">
+                            <a:lnSpc>
+                              <a:spcPct val="100000"/>
+                            </a:lnSpc>
+                            <a:spcBef>
+                              <a:spcPts val="600"/>
+                            </a:spcBef>
+                            <a:spcAft>
+                              <a:spcPts val="600"/>
+                            </a:spcAft>
+                          </a:pPr>
+                          <a:r>
+                            <a:rPr lang="en-US" sz="2000" b="0" i="0" u="none" strike="noStrike" kern="1200" dirty="0">
+                              <a:solidFill>
+                                <a:schemeClr val="tx1"/>
+                              </a:solidFill>
+                              <a:effectLst/>
+                              <a:latin typeface="Times New Roman" panose="02020603050405020304" pitchFamily="18" charset="0"/>
+                              <a:ea typeface="+mn-ea"/>
+                              <a:cs typeface="Times New Roman" panose="02020603050405020304" pitchFamily="18" charset="0"/>
+                            </a:rPr>
+                            <a:t>Balanced weighting</a:t>
+                          </a:r>
+                        </a:p>
+                      </a:txBody>
+                      <a:tcPr marL="9525" marR="9525" marT="9525" marB="0" anchor="ctr"/>
+                    </a:tc>
+                    <a:extLst>
+                      <a:ext uri="{0D108BD9-81ED-4DB2-BD59-A6C34878D82A}">
+                        <a16:rowId xmlns:a16="http://schemas.microsoft.com/office/drawing/2014/main" val="3670459792"/>
+                      </a:ext>
+                    </a:extLst>
+                  </a:tr>
+                  <a:tr h="767186">
+                    <a:tc>
+                      <a:txBody>
+                        <a:bodyPr/>
+                        <a:lstStyle/>
+                        <a:p>
+                          <a:pPr algn="ctr" fontAlgn="b">
+                            <a:lnSpc>
+                              <a:spcPct val="100000"/>
+                            </a:lnSpc>
+                            <a:spcBef>
+                              <a:spcPts val="600"/>
+                            </a:spcBef>
+                            <a:spcAft>
+                              <a:spcPts val="600"/>
+                            </a:spcAft>
+                          </a:pPr>
+                          <a:r>
+                            <a:rPr lang="en-US" sz="2000" b="0" dirty="0">
+                              <a:solidFill>
+                                <a:schemeClr val="tx1"/>
+                              </a:solidFill>
+                              <a:latin typeface="Times New Roman" panose="02020603050405020304" pitchFamily="18" charset="0"/>
+                              <a:cs typeface="Times New Roman" panose="02020603050405020304" pitchFamily="18" charset="0"/>
+                            </a:rPr>
+                            <a:t>Case 3</a:t>
+                          </a:r>
+                          <a:endParaRPr lang="en-US" sz="2000" b="0" i="0" u="none" strike="noStrike" dirty="0">
+                            <a:solidFill>
+                              <a:schemeClr val="tx1"/>
+                            </a:solidFill>
+                            <a:effectLst/>
+                            <a:latin typeface="Times New Roman" panose="02020603050405020304" pitchFamily="18" charset="0"/>
+                            <a:cs typeface="Times New Roman" panose="02020603050405020304" pitchFamily="18" charset="0"/>
+                          </a:endParaRPr>
+                        </a:p>
+                      </a:txBody>
+                      <a:tcPr marL="9525" marR="9525" marT="9525" marB="0" anchor="ctr"/>
+                    </a:tc>
+                    <a:tc>
+                      <a:txBody>
+                        <a:bodyPr/>
+                        <a:lstStyle/>
+                        <a:p>
+                          <a:pPr algn="ctr" fontAlgn="b">
+                            <a:lnSpc>
+                              <a:spcPct val="100000"/>
+                            </a:lnSpc>
+                            <a:spcBef>
+                              <a:spcPts val="600"/>
+                            </a:spcBef>
+                            <a:spcAft>
+                              <a:spcPts val="600"/>
+                            </a:spcAft>
+                          </a:pPr>
+                          <a14:m>
+                            <m:oMathPara xmlns:m="http://schemas.openxmlformats.org/officeDocument/2006/math">
+                              <m:oMathParaPr>
+                                <m:jc m:val="centerGroup"/>
+                              </m:oMathParaPr>
+                              <m:oMath xmlns:m="http://schemas.openxmlformats.org/officeDocument/2006/math">
+                                <m:d>
+                                  <m:dPr>
+                                    <m:begChr m:val="["/>
+                                    <m:endChr m:val="]"/>
+                                    <m:ctrlPr>
+                                      <a:rPr lang="en-US" sz="2000" b="0" i="1" u="none" strike="noStrike" smtClean="0">
+                                        <a:solidFill>
+                                          <a:schemeClr val="tx1"/>
+                                        </a:solidFill>
+                                        <a:effectLst/>
+                                        <a:latin typeface="Cambria Math" panose="02040503050406030204" pitchFamily="18" charset="0"/>
+                                        <a:cs typeface="Times New Roman" panose="02020603050405020304" pitchFamily="18" charset="0"/>
+                                      </a:rPr>
+                                    </m:ctrlPr>
+                                  </m:dPr>
+                                  <m:e>
+                                    <m:m>
+                                      <m:mPr>
+                                        <m:mcs>
+                                          <m:mc>
+                                            <m:mcPr>
+                                              <m:count m:val="2"/>
+                                              <m:mcJc m:val="center"/>
+                                            </m:mcPr>
+                                          </m:mc>
+                                        </m:mcs>
+                                        <m:ctrlPr>
+                                          <a:rPr lang="en-US" sz="2000" b="0" i="1" u="none" strike="noStrike" smtClean="0">
+                                            <a:solidFill>
+                                              <a:schemeClr val="tx1"/>
+                                            </a:solidFill>
+                                            <a:effectLst/>
+                                            <a:latin typeface="Cambria Math" panose="02040503050406030204" pitchFamily="18" charset="0"/>
+                                            <a:cs typeface="Times New Roman" panose="02020603050405020304" pitchFamily="18" charset="0"/>
+                                          </a:rPr>
+                                        </m:ctrlPr>
+                                      </m:mPr>
+                                      <m:mr>
+                                        <m:e>
+                                          <m:r>
+                                            <m:rPr>
+                                              <m:brk m:alnAt="7"/>
+                                            </m:rPr>
+                                            <a:rPr lang="en-US" sz="2000" b="0" i="0" u="none" strike="noStrike" smtClean="0">
+                                              <a:solidFill>
+                                                <a:srgbClr val="C00000"/>
+                                              </a:solidFill>
+                                              <a:effectLst/>
+                                              <a:latin typeface="Cambria Math" panose="02040503050406030204" pitchFamily="18" charset="0"/>
+                                              <a:cs typeface="Times New Roman" panose="02020603050405020304" pitchFamily="18" charset="0"/>
+                                            </a:rPr>
+                                            <m:t>1</m:t>
+                                          </m:r>
+                                          <m:r>
+                                            <m:rPr>
+                                              <m:brk m:alnAt="7"/>
+                                            </m:rPr>
+                                            <a:rPr lang="en-US" sz="2000" b="0" i="1" u="none" strike="noStrike" smtClean="0">
+                                              <a:solidFill>
+                                                <a:srgbClr val="C00000"/>
+                                              </a:solidFill>
+                                              <a:effectLst/>
+                                              <a:latin typeface="Cambria Math" panose="02040503050406030204" pitchFamily="18" charset="0"/>
+                                              <a:cs typeface="Times New Roman" panose="02020603050405020304" pitchFamily="18" charset="0"/>
+                                            </a:rPr>
+                                            <m:t>0</m:t>
+                                          </m:r>
+                                          <m:r>
+                                            <a:rPr lang="en-US" sz="2000" b="0" i="1" u="none" strike="noStrike" smtClean="0">
+                                              <a:solidFill>
+                                                <a:srgbClr val="C00000"/>
+                                              </a:solidFill>
+                                              <a:effectLst/>
+                                              <a:latin typeface="Cambria Math" panose="02040503050406030204" pitchFamily="18" charset="0"/>
+                                              <a:cs typeface="Times New Roman" panose="02020603050405020304" pitchFamily="18" charset="0"/>
+                                            </a:rPr>
+                                            <m:t>0</m:t>
+                                          </m:r>
+                                        </m:e>
+                                        <m:e>
+                                          <m:r>
+                                            <a:rPr lang="en-US" sz="2000" b="0" i="0" u="none" strike="noStrike" smtClean="0">
+                                              <a:solidFill>
+                                                <a:schemeClr val="tx1"/>
+                                              </a:solidFill>
+                                              <a:effectLst/>
+                                              <a:latin typeface="Cambria Math" panose="02040503050406030204" pitchFamily="18" charset="0"/>
+                                              <a:cs typeface="Times New Roman" panose="02020603050405020304" pitchFamily="18" charset="0"/>
+                                            </a:rPr>
+                                            <m:t>0</m:t>
+                                          </m:r>
+                                        </m:e>
+                                      </m:mr>
+                                      <m:mr>
+                                        <m:e>
+                                          <m:r>
+                                            <a:rPr lang="en-US" sz="2000" b="0" i="0" u="none" strike="noStrike" smtClean="0">
+                                              <a:solidFill>
+                                                <a:schemeClr val="tx1"/>
+                                              </a:solidFill>
+                                              <a:effectLst/>
+                                              <a:latin typeface="Cambria Math" panose="02040503050406030204" pitchFamily="18" charset="0"/>
+                                              <a:cs typeface="Times New Roman" panose="02020603050405020304" pitchFamily="18" charset="0"/>
+                                            </a:rPr>
+                                            <m:t>0</m:t>
+                                          </m:r>
+                                        </m:e>
+                                        <m:e>
+                                          <m:r>
+                                            <a:rPr lang="en-US" sz="2000" b="0" i="0" u="none" strike="noStrike" smtClean="0">
+                                              <a:solidFill>
+                                                <a:srgbClr val="C00000"/>
+                                              </a:solidFill>
+                                              <a:effectLst/>
+                                              <a:latin typeface="Cambria Math" panose="02040503050406030204" pitchFamily="18" charset="0"/>
+                                              <a:cs typeface="Times New Roman" panose="02020603050405020304" pitchFamily="18" charset="0"/>
+                                            </a:rPr>
+                                            <m:t>1</m:t>
+                                          </m:r>
+                                        </m:e>
+                                      </m:mr>
+                                    </m:m>
+                                  </m:e>
+                                </m:d>
+                              </m:oMath>
+                            </m:oMathPara>
+                          </a14:m>
+                          <a:endParaRPr lang="en-US" sz="2000" b="0" i="0" u="none" strike="noStrike" baseline="30000" dirty="0">
+                            <a:solidFill>
+                              <a:schemeClr val="tx1"/>
+                            </a:solidFill>
+                            <a:effectLst/>
+                            <a:latin typeface="Times New Roman" panose="02020603050405020304" pitchFamily="18" charset="0"/>
+                            <a:cs typeface="Times New Roman" panose="02020603050405020304" pitchFamily="18" charset="0"/>
+                          </a:endParaRPr>
+                        </a:p>
+                      </a:txBody>
+                      <a:tcPr marL="9525" marR="9525" marT="9525" marB="0" anchor="ctr"/>
+                    </a:tc>
+                    <a:tc>
+                      <a:txBody>
+                        <a:bodyPr/>
+                        <a:lstStyle/>
+                        <a:p>
+                          <a:pPr marL="0" algn="ctr" defTabSz="914400" rtl="0" eaLnBrk="1" fontAlgn="b" latinLnBrk="1" hangingPunct="1">
+                            <a:lnSpc>
+                              <a:spcPct val="100000"/>
+                            </a:lnSpc>
+                            <a:spcBef>
+                              <a:spcPts val="600"/>
+                            </a:spcBef>
+                            <a:spcAft>
+                              <a:spcPts val="600"/>
+                            </a:spcAft>
+                          </a:pPr>
+                          <a14:m>
+                            <m:oMathPara xmlns:m="http://schemas.openxmlformats.org/officeDocument/2006/math">
+                              <m:oMathParaPr>
+                                <m:jc m:val="centerGroup"/>
+                              </m:oMathParaPr>
+                              <m:oMath xmlns:m="http://schemas.openxmlformats.org/officeDocument/2006/math">
+                                <m:r>
+                                  <a:rPr lang="en-US" sz="2000" b="0" i="1" u="none" strike="noStrike" kern="1200" dirty="0" smtClean="0">
+                                    <a:solidFill>
+                                      <a:schemeClr val="tx1"/>
+                                    </a:solidFill>
+                                    <a:effectLst/>
+                                    <a:latin typeface="Cambria Math" panose="02040503050406030204" pitchFamily="18" charset="0"/>
+                                    <a:ea typeface="+mn-ea"/>
+                                    <a:cs typeface="Times New Roman" panose="02020603050405020304" pitchFamily="18" charset="0"/>
+                                  </a:rPr>
+                                  <m:t>[ 1 ]</m:t>
+                                </m:r>
+                              </m:oMath>
+                            </m:oMathPara>
+                          </a14:m>
+                          <a:endParaRPr lang="en-US" sz="2000" b="0" i="0" u="none" strike="noStrike" kern="1200" dirty="0">
+                            <a:solidFill>
+                              <a:schemeClr val="tx1"/>
+                            </a:solidFill>
+                            <a:effectLst/>
+                            <a:latin typeface="Times New Roman" panose="02020603050405020304" pitchFamily="18" charset="0"/>
+                            <a:ea typeface="+mn-ea"/>
+                            <a:cs typeface="Times New Roman" panose="02020603050405020304" pitchFamily="18" charset="0"/>
+                          </a:endParaRPr>
+                        </a:p>
+                      </a:txBody>
+                      <a:tcPr marL="9525" marR="9525" marT="9525" marB="0" anchor="ctr"/>
+                    </a:tc>
+                    <a:tc>
+                      <a:txBody>
+                        <a:bodyPr/>
+                        <a:lstStyle/>
+                        <a:p>
+                          <a:pPr marL="0" algn="l" defTabSz="914400" rtl="0" eaLnBrk="1" fontAlgn="b" latinLnBrk="1" hangingPunct="1">
+                            <a:lnSpc>
+                              <a:spcPct val="100000"/>
+                            </a:lnSpc>
+                            <a:spcBef>
+                              <a:spcPts val="600"/>
+                            </a:spcBef>
+                            <a:spcAft>
+                              <a:spcPts val="600"/>
+                            </a:spcAft>
+                          </a:pPr>
+                          <a:r>
+                            <a:rPr lang="en-US" sz="2000" b="0" i="0" u="none" strike="noStrike" kern="1200" dirty="0">
+                              <a:solidFill>
+                                <a:schemeClr val="tx1"/>
+                              </a:solidFill>
+                              <a:effectLst/>
+                              <a:latin typeface="Times New Roman" panose="02020603050405020304" pitchFamily="18" charset="0"/>
+                              <a:ea typeface="+mn-ea"/>
+                              <a:cs typeface="Times New Roman" panose="02020603050405020304" pitchFamily="18" charset="0"/>
+                            </a:rPr>
+                            <a:t>Aggressive on angular velocity error</a:t>
+                          </a:r>
+                        </a:p>
+                      </a:txBody>
+                      <a:tcPr marL="9525" marR="9525" marT="9525" marB="0" anchor="ctr"/>
+                    </a:tc>
+                    <a:extLst>
+                      <a:ext uri="{0D108BD9-81ED-4DB2-BD59-A6C34878D82A}">
+                        <a16:rowId xmlns:a16="http://schemas.microsoft.com/office/drawing/2014/main" val="3627183564"/>
+                      </a:ext>
+                    </a:extLst>
+                  </a:tr>
+                  <a:tr h="477755">
+                    <a:tc>
+                      <a:txBody>
+                        <a:bodyPr/>
+                        <a:lstStyle/>
+                        <a:p>
+                          <a:pPr algn="ctr" fontAlgn="b">
+                            <a:lnSpc>
+                              <a:spcPct val="150000"/>
+                            </a:lnSpc>
+                            <a:spcBef>
+                              <a:spcPts val="600"/>
+                            </a:spcBef>
+                            <a:spcAft>
+                              <a:spcPts val="600"/>
+                            </a:spcAft>
+                          </a:pPr>
+                          <a:r>
+                            <a:rPr lang="en-US" sz="2000" b="0" dirty="0">
+                              <a:solidFill>
+                                <a:schemeClr val="tx1"/>
+                              </a:solidFill>
+                              <a:latin typeface="Times New Roman" panose="02020603050405020304" pitchFamily="18" charset="0"/>
+                              <a:cs typeface="Times New Roman" panose="02020603050405020304" pitchFamily="18" charset="0"/>
+                            </a:rPr>
+                            <a:t>Case 4</a:t>
+                          </a:r>
+                          <a:endParaRPr lang="en-US" sz="2000" b="0" i="0" u="none" strike="noStrike" dirty="0">
+                            <a:solidFill>
+                              <a:schemeClr val="tx1"/>
+                            </a:solidFill>
+                            <a:effectLst/>
+                            <a:latin typeface="Times New Roman" panose="02020603050405020304" pitchFamily="18" charset="0"/>
+                            <a:cs typeface="Times New Roman" panose="02020603050405020304" pitchFamily="18" charset="0"/>
+                          </a:endParaRPr>
+                        </a:p>
+                      </a:txBody>
+                      <a:tcPr marL="9525" marR="9525" marT="9525" marB="0" anchor="ctr"/>
+                    </a:tc>
+                    <a:tc>
+                      <a:txBody>
+                        <a:bodyPr/>
+                        <a:lstStyle/>
+                        <a:p>
+                          <a:pPr algn="ctr" fontAlgn="b">
+                            <a:lnSpc>
+                              <a:spcPct val="150000"/>
+                            </a:lnSpc>
+                            <a:spcBef>
+                              <a:spcPts val="600"/>
+                            </a:spcBef>
+                            <a:spcAft>
+                              <a:spcPts val="600"/>
+                            </a:spcAft>
+                          </a:pPr>
+                          <a14:m>
+                            <m:oMathPara xmlns:m="http://schemas.openxmlformats.org/officeDocument/2006/math">
+                              <m:oMathParaPr>
+                                <m:jc m:val="centerGroup"/>
+                              </m:oMathParaPr>
+                              <m:oMath xmlns:m="http://schemas.openxmlformats.org/officeDocument/2006/math">
+                                <m:d>
+                                  <m:dPr>
+                                    <m:begChr m:val="["/>
+                                    <m:endChr m:val="]"/>
+                                    <m:ctrlPr>
+                                      <a:rPr lang="en-US" sz="2000" b="0" i="1" u="none" strike="noStrike" smtClean="0">
+                                        <a:solidFill>
+                                          <a:schemeClr val="tx1"/>
+                                        </a:solidFill>
+                                        <a:effectLst/>
+                                        <a:latin typeface="Cambria Math" panose="02040503050406030204" pitchFamily="18" charset="0"/>
+                                        <a:cs typeface="Times New Roman" panose="02020603050405020304" pitchFamily="18" charset="0"/>
+                                      </a:rPr>
+                                    </m:ctrlPr>
+                                  </m:dPr>
+                                  <m:e>
+                                    <m:m>
+                                      <m:mPr>
+                                        <m:mcs>
+                                          <m:mc>
+                                            <m:mcPr>
+                                              <m:count m:val="2"/>
+                                              <m:mcJc m:val="center"/>
+                                            </m:mcPr>
+                                          </m:mc>
+                                        </m:mcs>
+                                        <m:ctrlPr>
+                                          <a:rPr lang="en-US" sz="2000" b="0" i="1" u="none" strike="noStrike" smtClean="0">
+                                            <a:solidFill>
+                                              <a:schemeClr val="tx1"/>
+                                            </a:solidFill>
+                                            <a:effectLst/>
+                                            <a:latin typeface="Cambria Math" panose="02040503050406030204" pitchFamily="18" charset="0"/>
+                                            <a:cs typeface="Times New Roman" panose="02020603050405020304" pitchFamily="18" charset="0"/>
+                                          </a:rPr>
+                                        </m:ctrlPr>
+                                      </m:mPr>
+                                      <m:mr>
+                                        <m:e>
+                                          <m:r>
+                                            <m:rPr>
+                                              <m:brk m:alnAt="7"/>
+                                            </m:rPr>
+                                            <a:rPr lang="en-US" sz="2000" b="0" i="0" u="none" strike="noStrike" smtClean="0">
+                                              <a:solidFill>
+                                                <a:schemeClr val="tx1"/>
+                                              </a:solidFill>
+                                              <a:effectLst/>
+                                              <a:latin typeface="Cambria Math" panose="02040503050406030204" pitchFamily="18" charset="0"/>
+                                              <a:cs typeface="Times New Roman" panose="02020603050405020304" pitchFamily="18" charset="0"/>
+                                            </a:rPr>
+                                            <m:t>1</m:t>
+                                          </m:r>
+                                        </m:e>
+                                        <m:e>
+                                          <m:r>
+                                            <a:rPr lang="en-US" sz="2000" b="0" i="0" u="none" strike="noStrike" smtClean="0">
+                                              <a:solidFill>
+                                                <a:schemeClr val="tx1"/>
+                                              </a:solidFill>
+                                              <a:effectLst/>
+                                              <a:latin typeface="Cambria Math" panose="02040503050406030204" pitchFamily="18" charset="0"/>
+                                              <a:cs typeface="Times New Roman" panose="02020603050405020304" pitchFamily="18" charset="0"/>
+                                            </a:rPr>
+                                            <m:t>0</m:t>
+                                          </m:r>
+                                        </m:e>
+                                      </m:mr>
+                                      <m:mr>
+                                        <m:e>
+                                          <m:r>
+                                            <a:rPr lang="en-US" sz="2000" b="0" i="0" u="none" strike="noStrike" smtClean="0">
+                                              <a:solidFill>
+                                                <a:schemeClr val="tx1"/>
+                                              </a:solidFill>
+                                              <a:effectLst/>
+                                              <a:latin typeface="Cambria Math" panose="02040503050406030204" pitchFamily="18" charset="0"/>
+                                              <a:cs typeface="Times New Roman" panose="02020603050405020304" pitchFamily="18" charset="0"/>
+                                            </a:rPr>
+                                            <m:t>0</m:t>
+                                          </m:r>
+                                        </m:e>
+                                        <m:e>
+                                          <m:r>
+                                            <a:rPr lang="en-US" sz="2000" b="0" i="0" u="none" strike="noStrike" smtClean="0">
+                                              <a:solidFill>
+                                                <a:schemeClr val="tx1"/>
+                                              </a:solidFill>
+                                              <a:effectLst/>
+                                              <a:latin typeface="Cambria Math" panose="02040503050406030204" pitchFamily="18" charset="0"/>
+                                              <a:cs typeface="Times New Roman" panose="02020603050405020304" pitchFamily="18" charset="0"/>
+                                            </a:rPr>
+                                            <m:t>1</m:t>
+                                          </m:r>
+                                        </m:e>
+                                      </m:mr>
+                                    </m:m>
+                                  </m:e>
+                                </m:d>
+                              </m:oMath>
+                            </m:oMathPara>
+                          </a14:m>
+                          <a:endParaRPr lang="en-US" sz="2000" b="0" i="0" u="none" strike="noStrike" dirty="0">
+                            <a:solidFill>
+                              <a:schemeClr val="tx1"/>
+                            </a:solidFill>
+                            <a:effectLst/>
+                            <a:latin typeface="Times New Roman" panose="02020603050405020304" pitchFamily="18" charset="0"/>
+                            <a:cs typeface="Times New Roman" panose="02020603050405020304" pitchFamily="18" charset="0"/>
+                          </a:endParaRPr>
+                        </a:p>
+                      </a:txBody>
+                      <a:tcPr marL="9525" marR="9525" marT="9525" marB="0" anchor="ctr"/>
+                    </a:tc>
+                    <a:tc>
+                      <a:txBody>
+                        <a:bodyPr/>
+                        <a:lstStyle/>
+                        <a:p>
+                          <a:pPr marL="0" algn="ctr" defTabSz="914400" rtl="0" eaLnBrk="1" fontAlgn="b" latinLnBrk="1" hangingPunct="1">
+                            <a:lnSpc>
+                              <a:spcPct val="100000"/>
+                            </a:lnSpc>
+                            <a:spcBef>
+                              <a:spcPts val="600"/>
+                            </a:spcBef>
+                            <a:spcAft>
+                              <a:spcPts val="600"/>
+                            </a:spcAft>
+                          </a:pPr>
+                          <a14:m>
+                            <m:oMathPara xmlns:m="http://schemas.openxmlformats.org/officeDocument/2006/math">
+                              <m:oMathParaPr>
+                                <m:jc m:val="centerGroup"/>
+                              </m:oMathParaPr>
+                              <m:oMath xmlns:m="http://schemas.openxmlformats.org/officeDocument/2006/math">
+                                <m:r>
+                                  <a:rPr lang="en-US" sz="2000" b="0" i="1" u="none" strike="noStrike" kern="1200" dirty="0" smtClean="0">
+                                    <a:solidFill>
+                                      <a:schemeClr val="tx1"/>
+                                    </a:solidFill>
+                                    <a:effectLst/>
+                                    <a:latin typeface="Cambria Math" panose="02040503050406030204" pitchFamily="18" charset="0"/>
+                                    <a:ea typeface="+mn-ea"/>
+                                    <a:cs typeface="Times New Roman" panose="02020603050405020304" pitchFamily="18" charset="0"/>
+                                  </a:rPr>
+                                  <m:t>[ </m:t>
+                                </m:r>
+                                <m:r>
+                                  <a:rPr lang="en-US" sz="2000" b="0" i="1" u="none" strike="noStrike" kern="1200" dirty="0" smtClean="0">
+                                    <a:solidFill>
+                                      <a:srgbClr val="C00000"/>
+                                    </a:solidFill>
+                                    <a:effectLst/>
+                                    <a:latin typeface="Cambria Math" panose="02040503050406030204" pitchFamily="18" charset="0"/>
+                                    <a:ea typeface="+mn-ea"/>
+                                    <a:cs typeface="Times New Roman" panose="02020603050405020304" pitchFamily="18" charset="0"/>
+                                  </a:rPr>
+                                  <m:t>10</m:t>
+                                </m:r>
+                                <m:r>
+                                  <a:rPr lang="en-US" sz="2000" b="0" i="1" u="none" strike="noStrike" kern="1200" dirty="0" smtClean="0">
+                                    <a:solidFill>
+                                      <a:schemeClr val="tx1"/>
+                                    </a:solidFill>
+                                    <a:effectLst/>
+                                    <a:latin typeface="Cambria Math" panose="02040503050406030204" pitchFamily="18" charset="0"/>
+                                    <a:ea typeface="+mn-ea"/>
+                                    <a:cs typeface="Times New Roman" panose="02020603050405020304" pitchFamily="18" charset="0"/>
+                                  </a:rPr>
+                                  <m:t> ]</m:t>
+                                </m:r>
+                              </m:oMath>
+                            </m:oMathPara>
+                          </a14:m>
+                          <a:endParaRPr lang="en-US" sz="2000" b="0" i="0" u="none" strike="noStrike" kern="1200" dirty="0">
+                            <a:solidFill>
+                              <a:schemeClr val="tx1"/>
+                            </a:solidFill>
+                            <a:effectLst/>
+                            <a:latin typeface="Times New Roman" panose="02020603050405020304" pitchFamily="18" charset="0"/>
+                            <a:ea typeface="+mn-ea"/>
+                            <a:cs typeface="Times New Roman" panose="02020603050405020304" pitchFamily="18" charset="0"/>
+                          </a:endParaRPr>
+                        </a:p>
+                      </a:txBody>
+                      <a:tcPr marL="9525" marR="9525" marT="9525" marB="0" anchor="ctr"/>
+                    </a:tc>
+                    <a:tc>
+                      <a:txBody>
+                        <a:bodyPr/>
+                        <a:lstStyle/>
+                        <a:p>
+                          <a:pPr algn="l" fontAlgn="b">
+                            <a:lnSpc>
+                              <a:spcPct val="150000"/>
+                            </a:lnSpc>
+                            <a:spcBef>
+                              <a:spcPts val="600"/>
+                            </a:spcBef>
+                            <a:spcAft>
+                              <a:spcPts val="600"/>
+                            </a:spcAft>
+                          </a:pPr>
+                          <a:r>
+                            <a:rPr lang="en-US" sz="2000" b="0" i="0" u="none" strike="noStrike" kern="1200" dirty="0">
+                              <a:solidFill>
+                                <a:schemeClr val="tx1"/>
+                              </a:solidFill>
+                              <a:effectLst/>
+                              <a:latin typeface="Times New Roman" panose="02020603050405020304" pitchFamily="18" charset="0"/>
+                              <a:ea typeface="+mn-ea"/>
+                              <a:cs typeface="Times New Roman" panose="02020603050405020304" pitchFamily="18" charset="0"/>
+                            </a:rPr>
+                            <a:t>Less control effort</a:t>
+                          </a:r>
+                          <a:endParaRPr lang="en-US" sz="2000" b="0" i="0" u="none" strike="noStrike" dirty="0">
+                            <a:solidFill>
+                              <a:schemeClr val="tx1"/>
+                            </a:solidFill>
+                            <a:effectLst/>
+                            <a:latin typeface="Times New Roman" panose="02020603050405020304" pitchFamily="18" charset="0"/>
+                            <a:cs typeface="Times New Roman" panose="02020603050405020304" pitchFamily="18" charset="0"/>
+                          </a:endParaRPr>
+                        </a:p>
+                      </a:txBody>
+                      <a:tcPr marL="9525" marR="9525" marT="9525" marB="0" anchor="ctr"/>
+                    </a:tc>
+                    <a:extLst>
+                      <a:ext uri="{0D108BD9-81ED-4DB2-BD59-A6C34878D82A}">
+                        <a16:rowId xmlns:a16="http://schemas.microsoft.com/office/drawing/2014/main" val="591704919"/>
+                      </a:ext>
+                    </a:extLst>
+                  </a:tr>
+                  <a:tr h="477755">
+                    <a:tc>
+                      <a:txBody>
+                        <a:bodyPr/>
+                        <a:lstStyle/>
+                        <a:p>
+                          <a:pPr marL="0" marR="0" lvl="0" indent="0" algn="ctr" defTabSz="914400" rtl="0" eaLnBrk="1" fontAlgn="b" latinLnBrk="1" hangingPunct="1">
+                            <a:lnSpc>
+                              <a:spcPct val="150000"/>
+                            </a:lnSpc>
+                            <a:spcBef>
+                              <a:spcPts val="600"/>
+                            </a:spcBef>
+                            <a:spcAft>
+                              <a:spcPts val="600"/>
+                            </a:spcAft>
+                            <a:buClrTx/>
+                            <a:buSzTx/>
+                            <a:buFontTx/>
+                            <a:buNone/>
+                            <a:tabLst/>
+                            <a:defRPr/>
+                          </a:pPr>
+                          <a:r>
+                            <a:rPr lang="en-US" sz="2000" b="0" dirty="0">
+                              <a:solidFill>
+                                <a:schemeClr val="tx1"/>
+                              </a:solidFill>
+                              <a:latin typeface="Times New Roman" panose="02020603050405020304" pitchFamily="18" charset="0"/>
+                              <a:cs typeface="Times New Roman" panose="02020603050405020304" pitchFamily="18" charset="0"/>
+                            </a:rPr>
+                            <a:t>Case 5</a:t>
+                          </a:r>
+                          <a:endParaRPr lang="en-US" sz="2000" b="0" i="0" u="none" strike="noStrike" dirty="0">
+                            <a:solidFill>
+                              <a:schemeClr val="tx1"/>
+                            </a:solidFill>
+                            <a:effectLst/>
+                            <a:latin typeface="Times New Roman" panose="02020603050405020304" pitchFamily="18" charset="0"/>
+                            <a:cs typeface="Times New Roman" panose="02020603050405020304" pitchFamily="18" charset="0"/>
+                          </a:endParaRPr>
+                        </a:p>
+                      </a:txBody>
+                      <a:tcPr marL="9525" marR="9525" marT="9525" marB="0" anchor="ctr"/>
+                    </a:tc>
+                    <a:tc>
+                      <a:txBody>
+                        <a:bodyPr/>
+                        <a:lstStyle/>
+                        <a:p>
+                          <a:pPr algn="ctr" fontAlgn="b">
+                            <a:lnSpc>
+                              <a:spcPct val="150000"/>
+                            </a:lnSpc>
+                            <a:spcBef>
+                              <a:spcPts val="600"/>
+                            </a:spcBef>
+                            <a:spcAft>
+                              <a:spcPts val="600"/>
+                            </a:spcAft>
+                          </a:pPr>
+                          <a14:m>
+                            <m:oMathPara xmlns:m="http://schemas.openxmlformats.org/officeDocument/2006/math">
+                              <m:oMathParaPr>
+                                <m:jc m:val="centerGroup"/>
+                              </m:oMathParaPr>
+                              <m:oMath xmlns:m="http://schemas.openxmlformats.org/officeDocument/2006/math">
+                                <m:d>
+                                  <m:dPr>
+                                    <m:begChr m:val="["/>
+                                    <m:endChr m:val="]"/>
+                                    <m:ctrlPr>
+                                      <a:rPr lang="en-US" sz="2000" b="0" i="1" u="none" strike="noStrike" smtClean="0">
+                                        <a:solidFill>
+                                          <a:schemeClr val="tx1"/>
+                                        </a:solidFill>
+                                        <a:effectLst/>
+                                        <a:latin typeface="Cambria Math" panose="02040503050406030204" pitchFamily="18" charset="0"/>
+                                        <a:cs typeface="Times New Roman" panose="02020603050405020304" pitchFamily="18" charset="0"/>
+                                      </a:rPr>
+                                    </m:ctrlPr>
+                                  </m:dPr>
+                                  <m:e>
+                                    <m:m>
+                                      <m:mPr>
+                                        <m:mcs>
+                                          <m:mc>
+                                            <m:mcPr>
+                                              <m:count m:val="2"/>
+                                              <m:mcJc m:val="center"/>
+                                            </m:mcPr>
+                                          </m:mc>
+                                        </m:mcs>
+                                        <m:ctrlPr>
+                                          <a:rPr lang="en-US" sz="2000" b="0" i="1" u="none" strike="noStrike" smtClean="0">
+                                            <a:solidFill>
+                                              <a:schemeClr val="tx1"/>
+                                            </a:solidFill>
+                                            <a:effectLst/>
+                                            <a:latin typeface="Cambria Math" panose="02040503050406030204" pitchFamily="18" charset="0"/>
+                                            <a:cs typeface="Times New Roman" panose="02020603050405020304" pitchFamily="18" charset="0"/>
+                                          </a:rPr>
+                                        </m:ctrlPr>
+                                      </m:mPr>
+                                      <m:mr>
+                                        <m:e>
+                                          <m:r>
+                                            <m:rPr>
+                                              <m:brk m:alnAt="7"/>
+                                            </m:rPr>
+                                            <a:rPr lang="en-US" sz="2000" b="0" i="0" u="none" strike="noStrike" smtClean="0">
+                                              <a:solidFill>
+                                                <a:schemeClr val="tx1"/>
+                                              </a:solidFill>
+                                              <a:effectLst/>
+                                              <a:latin typeface="Cambria Math" panose="02040503050406030204" pitchFamily="18" charset="0"/>
+                                              <a:cs typeface="Times New Roman" panose="02020603050405020304" pitchFamily="18" charset="0"/>
+                                            </a:rPr>
+                                            <m:t>1</m:t>
+                                          </m:r>
+                                          <m:r>
+                                            <m:rPr>
+                                              <m:brk m:alnAt="7"/>
+                                            </m:rPr>
+                                            <a:rPr lang="en-US" sz="2000" b="0" i="1" u="none" strike="noStrike" smtClean="0">
+                                              <a:solidFill>
+                                                <a:schemeClr val="tx1"/>
+                                              </a:solidFill>
+                                              <a:effectLst/>
+                                              <a:latin typeface="Cambria Math" panose="02040503050406030204" pitchFamily="18" charset="0"/>
+                                              <a:cs typeface="Times New Roman" panose="02020603050405020304" pitchFamily="18" charset="0"/>
+                                            </a:rPr>
+                                            <m:t>0</m:t>
+                                          </m:r>
+                                          <m:r>
+                                            <a:rPr lang="en-US" sz="2000" b="0" i="1" u="none" strike="noStrike" smtClean="0">
+                                              <a:solidFill>
+                                                <a:schemeClr val="tx1"/>
+                                              </a:solidFill>
+                                              <a:effectLst/>
+                                              <a:latin typeface="Cambria Math" panose="02040503050406030204" pitchFamily="18" charset="0"/>
+                                              <a:cs typeface="Times New Roman" panose="02020603050405020304" pitchFamily="18" charset="0"/>
+                                            </a:rPr>
+                                            <m:t>0</m:t>
+                                          </m:r>
+                                        </m:e>
+                                        <m:e>
+                                          <m:r>
+                                            <a:rPr lang="en-US" sz="2000" b="0" i="0" u="none" strike="noStrike" smtClean="0">
+                                              <a:solidFill>
+                                                <a:schemeClr val="tx1"/>
+                                              </a:solidFill>
+                                              <a:effectLst/>
+                                              <a:latin typeface="Cambria Math" panose="02040503050406030204" pitchFamily="18" charset="0"/>
+                                              <a:cs typeface="Times New Roman" panose="02020603050405020304" pitchFamily="18" charset="0"/>
+                                            </a:rPr>
+                                            <m:t>0</m:t>
+                                          </m:r>
+                                        </m:e>
+                                      </m:mr>
+                                      <m:mr>
+                                        <m:e>
+                                          <m:r>
+                                            <a:rPr lang="en-US" sz="2000" b="0" i="0" u="none" strike="noStrike" smtClean="0">
+                                              <a:solidFill>
+                                                <a:schemeClr val="tx1"/>
+                                              </a:solidFill>
+                                              <a:effectLst/>
+                                              <a:latin typeface="Cambria Math" panose="02040503050406030204" pitchFamily="18" charset="0"/>
+                                              <a:cs typeface="Times New Roman" panose="02020603050405020304" pitchFamily="18" charset="0"/>
+                                            </a:rPr>
+                                            <m:t>0</m:t>
+                                          </m:r>
+                                        </m:e>
+                                        <m:e>
+                                          <m:r>
+                                            <a:rPr lang="en-US" sz="2000" b="0" i="0" u="none" strike="noStrike" smtClean="0">
+                                              <a:solidFill>
+                                                <a:schemeClr val="tx1"/>
+                                              </a:solidFill>
+                                              <a:effectLst/>
+                                              <a:latin typeface="Cambria Math" panose="02040503050406030204" pitchFamily="18" charset="0"/>
+                                              <a:cs typeface="Times New Roman" panose="02020603050405020304" pitchFamily="18" charset="0"/>
+                                            </a:rPr>
+                                            <m:t>10</m:t>
+                                          </m:r>
+                                        </m:e>
+                                      </m:mr>
+                                    </m:m>
+                                  </m:e>
+                                </m:d>
+                              </m:oMath>
+                            </m:oMathPara>
+                          </a14:m>
+                          <a:endParaRPr lang="en-US" sz="2000" b="0" i="0" u="none" strike="noStrike" dirty="0">
+                            <a:solidFill>
+                              <a:schemeClr val="tx1"/>
+                            </a:solidFill>
+                            <a:effectLst/>
+                            <a:latin typeface="Times New Roman" panose="02020603050405020304" pitchFamily="18" charset="0"/>
+                            <a:cs typeface="Times New Roman" panose="02020603050405020304" pitchFamily="18" charset="0"/>
+                          </a:endParaRPr>
+                        </a:p>
+                      </a:txBody>
+                      <a:tcPr marL="9525" marR="9525" marT="9525" marB="0" anchor="ctr"/>
+                    </a:tc>
+                    <a:tc>
+                      <a:txBody>
+                        <a:bodyPr/>
+                        <a:lstStyle/>
+                        <a:p>
+                          <a:pPr marL="0" marR="0" lvl="0" indent="0" algn="ctr" defTabSz="914400" rtl="0" eaLnBrk="1" fontAlgn="b" latinLnBrk="1" hangingPunct="1">
+                            <a:lnSpc>
+                              <a:spcPct val="150000"/>
+                            </a:lnSpc>
+                            <a:spcBef>
+                              <a:spcPts val="600"/>
+                            </a:spcBef>
+                            <a:spcAft>
+                              <a:spcPts val="600"/>
+                            </a:spcAft>
+                            <a:buClrTx/>
+                            <a:buSzTx/>
+                            <a:buFontTx/>
+                            <a:buNone/>
+                            <a:tabLst/>
+                            <a:defRPr/>
+                          </a:pPr>
+                          <a14:m>
+                            <m:oMathPara xmlns:m="http://schemas.openxmlformats.org/officeDocument/2006/math">
+                              <m:oMathParaPr>
+                                <m:jc m:val="centerGroup"/>
+                              </m:oMathParaPr>
+                              <m:oMath xmlns:m="http://schemas.openxmlformats.org/officeDocument/2006/math">
+                                <m:r>
+                                  <a:rPr lang="en-US" sz="2000" b="0" i="1" u="none" strike="noStrike" kern="1200" dirty="0" smtClean="0">
+                                    <a:solidFill>
+                                      <a:schemeClr val="tx1"/>
+                                    </a:solidFill>
+                                    <a:effectLst/>
+                                    <a:latin typeface="Cambria Math" panose="02040503050406030204" pitchFamily="18" charset="0"/>
+                                    <a:ea typeface="+mn-ea"/>
+                                    <a:cs typeface="Times New Roman" panose="02020603050405020304" pitchFamily="18" charset="0"/>
+                                  </a:rPr>
+                                  <m:t>[ </m:t>
+                                </m:r>
+                                <m:r>
+                                  <a:rPr lang="en-US" sz="2000" b="0" i="1" u="none" strike="noStrike" kern="1200" dirty="0" smtClean="0">
+                                    <a:solidFill>
+                                      <a:srgbClr val="C00000"/>
+                                    </a:solidFill>
+                                    <a:effectLst/>
+                                    <a:latin typeface="Cambria Math" panose="02040503050406030204" pitchFamily="18" charset="0"/>
+                                    <a:ea typeface="+mn-ea"/>
+                                    <a:cs typeface="Times New Roman" panose="02020603050405020304" pitchFamily="18" charset="0"/>
+                                  </a:rPr>
+                                  <m:t>0.01</m:t>
+                                </m:r>
+                                <m:r>
+                                  <a:rPr lang="en-US" sz="2000" b="0" i="1" u="none" strike="noStrike" kern="1200" dirty="0" smtClean="0">
+                                    <a:solidFill>
+                                      <a:schemeClr val="tx1"/>
+                                    </a:solidFill>
+                                    <a:effectLst/>
+                                    <a:latin typeface="Cambria Math" panose="02040503050406030204" pitchFamily="18" charset="0"/>
+                                    <a:ea typeface="+mn-ea"/>
+                                    <a:cs typeface="Times New Roman" panose="02020603050405020304" pitchFamily="18" charset="0"/>
+                                  </a:rPr>
+                                  <m:t> ]</m:t>
+                                </m:r>
+                              </m:oMath>
+                            </m:oMathPara>
+                          </a14:m>
+                          <a:endParaRPr lang="en-US" sz="2000" b="0" i="0" u="none" strike="noStrike" dirty="0">
+                            <a:solidFill>
+                              <a:schemeClr val="tx1"/>
+                            </a:solidFill>
+                            <a:effectLst/>
+                            <a:latin typeface="Times New Roman" panose="02020603050405020304" pitchFamily="18" charset="0"/>
+                            <a:cs typeface="Times New Roman" panose="02020603050405020304" pitchFamily="18" charset="0"/>
+                          </a:endParaRPr>
+                        </a:p>
+                      </a:txBody>
+                      <a:tcPr marL="9525" marR="9525" marT="9525" marB="0" anchor="ctr"/>
+                    </a:tc>
+                    <a:tc>
+                      <a:txBody>
+                        <a:bodyPr/>
+                        <a:lstStyle/>
+                        <a:p>
+                          <a:pPr algn="l" fontAlgn="b">
+                            <a:lnSpc>
+                              <a:spcPct val="150000"/>
+                            </a:lnSpc>
+                            <a:spcBef>
+                              <a:spcPts val="600"/>
+                            </a:spcBef>
+                            <a:spcAft>
+                              <a:spcPts val="600"/>
+                            </a:spcAft>
+                          </a:pPr>
+                          <a:r>
+                            <a:rPr lang="en-US" sz="2000" b="0" i="0" u="none" strike="noStrike" kern="1200" dirty="0">
+                              <a:solidFill>
+                                <a:schemeClr val="tx1"/>
+                              </a:solidFill>
+                              <a:effectLst/>
+                              <a:latin typeface="Times New Roman" panose="02020603050405020304" pitchFamily="18" charset="0"/>
+                              <a:ea typeface="+mn-ea"/>
+                              <a:cs typeface="Times New Roman" panose="02020603050405020304" pitchFamily="18" charset="0"/>
+                            </a:rPr>
+                            <a:t>Aggressive control effort</a:t>
+                          </a:r>
+                          <a:endParaRPr lang="en-US" sz="2000" b="0" i="0" u="none" strike="noStrike" dirty="0">
+                            <a:solidFill>
+                              <a:schemeClr val="tx1"/>
+                            </a:solidFill>
+                            <a:effectLst/>
+                            <a:latin typeface="Times New Roman" panose="02020603050405020304" pitchFamily="18" charset="0"/>
+                            <a:cs typeface="Times New Roman" panose="02020603050405020304" pitchFamily="18" charset="0"/>
+                          </a:endParaRPr>
+                        </a:p>
+                      </a:txBody>
+                      <a:tcPr marL="9525" marR="9525" marT="9525" marB="0" anchor="ctr"/>
+                    </a:tc>
+                    <a:extLst>
+                      <a:ext uri="{0D108BD9-81ED-4DB2-BD59-A6C34878D82A}">
+                        <a16:rowId xmlns:a16="http://schemas.microsoft.com/office/drawing/2014/main" val="3749315666"/>
+                      </a:ext>
+                    </a:extLst>
+                  </a:tr>
+                </a:tbl>
+              </a:graphicData>
+            </a:graphic>
+          </p:graphicFrame>
+        </mc:Choice>
+        <mc:Fallback>
+          <p:graphicFrame>
+            <p:nvGraphicFramePr>
+              <p:cNvPr id="6" name="Table 5">
+                <a:extLst>
+                  <a:ext uri="{FF2B5EF4-FFF2-40B4-BE49-F238E27FC236}">
+                    <a16:creationId xmlns:a16="http://schemas.microsoft.com/office/drawing/2014/main" id="{26F0C41E-C192-4C6D-331D-5464F154188F}"/>
+                  </a:ext>
+                </a:extLst>
+              </p:cNvPr>
+              <p:cNvGraphicFramePr>
+                <a:graphicFrameLocks noGrp="1"/>
+              </p:cNvGraphicFramePr>
+              <p:nvPr>
+                <p:extLst>
+                  <p:ext uri="{D42A27DB-BD31-4B8C-83A1-F6EECF244321}">
+                    <p14:modId xmlns:p14="http://schemas.microsoft.com/office/powerpoint/2010/main" val="524456272"/>
+                  </p:ext>
+                </p:extLst>
+              </p:nvPr>
+            </p:nvGraphicFramePr>
+            <p:xfrm>
+              <a:off x="1401097" y="1937644"/>
+              <a:ext cx="9033387" cy="4491752"/>
+            </p:xfrm>
+            <a:graphic>
+              <a:graphicData uri="http://schemas.openxmlformats.org/drawingml/2006/table">
+                <a:tbl>
+                  <a:tblPr firstRow="1" bandRow="1">
+                    <a:tableStyleId>{5940675A-B579-460E-94D1-54222C63F5DA}</a:tableStyleId>
+                  </a:tblPr>
+                  <a:tblGrid>
+                    <a:gridCol w="1255816">
+                      <a:extLst>
+                        <a:ext uri="{9D8B030D-6E8A-4147-A177-3AD203B41FA5}">
+                          <a16:colId xmlns:a16="http://schemas.microsoft.com/office/drawing/2014/main" val="909679999"/>
+                        </a:ext>
+                      </a:extLst>
+                    </a:gridCol>
+                    <a:gridCol w="1951959">
+                      <a:extLst>
+                        <a:ext uri="{9D8B030D-6E8A-4147-A177-3AD203B41FA5}">
+                          <a16:colId xmlns:a16="http://schemas.microsoft.com/office/drawing/2014/main" val="2335915627"/>
+                        </a:ext>
+                      </a:extLst>
+                    </a:gridCol>
+                    <a:gridCol w="1784554">
+                      <a:extLst>
+                        <a:ext uri="{9D8B030D-6E8A-4147-A177-3AD203B41FA5}">
+                          <a16:colId xmlns:a16="http://schemas.microsoft.com/office/drawing/2014/main" val="3643336808"/>
+                        </a:ext>
+                      </a:extLst>
+                    </a:gridCol>
+                    <a:gridCol w="4041058">
+                      <a:extLst>
+                        <a:ext uri="{9D8B030D-6E8A-4147-A177-3AD203B41FA5}">
+                          <a16:colId xmlns:a16="http://schemas.microsoft.com/office/drawing/2014/main" val="723058215"/>
+                        </a:ext>
+                      </a:extLst>
+                    </a:gridCol>
+                  </a:tblGrid>
+                  <a:tr h="493840">
+                    <a:tc>
+                      <a:txBody>
+                        <a:bodyPr/>
+                        <a:lstStyle/>
+                        <a:p>
+                          <a:pPr marL="0" algn="ctr" defTabSz="914400" rtl="0" eaLnBrk="1" latinLnBrk="1" hangingPunct="1">
+                            <a:lnSpc>
+                              <a:spcPct val="150000"/>
+                            </a:lnSpc>
+                            <a:spcBef>
+                              <a:spcPts val="600"/>
+                            </a:spcBef>
+                            <a:spcAft>
+                              <a:spcPts val="600"/>
+                            </a:spcAft>
+                          </a:pPr>
+                          <a:r>
+                            <a:rPr lang="en-US" sz="2000" b="1" kern="1200" dirty="0">
+                              <a:solidFill>
+                                <a:schemeClr val="tx1"/>
+                              </a:solidFill>
+                              <a:latin typeface="Times New Roman" panose="02020603050405020304" pitchFamily="18" charset="0"/>
+                              <a:ea typeface="+mn-ea"/>
+                              <a:cs typeface="Times New Roman" panose="02020603050405020304" pitchFamily="18" charset="0"/>
+                            </a:rPr>
+                            <a:t>Case</a:t>
+                          </a:r>
+                        </a:p>
+                      </a:txBody>
+                      <a:tcPr anchor="ctr"/>
+                    </a:tc>
+                    <a:tc>
+                      <a:txBody>
+                        <a:bodyPr/>
+                        <a:lstStyle/>
+                        <a:p>
+                          <a:pPr algn="ctr">
+                            <a:lnSpc>
+                              <a:spcPct val="150000"/>
+                            </a:lnSpc>
+                            <a:spcBef>
+                              <a:spcPts val="600"/>
+                            </a:spcBef>
+                            <a:spcAft>
+                              <a:spcPts val="600"/>
+                            </a:spcAft>
+                          </a:pPr>
+                          <a:r>
+                            <a:rPr lang="en-US" sz="2000" b="1" kern="1200" dirty="0">
+                              <a:solidFill>
+                                <a:schemeClr val="tx1"/>
+                              </a:solidFill>
+                              <a:latin typeface="Times New Roman" panose="02020603050405020304" pitchFamily="18" charset="0"/>
+                              <a:ea typeface="+mn-ea"/>
+                              <a:cs typeface="Times New Roman" panose="02020603050405020304" pitchFamily="18" charset="0"/>
+                            </a:rPr>
+                            <a:t>Q</a:t>
+                          </a:r>
+                        </a:p>
+                      </a:txBody>
+                      <a:tcPr anchor="ctr"/>
+                    </a:tc>
+                    <a:tc>
+                      <a:txBody>
+                        <a:bodyPr/>
+                        <a:lstStyle/>
+                        <a:p>
+                          <a:pPr marL="0" marR="0" lvl="0" indent="0" algn="ctr" defTabSz="914400" rtl="0" eaLnBrk="1" fontAlgn="auto" latinLnBrk="1" hangingPunct="1">
+                            <a:lnSpc>
+                              <a:spcPct val="150000"/>
+                            </a:lnSpc>
+                            <a:spcBef>
+                              <a:spcPts val="600"/>
+                            </a:spcBef>
+                            <a:spcAft>
+                              <a:spcPts val="600"/>
+                            </a:spcAft>
+                            <a:buClrTx/>
+                            <a:buSzTx/>
+                            <a:buFontTx/>
+                            <a:buNone/>
+                            <a:tabLst/>
+                            <a:defRPr/>
+                          </a:pPr>
+                          <a:r>
+                            <a:rPr lang="en-US" sz="2000" b="1" kern="1200" dirty="0">
+                              <a:solidFill>
+                                <a:schemeClr val="tx1"/>
+                              </a:solidFill>
+                              <a:latin typeface="Times New Roman" panose="02020603050405020304" pitchFamily="18" charset="0"/>
+                              <a:ea typeface="+mn-ea"/>
+                              <a:cs typeface="Times New Roman" panose="02020603050405020304" pitchFamily="18" charset="0"/>
+                            </a:rPr>
+                            <a:t>R</a:t>
+                          </a:r>
+                        </a:p>
+                      </a:txBody>
+                      <a:tcPr anchor="ctr"/>
+                    </a:tc>
+                    <a:tc>
+                      <a:txBody>
+                        <a:bodyPr/>
+                        <a:lstStyle/>
+                        <a:p>
+                          <a:pPr marL="0" marR="0" lvl="0" indent="0" algn="ctr" defTabSz="914400" rtl="0" eaLnBrk="1" fontAlgn="auto" latinLnBrk="1" hangingPunct="1">
+                            <a:lnSpc>
+                              <a:spcPct val="150000"/>
+                            </a:lnSpc>
+                            <a:spcBef>
+                              <a:spcPts val="600"/>
+                            </a:spcBef>
+                            <a:spcAft>
+                              <a:spcPts val="600"/>
+                            </a:spcAft>
+                            <a:buClrTx/>
+                            <a:buSzTx/>
+                            <a:buFontTx/>
+                            <a:buNone/>
+                            <a:tabLst/>
+                            <a:defRPr/>
+                          </a:pPr>
+                          <a:r>
+                            <a:rPr lang="en-US" sz="2000" b="1" kern="1200" dirty="0">
+                              <a:solidFill>
+                                <a:schemeClr val="tx1"/>
+                              </a:solidFill>
+                              <a:latin typeface="Times New Roman" panose="02020603050405020304" pitchFamily="18" charset="0"/>
+                              <a:ea typeface="+mn-ea"/>
+                              <a:cs typeface="Times New Roman" panose="02020603050405020304" pitchFamily="18" charset="0"/>
+                            </a:rPr>
+                            <a:t>Notes</a:t>
+                          </a:r>
+                        </a:p>
+                      </a:txBody>
+                      <a:tcPr anchor="ctr"/>
+                    </a:tc>
+                    <a:extLst>
+                      <a:ext uri="{0D108BD9-81ED-4DB2-BD59-A6C34878D82A}">
+                        <a16:rowId xmlns:a16="http://schemas.microsoft.com/office/drawing/2014/main" val="1808665459"/>
+                      </a:ext>
+                    </a:extLst>
+                  </a:tr>
+                  <a:tr h="725002">
+                    <a:tc>
+                      <a:txBody>
+                        <a:bodyPr/>
+                        <a:lstStyle/>
+                        <a:p>
+                          <a:pPr algn="ctr" fontAlgn="b">
+                            <a:lnSpc>
+                              <a:spcPct val="100000"/>
+                            </a:lnSpc>
+                            <a:spcBef>
+                              <a:spcPts val="600"/>
+                            </a:spcBef>
+                            <a:spcAft>
+                              <a:spcPts val="600"/>
+                            </a:spcAft>
+                          </a:pPr>
+                          <a:r>
+                            <a:rPr lang="en-US" sz="2000" b="0" i="0" u="none" strike="noStrike" dirty="0">
+                              <a:solidFill>
+                                <a:schemeClr val="tx1"/>
+                              </a:solidFill>
+                              <a:effectLst/>
+                              <a:latin typeface="Times New Roman" panose="02020603050405020304" pitchFamily="18" charset="0"/>
+                              <a:cs typeface="Times New Roman" panose="02020603050405020304" pitchFamily="18" charset="0"/>
+                            </a:rPr>
+                            <a:t>Case 1</a:t>
+                          </a:r>
+                        </a:p>
+                      </a:txBody>
+                      <a:tcPr marL="9525" marR="9525" marT="9525" marB="0" anchor="ctr"/>
+                    </a:tc>
+                    <a:tc>
+                      <a:txBody>
+                        <a:bodyPr/>
+                        <a:lstStyle/>
+                        <a:p>
+                          <a:endParaRPr lang="en-US"/>
+                        </a:p>
+                      </a:txBody>
+                      <a:tcPr marL="9525" marR="9525" marT="9525" marB="0" anchor="ctr">
+                        <a:blipFill>
+                          <a:blip r:embed="rId3"/>
+                          <a:stretch>
+                            <a:fillRect l="-64486" t="-68908" r="-298442" b="-453782"/>
+                          </a:stretch>
+                        </a:blipFill>
+                      </a:tcPr>
+                    </a:tc>
+                    <a:tc>
+                      <a:txBody>
+                        <a:bodyPr/>
+                        <a:lstStyle/>
+                        <a:p>
+                          <a:endParaRPr lang="en-US"/>
+                        </a:p>
+                      </a:txBody>
+                      <a:tcPr marL="9525" marR="9525" marT="9525" marB="0" anchor="ctr">
+                        <a:blipFill>
+                          <a:blip r:embed="rId3"/>
+                          <a:stretch>
+                            <a:fillRect l="-180205" t="-68908" r="-226962" b="-453782"/>
+                          </a:stretch>
+                        </a:blipFill>
+                      </a:tcPr>
+                    </a:tc>
+                    <a:tc>
+                      <a:txBody>
+                        <a:bodyPr/>
+                        <a:lstStyle/>
+                        <a:p>
+                          <a:pPr marL="0" algn="l" defTabSz="914400" rtl="0" eaLnBrk="1" fontAlgn="b" latinLnBrk="1" hangingPunct="1">
+                            <a:lnSpc>
+                              <a:spcPct val="100000"/>
+                            </a:lnSpc>
+                            <a:spcBef>
+                              <a:spcPts val="600"/>
+                            </a:spcBef>
+                            <a:spcAft>
+                              <a:spcPts val="600"/>
+                            </a:spcAft>
+                          </a:pPr>
+                          <a:r>
+                            <a:rPr lang="en-US" sz="2000" b="0" i="0" u="none" strike="noStrike" kern="1200" dirty="0">
+                              <a:solidFill>
+                                <a:schemeClr val="tx1"/>
+                              </a:solidFill>
+                              <a:effectLst/>
+                              <a:latin typeface="Times New Roman" panose="02020603050405020304" pitchFamily="18" charset="0"/>
+                              <a:ea typeface="+mn-ea"/>
+                              <a:cs typeface="Times New Roman" panose="02020603050405020304" pitchFamily="18" charset="0"/>
+                            </a:rPr>
+                            <a:t>Penalize only angular velocity error</a:t>
+                          </a:r>
+                        </a:p>
+                      </a:txBody>
+                      <a:tcPr marL="9525" marR="9525" marT="9525" marB="0" anchor="ctr"/>
+                    </a:tc>
+                    <a:extLst>
+                      <a:ext uri="{0D108BD9-81ED-4DB2-BD59-A6C34878D82A}">
+                        <a16:rowId xmlns:a16="http://schemas.microsoft.com/office/drawing/2014/main" val="2089705525"/>
+                      </a:ext>
+                    </a:extLst>
+                  </a:tr>
+                  <a:tr h="809512">
+                    <a:tc>
+                      <a:txBody>
+                        <a:bodyPr/>
+                        <a:lstStyle/>
+                        <a:p>
+                          <a:pPr algn="ctr" fontAlgn="b">
+                            <a:lnSpc>
+                              <a:spcPct val="100000"/>
+                            </a:lnSpc>
+                            <a:spcBef>
+                              <a:spcPts val="600"/>
+                            </a:spcBef>
+                            <a:spcAft>
+                              <a:spcPts val="600"/>
+                            </a:spcAft>
+                          </a:pPr>
+                          <a:r>
+                            <a:rPr lang="en-US" sz="2000" b="0" dirty="0">
+                              <a:solidFill>
+                                <a:schemeClr val="tx1"/>
+                              </a:solidFill>
+                              <a:latin typeface="Times New Roman" panose="02020603050405020304" pitchFamily="18" charset="0"/>
+                              <a:cs typeface="Times New Roman" panose="02020603050405020304" pitchFamily="18" charset="0"/>
+                            </a:rPr>
+                            <a:t>Case 2</a:t>
+                          </a:r>
+                          <a:endParaRPr lang="en-US" sz="2000" b="0" i="0" u="none" strike="noStrike" dirty="0">
+                            <a:solidFill>
+                              <a:schemeClr val="tx1"/>
+                            </a:solidFill>
+                            <a:effectLst/>
+                            <a:latin typeface="Times New Roman" panose="02020603050405020304" pitchFamily="18" charset="0"/>
+                            <a:cs typeface="Times New Roman" panose="02020603050405020304" pitchFamily="18" charset="0"/>
+                          </a:endParaRPr>
+                        </a:p>
+                      </a:txBody>
+                      <a:tcPr marL="9525" marR="9525" marT="9525" marB="0" anchor="ctr"/>
+                    </a:tc>
+                    <a:tc>
+                      <a:txBody>
+                        <a:bodyPr/>
+                        <a:lstStyle/>
+                        <a:p>
+                          <a:endParaRPr lang="en-US"/>
+                        </a:p>
+                      </a:txBody>
+                      <a:tcPr marL="9525" marR="9525" marT="9525" marB="0" anchor="ctr">
+                        <a:blipFill>
+                          <a:blip r:embed="rId3"/>
+                          <a:stretch>
+                            <a:fillRect l="-64486" t="-151128" r="-298442" b="-306015"/>
+                          </a:stretch>
+                        </a:blipFill>
+                      </a:tcPr>
+                    </a:tc>
+                    <a:tc>
+                      <a:txBody>
+                        <a:bodyPr/>
+                        <a:lstStyle/>
+                        <a:p>
+                          <a:endParaRPr lang="en-US"/>
+                        </a:p>
+                      </a:txBody>
+                      <a:tcPr marL="9525" marR="9525" marT="9525" marB="0" anchor="ctr">
+                        <a:blipFill>
+                          <a:blip r:embed="rId3"/>
+                          <a:stretch>
+                            <a:fillRect l="-180205" t="-151128" r="-226962" b="-306015"/>
+                          </a:stretch>
+                        </a:blipFill>
+                      </a:tcPr>
+                    </a:tc>
+                    <a:tc>
+                      <a:txBody>
+                        <a:bodyPr/>
+                        <a:lstStyle/>
+                        <a:p>
+                          <a:pPr marL="0" algn="l" defTabSz="914400" rtl="0" eaLnBrk="1" fontAlgn="b" latinLnBrk="1" hangingPunct="1">
+                            <a:lnSpc>
+                              <a:spcPct val="100000"/>
+                            </a:lnSpc>
+                            <a:spcBef>
+                              <a:spcPts val="600"/>
+                            </a:spcBef>
+                            <a:spcAft>
+                              <a:spcPts val="600"/>
+                            </a:spcAft>
+                          </a:pPr>
+                          <a:r>
+                            <a:rPr lang="en-US" sz="2000" b="0" i="0" u="none" strike="noStrike" kern="1200" dirty="0">
+                              <a:solidFill>
+                                <a:schemeClr val="tx1"/>
+                              </a:solidFill>
+                              <a:effectLst/>
+                              <a:latin typeface="Times New Roman" panose="02020603050405020304" pitchFamily="18" charset="0"/>
+                              <a:ea typeface="+mn-ea"/>
+                              <a:cs typeface="Times New Roman" panose="02020603050405020304" pitchFamily="18" charset="0"/>
+                            </a:rPr>
+                            <a:t>Balanced weighting</a:t>
+                          </a:r>
+                        </a:p>
+                      </a:txBody>
+                      <a:tcPr marL="9525" marR="9525" marT="9525" marB="0" anchor="ctr"/>
+                    </a:tc>
+                    <a:extLst>
+                      <a:ext uri="{0D108BD9-81ED-4DB2-BD59-A6C34878D82A}">
+                        <a16:rowId xmlns:a16="http://schemas.microsoft.com/office/drawing/2014/main" val="3670459792"/>
+                      </a:ext>
+                    </a:extLst>
+                  </a:tr>
+                  <a:tr h="767186">
+                    <a:tc>
+                      <a:txBody>
+                        <a:bodyPr/>
+                        <a:lstStyle/>
+                        <a:p>
+                          <a:pPr algn="ctr" fontAlgn="b">
+                            <a:lnSpc>
+                              <a:spcPct val="100000"/>
+                            </a:lnSpc>
+                            <a:spcBef>
+                              <a:spcPts val="600"/>
+                            </a:spcBef>
+                            <a:spcAft>
+                              <a:spcPts val="600"/>
+                            </a:spcAft>
+                          </a:pPr>
+                          <a:r>
+                            <a:rPr lang="en-US" sz="2000" b="0" dirty="0">
+                              <a:solidFill>
+                                <a:schemeClr val="tx1"/>
+                              </a:solidFill>
+                              <a:latin typeface="Times New Roman" panose="02020603050405020304" pitchFamily="18" charset="0"/>
+                              <a:cs typeface="Times New Roman" panose="02020603050405020304" pitchFamily="18" charset="0"/>
+                            </a:rPr>
+                            <a:t>Case 3</a:t>
+                          </a:r>
+                          <a:endParaRPr lang="en-US" sz="2000" b="0" i="0" u="none" strike="noStrike" dirty="0">
+                            <a:solidFill>
+                              <a:schemeClr val="tx1"/>
+                            </a:solidFill>
+                            <a:effectLst/>
+                            <a:latin typeface="Times New Roman" panose="02020603050405020304" pitchFamily="18" charset="0"/>
+                            <a:cs typeface="Times New Roman" panose="02020603050405020304" pitchFamily="18" charset="0"/>
+                          </a:endParaRPr>
+                        </a:p>
+                      </a:txBody>
+                      <a:tcPr marL="9525" marR="9525" marT="9525" marB="0" anchor="ctr"/>
+                    </a:tc>
+                    <a:tc>
+                      <a:txBody>
+                        <a:bodyPr/>
+                        <a:lstStyle/>
+                        <a:p>
+                          <a:endParaRPr lang="en-US"/>
+                        </a:p>
+                      </a:txBody>
+                      <a:tcPr marL="9525" marR="9525" marT="9525" marB="0" anchor="ctr">
+                        <a:blipFill>
+                          <a:blip r:embed="rId3"/>
+                          <a:stretch>
+                            <a:fillRect l="-64486" t="-265079" r="-298442" b="-223016"/>
+                          </a:stretch>
+                        </a:blipFill>
+                      </a:tcPr>
+                    </a:tc>
+                    <a:tc>
+                      <a:txBody>
+                        <a:bodyPr/>
+                        <a:lstStyle/>
+                        <a:p>
+                          <a:endParaRPr lang="en-US"/>
+                        </a:p>
+                      </a:txBody>
+                      <a:tcPr marL="9525" marR="9525" marT="9525" marB="0" anchor="ctr">
+                        <a:blipFill>
+                          <a:blip r:embed="rId3"/>
+                          <a:stretch>
+                            <a:fillRect l="-180205" t="-265079" r="-226962" b="-223016"/>
+                          </a:stretch>
+                        </a:blipFill>
+                      </a:tcPr>
+                    </a:tc>
+                    <a:tc>
+                      <a:txBody>
+                        <a:bodyPr/>
+                        <a:lstStyle/>
+                        <a:p>
+                          <a:pPr marL="0" algn="l" defTabSz="914400" rtl="0" eaLnBrk="1" fontAlgn="b" latinLnBrk="1" hangingPunct="1">
+                            <a:lnSpc>
+                              <a:spcPct val="100000"/>
+                            </a:lnSpc>
+                            <a:spcBef>
+                              <a:spcPts val="600"/>
+                            </a:spcBef>
+                            <a:spcAft>
+                              <a:spcPts val="600"/>
+                            </a:spcAft>
+                          </a:pPr>
+                          <a:r>
+                            <a:rPr lang="en-US" sz="2000" b="0" i="0" u="none" strike="noStrike" kern="1200" dirty="0">
+                              <a:solidFill>
+                                <a:schemeClr val="tx1"/>
+                              </a:solidFill>
+                              <a:effectLst/>
+                              <a:latin typeface="Times New Roman" panose="02020603050405020304" pitchFamily="18" charset="0"/>
+                              <a:ea typeface="+mn-ea"/>
+                              <a:cs typeface="Times New Roman" panose="02020603050405020304" pitchFamily="18" charset="0"/>
+                            </a:rPr>
+                            <a:t>Aggressive on angular velocity error</a:t>
+                          </a:r>
+                        </a:p>
+                      </a:txBody>
+                      <a:tcPr marL="9525" marR="9525" marT="9525" marB="0" anchor="ctr"/>
+                    </a:tc>
+                    <a:extLst>
+                      <a:ext uri="{0D108BD9-81ED-4DB2-BD59-A6C34878D82A}">
+                        <a16:rowId xmlns:a16="http://schemas.microsoft.com/office/drawing/2014/main" val="3627183564"/>
+                      </a:ext>
+                    </a:extLst>
+                  </a:tr>
+                  <a:tr h="848106">
+                    <a:tc>
+                      <a:txBody>
+                        <a:bodyPr/>
+                        <a:lstStyle/>
+                        <a:p>
+                          <a:pPr algn="ctr" fontAlgn="b">
+                            <a:lnSpc>
+                              <a:spcPct val="150000"/>
+                            </a:lnSpc>
+                            <a:spcBef>
+                              <a:spcPts val="600"/>
+                            </a:spcBef>
+                            <a:spcAft>
+                              <a:spcPts val="600"/>
+                            </a:spcAft>
+                          </a:pPr>
+                          <a:r>
+                            <a:rPr lang="en-US" sz="2000" b="0" dirty="0">
+                              <a:solidFill>
+                                <a:schemeClr val="tx1"/>
+                              </a:solidFill>
+                              <a:latin typeface="Times New Roman" panose="02020603050405020304" pitchFamily="18" charset="0"/>
+                              <a:cs typeface="Times New Roman" panose="02020603050405020304" pitchFamily="18" charset="0"/>
+                            </a:rPr>
+                            <a:t>Case 4</a:t>
+                          </a:r>
+                          <a:endParaRPr lang="en-US" sz="2000" b="0" i="0" u="none" strike="noStrike" dirty="0">
+                            <a:solidFill>
+                              <a:schemeClr val="tx1"/>
+                            </a:solidFill>
+                            <a:effectLst/>
+                            <a:latin typeface="Times New Roman" panose="02020603050405020304" pitchFamily="18" charset="0"/>
+                            <a:cs typeface="Times New Roman" panose="02020603050405020304" pitchFamily="18" charset="0"/>
+                          </a:endParaRPr>
+                        </a:p>
+                      </a:txBody>
+                      <a:tcPr marL="9525" marR="9525" marT="9525" marB="0" anchor="ctr"/>
+                    </a:tc>
+                    <a:tc>
+                      <a:txBody>
+                        <a:bodyPr/>
+                        <a:lstStyle/>
+                        <a:p>
+                          <a:endParaRPr lang="en-US"/>
+                        </a:p>
+                      </a:txBody>
+                      <a:tcPr marL="9525" marR="9525" marT="9525" marB="0" anchor="ctr">
+                        <a:blipFill>
+                          <a:blip r:embed="rId3"/>
+                          <a:stretch>
+                            <a:fillRect l="-64486" t="-328571" r="-298442" b="-100714"/>
+                          </a:stretch>
+                        </a:blipFill>
+                      </a:tcPr>
+                    </a:tc>
+                    <a:tc>
+                      <a:txBody>
+                        <a:bodyPr/>
+                        <a:lstStyle/>
+                        <a:p>
+                          <a:endParaRPr lang="en-US"/>
+                        </a:p>
+                      </a:txBody>
+                      <a:tcPr marL="9525" marR="9525" marT="9525" marB="0" anchor="ctr">
+                        <a:blipFill>
+                          <a:blip r:embed="rId3"/>
+                          <a:stretch>
+                            <a:fillRect l="-180205" t="-328571" r="-226962" b="-100714"/>
+                          </a:stretch>
+                        </a:blipFill>
+                      </a:tcPr>
+                    </a:tc>
+                    <a:tc>
+                      <a:txBody>
+                        <a:bodyPr/>
+                        <a:lstStyle/>
+                        <a:p>
+                          <a:pPr algn="l" fontAlgn="b">
+                            <a:lnSpc>
+                              <a:spcPct val="150000"/>
+                            </a:lnSpc>
+                            <a:spcBef>
+                              <a:spcPts val="600"/>
+                            </a:spcBef>
+                            <a:spcAft>
+                              <a:spcPts val="600"/>
+                            </a:spcAft>
+                          </a:pPr>
+                          <a:r>
+                            <a:rPr lang="en-US" sz="2000" b="0" i="0" u="none" strike="noStrike" kern="1200" dirty="0">
+                              <a:solidFill>
+                                <a:schemeClr val="tx1"/>
+                              </a:solidFill>
+                              <a:effectLst/>
+                              <a:latin typeface="Times New Roman" panose="02020603050405020304" pitchFamily="18" charset="0"/>
+                              <a:ea typeface="+mn-ea"/>
+                              <a:cs typeface="Times New Roman" panose="02020603050405020304" pitchFamily="18" charset="0"/>
+                            </a:rPr>
+                            <a:t>Less control effort</a:t>
+                          </a:r>
+                          <a:endParaRPr lang="en-US" sz="2000" b="0" i="0" u="none" strike="noStrike" dirty="0">
+                            <a:solidFill>
+                              <a:schemeClr val="tx1"/>
+                            </a:solidFill>
+                            <a:effectLst/>
+                            <a:latin typeface="Times New Roman" panose="02020603050405020304" pitchFamily="18" charset="0"/>
+                            <a:cs typeface="Times New Roman" panose="02020603050405020304" pitchFamily="18" charset="0"/>
+                          </a:endParaRPr>
+                        </a:p>
+                      </a:txBody>
+                      <a:tcPr marL="9525" marR="9525" marT="9525" marB="0" anchor="ctr"/>
+                    </a:tc>
+                    <a:extLst>
+                      <a:ext uri="{0D108BD9-81ED-4DB2-BD59-A6C34878D82A}">
+                        <a16:rowId xmlns:a16="http://schemas.microsoft.com/office/drawing/2014/main" val="591704919"/>
+                      </a:ext>
+                    </a:extLst>
+                  </a:tr>
+                  <a:tr h="848106">
+                    <a:tc>
+                      <a:txBody>
+                        <a:bodyPr/>
+                        <a:lstStyle/>
+                        <a:p>
+                          <a:pPr marL="0" marR="0" lvl="0" indent="0" algn="ctr" defTabSz="914400" rtl="0" eaLnBrk="1" fontAlgn="b" latinLnBrk="1" hangingPunct="1">
+                            <a:lnSpc>
+                              <a:spcPct val="150000"/>
+                            </a:lnSpc>
+                            <a:spcBef>
+                              <a:spcPts val="600"/>
+                            </a:spcBef>
+                            <a:spcAft>
+                              <a:spcPts val="600"/>
+                            </a:spcAft>
+                            <a:buClrTx/>
+                            <a:buSzTx/>
+                            <a:buFontTx/>
+                            <a:buNone/>
+                            <a:tabLst/>
+                            <a:defRPr/>
+                          </a:pPr>
+                          <a:r>
+                            <a:rPr lang="en-US" sz="2000" b="0" dirty="0">
+                              <a:solidFill>
+                                <a:schemeClr val="tx1"/>
+                              </a:solidFill>
+                              <a:latin typeface="Times New Roman" panose="02020603050405020304" pitchFamily="18" charset="0"/>
+                              <a:cs typeface="Times New Roman" panose="02020603050405020304" pitchFamily="18" charset="0"/>
+                            </a:rPr>
+                            <a:t>Case 5</a:t>
+                          </a:r>
+                          <a:endParaRPr lang="en-US" sz="2000" b="0" i="0" u="none" strike="noStrike" dirty="0">
+                            <a:solidFill>
+                              <a:schemeClr val="tx1"/>
+                            </a:solidFill>
+                            <a:effectLst/>
+                            <a:latin typeface="Times New Roman" panose="02020603050405020304" pitchFamily="18" charset="0"/>
+                            <a:cs typeface="Times New Roman" panose="02020603050405020304" pitchFamily="18" charset="0"/>
+                          </a:endParaRPr>
+                        </a:p>
+                      </a:txBody>
+                      <a:tcPr marL="9525" marR="9525" marT="9525" marB="0" anchor="ctr"/>
+                    </a:tc>
+                    <a:tc>
+                      <a:txBody>
+                        <a:bodyPr/>
+                        <a:lstStyle/>
+                        <a:p>
+                          <a:endParaRPr lang="en-US"/>
+                        </a:p>
+                      </a:txBody>
+                      <a:tcPr marL="9525" marR="9525" marT="9525" marB="0" anchor="ctr">
+                        <a:blipFill>
+                          <a:blip r:embed="rId3"/>
+                          <a:stretch>
+                            <a:fillRect l="-64486" t="-431655" r="-298442" b="-1439"/>
+                          </a:stretch>
+                        </a:blipFill>
+                      </a:tcPr>
+                    </a:tc>
+                    <a:tc>
+                      <a:txBody>
+                        <a:bodyPr/>
+                        <a:lstStyle/>
+                        <a:p>
+                          <a:endParaRPr lang="en-US"/>
+                        </a:p>
+                      </a:txBody>
+                      <a:tcPr marL="9525" marR="9525" marT="9525" marB="0" anchor="ctr">
+                        <a:blipFill>
+                          <a:blip r:embed="rId3"/>
+                          <a:stretch>
+                            <a:fillRect l="-180205" t="-431655" r="-226962" b="-1439"/>
+                          </a:stretch>
+                        </a:blipFill>
+                      </a:tcPr>
+                    </a:tc>
+                    <a:tc>
+                      <a:txBody>
+                        <a:bodyPr/>
+                        <a:lstStyle/>
+                        <a:p>
+                          <a:pPr algn="l" fontAlgn="b">
+                            <a:lnSpc>
+                              <a:spcPct val="150000"/>
+                            </a:lnSpc>
+                            <a:spcBef>
+                              <a:spcPts val="600"/>
+                            </a:spcBef>
+                            <a:spcAft>
+                              <a:spcPts val="600"/>
+                            </a:spcAft>
+                          </a:pPr>
+                          <a:r>
+                            <a:rPr lang="en-US" sz="2000" b="0" i="0" u="none" strike="noStrike" kern="1200" dirty="0">
+                              <a:solidFill>
+                                <a:schemeClr val="tx1"/>
+                              </a:solidFill>
+                              <a:effectLst/>
+                              <a:latin typeface="Times New Roman" panose="02020603050405020304" pitchFamily="18" charset="0"/>
+                              <a:ea typeface="+mn-ea"/>
+                              <a:cs typeface="Times New Roman" panose="02020603050405020304" pitchFamily="18" charset="0"/>
+                            </a:rPr>
+                            <a:t>Aggressive control effort</a:t>
+                          </a:r>
+                          <a:endParaRPr lang="en-US" sz="2000" b="0" i="0" u="none" strike="noStrike" dirty="0">
+                            <a:solidFill>
+                              <a:schemeClr val="tx1"/>
+                            </a:solidFill>
+                            <a:effectLst/>
+                            <a:latin typeface="Times New Roman" panose="02020603050405020304" pitchFamily="18" charset="0"/>
+                            <a:cs typeface="Times New Roman" panose="02020603050405020304" pitchFamily="18" charset="0"/>
+                          </a:endParaRPr>
+                        </a:p>
+                      </a:txBody>
+                      <a:tcPr marL="9525" marR="9525" marT="9525" marB="0" anchor="ctr"/>
+                    </a:tc>
+                    <a:extLst>
+                      <a:ext uri="{0D108BD9-81ED-4DB2-BD59-A6C34878D82A}">
+                        <a16:rowId xmlns:a16="http://schemas.microsoft.com/office/drawing/2014/main" val="3749315666"/>
+                      </a:ext>
+                    </a:extLst>
+                  </a:tr>
+                </a:tbl>
+              </a:graphicData>
+            </a:graphic>
+          </p:graphicFrame>
+        </mc:Fallback>
+      </mc:AlternateContent>
+      <mc:AlternateContent xmlns:mc="http://schemas.openxmlformats.org/markup-compatibility/2006" xmlns:a14="http://schemas.microsoft.com/office/drawing/2010/main">
+        <mc:Choice Requires="a14">
+          <p:sp>
+            <p:nvSpPr>
+              <p:cNvPr id="13" name="Content Placeholder 2">
+                <a:extLst>
+                  <a:ext uri="{FF2B5EF4-FFF2-40B4-BE49-F238E27FC236}">
+                    <a16:creationId xmlns:a16="http://schemas.microsoft.com/office/drawing/2014/main" id="{39C5B6FE-AD06-21B5-2BBF-7C5E9247C29F}"/>
+                  </a:ext>
+                </a:extLst>
+              </p:cNvPr>
+              <p:cNvSpPr txBox="1">
+                <a:spLocks/>
+              </p:cNvSpPr>
+              <p:nvPr/>
+            </p:nvSpPr>
+            <p:spPr bwMode="auto">
+              <a:xfrm>
+                <a:off x="285708" y="938346"/>
+                <a:ext cx="11620582" cy="846207"/>
+              </a:xfrm>
+              <a:prstGeom prst="rect">
+                <a:avLst/>
+              </a:prstGeom>
+              <a:noFill/>
+              <a:ln w="9525">
+                <a:noFill/>
+                <a:miter lim="800000"/>
+                <a:headEnd/>
+                <a:tailEnd/>
+              </a:ln>
+            </p:spPr>
+            <p:txBody>
+              <a:bodyPr vert="horz" wrap="square" lIns="91440" tIns="45720" rIns="91440" bIns="45720" numCol="1" anchor="t" anchorCtr="0" compatLnSpc="1">
+                <a:prstTxWarp prst="textNoShape">
+                  <a:avLst/>
+                </a:prstTxWarp>
+              </a:bodyPr>
+              <a:lstStyle>
+                <a:lvl1pPr marL="342900" indent="-342900" algn="l" rtl="0" eaLnBrk="0" fontAlgn="base" latinLnBrk="1" hangingPunct="0">
+                  <a:spcBef>
+                    <a:spcPct val="20000"/>
+                  </a:spcBef>
+                  <a:spcAft>
+                    <a:spcPct val="0"/>
+                  </a:spcAft>
+                  <a:buFont typeface="Arial" charset="0"/>
+                  <a:buChar char="•"/>
+                  <a:defRPr sz="1800" kern="1200" baseline="0">
+                    <a:solidFill>
+                      <a:schemeClr val="tx1"/>
+                    </a:solidFill>
+                    <a:latin typeface="Times New Roman" pitchFamily="18" charset="0"/>
+                    <a:ea typeface="+mn-ea"/>
+                    <a:cs typeface="Times New Roman" pitchFamily="18" charset="0"/>
+                  </a:defRPr>
+                </a:lvl1pPr>
+                <a:lvl2pPr marL="742950" indent="-285750" algn="l" rtl="0" eaLnBrk="0" fontAlgn="base" latinLnBrk="1" hangingPunct="0">
+                  <a:spcBef>
+                    <a:spcPct val="20000"/>
+                  </a:spcBef>
+                  <a:spcAft>
+                    <a:spcPct val="0"/>
+                  </a:spcAft>
+                  <a:buFont typeface="Arial" charset="0"/>
+                  <a:buChar char="–"/>
+                  <a:defRPr sz="1800" kern="1200" baseline="0">
+                    <a:solidFill>
+                      <a:schemeClr val="tx1"/>
+                    </a:solidFill>
+                    <a:latin typeface="Times New Roman" pitchFamily="18" charset="0"/>
+                    <a:ea typeface="+mn-ea"/>
+                    <a:cs typeface="Times New Roman" pitchFamily="18" charset="0"/>
+                  </a:defRPr>
+                </a:lvl2pPr>
+                <a:lvl3pPr marL="1143000" indent="-228600" algn="l" rtl="0" eaLnBrk="0" fontAlgn="base" latinLnBrk="1" hangingPunct="0">
+                  <a:spcBef>
+                    <a:spcPct val="20000"/>
+                  </a:spcBef>
+                  <a:spcAft>
+                    <a:spcPct val="0"/>
+                  </a:spcAft>
+                  <a:buFont typeface="Arial" charset="0"/>
+                  <a:buChar char="•"/>
+                  <a:defRPr sz="1800" kern="1200" baseline="0">
+                    <a:solidFill>
+                      <a:schemeClr val="tx1"/>
+                    </a:solidFill>
+                    <a:latin typeface="Times New Roman" pitchFamily="18" charset="0"/>
+                    <a:ea typeface="+mn-ea"/>
+                    <a:cs typeface="Times New Roman" pitchFamily="18" charset="0"/>
+                  </a:defRPr>
+                </a:lvl3pPr>
+                <a:lvl4pPr marL="1600200" indent="-228600" algn="l" rtl="0" eaLnBrk="0" fontAlgn="base" latinLnBrk="1" hangingPunct="0">
+                  <a:spcBef>
+                    <a:spcPct val="20000"/>
+                  </a:spcBef>
+                  <a:spcAft>
+                    <a:spcPct val="0"/>
+                  </a:spcAft>
+                  <a:buFont typeface="Arial" charset="0"/>
+                  <a:buChar char="–"/>
+                  <a:defRPr sz="1600" kern="1200" baseline="0">
+                    <a:solidFill>
+                      <a:schemeClr val="tx1"/>
+                    </a:solidFill>
+                    <a:latin typeface="Times New Roman" pitchFamily="18" charset="0"/>
+                    <a:ea typeface="+mn-ea"/>
+                    <a:cs typeface="Times New Roman" pitchFamily="18" charset="0"/>
+                  </a:defRPr>
+                </a:lvl4pPr>
+                <a:lvl5pPr marL="2057400" indent="-228600" algn="l" rtl="0" eaLnBrk="0" fontAlgn="base" latinLnBrk="1" hangingPunct="0">
+                  <a:spcBef>
+                    <a:spcPct val="20000"/>
+                  </a:spcBef>
+                  <a:spcAft>
+                    <a:spcPct val="0"/>
+                  </a:spcAft>
+                  <a:buFont typeface="Arial" charset="0"/>
+                  <a:buChar char="»"/>
+                  <a:defRPr sz="1600" kern="1200" baseline="0">
+                    <a:solidFill>
+                      <a:schemeClr val="tx1"/>
+                    </a:solidFill>
+                    <a:latin typeface="Times New Roman" pitchFamily="18" charset="0"/>
+                    <a:ea typeface="+mn-ea"/>
+                    <a:cs typeface="Times New Roman" pitchFamily="18" charset="0"/>
+                  </a:defRPr>
+                </a:lvl5pPr>
+                <a:lvl6pPr marL="2514600" indent="-228600" algn="l" defTabSz="914400" rtl="0" eaLnBrk="1" latinLnBrk="1" hangingPunct="1">
+                  <a:spcBef>
+                    <a:spcPct val="20000"/>
+                  </a:spcBef>
+                  <a:buFont typeface="Arial" pitchFamily="34" charset="0"/>
+                  <a:buChar char="•"/>
+                  <a:defRPr sz="2000" kern="1200">
+                    <a:solidFill>
+                      <a:schemeClr val="tx1"/>
+                    </a:solidFill>
+                    <a:latin typeface="+mn-lt"/>
+                    <a:ea typeface="+mn-ea"/>
+                    <a:cs typeface="+mn-cs"/>
+                  </a:defRPr>
+                </a:lvl6pPr>
+                <a:lvl7pPr marL="2971800" indent="-228600" algn="l" defTabSz="914400" rtl="0" eaLnBrk="1" latinLnBrk="1" hangingPunct="1">
+                  <a:spcBef>
+                    <a:spcPct val="20000"/>
+                  </a:spcBef>
+                  <a:buFont typeface="Arial" pitchFamily="34" charset="0"/>
+                  <a:buChar char="•"/>
+                  <a:defRPr sz="2000" kern="1200">
+                    <a:solidFill>
+                      <a:schemeClr val="tx1"/>
+                    </a:solidFill>
+                    <a:latin typeface="+mn-lt"/>
+                    <a:ea typeface="+mn-ea"/>
+                    <a:cs typeface="+mn-cs"/>
+                  </a:defRPr>
+                </a:lvl7pPr>
+                <a:lvl8pPr marL="3429000" indent="-228600" algn="l" defTabSz="914400" rtl="0" eaLnBrk="1" latinLnBrk="1" hangingPunct="1">
+                  <a:spcBef>
+                    <a:spcPct val="20000"/>
+                  </a:spcBef>
+                  <a:buFont typeface="Arial" pitchFamily="34" charset="0"/>
+                  <a:buChar char="•"/>
+                  <a:defRPr sz="2000" kern="1200">
+                    <a:solidFill>
+                      <a:schemeClr val="tx1"/>
+                    </a:solidFill>
+                    <a:latin typeface="+mn-lt"/>
+                    <a:ea typeface="+mn-ea"/>
+                    <a:cs typeface="+mn-cs"/>
+                  </a:defRPr>
+                </a:lvl8pPr>
+                <a:lvl9pPr marL="3886200" indent="-228600" algn="l" defTabSz="914400" rtl="0" eaLnBrk="1" latinLnBrk="1" hangingPunct="1">
+                  <a:spcBef>
+                    <a:spcPct val="20000"/>
+                  </a:spcBef>
+                  <a:buFont typeface="Arial" pitchFamily="34" charset="0"/>
+                  <a:buChar char="•"/>
+                  <a:defRPr sz="2000" kern="1200">
+                    <a:solidFill>
+                      <a:schemeClr val="tx1"/>
+                    </a:solidFill>
+                    <a:latin typeface="+mn-lt"/>
+                    <a:ea typeface="+mn-ea"/>
+                    <a:cs typeface="+mn-cs"/>
+                  </a:defRPr>
+                </a:lvl9pPr>
+              </a:lstStyle>
+              <a:p>
+                <a:pPr marL="684213" indent="-457200">
+                  <a:spcBef>
+                    <a:spcPts val="600"/>
+                  </a:spcBef>
+                  <a:spcAft>
+                    <a:spcPts val="600"/>
+                  </a:spcAft>
+                  <a:buFont typeface="Wingdings" panose="05000000000000000000" pitchFamily="2" charset="2"/>
+                  <a:buChar char="q"/>
+                </a:pPr>
+                <a:r>
+                  <a:rPr lang="en-US" sz="2400" kern="100" dirty="0">
+                    <a:ea typeface="Malgun Gothic" panose="020B0503020000020004" pitchFamily="34" charset="-127"/>
+                  </a:rPr>
+                  <a:t>State  </a:t>
+                </a:r>
+                <a14:m>
+                  <m:oMath xmlns:m="http://schemas.openxmlformats.org/officeDocument/2006/math">
+                    <m:r>
+                      <a:rPr lang="en-US" sz="2400" i="1" smtClean="0">
+                        <a:latin typeface="Cambria Math" panose="02040503050406030204" pitchFamily="18" charset="0"/>
+                      </a:rPr>
+                      <m:t>𝑥</m:t>
+                    </m:r>
+                    <m:d>
+                      <m:dPr>
+                        <m:ctrlPr>
+                          <a:rPr lang="en-US" sz="2400" i="1" smtClean="0">
+                            <a:latin typeface="Cambria Math" panose="02040503050406030204" pitchFamily="18" charset="0"/>
+                          </a:rPr>
+                        </m:ctrlPr>
+                      </m:dPr>
+                      <m:e>
+                        <m:r>
+                          <a:rPr lang="en-US" sz="2400" i="1" smtClean="0">
+                            <a:latin typeface="Cambria Math" panose="02040503050406030204" pitchFamily="18" charset="0"/>
+                          </a:rPr>
+                          <m:t>𝑡</m:t>
+                        </m:r>
+                      </m:e>
+                    </m:d>
+                    <m:r>
+                      <a:rPr lang="en-US" sz="2400" b="0" i="1" smtClean="0">
+                        <a:latin typeface="Cambria Math" panose="02040503050406030204" pitchFamily="18" charset="0"/>
+                      </a:rPr>
+                      <m:t>=</m:t>
+                    </m:r>
+                    <m:d>
+                      <m:dPr>
+                        <m:begChr m:val="["/>
+                        <m:endChr m:val="]"/>
+                        <m:ctrlPr>
+                          <a:rPr lang="en-US" sz="2400" i="1">
+                            <a:latin typeface="Cambria Math" panose="02040503050406030204" pitchFamily="18" charset="0"/>
+                          </a:rPr>
+                        </m:ctrlPr>
+                      </m:dPr>
+                      <m:e>
+                        <m:m>
+                          <m:mPr>
+                            <m:mcs>
+                              <m:mc>
+                                <m:mcPr>
+                                  <m:count m:val="1"/>
+                                  <m:mcJc m:val="center"/>
+                                </m:mcPr>
+                              </m:mc>
+                            </m:mcs>
+                            <m:ctrlPr>
+                              <a:rPr lang="en-US" sz="2400" i="1">
+                                <a:latin typeface="Cambria Math" panose="02040503050406030204" pitchFamily="18" charset="0"/>
+                              </a:rPr>
+                            </m:ctrlPr>
+                          </m:mPr>
+                          <m:mr>
+                            <m:e>
+                              <m:acc>
+                                <m:accPr>
+                                  <m:chr m:val="̇"/>
+                                  <m:ctrlPr>
+                                    <a:rPr lang="en-US" sz="2400" i="1">
+                                      <a:latin typeface="Cambria Math" panose="02040503050406030204" pitchFamily="18" charset="0"/>
+                                    </a:rPr>
+                                  </m:ctrlPr>
+                                </m:accPr>
+                                <m:e>
+                                  <m:r>
+                                    <a:rPr lang="en-US" sz="2400" i="1">
+                                      <a:latin typeface="Cambria Math" panose="02040503050406030204" pitchFamily="18" charset="0"/>
+                                      <a:ea typeface="Cambria Math" panose="02040503050406030204" pitchFamily="18" charset="0"/>
+                                    </a:rPr>
+                                    <m:t>𝜃</m:t>
+                                  </m:r>
+                                </m:e>
+                              </m:acc>
+                            </m:e>
+                          </m:mr>
+                          <m:mr>
+                            <m:e>
+                              <m:r>
+                                <a:rPr lang="en-US" sz="2400" i="1">
+                                  <a:latin typeface="Cambria Math" panose="02040503050406030204" pitchFamily="18" charset="0"/>
+                                </a:rPr>
+                                <m:t>𝑖</m:t>
+                              </m:r>
+                            </m:e>
+                          </m:mr>
+                        </m:m>
+                      </m:e>
+                    </m:d>
+                    <m:r>
+                      <a:rPr lang="en-US" sz="2400" i="1">
+                        <a:latin typeface="Cambria Math" panose="02040503050406030204" pitchFamily="18" charset="0"/>
+                      </a:rPr>
+                      <m:t> </m:t>
+                    </m:r>
+                  </m:oMath>
+                </a14:m>
+                <a:r>
+                  <a:rPr lang="en-US" sz="2400" dirty="0"/>
+                  <a:t> and  </a:t>
+                </a:r>
+                <a14:m>
+                  <m:oMath xmlns:m="http://schemas.openxmlformats.org/officeDocument/2006/math">
+                    <m:r>
+                      <a:rPr lang="en-US" sz="2400" b="0" i="1" smtClean="0">
+                        <a:latin typeface="Cambria Math" panose="02040503050406030204" pitchFamily="18" charset="0"/>
+                      </a:rPr>
+                      <m:t>𝑢</m:t>
+                    </m:r>
+                    <m:d>
+                      <m:dPr>
+                        <m:ctrlPr>
+                          <a:rPr lang="en-US" sz="2400" b="0" i="1" smtClean="0">
+                            <a:latin typeface="Cambria Math" panose="02040503050406030204" pitchFamily="18" charset="0"/>
+                          </a:rPr>
+                        </m:ctrlPr>
+                      </m:dPr>
+                      <m:e>
+                        <m:r>
+                          <a:rPr lang="en-US" sz="2400" b="0" i="1" smtClean="0">
+                            <a:latin typeface="Cambria Math" panose="02040503050406030204" pitchFamily="18" charset="0"/>
+                          </a:rPr>
+                          <m:t>𝑡</m:t>
+                        </m:r>
+                      </m:e>
+                    </m:d>
+                    <m:r>
+                      <a:rPr lang="en-US" sz="2400" b="0" i="1" smtClean="0">
+                        <a:latin typeface="Cambria Math" panose="02040503050406030204" pitchFamily="18" charset="0"/>
+                      </a:rPr>
+                      <m:t>=</m:t>
+                    </m:r>
+                    <m:r>
+                      <a:rPr lang="en-US" sz="2400" b="0" i="1" smtClean="0">
+                        <a:latin typeface="Cambria Math" panose="02040503050406030204" pitchFamily="18" charset="0"/>
+                      </a:rPr>
+                      <m:t>𝑉</m:t>
+                    </m:r>
+                  </m:oMath>
+                </a14:m>
+                <a:endParaRPr lang="en-US" sz="2400" kern="100" dirty="0">
+                  <a:ea typeface="Malgun Gothic" panose="020B0503020000020004" pitchFamily="34" charset="-127"/>
+                </a:endParaRPr>
+              </a:p>
+              <a:p>
+                <a:pPr marL="227013" indent="0">
+                  <a:spcBef>
+                    <a:spcPts val="600"/>
+                  </a:spcBef>
+                  <a:spcAft>
+                    <a:spcPts val="600"/>
+                  </a:spcAft>
+                  <a:buNone/>
+                </a:pPr>
+                <a:endParaRPr lang="en-US" sz="2400" b="0" i="0" dirty="0">
+                  <a:effectLst/>
+                </a:endParaRPr>
+              </a:p>
+              <a:p>
+                <a:pPr marL="227013" indent="0">
+                  <a:lnSpc>
+                    <a:spcPct val="150000"/>
+                  </a:lnSpc>
+                  <a:spcBef>
+                    <a:spcPts val="600"/>
+                  </a:spcBef>
+                  <a:spcAft>
+                    <a:spcPts val="600"/>
+                  </a:spcAft>
+                  <a:buNone/>
+                </a:pPr>
+                <a:br>
+                  <a:rPr lang="en-US" sz="2400" dirty="0"/>
+                </a:br>
+                <a:endParaRPr lang="en-US" sz="2400" kern="100" dirty="0">
+                  <a:ea typeface="Malgun Gothic" panose="020B0503020000020004" pitchFamily="34" charset="-127"/>
+                </a:endParaRPr>
+              </a:p>
+              <a:p>
+                <a:pPr marL="227013" indent="0">
+                  <a:lnSpc>
+                    <a:spcPct val="150000"/>
+                  </a:lnSpc>
+                  <a:spcBef>
+                    <a:spcPts val="600"/>
+                  </a:spcBef>
+                  <a:spcAft>
+                    <a:spcPts val="600"/>
+                  </a:spcAft>
+                  <a:buFont typeface="Arial" charset="0"/>
+                  <a:buNone/>
+                </a:pPr>
+                <a:endParaRPr lang="en-US" sz="2400" kern="100" dirty="0">
+                  <a:ea typeface="Malgun Gothic" panose="020B0503020000020004" pitchFamily="34" charset="-127"/>
+                </a:endParaRPr>
+              </a:p>
+              <a:p>
+                <a:pPr marL="227013" indent="0">
+                  <a:lnSpc>
+                    <a:spcPct val="150000"/>
+                  </a:lnSpc>
+                  <a:spcBef>
+                    <a:spcPts val="600"/>
+                  </a:spcBef>
+                  <a:spcAft>
+                    <a:spcPts val="600"/>
+                  </a:spcAft>
+                  <a:buFont typeface="Arial" charset="0"/>
+                  <a:buNone/>
+                </a:pPr>
+                <a:endParaRPr lang="en-US" sz="2400" kern="100" dirty="0">
+                  <a:ea typeface="Malgun Gothic" panose="020B0503020000020004" pitchFamily="34" charset="-127"/>
+                </a:endParaRPr>
+              </a:p>
+            </p:txBody>
+          </p:sp>
+        </mc:Choice>
+        <mc:Fallback xmlns="">
+          <p:sp>
+            <p:nvSpPr>
+              <p:cNvPr id="13" name="Content Placeholder 2">
+                <a:extLst>
+                  <a:ext uri="{FF2B5EF4-FFF2-40B4-BE49-F238E27FC236}">
+                    <a16:creationId xmlns:a16="http://schemas.microsoft.com/office/drawing/2014/main" id="{39C5B6FE-AD06-21B5-2BBF-7C5E9247C29F}"/>
+                  </a:ext>
+                </a:extLst>
+              </p:cNvPr>
+              <p:cNvSpPr txBox="1">
+                <a:spLocks noRot="1" noChangeAspect="1" noMove="1" noResize="1" noEditPoints="1" noAdjustHandles="1" noChangeArrowheads="1" noChangeShapeType="1" noTextEdit="1"/>
+              </p:cNvSpPr>
+              <p:nvPr/>
+            </p:nvSpPr>
+            <p:spPr bwMode="auto">
+              <a:xfrm>
+                <a:off x="285708" y="938346"/>
+                <a:ext cx="11620582" cy="846207"/>
+              </a:xfrm>
+              <a:prstGeom prst="rect">
+                <a:avLst/>
+              </a:prstGeom>
+              <a:blipFill>
+                <a:blip r:embed="rId4"/>
+                <a:stretch>
+                  <a:fillRect/>
+                </a:stretch>
+              </a:blipFill>
+              <a:ln w="9525">
+                <a:noFill/>
+                <a:miter lim="800000"/>
+                <a:headEnd/>
+                <a:tailEnd/>
+              </a:ln>
+            </p:spPr>
+            <p:txBody>
+              <a:bodyPr/>
+              <a:lstStyle/>
+              <a:p>
+                <a:r>
+                  <a:rPr lang="en-US">
+                    <a:noFill/>
+                  </a:rPr>
+                  <a:t> </a:t>
+                </a:r>
+              </a:p>
+            </p:txBody>
+          </p:sp>
+        </mc:Fallback>
+      </mc:AlternateContent>
+    </p:spTree>
+    <p:extLst>
+      <p:ext uri="{BB962C8B-B14F-4D97-AF65-F5344CB8AC3E}">
+        <p14:creationId xmlns:p14="http://schemas.microsoft.com/office/powerpoint/2010/main" val="2915444829"/>
+      </p:ext>
+    </p:extLst>
+  </p:cSld>
+  <p:clrMapOvr>
+    <a:masterClrMapping/>
+  </p:clrMapOvr>
+</p:sld>
+</file>
+
+<file path=ppt/slides/slide17.xml><?xml version="1.0" encoding="utf-8"?>
+<p:sld xmlns:a="http://schemas.openxmlformats.org/drawingml/2006/main" xmlns:r="http://schemas.openxmlformats.org/officeDocument/2006/relationships" xmlns:p="http://schemas.openxmlformats.org/presentationml/2006/main">
+  <p:cSld>
+    <p:spTree>
+      <p:nvGrpSpPr>
+        <p:cNvPr id="1" name="">
+          <a:extLst>
+            <a:ext uri="{FF2B5EF4-FFF2-40B4-BE49-F238E27FC236}">
+              <a16:creationId xmlns:a16="http://schemas.microsoft.com/office/drawing/2014/main" id="{5F493D5D-9853-76FD-0E10-9FD983099B26}"/>
+            </a:ext>
+          </a:extLst>
+        </p:cNvPr>
+        <p:cNvGrpSpPr/>
+        <p:nvPr/>
+      </p:nvGrpSpPr>
+      <p:grpSpPr>
+        <a:xfrm>
+          <a:off x="0" y="0"/>
+          <a:ext cx="0" cy="0"/>
+          <a:chOff x="0" y="0"/>
+          <a:chExt cx="0" cy="0"/>
+        </a:xfrm>
+      </p:grpSpPr>
+      <p:sp>
+        <p:nvSpPr>
+          <p:cNvPr id="2" name="Title 1">
+            <a:extLst>
+              <a:ext uri="{FF2B5EF4-FFF2-40B4-BE49-F238E27FC236}">
+                <a16:creationId xmlns:a16="http://schemas.microsoft.com/office/drawing/2014/main" id="{B3E17E6E-EB07-A85B-124B-B434E77A1458}"/>
+              </a:ext>
+            </a:extLst>
+          </p:cNvPr>
+          <p:cNvSpPr>
+            <a:spLocks noGrp="1"/>
+          </p:cNvSpPr>
+          <p:nvPr>
+            <p:ph type="title"/>
+          </p:nvPr>
+        </p:nvSpPr>
+        <p:spPr/>
+        <p:txBody>
+          <a:bodyPr/>
+          <a:lstStyle/>
+          <a:p>
+            <a:r>
+              <a:rPr lang="en-US" sz="3000" dirty="0">
+                <a:latin typeface="Calibri" panose="020F0502020204030204" pitchFamily="34" charset="0"/>
+                <a:ea typeface="Calibri" panose="020F0502020204030204" pitchFamily="34" charset="0"/>
+                <a:cs typeface="Calibri" panose="020F0502020204030204" pitchFamily="34" charset="0"/>
+              </a:rPr>
+              <a:t>Simulation – Different Q and R in</a:t>
+            </a:r>
+            <a:r>
+              <a:rPr lang="en-US" sz="3000" dirty="0">
+                <a:solidFill>
+                  <a:schemeClr val="bg1">
+                    <a:lumMod val="75000"/>
+                  </a:schemeClr>
+                </a:solidFill>
+                <a:latin typeface="Calibri" panose="020F0502020204030204" pitchFamily="34" charset="0"/>
+                <a:ea typeface="Calibri" panose="020F0502020204030204" pitchFamily="34" charset="0"/>
+                <a:cs typeface="Calibri" panose="020F0502020204030204" pitchFamily="34" charset="0"/>
+              </a:rPr>
+              <a:t> </a:t>
+            </a:r>
+            <a:r>
+              <a:rPr lang="en-US" sz="3000" dirty="0">
+                <a:latin typeface="Calibri" panose="020F0502020204030204" pitchFamily="34" charset="0"/>
+                <a:ea typeface="Calibri" panose="020F0502020204030204" pitchFamily="34" charset="0"/>
+                <a:cs typeface="Calibri" panose="020F0502020204030204" pitchFamily="34" charset="0"/>
+              </a:rPr>
+              <a:t>LQR controller</a:t>
+            </a:r>
+          </a:p>
+        </p:txBody>
+      </p:sp>
+      <p:sp>
+        <p:nvSpPr>
+          <p:cNvPr id="5" name="Content Placeholder 4">
+            <a:extLst>
+              <a:ext uri="{FF2B5EF4-FFF2-40B4-BE49-F238E27FC236}">
+                <a16:creationId xmlns:a16="http://schemas.microsoft.com/office/drawing/2014/main" id="{756B0DC5-0A6A-32CE-0150-D63265255E82}"/>
+              </a:ext>
+            </a:extLst>
+          </p:cNvPr>
+          <p:cNvSpPr>
+            <a:spLocks noGrp="1"/>
+          </p:cNvSpPr>
+          <p:nvPr>
+            <p:ph idx="1"/>
+          </p:nvPr>
+        </p:nvSpPr>
+        <p:spPr>
+          <a:xfrm>
+            <a:off x="285710" y="857232"/>
+            <a:ext cx="11620581" cy="5572164"/>
+          </a:xfrm>
+        </p:spPr>
+        <p:txBody>
+          <a:bodyPr/>
+          <a:lstStyle/>
+          <a:p>
+            <a:pPr marL="0" indent="0" algn="just">
+              <a:lnSpc>
+                <a:spcPct val="150000"/>
+              </a:lnSpc>
+              <a:spcBef>
+                <a:spcPts val="1200"/>
+              </a:spcBef>
+              <a:spcAft>
+                <a:spcPts val="1200"/>
+              </a:spcAft>
+              <a:buNone/>
+            </a:pPr>
+            <a:endParaRPr lang="en-US" sz="2000" dirty="0"/>
+          </a:p>
+          <a:p>
+            <a:pPr marL="0" indent="0" algn="just">
+              <a:lnSpc>
+                <a:spcPct val="150000"/>
+              </a:lnSpc>
+              <a:spcBef>
+                <a:spcPts val="600"/>
+              </a:spcBef>
+              <a:spcAft>
+                <a:spcPts val="600"/>
+              </a:spcAft>
+              <a:buNone/>
+            </a:pPr>
+            <a:endParaRPr lang="en-US" sz="2000" dirty="0"/>
+          </a:p>
+          <a:p>
+            <a:pPr marL="0" indent="0" algn="just">
+              <a:lnSpc>
+                <a:spcPct val="150000"/>
+              </a:lnSpc>
+              <a:spcBef>
+                <a:spcPts val="600"/>
+              </a:spcBef>
+              <a:spcAft>
+                <a:spcPts val="600"/>
+              </a:spcAft>
+              <a:buNone/>
+            </a:pPr>
+            <a:endParaRPr lang="en-US" sz="2000" dirty="0"/>
+          </a:p>
+        </p:txBody>
+      </p:sp>
+      <p:pic>
+        <p:nvPicPr>
+          <p:cNvPr id="4" name="Picture 3" descr="A graph with colored lines and numbers&#10;&#10;AI-generated content may be incorrect.">
+            <a:extLst>
+              <a:ext uri="{FF2B5EF4-FFF2-40B4-BE49-F238E27FC236}">
+                <a16:creationId xmlns:a16="http://schemas.microsoft.com/office/drawing/2014/main" id="{DE244E45-8B3C-C934-F806-52ED87C4B92D}"/>
+              </a:ext>
+            </a:extLst>
+          </p:cNvPr>
+          <p:cNvPicPr>
+            <a:picLocks noChangeAspect="1"/>
+          </p:cNvPicPr>
+          <p:nvPr/>
+        </p:nvPicPr>
+        <p:blipFill>
+          <a:blip r:embed="rId3">
+            <a:extLst>
+              <a:ext uri="{28A0092B-C50C-407E-A947-70E740481C1C}">
+                <a14:useLocalDpi xmlns:a14="http://schemas.microsoft.com/office/drawing/2010/main" val="0"/>
+              </a:ext>
+            </a:extLst>
+          </a:blip>
+          <a:srcRect l="4286" t="5944" r="7926"/>
+          <a:stretch>
+            <a:fillRect/>
+          </a:stretch>
+        </p:blipFill>
+        <p:spPr>
+          <a:xfrm>
+            <a:off x="131932" y="1641817"/>
+            <a:ext cx="5699973" cy="4580174"/>
+          </a:xfrm>
+          <a:prstGeom prst="rect">
+            <a:avLst/>
+          </a:prstGeom>
+        </p:spPr>
+      </p:pic>
+      <p:sp>
+        <p:nvSpPr>
+          <p:cNvPr id="6" name="Rectangle 5">
+            <a:extLst>
+              <a:ext uri="{FF2B5EF4-FFF2-40B4-BE49-F238E27FC236}">
+                <a16:creationId xmlns:a16="http://schemas.microsoft.com/office/drawing/2014/main" id="{25ADD27F-E8EA-C383-66F4-A4E7C2C77694}"/>
+              </a:ext>
+            </a:extLst>
+          </p:cNvPr>
+          <p:cNvSpPr/>
+          <p:nvPr/>
+        </p:nvSpPr>
+        <p:spPr>
+          <a:xfrm>
+            <a:off x="669164" y="1327712"/>
+            <a:ext cx="5008963" cy="338554"/>
+          </a:xfrm>
+          <a:prstGeom prst="rect">
+            <a:avLst/>
+          </a:prstGeom>
+        </p:spPr>
+        <p:txBody>
+          <a:bodyPr wrap="square">
+            <a:spAutoFit/>
+          </a:bodyPr>
+          <a:lstStyle/>
+          <a:p>
+            <a:pPr algn="ctr"/>
+            <a:r>
+              <a:rPr lang="en-US" sz="1600" b="1" dirty="0">
+                <a:latin typeface="Times New Roman" panose="02020603050405020304" pitchFamily="18" charset="0"/>
+                <a:cs typeface="Times New Roman" panose="02020603050405020304" pitchFamily="18" charset="0"/>
+              </a:rPr>
+              <a:t>Step Responses for LQR Controllers with Various Q/R</a:t>
+            </a:r>
+          </a:p>
+        </p:txBody>
+      </p:sp>
+      <mc:AlternateContent xmlns:mc="http://schemas.openxmlformats.org/markup-compatibility/2006">
+        <mc:Choice xmlns:a14="http://schemas.microsoft.com/office/drawing/2010/main" Requires="a14">
+          <p:sp>
+            <p:nvSpPr>
+              <p:cNvPr id="7" name="Content Placeholder 2">
+                <a:extLst>
+                  <a:ext uri="{FF2B5EF4-FFF2-40B4-BE49-F238E27FC236}">
+                    <a16:creationId xmlns:a16="http://schemas.microsoft.com/office/drawing/2014/main" id="{439959A2-5877-B3B5-18A6-B3210E18633C}"/>
+                  </a:ext>
+                </a:extLst>
+              </p:cNvPr>
+              <p:cNvSpPr txBox="1">
+                <a:spLocks/>
+              </p:cNvSpPr>
+              <p:nvPr/>
+            </p:nvSpPr>
+            <p:spPr bwMode="auto">
+              <a:xfrm>
+                <a:off x="5759241" y="1392560"/>
+                <a:ext cx="6432759" cy="4943954"/>
+              </a:xfrm>
+              <a:prstGeom prst="rect">
+                <a:avLst/>
+              </a:prstGeom>
+              <a:noFill/>
+              <a:ln w="9525">
+                <a:noFill/>
+                <a:miter lim="800000"/>
+                <a:headEnd/>
+                <a:tailEnd/>
+              </a:ln>
+            </p:spPr>
+            <p:txBody>
+              <a:bodyPr vert="horz" wrap="square" lIns="91440" tIns="45720" rIns="91440" bIns="45720" numCol="1" anchor="t" anchorCtr="0" compatLnSpc="1">
+                <a:prstTxWarp prst="textNoShape">
+                  <a:avLst/>
+                </a:prstTxWarp>
+              </a:bodyPr>
+              <a:lstStyle>
+                <a:lvl1pPr marL="342900" indent="-342900" algn="l" rtl="0" eaLnBrk="0" fontAlgn="base" latinLnBrk="1" hangingPunct="0">
+                  <a:spcBef>
+                    <a:spcPct val="20000"/>
+                  </a:spcBef>
+                  <a:spcAft>
+                    <a:spcPct val="0"/>
+                  </a:spcAft>
+                  <a:buFont typeface="Arial" charset="0"/>
+                  <a:buChar char="•"/>
+                  <a:defRPr sz="1800" kern="1200" baseline="0">
+                    <a:solidFill>
+                      <a:schemeClr val="tx1"/>
+                    </a:solidFill>
+                    <a:latin typeface="Times New Roman" pitchFamily="18" charset="0"/>
+                    <a:ea typeface="+mn-ea"/>
+                    <a:cs typeface="Times New Roman" pitchFamily="18" charset="0"/>
+                  </a:defRPr>
+                </a:lvl1pPr>
+                <a:lvl2pPr marL="742950" indent="-285750" algn="l" rtl="0" eaLnBrk="0" fontAlgn="base" latinLnBrk="1" hangingPunct="0">
+                  <a:spcBef>
+                    <a:spcPct val="20000"/>
+                  </a:spcBef>
+                  <a:spcAft>
+                    <a:spcPct val="0"/>
+                  </a:spcAft>
+                  <a:buFont typeface="Arial" charset="0"/>
+                  <a:buChar char="–"/>
+                  <a:defRPr sz="1800" kern="1200" baseline="0">
+                    <a:solidFill>
+                      <a:schemeClr val="tx1"/>
+                    </a:solidFill>
+                    <a:latin typeface="Times New Roman" pitchFamily="18" charset="0"/>
+                    <a:ea typeface="+mn-ea"/>
+                    <a:cs typeface="Times New Roman" pitchFamily="18" charset="0"/>
+                  </a:defRPr>
+                </a:lvl2pPr>
+                <a:lvl3pPr marL="1143000" indent="-228600" algn="l" rtl="0" eaLnBrk="0" fontAlgn="base" latinLnBrk="1" hangingPunct="0">
+                  <a:spcBef>
+                    <a:spcPct val="20000"/>
+                  </a:spcBef>
+                  <a:spcAft>
+                    <a:spcPct val="0"/>
+                  </a:spcAft>
+                  <a:buFont typeface="Arial" charset="0"/>
+                  <a:buChar char="•"/>
+                  <a:defRPr sz="1800" kern="1200" baseline="0">
+                    <a:solidFill>
+                      <a:schemeClr val="tx1"/>
+                    </a:solidFill>
+                    <a:latin typeface="Times New Roman" pitchFamily="18" charset="0"/>
+                    <a:ea typeface="+mn-ea"/>
+                    <a:cs typeface="Times New Roman" pitchFamily="18" charset="0"/>
+                  </a:defRPr>
+                </a:lvl3pPr>
+                <a:lvl4pPr marL="1600200" indent="-228600" algn="l" rtl="0" eaLnBrk="0" fontAlgn="base" latinLnBrk="1" hangingPunct="0">
+                  <a:spcBef>
+                    <a:spcPct val="20000"/>
+                  </a:spcBef>
+                  <a:spcAft>
+                    <a:spcPct val="0"/>
+                  </a:spcAft>
+                  <a:buFont typeface="Arial" charset="0"/>
+                  <a:buChar char="–"/>
+                  <a:defRPr sz="1600" kern="1200" baseline="0">
+                    <a:solidFill>
+                      <a:schemeClr val="tx1"/>
+                    </a:solidFill>
+                    <a:latin typeface="Times New Roman" pitchFamily="18" charset="0"/>
+                    <a:ea typeface="+mn-ea"/>
+                    <a:cs typeface="Times New Roman" pitchFamily="18" charset="0"/>
+                  </a:defRPr>
+                </a:lvl4pPr>
+                <a:lvl5pPr marL="2057400" indent="-228600" algn="l" rtl="0" eaLnBrk="0" fontAlgn="base" latinLnBrk="1" hangingPunct="0">
+                  <a:spcBef>
+                    <a:spcPct val="20000"/>
+                  </a:spcBef>
+                  <a:spcAft>
+                    <a:spcPct val="0"/>
+                  </a:spcAft>
+                  <a:buFont typeface="Arial" charset="0"/>
+                  <a:buChar char="»"/>
+                  <a:defRPr sz="1600" kern="1200" baseline="0">
+                    <a:solidFill>
+                      <a:schemeClr val="tx1"/>
+                    </a:solidFill>
+                    <a:latin typeface="Times New Roman" pitchFamily="18" charset="0"/>
+                    <a:ea typeface="+mn-ea"/>
+                    <a:cs typeface="Times New Roman" pitchFamily="18" charset="0"/>
+                  </a:defRPr>
+                </a:lvl5pPr>
+                <a:lvl6pPr marL="2514600" indent="-228600" algn="l" defTabSz="914400" rtl="0" eaLnBrk="1" latinLnBrk="1" hangingPunct="1">
+                  <a:spcBef>
+                    <a:spcPct val="20000"/>
+                  </a:spcBef>
+                  <a:buFont typeface="Arial" pitchFamily="34" charset="0"/>
+                  <a:buChar char="•"/>
+                  <a:defRPr sz="2000" kern="1200">
+                    <a:solidFill>
+                      <a:schemeClr val="tx1"/>
+                    </a:solidFill>
+                    <a:latin typeface="+mn-lt"/>
+                    <a:ea typeface="+mn-ea"/>
+                    <a:cs typeface="+mn-cs"/>
+                  </a:defRPr>
+                </a:lvl6pPr>
+                <a:lvl7pPr marL="2971800" indent="-228600" algn="l" defTabSz="914400" rtl="0" eaLnBrk="1" latinLnBrk="1" hangingPunct="1">
+                  <a:spcBef>
+                    <a:spcPct val="20000"/>
+                  </a:spcBef>
+                  <a:buFont typeface="Arial" pitchFamily="34" charset="0"/>
+                  <a:buChar char="•"/>
+                  <a:defRPr sz="2000" kern="1200">
+                    <a:solidFill>
+                      <a:schemeClr val="tx1"/>
+                    </a:solidFill>
+                    <a:latin typeface="+mn-lt"/>
+                    <a:ea typeface="+mn-ea"/>
+                    <a:cs typeface="+mn-cs"/>
+                  </a:defRPr>
+                </a:lvl7pPr>
+                <a:lvl8pPr marL="3429000" indent="-228600" algn="l" defTabSz="914400" rtl="0" eaLnBrk="1" latinLnBrk="1" hangingPunct="1">
+                  <a:spcBef>
+                    <a:spcPct val="20000"/>
+                  </a:spcBef>
+                  <a:buFont typeface="Arial" pitchFamily="34" charset="0"/>
+                  <a:buChar char="•"/>
+                  <a:defRPr sz="2000" kern="1200">
+                    <a:solidFill>
+                      <a:schemeClr val="tx1"/>
+                    </a:solidFill>
+                    <a:latin typeface="+mn-lt"/>
+                    <a:ea typeface="+mn-ea"/>
+                    <a:cs typeface="+mn-cs"/>
+                  </a:defRPr>
+                </a:lvl8pPr>
+                <a:lvl9pPr marL="3886200" indent="-228600" algn="l" defTabSz="914400" rtl="0" eaLnBrk="1" latinLnBrk="1" hangingPunct="1">
+                  <a:spcBef>
+                    <a:spcPct val="20000"/>
+                  </a:spcBef>
+                  <a:buFont typeface="Arial" pitchFamily="34" charset="0"/>
+                  <a:buChar char="•"/>
+                  <a:defRPr sz="2000" kern="1200">
+                    <a:solidFill>
+                      <a:schemeClr val="tx1"/>
+                    </a:solidFill>
+                    <a:latin typeface="+mn-lt"/>
+                    <a:ea typeface="+mn-ea"/>
+                    <a:cs typeface="+mn-cs"/>
+                  </a:defRPr>
+                </a:lvl9pPr>
+              </a:lstStyle>
+              <a:p>
+                <a:pPr marL="569913">
+                  <a:spcBef>
+                    <a:spcPts val="600"/>
+                  </a:spcBef>
+                  <a:spcAft>
+                    <a:spcPts val="600"/>
+                  </a:spcAft>
+                  <a:buFont typeface="Wingdings" panose="05000000000000000000" pitchFamily="2" charset="2"/>
+                  <a:buChar char="q"/>
+                </a:pPr>
+                <a:r>
+                  <a:rPr lang="en-US" sz="2400" dirty="0"/>
+                  <a:t>LQR control law:</a:t>
+                </a:r>
+              </a:p>
+              <a:p>
+                <a:pPr marL="1027113" lvl="2" indent="0">
+                  <a:spcBef>
+                    <a:spcPts val="600"/>
+                  </a:spcBef>
+                  <a:spcAft>
+                    <a:spcPts val="600"/>
+                  </a:spcAft>
+                  <a:buNone/>
+                </a:pPr>
+                <a14:m>
+                  <m:oMathPara xmlns:m="http://schemas.openxmlformats.org/officeDocument/2006/math">
+                    <m:oMathParaPr>
+                      <m:jc m:val="centerGroup"/>
+                    </m:oMathParaPr>
+                    <m:oMath xmlns:m="http://schemas.openxmlformats.org/officeDocument/2006/math">
+                      <m:r>
+                        <a:rPr lang="en-US" sz="2400" i="1">
+                          <a:latin typeface="Cambria Math" panose="02040503050406030204" pitchFamily="18" charset="0"/>
+                        </a:rPr>
+                        <m:t>𝑢</m:t>
+                      </m:r>
+                      <m:d>
+                        <m:dPr>
+                          <m:ctrlPr>
+                            <a:rPr lang="en-US" sz="2400" i="1">
+                              <a:latin typeface="Cambria Math" panose="02040503050406030204" pitchFamily="18" charset="0"/>
+                            </a:rPr>
+                          </m:ctrlPr>
+                        </m:dPr>
+                        <m:e>
+                          <m:r>
+                            <a:rPr lang="en-US" sz="2400" i="1">
+                              <a:latin typeface="Cambria Math" panose="02040503050406030204" pitchFamily="18" charset="0"/>
+                            </a:rPr>
+                            <m:t>𝑡</m:t>
+                          </m:r>
+                        </m:e>
+                      </m:d>
+                      <m:r>
+                        <a:rPr lang="en-US" sz="2400" i="1">
+                          <a:latin typeface="Cambria Math" panose="02040503050406030204" pitchFamily="18" charset="0"/>
+                        </a:rPr>
+                        <m:t>=−</m:t>
+                      </m:r>
+                      <m:r>
+                        <a:rPr lang="en-US" sz="2400" i="1">
+                          <a:latin typeface="Cambria Math" panose="02040503050406030204" pitchFamily="18" charset="0"/>
+                        </a:rPr>
+                        <m:t>𝐾𝑥</m:t>
+                      </m:r>
+                      <m:d>
+                        <m:dPr>
+                          <m:ctrlPr>
+                            <a:rPr lang="en-US" sz="2400" i="1">
+                              <a:latin typeface="Cambria Math" panose="02040503050406030204" pitchFamily="18" charset="0"/>
+                            </a:rPr>
+                          </m:ctrlPr>
+                        </m:dPr>
+                        <m:e>
+                          <m:r>
+                            <a:rPr lang="en-US" sz="2400" i="1">
+                              <a:latin typeface="Cambria Math" panose="02040503050406030204" pitchFamily="18" charset="0"/>
+                            </a:rPr>
+                            <m:t>𝑡</m:t>
+                          </m:r>
+                        </m:e>
+                      </m:d>
+                    </m:oMath>
+                  </m:oMathPara>
+                </a14:m>
+                <a:endParaRPr lang="en-US" sz="2400" dirty="0"/>
+              </a:p>
+              <a:p>
+                <a:pPr marL="227013" indent="0">
+                  <a:spcBef>
+                    <a:spcPts val="600"/>
+                  </a:spcBef>
+                  <a:spcAft>
+                    <a:spcPts val="600"/>
+                  </a:spcAft>
+                  <a:buNone/>
+                </a:pPr>
+                <a:r>
+                  <a:rPr lang="en-US" sz="2400" dirty="0"/>
+                  <a:t>So, the closed-loop system becomes:</a:t>
+                </a:r>
+              </a:p>
+              <a:p>
+                <a:pPr marL="1027113" lvl="2" indent="0">
+                  <a:spcBef>
+                    <a:spcPts val="600"/>
+                  </a:spcBef>
+                  <a:spcAft>
+                    <a:spcPts val="600"/>
+                  </a:spcAft>
+                  <a:buNone/>
+                </a:pPr>
+                <a:r>
+                  <a:rPr lang="en-US" sz="2400" dirty="0"/>
+                  <a:t>        </a:t>
+                </a:r>
+                <a14:m>
+                  <m:oMath xmlns:m="http://schemas.openxmlformats.org/officeDocument/2006/math">
+                    <m:acc>
+                      <m:accPr>
+                        <m:chr m:val="̇"/>
+                        <m:ctrlPr>
+                          <a:rPr lang="en-US" sz="2400" i="1">
+                            <a:latin typeface="Cambria Math" panose="02040503050406030204" pitchFamily="18" charset="0"/>
+                          </a:rPr>
+                        </m:ctrlPr>
+                      </m:accPr>
+                      <m:e>
+                        <m:r>
+                          <a:rPr lang="en-US" sz="2400" i="1">
+                            <a:latin typeface="Cambria Math" panose="02040503050406030204" pitchFamily="18" charset="0"/>
+                          </a:rPr>
+                          <m:t>𝑥</m:t>
+                        </m:r>
+                      </m:e>
+                    </m:acc>
+                    <m:d>
+                      <m:dPr>
+                        <m:ctrlPr>
+                          <a:rPr lang="en-US" sz="2400" i="1">
+                            <a:latin typeface="Cambria Math" panose="02040503050406030204" pitchFamily="18" charset="0"/>
+                          </a:rPr>
+                        </m:ctrlPr>
+                      </m:dPr>
+                      <m:e>
+                        <m:r>
+                          <a:rPr lang="en-US" sz="2400" i="1">
+                            <a:latin typeface="Cambria Math" panose="02040503050406030204" pitchFamily="18" charset="0"/>
+                          </a:rPr>
+                          <m:t>𝑡</m:t>
+                        </m:r>
+                      </m:e>
+                    </m:d>
+                    <m:r>
+                      <a:rPr lang="en-US" sz="2400" i="1">
+                        <a:latin typeface="Cambria Math" panose="02040503050406030204" pitchFamily="18" charset="0"/>
+                      </a:rPr>
+                      <m:t>=</m:t>
+                    </m:r>
+                    <m:r>
+                      <a:rPr lang="en-US" sz="2400" b="0" i="1" smtClean="0">
+                        <a:latin typeface="Cambria Math" panose="02040503050406030204" pitchFamily="18" charset="0"/>
+                      </a:rPr>
+                      <m:t>(</m:t>
+                    </m:r>
+                    <m:r>
+                      <a:rPr lang="en-US" sz="2400" i="1">
+                        <a:latin typeface="Cambria Math" panose="02040503050406030204" pitchFamily="18" charset="0"/>
+                      </a:rPr>
+                      <m:t>𝐴</m:t>
+                    </m:r>
+                    <m:r>
+                      <a:rPr lang="en-US" sz="2400" b="0" i="1" smtClean="0">
+                        <a:latin typeface="Cambria Math" panose="02040503050406030204" pitchFamily="18" charset="0"/>
+                      </a:rPr>
+                      <m:t>−</m:t>
+                    </m:r>
+                    <m:r>
+                      <a:rPr lang="en-US" sz="2400" b="0" i="1" smtClean="0">
+                        <a:latin typeface="Cambria Math" panose="02040503050406030204" pitchFamily="18" charset="0"/>
+                      </a:rPr>
+                      <m:t>𝐵𝐾</m:t>
+                    </m:r>
+                    <m:r>
+                      <a:rPr lang="en-US" sz="2400" b="0" i="1" smtClean="0">
+                        <a:latin typeface="Cambria Math" panose="02040503050406030204" pitchFamily="18" charset="0"/>
+                      </a:rPr>
+                      <m:t>)</m:t>
+                    </m:r>
+                    <m:r>
+                      <a:rPr lang="en-US" sz="2400" i="1" smtClean="0">
+                        <a:latin typeface="Cambria Math" panose="02040503050406030204" pitchFamily="18" charset="0"/>
+                      </a:rPr>
+                      <m:t>𝑥</m:t>
+                    </m:r>
+                    <m:r>
+                      <a:rPr lang="en-US" sz="2400" i="1" smtClean="0">
+                        <a:latin typeface="Cambria Math" panose="02040503050406030204" pitchFamily="18" charset="0"/>
+                      </a:rPr>
+                      <m:t>(</m:t>
+                    </m:r>
+                    <m:r>
+                      <a:rPr lang="en-US" sz="2400" i="1" smtClean="0">
+                        <a:latin typeface="Cambria Math" panose="02040503050406030204" pitchFamily="18" charset="0"/>
+                      </a:rPr>
+                      <m:t>𝑡</m:t>
+                    </m:r>
+                    <m:r>
+                      <a:rPr lang="en-US" sz="2400" b="0" i="1" smtClean="0">
+                        <a:latin typeface="Cambria Math" panose="02040503050406030204" pitchFamily="18" charset="0"/>
+                      </a:rPr>
+                      <m:t>)</m:t>
+                    </m:r>
+                  </m:oMath>
+                </a14:m>
+                <a:endParaRPr lang="en-US" sz="2400" dirty="0"/>
+              </a:p>
+              <a:p>
+                <a:pPr marL="227013" indent="0">
+                  <a:spcBef>
+                    <a:spcPts val="600"/>
+                  </a:spcBef>
+                  <a:spcAft>
+                    <a:spcPts val="600"/>
+                  </a:spcAft>
+                  <a:buNone/>
+                </a:pPr>
+                <a:r>
+                  <a:rPr lang="en-US" sz="2400" dirty="0"/>
+                  <a:t>		</a:t>
+                </a:r>
+                <a14:m>
+                  <m:oMath xmlns:m="http://schemas.openxmlformats.org/officeDocument/2006/math">
+                    <m:r>
+                      <a:rPr lang="en-US" sz="2400" i="1">
+                        <a:latin typeface="Cambria Math" panose="02040503050406030204" pitchFamily="18" charset="0"/>
+                      </a:rPr>
+                      <m:t>𝑥</m:t>
+                    </m:r>
+                    <m:d>
+                      <m:dPr>
+                        <m:ctrlPr>
+                          <a:rPr lang="en-US" sz="2400" i="1">
+                            <a:latin typeface="Cambria Math" panose="02040503050406030204" pitchFamily="18" charset="0"/>
+                          </a:rPr>
+                        </m:ctrlPr>
+                      </m:dPr>
+                      <m:e>
+                        <m:r>
+                          <a:rPr lang="en-US" sz="2400" i="1">
+                            <a:latin typeface="Cambria Math" panose="02040503050406030204" pitchFamily="18" charset="0"/>
+                          </a:rPr>
+                          <m:t>𝑡</m:t>
+                        </m:r>
+                      </m:e>
+                    </m:d>
+                    <m:r>
+                      <a:rPr lang="en-US" sz="2400" b="0" i="1" smtClean="0">
+                        <a:latin typeface="Cambria Math" panose="02040503050406030204" pitchFamily="18" charset="0"/>
+                      </a:rPr>
+                      <m:t>→0</m:t>
+                    </m:r>
+                  </m:oMath>
+                </a14:m>
+                <a:r>
+                  <a:rPr lang="en-US" sz="2400" b="0" i="0" dirty="0">
+                    <a:effectLst/>
+                  </a:rPr>
+                  <a:t> as </a:t>
+                </a:r>
+                <a14:m>
+                  <m:oMath xmlns:m="http://schemas.openxmlformats.org/officeDocument/2006/math">
+                    <m:r>
+                      <a:rPr lang="en-US" sz="2400" b="0" i="1" smtClean="0">
+                        <a:latin typeface="Cambria Math" panose="02040503050406030204" pitchFamily="18" charset="0"/>
+                      </a:rPr>
+                      <m:t>𝑡</m:t>
+                    </m:r>
+                    <m:r>
+                      <a:rPr lang="en-US" sz="2400" i="1">
+                        <a:latin typeface="Cambria Math" panose="02040503050406030204" pitchFamily="18" charset="0"/>
+                      </a:rPr>
+                      <m:t>→</m:t>
+                    </m:r>
+                    <m:r>
+                      <a:rPr lang="en-US" sz="2400" i="1" smtClean="0">
+                        <a:latin typeface="Cambria Math" panose="02040503050406030204" pitchFamily="18" charset="0"/>
+                        <a:ea typeface="Cambria Math" panose="02040503050406030204" pitchFamily="18" charset="0"/>
+                      </a:rPr>
+                      <m:t>∞</m:t>
+                    </m:r>
+                  </m:oMath>
+                </a14:m>
+                <a:r>
+                  <a:rPr lang="en-US" sz="2400" b="0" i="0" dirty="0">
+                    <a:effectLst/>
+                  </a:rPr>
+                  <a:t> (</a:t>
+                </a:r>
+                <a:r>
+                  <a:rPr lang="en-US" sz="2400" b="0" i="0" dirty="0">
+                    <a:solidFill>
+                      <a:srgbClr val="0000FF"/>
+                    </a:solidFill>
+                    <a:effectLst/>
+                  </a:rPr>
+                  <a:t>stable</a:t>
+                </a:r>
+                <a:r>
+                  <a:rPr lang="en-US" sz="2400" b="0" i="0" dirty="0">
+                    <a:effectLst/>
+                  </a:rPr>
+                  <a:t>)</a:t>
+                </a:r>
+              </a:p>
+              <a:p>
+                <a:pPr marL="227013" indent="0">
+                  <a:spcBef>
+                    <a:spcPts val="600"/>
+                  </a:spcBef>
+                  <a:spcAft>
+                    <a:spcPts val="600"/>
+                  </a:spcAft>
+                  <a:buNone/>
+                </a:pPr>
+                <a:r>
+                  <a:rPr lang="en-US" sz="2400" dirty="0"/>
+                  <a:t>This yields to the result:</a:t>
+                </a:r>
+              </a:p>
+              <a:p>
+                <a:pPr marL="227013" indent="0">
+                  <a:spcBef>
+                    <a:spcPts val="600"/>
+                  </a:spcBef>
+                  <a:spcAft>
+                    <a:spcPts val="600"/>
+                  </a:spcAft>
+                  <a:buNone/>
+                </a:pPr>
+                <a:r>
+                  <a:rPr lang="en-US" sz="2400" dirty="0"/>
+                  <a:t>		 </a:t>
+                </a:r>
+                <a14:m>
+                  <m:oMath xmlns:m="http://schemas.openxmlformats.org/officeDocument/2006/math">
+                    <m:r>
+                      <m:rPr>
+                        <m:sty m:val="p"/>
+                      </m:rPr>
+                      <a:rPr lang="en-US" sz="2400" b="0" i="0" smtClean="0">
+                        <a:latin typeface="Cambria Math" panose="02040503050406030204" pitchFamily="18" charset="0"/>
+                      </a:rPr>
+                      <m:t>y</m:t>
+                    </m:r>
+                    <m:d>
+                      <m:dPr>
+                        <m:ctrlPr>
+                          <a:rPr lang="en-US" sz="2400" i="1">
+                            <a:latin typeface="Cambria Math" panose="02040503050406030204" pitchFamily="18" charset="0"/>
+                          </a:rPr>
+                        </m:ctrlPr>
+                      </m:dPr>
+                      <m:e>
+                        <m:r>
+                          <a:rPr lang="en-US" sz="2400" i="1">
+                            <a:latin typeface="Cambria Math" panose="02040503050406030204" pitchFamily="18" charset="0"/>
+                          </a:rPr>
+                          <m:t>𝑡</m:t>
+                        </m:r>
+                      </m:e>
+                    </m:d>
+                    <m:r>
+                      <a:rPr lang="en-US" sz="2400" i="1">
+                        <a:latin typeface="Cambria Math" panose="02040503050406030204" pitchFamily="18" charset="0"/>
+                      </a:rPr>
+                      <m:t>=</m:t>
+                    </m:r>
+                    <m:r>
+                      <a:rPr lang="en-US" sz="2400" b="0" i="1" smtClean="0">
+                        <a:latin typeface="Cambria Math" panose="02040503050406030204" pitchFamily="18" charset="0"/>
+                      </a:rPr>
+                      <m:t>𝐶</m:t>
+                    </m:r>
+                    <m:r>
+                      <a:rPr lang="en-US" sz="2400" i="1">
+                        <a:latin typeface="Cambria Math" panose="02040503050406030204" pitchFamily="18" charset="0"/>
+                      </a:rPr>
+                      <m:t>𝑥</m:t>
+                    </m:r>
+                    <m:d>
+                      <m:dPr>
+                        <m:ctrlPr>
+                          <a:rPr lang="en-US" sz="2400" i="1">
+                            <a:latin typeface="Cambria Math" panose="02040503050406030204" pitchFamily="18" charset="0"/>
+                          </a:rPr>
+                        </m:ctrlPr>
+                      </m:dPr>
+                      <m:e>
+                        <m:r>
+                          <a:rPr lang="en-US" sz="2400" i="1">
+                            <a:latin typeface="Cambria Math" panose="02040503050406030204" pitchFamily="18" charset="0"/>
+                          </a:rPr>
+                          <m:t>𝑡</m:t>
+                        </m:r>
+                      </m:e>
+                    </m:d>
+                    <m:r>
+                      <a:rPr lang="en-US" sz="2400" b="0" i="1" smtClean="0">
+                        <a:latin typeface="Cambria Math" panose="02040503050406030204" pitchFamily="18" charset="0"/>
+                      </a:rPr>
+                      <m:t>→0</m:t>
+                    </m:r>
+                  </m:oMath>
+                </a14:m>
+                <a:r>
+                  <a:rPr lang="en-US" sz="2400" b="0" i="0" dirty="0">
+                    <a:effectLst/>
+                  </a:rPr>
+                  <a:t> (</a:t>
+                </a:r>
+                <a:r>
+                  <a:rPr lang="en-US" sz="2400" dirty="0">
+                    <a:solidFill>
+                      <a:srgbClr val="C00000"/>
+                    </a:solidFill>
+                  </a:rPr>
+                  <a:t>non-tracking</a:t>
+                </a:r>
+                <a:r>
+                  <a:rPr lang="en-US" sz="2400" b="0" i="0" dirty="0">
+                    <a:effectLst/>
+                  </a:rPr>
+                  <a:t>)</a:t>
+                </a:r>
+                <a:endParaRPr lang="en-US" sz="2400" dirty="0"/>
+              </a:p>
+              <a:p>
+                <a:pPr marL="569913">
+                  <a:spcBef>
+                    <a:spcPts val="600"/>
+                  </a:spcBef>
+                  <a:spcAft>
+                    <a:spcPts val="600"/>
+                  </a:spcAft>
+                  <a:buFont typeface="Wingdings" panose="05000000000000000000" pitchFamily="2" charset="2"/>
+                  <a:buChar char="q"/>
+                </a:pPr>
+                <a:r>
+                  <a:rPr lang="en-US" sz="2400" b="0" i="0" dirty="0">
+                    <a:effectLst/>
+                  </a:rPr>
+                  <a:t>What if the goal is to track the desired output?</a:t>
+                </a:r>
+              </a:p>
+              <a:p>
+                <a:pPr marL="227013" indent="0">
+                  <a:spcBef>
+                    <a:spcPts val="600"/>
+                  </a:spcBef>
+                  <a:spcAft>
+                    <a:spcPts val="600"/>
+                  </a:spcAft>
+                  <a:buNone/>
+                </a:pPr>
+                <a:r>
+                  <a:rPr lang="en-US" sz="2600" b="0" i="0" dirty="0">
+                    <a:effectLst/>
+                  </a:rPr>
+                  <a:t>		</a:t>
+                </a:r>
+                <a:r>
+                  <a:rPr lang="en-US" sz="2800" dirty="0"/>
+                  <a:t> </a:t>
+                </a:r>
+                <a14:m>
+                  <m:oMath xmlns:m="http://schemas.openxmlformats.org/officeDocument/2006/math">
+                    <m:r>
+                      <m:rPr>
+                        <m:sty m:val="p"/>
+                      </m:rPr>
+                      <a:rPr lang="en-US" sz="2400">
+                        <a:latin typeface="Cambria Math" panose="02040503050406030204" pitchFamily="18" charset="0"/>
+                      </a:rPr>
+                      <m:t>y</m:t>
+                    </m:r>
+                    <m:d>
+                      <m:dPr>
+                        <m:ctrlPr>
+                          <a:rPr lang="en-US" sz="2400" i="1">
+                            <a:latin typeface="Cambria Math" panose="02040503050406030204" pitchFamily="18" charset="0"/>
+                          </a:rPr>
+                        </m:ctrlPr>
+                      </m:dPr>
+                      <m:e>
+                        <m:r>
+                          <a:rPr lang="en-US" sz="2400" i="1">
+                            <a:latin typeface="Cambria Math" panose="02040503050406030204" pitchFamily="18" charset="0"/>
+                          </a:rPr>
+                          <m:t>𝑡</m:t>
+                        </m:r>
+                      </m:e>
+                    </m:d>
+                    <m:r>
+                      <a:rPr lang="en-US" sz="2400" b="0" i="1" smtClean="0">
+                        <a:latin typeface="Cambria Math" panose="02040503050406030204" pitchFamily="18" charset="0"/>
+                      </a:rPr>
+                      <m:t>→</m:t>
+                    </m:r>
+                    <m:r>
+                      <a:rPr lang="en-US" sz="2400" b="0" i="1" smtClean="0">
+                        <a:latin typeface="Cambria Math" panose="02040503050406030204" pitchFamily="18" charset="0"/>
+                      </a:rPr>
+                      <m:t>𝑟</m:t>
+                    </m:r>
+                    <m:r>
+                      <a:rPr lang="en-US" sz="2400" b="0" i="1" smtClean="0">
+                        <a:latin typeface="Cambria Math" panose="02040503050406030204" pitchFamily="18" charset="0"/>
+                      </a:rPr>
+                      <m:t>(</m:t>
+                    </m:r>
+                    <m:r>
+                      <a:rPr lang="en-US" sz="2400" b="0" i="1" smtClean="0">
+                        <a:latin typeface="Cambria Math" panose="02040503050406030204" pitchFamily="18" charset="0"/>
+                      </a:rPr>
+                      <m:t>𝑡</m:t>
+                    </m:r>
+                    <m:r>
+                      <a:rPr lang="en-US" sz="2400" b="0" i="1" smtClean="0">
+                        <a:latin typeface="Cambria Math" panose="02040503050406030204" pitchFamily="18" charset="0"/>
+                      </a:rPr>
+                      <m:t>)</m:t>
+                    </m:r>
+                  </m:oMath>
+                </a14:m>
+                <a:endParaRPr lang="en-US" sz="2600" kern="100" dirty="0">
+                  <a:ea typeface="Malgun Gothic" panose="020B0503020000020004" pitchFamily="34" charset="-127"/>
+                </a:endParaRPr>
+              </a:p>
+            </p:txBody>
+          </p:sp>
+        </mc:Choice>
+        <mc:Fallback>
+          <p:sp>
+            <p:nvSpPr>
+              <p:cNvPr id="7" name="Content Placeholder 2">
+                <a:extLst>
+                  <a:ext uri="{FF2B5EF4-FFF2-40B4-BE49-F238E27FC236}">
+                    <a16:creationId xmlns:a16="http://schemas.microsoft.com/office/drawing/2014/main" id="{439959A2-5877-B3B5-18A6-B3210E18633C}"/>
+                  </a:ext>
+                </a:extLst>
+              </p:cNvPr>
+              <p:cNvSpPr txBox="1">
+                <a:spLocks noRot="1" noChangeAspect="1" noMove="1" noResize="1" noEditPoints="1" noAdjustHandles="1" noChangeArrowheads="1" noChangeShapeType="1" noTextEdit="1"/>
+              </p:cNvSpPr>
+              <p:nvPr/>
+            </p:nvSpPr>
+            <p:spPr bwMode="auto">
+              <a:xfrm>
+                <a:off x="5759241" y="1392560"/>
+                <a:ext cx="6432759" cy="4943954"/>
+              </a:xfrm>
+              <a:prstGeom prst="rect">
+                <a:avLst/>
+              </a:prstGeom>
+              <a:blipFill>
+                <a:blip r:embed="rId4"/>
+                <a:stretch>
+                  <a:fillRect t="-986" r="-1043"/>
+                </a:stretch>
+              </a:blipFill>
+              <a:ln w="9525">
+                <a:noFill/>
+                <a:miter lim="800000"/>
+                <a:headEnd/>
+                <a:tailEnd/>
+              </a:ln>
+            </p:spPr>
+            <p:txBody>
+              <a:bodyPr/>
+              <a:lstStyle/>
+              <a:p>
+                <a:r>
+                  <a:rPr lang="en-US">
+                    <a:noFill/>
+                  </a:rPr>
+                  <a:t> </a:t>
+                </a:r>
+              </a:p>
+            </p:txBody>
+          </p:sp>
+        </mc:Fallback>
+      </mc:AlternateContent>
+    </p:spTree>
+    <p:extLst>
+      <p:ext uri="{BB962C8B-B14F-4D97-AF65-F5344CB8AC3E}">
+        <p14:creationId xmlns:p14="http://schemas.microsoft.com/office/powerpoint/2010/main" val="3244230687"/>
+      </p:ext>
+    </p:extLst>
+  </p:cSld>
+  <p:clrMapOvr>
+    <a:masterClrMapping/>
+  </p:clrMapOvr>
+</p:sld>
+</file>
+
+<file path=ppt/slides/slide18.xml><?xml version="1.0" encoding="utf-8"?>
+<p:sld xmlns:a="http://schemas.openxmlformats.org/drawingml/2006/main" xmlns:r="http://schemas.openxmlformats.org/officeDocument/2006/relationships" xmlns:p="http://schemas.openxmlformats.org/presentationml/2006/main">
+  <p:cSld>
+    <p:spTree>
+      <p:nvGrpSpPr>
+        <p:cNvPr id="1" name="">
+          <a:extLst>
+            <a:ext uri="{FF2B5EF4-FFF2-40B4-BE49-F238E27FC236}">
+              <a16:creationId xmlns:a16="http://schemas.microsoft.com/office/drawing/2014/main" id="{B9081185-610A-8F2B-1DA2-0029FA3DDC97}"/>
+            </a:ext>
+          </a:extLst>
+        </p:cNvPr>
+        <p:cNvGrpSpPr/>
+        <p:nvPr/>
+      </p:nvGrpSpPr>
+      <p:grpSpPr>
+        <a:xfrm>
+          <a:off x="0" y="0"/>
+          <a:ext cx="0" cy="0"/>
+          <a:chOff x="0" y="0"/>
+          <a:chExt cx="0" cy="0"/>
+        </a:xfrm>
+      </p:grpSpPr>
+      <p:sp>
+        <p:nvSpPr>
+          <p:cNvPr id="2" name="Title 1">
+            <a:extLst>
+              <a:ext uri="{FF2B5EF4-FFF2-40B4-BE49-F238E27FC236}">
+                <a16:creationId xmlns:a16="http://schemas.microsoft.com/office/drawing/2014/main" id="{AE2A04C0-B15E-7480-D64C-D063CAD420DE}"/>
+              </a:ext>
+            </a:extLst>
+          </p:cNvPr>
+          <p:cNvSpPr>
+            <a:spLocks noGrp="1"/>
+          </p:cNvSpPr>
+          <p:nvPr>
+            <p:ph type="title"/>
+          </p:nvPr>
+        </p:nvSpPr>
+        <p:spPr/>
+        <p:txBody>
+          <a:bodyPr/>
+          <a:lstStyle/>
+          <a:p>
+            <a:r>
+              <a:rPr lang="en-US" sz="3000" dirty="0">
+                <a:latin typeface="Calibri" panose="020F0502020204030204" pitchFamily="34" charset="0"/>
+                <a:ea typeface="Calibri" panose="020F0502020204030204" pitchFamily="34" charset="0"/>
+                <a:cs typeface="Calibri" panose="020F0502020204030204" pitchFamily="34" charset="0"/>
+              </a:rPr>
+              <a:t>Simulation – LQR with reference tracking</a:t>
+            </a:r>
+          </a:p>
+        </p:txBody>
+      </p:sp>
+      <p:sp>
+        <p:nvSpPr>
+          <p:cNvPr id="5" name="Content Placeholder 4">
+            <a:extLst>
+              <a:ext uri="{FF2B5EF4-FFF2-40B4-BE49-F238E27FC236}">
+                <a16:creationId xmlns:a16="http://schemas.microsoft.com/office/drawing/2014/main" id="{5468F7C0-69CB-EC10-86AE-D8CDA28E1722}"/>
+              </a:ext>
+            </a:extLst>
+          </p:cNvPr>
+          <p:cNvSpPr>
+            <a:spLocks noGrp="1"/>
+          </p:cNvSpPr>
+          <p:nvPr>
+            <p:ph idx="1"/>
+          </p:nvPr>
+        </p:nvSpPr>
+        <p:spPr>
+          <a:xfrm>
+            <a:off x="285710" y="857232"/>
+            <a:ext cx="11620581" cy="5572164"/>
+          </a:xfrm>
+        </p:spPr>
+        <p:txBody>
+          <a:bodyPr/>
+          <a:lstStyle/>
+          <a:p>
+            <a:pPr marL="0" indent="0" algn="just">
+              <a:lnSpc>
+                <a:spcPct val="150000"/>
+              </a:lnSpc>
+              <a:spcBef>
+                <a:spcPts val="1200"/>
+              </a:spcBef>
+              <a:spcAft>
+                <a:spcPts val="1200"/>
+              </a:spcAft>
+              <a:buNone/>
+            </a:pPr>
+            <a:endParaRPr lang="en-US" sz="2000" dirty="0"/>
+          </a:p>
+          <a:p>
+            <a:pPr marL="0" indent="0" algn="just">
+              <a:lnSpc>
+                <a:spcPct val="150000"/>
+              </a:lnSpc>
+              <a:spcBef>
+                <a:spcPts val="600"/>
+              </a:spcBef>
+              <a:spcAft>
+                <a:spcPts val="600"/>
+              </a:spcAft>
+              <a:buNone/>
+            </a:pPr>
+            <a:endParaRPr lang="en-US" sz="2000" dirty="0"/>
+          </a:p>
+          <a:p>
+            <a:pPr marL="0" indent="0" algn="just">
+              <a:lnSpc>
+                <a:spcPct val="150000"/>
+              </a:lnSpc>
+              <a:spcBef>
+                <a:spcPts val="600"/>
+              </a:spcBef>
+              <a:spcAft>
+                <a:spcPts val="600"/>
+              </a:spcAft>
+              <a:buNone/>
+            </a:pPr>
+            <a:endParaRPr lang="en-US" sz="2000" dirty="0"/>
+          </a:p>
+        </p:txBody>
+      </p:sp>
+      <p:sp>
+        <p:nvSpPr>
+          <p:cNvPr id="6" name="Rectangle 5">
+            <a:extLst>
+              <a:ext uri="{FF2B5EF4-FFF2-40B4-BE49-F238E27FC236}">
+                <a16:creationId xmlns:a16="http://schemas.microsoft.com/office/drawing/2014/main" id="{57B6D36D-645D-90B6-DE49-7DDC497832D8}"/>
+              </a:ext>
+            </a:extLst>
+          </p:cNvPr>
+          <p:cNvSpPr/>
+          <p:nvPr/>
+        </p:nvSpPr>
+        <p:spPr>
+          <a:xfrm>
+            <a:off x="5949088" y="968700"/>
+            <a:ext cx="5222815" cy="338554"/>
+          </a:xfrm>
+          <a:prstGeom prst="rect">
+            <a:avLst/>
+          </a:prstGeom>
+        </p:spPr>
+        <p:txBody>
+          <a:bodyPr wrap="square">
+            <a:spAutoFit/>
+          </a:bodyPr>
+          <a:lstStyle/>
+          <a:p>
+            <a:pPr algn="ctr"/>
+            <a:r>
+              <a:rPr lang="en-US" sz="1600" b="1" dirty="0">
+                <a:latin typeface="Times New Roman" panose="02020603050405020304" pitchFamily="18" charset="0"/>
+                <a:cs typeface="Times New Roman" panose="02020603050405020304" pitchFamily="18" charset="0"/>
+              </a:rPr>
+              <a:t>Step Responses for LQR Tracking with Various Q/R</a:t>
+            </a:r>
+          </a:p>
+        </p:txBody>
+      </p:sp>
+      <mc:AlternateContent xmlns:mc="http://schemas.openxmlformats.org/markup-compatibility/2006">
+        <mc:Choice xmlns:a14="http://schemas.microsoft.com/office/drawing/2010/main" Requires="a14">
+          <p:sp>
+            <p:nvSpPr>
+              <p:cNvPr id="7" name="Content Placeholder 2">
+                <a:extLst>
+                  <a:ext uri="{FF2B5EF4-FFF2-40B4-BE49-F238E27FC236}">
+                    <a16:creationId xmlns:a16="http://schemas.microsoft.com/office/drawing/2014/main" id="{016302F2-7001-043B-7BDD-C36BBBE73056}"/>
+                  </a:ext>
+                </a:extLst>
+              </p:cNvPr>
+              <p:cNvSpPr txBox="1">
+                <a:spLocks/>
+              </p:cNvSpPr>
+              <p:nvPr/>
+            </p:nvSpPr>
+            <p:spPr bwMode="auto">
+              <a:xfrm>
+                <a:off x="285709" y="1485442"/>
+                <a:ext cx="5008964" cy="4943954"/>
+              </a:xfrm>
+              <a:prstGeom prst="rect">
+                <a:avLst/>
+              </a:prstGeom>
+              <a:noFill/>
+              <a:ln w="9525">
+                <a:noFill/>
+                <a:miter lim="800000"/>
+                <a:headEnd/>
+                <a:tailEnd/>
+              </a:ln>
+            </p:spPr>
+            <p:txBody>
+              <a:bodyPr vert="horz" wrap="square" lIns="91440" tIns="45720" rIns="91440" bIns="45720" numCol="1" anchor="t" anchorCtr="0" compatLnSpc="1">
+                <a:prstTxWarp prst="textNoShape">
+                  <a:avLst/>
+                </a:prstTxWarp>
+              </a:bodyPr>
+              <a:lstStyle>
+                <a:lvl1pPr marL="342900" indent="-342900" algn="l" rtl="0" eaLnBrk="0" fontAlgn="base" latinLnBrk="1" hangingPunct="0">
+                  <a:spcBef>
+                    <a:spcPct val="20000"/>
+                  </a:spcBef>
+                  <a:spcAft>
+                    <a:spcPct val="0"/>
+                  </a:spcAft>
+                  <a:buFont typeface="Arial" charset="0"/>
+                  <a:buChar char="•"/>
+                  <a:defRPr sz="1800" kern="1200" baseline="0">
+                    <a:solidFill>
+                      <a:schemeClr val="tx1"/>
+                    </a:solidFill>
+                    <a:latin typeface="Times New Roman" pitchFamily="18" charset="0"/>
+                    <a:ea typeface="+mn-ea"/>
+                    <a:cs typeface="Times New Roman" pitchFamily="18" charset="0"/>
+                  </a:defRPr>
+                </a:lvl1pPr>
+                <a:lvl2pPr marL="742950" indent="-285750" algn="l" rtl="0" eaLnBrk="0" fontAlgn="base" latinLnBrk="1" hangingPunct="0">
+                  <a:spcBef>
+                    <a:spcPct val="20000"/>
+                  </a:spcBef>
+                  <a:spcAft>
+                    <a:spcPct val="0"/>
+                  </a:spcAft>
+                  <a:buFont typeface="Arial" charset="0"/>
+                  <a:buChar char="–"/>
+                  <a:defRPr sz="1800" kern="1200" baseline="0">
+                    <a:solidFill>
+                      <a:schemeClr val="tx1"/>
+                    </a:solidFill>
+                    <a:latin typeface="Times New Roman" pitchFamily="18" charset="0"/>
+                    <a:ea typeface="+mn-ea"/>
+                    <a:cs typeface="Times New Roman" pitchFamily="18" charset="0"/>
+                  </a:defRPr>
+                </a:lvl2pPr>
+                <a:lvl3pPr marL="1143000" indent="-228600" algn="l" rtl="0" eaLnBrk="0" fontAlgn="base" latinLnBrk="1" hangingPunct="0">
+                  <a:spcBef>
+                    <a:spcPct val="20000"/>
+                  </a:spcBef>
+                  <a:spcAft>
+                    <a:spcPct val="0"/>
+                  </a:spcAft>
+                  <a:buFont typeface="Arial" charset="0"/>
+                  <a:buChar char="•"/>
+                  <a:defRPr sz="1800" kern="1200" baseline="0">
+                    <a:solidFill>
+                      <a:schemeClr val="tx1"/>
+                    </a:solidFill>
+                    <a:latin typeface="Times New Roman" pitchFamily="18" charset="0"/>
+                    <a:ea typeface="+mn-ea"/>
+                    <a:cs typeface="Times New Roman" pitchFamily="18" charset="0"/>
+                  </a:defRPr>
+                </a:lvl3pPr>
+                <a:lvl4pPr marL="1600200" indent="-228600" algn="l" rtl="0" eaLnBrk="0" fontAlgn="base" latinLnBrk="1" hangingPunct="0">
+                  <a:spcBef>
+                    <a:spcPct val="20000"/>
+                  </a:spcBef>
+                  <a:spcAft>
+                    <a:spcPct val="0"/>
+                  </a:spcAft>
+                  <a:buFont typeface="Arial" charset="0"/>
+                  <a:buChar char="–"/>
+                  <a:defRPr sz="1600" kern="1200" baseline="0">
+                    <a:solidFill>
+                      <a:schemeClr val="tx1"/>
+                    </a:solidFill>
+                    <a:latin typeface="Times New Roman" pitchFamily="18" charset="0"/>
+                    <a:ea typeface="+mn-ea"/>
+                    <a:cs typeface="Times New Roman" pitchFamily="18" charset="0"/>
+                  </a:defRPr>
+                </a:lvl4pPr>
+                <a:lvl5pPr marL="2057400" indent="-228600" algn="l" rtl="0" eaLnBrk="0" fontAlgn="base" latinLnBrk="1" hangingPunct="0">
+                  <a:spcBef>
+                    <a:spcPct val="20000"/>
+                  </a:spcBef>
+                  <a:spcAft>
+                    <a:spcPct val="0"/>
+                  </a:spcAft>
+                  <a:buFont typeface="Arial" charset="0"/>
+                  <a:buChar char="»"/>
+                  <a:defRPr sz="1600" kern="1200" baseline="0">
+                    <a:solidFill>
+                      <a:schemeClr val="tx1"/>
+                    </a:solidFill>
+                    <a:latin typeface="Times New Roman" pitchFamily="18" charset="0"/>
+                    <a:ea typeface="+mn-ea"/>
+                    <a:cs typeface="Times New Roman" pitchFamily="18" charset="0"/>
+                  </a:defRPr>
+                </a:lvl5pPr>
+                <a:lvl6pPr marL="2514600" indent="-228600" algn="l" defTabSz="914400" rtl="0" eaLnBrk="1" latinLnBrk="1" hangingPunct="1">
+                  <a:spcBef>
+                    <a:spcPct val="20000"/>
+                  </a:spcBef>
+                  <a:buFont typeface="Arial" pitchFamily="34" charset="0"/>
+                  <a:buChar char="•"/>
+                  <a:defRPr sz="2000" kern="1200">
+                    <a:solidFill>
+                      <a:schemeClr val="tx1"/>
+                    </a:solidFill>
+                    <a:latin typeface="+mn-lt"/>
+                    <a:ea typeface="+mn-ea"/>
+                    <a:cs typeface="+mn-cs"/>
+                  </a:defRPr>
+                </a:lvl6pPr>
+                <a:lvl7pPr marL="2971800" indent="-228600" algn="l" defTabSz="914400" rtl="0" eaLnBrk="1" latinLnBrk="1" hangingPunct="1">
+                  <a:spcBef>
+                    <a:spcPct val="20000"/>
+                  </a:spcBef>
+                  <a:buFont typeface="Arial" pitchFamily="34" charset="0"/>
+                  <a:buChar char="•"/>
+                  <a:defRPr sz="2000" kern="1200">
+                    <a:solidFill>
+                      <a:schemeClr val="tx1"/>
+                    </a:solidFill>
+                    <a:latin typeface="+mn-lt"/>
+                    <a:ea typeface="+mn-ea"/>
+                    <a:cs typeface="+mn-cs"/>
+                  </a:defRPr>
+                </a:lvl7pPr>
+                <a:lvl8pPr marL="3429000" indent="-228600" algn="l" defTabSz="914400" rtl="0" eaLnBrk="1" latinLnBrk="1" hangingPunct="1">
+                  <a:spcBef>
+                    <a:spcPct val="20000"/>
+                  </a:spcBef>
+                  <a:buFont typeface="Arial" pitchFamily="34" charset="0"/>
+                  <a:buChar char="•"/>
+                  <a:defRPr sz="2000" kern="1200">
+                    <a:solidFill>
+                      <a:schemeClr val="tx1"/>
+                    </a:solidFill>
+                    <a:latin typeface="+mn-lt"/>
+                    <a:ea typeface="+mn-ea"/>
+                    <a:cs typeface="+mn-cs"/>
+                  </a:defRPr>
+                </a:lvl8pPr>
+                <a:lvl9pPr marL="3886200" indent="-228600" algn="l" defTabSz="914400" rtl="0" eaLnBrk="1" latinLnBrk="1" hangingPunct="1">
+                  <a:spcBef>
+                    <a:spcPct val="20000"/>
+                  </a:spcBef>
+                  <a:buFont typeface="Arial" pitchFamily="34" charset="0"/>
+                  <a:buChar char="•"/>
+                  <a:defRPr sz="2000" kern="1200">
+                    <a:solidFill>
+                      <a:schemeClr val="tx1"/>
+                    </a:solidFill>
+                    <a:latin typeface="+mn-lt"/>
+                    <a:ea typeface="+mn-ea"/>
+                    <a:cs typeface="+mn-cs"/>
+                  </a:defRPr>
+                </a:lvl9pPr>
+              </a:lstStyle>
+              <a:p>
+                <a:pPr marL="569913">
+                  <a:spcBef>
+                    <a:spcPts val="600"/>
+                  </a:spcBef>
+                  <a:spcAft>
+                    <a:spcPts val="600"/>
+                  </a:spcAft>
+                  <a:buFont typeface="Wingdings" panose="05000000000000000000" pitchFamily="2" charset="2"/>
+                  <a:buChar char="q"/>
+                </a:pPr>
+                <a:r>
+                  <a:rPr lang="en-US" sz="2400" dirty="0"/>
+                  <a:t>Modified LQR control law:</a:t>
+                </a:r>
+              </a:p>
+              <a:p>
+                <a:pPr marL="1027113" lvl="2" indent="0">
+                  <a:spcBef>
+                    <a:spcPts val="600"/>
+                  </a:spcBef>
+                  <a:spcAft>
+                    <a:spcPts val="600"/>
+                  </a:spcAft>
+                  <a:buNone/>
+                </a:pPr>
+                <a14:m>
+                  <m:oMath xmlns:m="http://schemas.openxmlformats.org/officeDocument/2006/math">
+                    <m:r>
+                      <a:rPr lang="en-US" sz="2400" i="1">
+                        <a:latin typeface="Cambria Math" panose="02040503050406030204" pitchFamily="18" charset="0"/>
+                      </a:rPr>
+                      <m:t>𝑢</m:t>
+                    </m:r>
+                    <m:d>
+                      <m:dPr>
+                        <m:ctrlPr>
+                          <a:rPr lang="en-US" sz="2400" i="1">
+                            <a:latin typeface="Cambria Math" panose="02040503050406030204" pitchFamily="18" charset="0"/>
+                          </a:rPr>
+                        </m:ctrlPr>
+                      </m:dPr>
+                      <m:e>
+                        <m:r>
+                          <a:rPr lang="en-US" sz="2400" i="1">
+                            <a:latin typeface="Cambria Math" panose="02040503050406030204" pitchFamily="18" charset="0"/>
+                          </a:rPr>
+                          <m:t>𝑡</m:t>
+                        </m:r>
+                      </m:e>
+                    </m:d>
+                    <m:r>
+                      <a:rPr lang="en-US" sz="2400" i="1">
+                        <a:latin typeface="Cambria Math" panose="02040503050406030204" pitchFamily="18" charset="0"/>
+                      </a:rPr>
+                      <m:t>=−</m:t>
+                    </m:r>
+                    <m:r>
+                      <a:rPr lang="en-US" sz="2400" i="1">
+                        <a:latin typeface="Cambria Math" panose="02040503050406030204" pitchFamily="18" charset="0"/>
+                      </a:rPr>
+                      <m:t>𝐾𝑥</m:t>
+                    </m:r>
+                    <m:d>
+                      <m:dPr>
+                        <m:ctrlPr>
+                          <a:rPr lang="en-US" sz="2400" i="1">
+                            <a:latin typeface="Cambria Math" panose="02040503050406030204" pitchFamily="18" charset="0"/>
+                          </a:rPr>
+                        </m:ctrlPr>
+                      </m:dPr>
+                      <m:e>
+                        <m:r>
+                          <a:rPr lang="en-US" sz="2400" i="1">
+                            <a:latin typeface="Cambria Math" panose="02040503050406030204" pitchFamily="18" charset="0"/>
+                          </a:rPr>
+                          <m:t>𝑡</m:t>
+                        </m:r>
+                      </m:e>
+                    </m:d>
+                    <m:r>
+                      <a:rPr lang="en-US" sz="2400" b="0" i="1" smtClean="0">
+                        <a:latin typeface="Cambria Math" panose="02040503050406030204" pitchFamily="18" charset="0"/>
+                      </a:rPr>
+                      <m:t>+</m:t>
+                    </m:r>
+                    <m:acc>
+                      <m:accPr>
+                        <m:chr m:val="̃"/>
+                        <m:ctrlPr>
+                          <a:rPr lang="en-US" sz="2400" b="0" i="1" smtClean="0">
+                            <a:latin typeface="Cambria Math" panose="02040503050406030204" pitchFamily="18" charset="0"/>
+                          </a:rPr>
+                        </m:ctrlPr>
+                      </m:accPr>
+                      <m:e>
+                        <m:r>
+                          <a:rPr lang="en-US" sz="2400" b="0" i="1" smtClean="0">
+                            <a:latin typeface="Cambria Math" panose="02040503050406030204" pitchFamily="18" charset="0"/>
+                          </a:rPr>
+                          <m:t>𝐾</m:t>
+                        </m:r>
+                      </m:e>
+                    </m:acc>
+                    <m:r>
+                      <a:rPr lang="en-US" sz="2400" b="0" i="1" smtClean="0">
+                        <a:latin typeface="Cambria Math" panose="02040503050406030204" pitchFamily="18" charset="0"/>
+                      </a:rPr>
+                      <m:t>𝑟</m:t>
+                    </m:r>
+                    <m:r>
+                      <a:rPr lang="en-US" sz="2400" b="0" i="1" smtClean="0">
+                        <a:latin typeface="Cambria Math" panose="02040503050406030204" pitchFamily="18" charset="0"/>
+                      </a:rPr>
+                      <m:t>(</m:t>
+                    </m:r>
+                    <m:r>
+                      <a:rPr lang="en-US" sz="2400" b="0" i="1" smtClean="0">
+                        <a:latin typeface="Cambria Math" panose="02040503050406030204" pitchFamily="18" charset="0"/>
+                      </a:rPr>
+                      <m:t>𝑡</m:t>
+                    </m:r>
+                    <m:r>
+                      <a:rPr lang="en-US" sz="2400" b="0" i="1" smtClean="0">
+                        <a:latin typeface="Cambria Math" panose="02040503050406030204" pitchFamily="18" charset="0"/>
+                      </a:rPr>
+                      <m:t>)</m:t>
+                    </m:r>
+                  </m:oMath>
+                </a14:m>
+                <a:r>
+                  <a:rPr lang="en-US" sz="2400" dirty="0"/>
+                  <a:t>,</a:t>
+                </a:r>
+              </a:p>
+              <a:p>
+                <a:pPr marL="227013" indent="0">
+                  <a:spcBef>
+                    <a:spcPts val="600"/>
+                  </a:spcBef>
+                  <a:spcAft>
+                    <a:spcPts val="600"/>
+                  </a:spcAft>
+                  <a:buNone/>
+                </a:pPr>
+                <a:r>
+                  <a:rPr lang="en-US" sz="2400" dirty="0"/>
+                  <a:t>where </a:t>
+                </a:r>
+                <a14:m>
+                  <m:oMath xmlns:m="http://schemas.openxmlformats.org/officeDocument/2006/math">
+                    <m:acc>
+                      <m:accPr>
+                        <m:chr m:val="̃"/>
+                        <m:ctrlPr>
+                          <a:rPr lang="en-US" sz="2400" i="1">
+                            <a:latin typeface="Cambria Math" panose="02040503050406030204" pitchFamily="18" charset="0"/>
+                          </a:rPr>
+                        </m:ctrlPr>
+                      </m:accPr>
+                      <m:e>
+                        <m:r>
+                          <a:rPr lang="en-US" sz="2400" i="1">
+                            <a:latin typeface="Cambria Math" panose="02040503050406030204" pitchFamily="18" charset="0"/>
+                          </a:rPr>
+                          <m:t>𝐾</m:t>
+                        </m:r>
+                      </m:e>
+                    </m:acc>
+                  </m:oMath>
+                </a14:m>
+                <a:r>
+                  <a:rPr lang="en-US" sz="2400" dirty="0"/>
+                  <a:t> is feedforward gain,</a:t>
+                </a:r>
+              </a:p>
+              <a:p>
+                <a:pPr marL="227013" indent="0">
+                  <a:spcBef>
+                    <a:spcPts val="600"/>
+                  </a:spcBef>
+                  <a:spcAft>
+                    <a:spcPts val="600"/>
+                  </a:spcAft>
+                  <a:buNone/>
+                </a:pPr>
+                <a:r>
+                  <a:rPr lang="en-US" sz="2400" dirty="0"/>
+                  <a:t>    and </a:t>
+                </a:r>
+                <a14:m>
+                  <m:oMath xmlns:m="http://schemas.openxmlformats.org/officeDocument/2006/math">
+                    <m:r>
+                      <a:rPr lang="en-US" sz="2400" i="1">
+                        <a:latin typeface="Cambria Math" panose="02040503050406030204" pitchFamily="18" charset="0"/>
+                      </a:rPr>
+                      <m:t>𝑟</m:t>
+                    </m:r>
+                    <m:r>
+                      <a:rPr lang="en-US" sz="2400" i="1">
+                        <a:latin typeface="Cambria Math" panose="02040503050406030204" pitchFamily="18" charset="0"/>
+                      </a:rPr>
+                      <m:t>(</m:t>
+                    </m:r>
+                    <m:r>
+                      <a:rPr lang="en-US" sz="2400" i="1">
+                        <a:latin typeface="Cambria Math" panose="02040503050406030204" pitchFamily="18" charset="0"/>
+                      </a:rPr>
+                      <m:t>𝑡</m:t>
+                    </m:r>
+                    <m:r>
+                      <a:rPr lang="en-US" sz="2400" i="1">
+                        <a:latin typeface="Cambria Math" panose="02040503050406030204" pitchFamily="18" charset="0"/>
+                      </a:rPr>
+                      <m:t>)</m:t>
+                    </m:r>
+                  </m:oMath>
+                </a14:m>
+                <a:r>
+                  <a:rPr lang="en-US" sz="2400" dirty="0"/>
+                  <a:t> is reference output</a:t>
+                </a:r>
+              </a:p>
+              <a:p>
+                <a:pPr marL="569913">
+                  <a:spcBef>
+                    <a:spcPts val="600"/>
+                  </a:spcBef>
+                  <a:spcAft>
+                    <a:spcPts val="600"/>
+                  </a:spcAft>
+                  <a:buFont typeface="Wingdings" panose="05000000000000000000" pitchFamily="2" charset="2"/>
+                  <a:buChar char="q"/>
+                </a:pPr>
+                <a:endParaRPr lang="en-US" sz="2400" dirty="0"/>
+              </a:p>
+              <a:p>
+                <a:pPr marL="569913">
+                  <a:spcBef>
+                    <a:spcPts val="600"/>
+                  </a:spcBef>
+                  <a:spcAft>
+                    <a:spcPts val="600"/>
+                  </a:spcAft>
+                  <a:buFont typeface="Wingdings" panose="05000000000000000000" pitchFamily="2" charset="2"/>
+                  <a:buChar char="q"/>
+                </a:pPr>
+                <a:r>
+                  <a:rPr lang="en-US" sz="2400" dirty="0"/>
+                  <a:t>Computation of </a:t>
+                </a:r>
+                <a14:m>
+                  <m:oMath xmlns:m="http://schemas.openxmlformats.org/officeDocument/2006/math">
+                    <m:acc>
+                      <m:accPr>
+                        <m:chr m:val="̃"/>
+                        <m:ctrlPr>
+                          <a:rPr lang="en-US" sz="2400" i="1">
+                            <a:latin typeface="Cambria Math" panose="02040503050406030204" pitchFamily="18" charset="0"/>
+                          </a:rPr>
+                        </m:ctrlPr>
+                      </m:accPr>
+                      <m:e>
+                        <m:r>
+                          <a:rPr lang="en-US" sz="2400" i="1">
+                            <a:latin typeface="Cambria Math" panose="02040503050406030204" pitchFamily="18" charset="0"/>
+                          </a:rPr>
+                          <m:t>𝐾</m:t>
+                        </m:r>
+                      </m:e>
+                    </m:acc>
+                  </m:oMath>
+                </a14:m>
+                <a:r>
+                  <a:rPr lang="en-US" sz="2400" dirty="0"/>
+                  <a:t>:</a:t>
+                </a:r>
+              </a:p>
+              <a:p>
+                <a:pPr marL="227013" indent="0">
+                  <a:spcBef>
+                    <a:spcPts val="600"/>
+                  </a:spcBef>
+                  <a:spcAft>
+                    <a:spcPts val="600"/>
+                  </a:spcAft>
+                  <a:buNone/>
+                </a:pPr>
+                <a:r>
+                  <a:rPr lang="en-US" sz="2400" dirty="0"/>
+                  <a:t>	 </a:t>
+                </a:r>
+                <a14:m>
+                  <m:oMath xmlns:m="http://schemas.openxmlformats.org/officeDocument/2006/math">
+                    <m:acc>
+                      <m:accPr>
+                        <m:chr m:val="̃"/>
+                        <m:ctrlPr>
+                          <a:rPr lang="en-US" sz="2400" i="1">
+                            <a:latin typeface="Cambria Math" panose="02040503050406030204" pitchFamily="18" charset="0"/>
+                          </a:rPr>
+                        </m:ctrlPr>
+                      </m:accPr>
+                      <m:e>
+                        <m:r>
+                          <a:rPr lang="en-US" sz="2400" i="1">
+                            <a:latin typeface="Cambria Math" panose="02040503050406030204" pitchFamily="18" charset="0"/>
+                          </a:rPr>
+                          <m:t>𝐾</m:t>
+                        </m:r>
+                      </m:e>
+                    </m:acc>
+                    <m:r>
+                      <a:rPr lang="en-US" sz="2400" b="0" i="1" smtClean="0">
+                        <a:latin typeface="Cambria Math" panose="02040503050406030204" pitchFamily="18" charset="0"/>
+                      </a:rPr>
+                      <m:t>=−</m:t>
+                    </m:r>
+                    <m:sSup>
+                      <m:sSupPr>
+                        <m:ctrlPr>
+                          <a:rPr lang="en-US" sz="2400" b="0" i="1" smtClean="0">
+                            <a:latin typeface="Cambria Math" panose="02040503050406030204" pitchFamily="18" charset="0"/>
+                          </a:rPr>
+                        </m:ctrlPr>
+                      </m:sSupPr>
+                      <m:e>
+                        <m:r>
+                          <a:rPr lang="en-US" sz="2400" b="0" i="1" smtClean="0">
+                            <a:latin typeface="Cambria Math" panose="02040503050406030204" pitchFamily="18" charset="0"/>
+                          </a:rPr>
+                          <m:t>(</m:t>
+                        </m:r>
+                        <m:r>
+                          <a:rPr lang="en-US" sz="2400" b="0" i="1" smtClean="0">
+                            <a:latin typeface="Cambria Math" panose="02040503050406030204" pitchFamily="18" charset="0"/>
+                          </a:rPr>
+                          <m:t>𝐶</m:t>
+                        </m:r>
+                        <m:sSup>
+                          <m:sSupPr>
+                            <m:ctrlPr>
+                              <a:rPr lang="en-US" sz="2400" b="0" i="1" smtClean="0">
+                                <a:latin typeface="Cambria Math" panose="02040503050406030204" pitchFamily="18" charset="0"/>
+                              </a:rPr>
+                            </m:ctrlPr>
+                          </m:sSupPr>
+                          <m:e>
+                            <m:r>
+                              <a:rPr lang="en-US" sz="2400" b="0" i="1" smtClean="0">
+                                <a:latin typeface="Cambria Math" panose="02040503050406030204" pitchFamily="18" charset="0"/>
+                              </a:rPr>
+                              <m:t>(</m:t>
+                            </m:r>
+                            <m:r>
+                              <a:rPr lang="en-US" sz="2400" b="0" i="1" smtClean="0">
+                                <a:latin typeface="Cambria Math" panose="02040503050406030204" pitchFamily="18" charset="0"/>
+                              </a:rPr>
+                              <m:t>𝐴</m:t>
+                            </m:r>
+                            <m:r>
+                              <a:rPr lang="en-US" sz="2400" b="0" i="1" smtClean="0">
+                                <a:latin typeface="Cambria Math" panose="02040503050406030204" pitchFamily="18" charset="0"/>
+                              </a:rPr>
+                              <m:t>−</m:t>
+                            </m:r>
+                            <m:r>
+                              <a:rPr lang="en-US" sz="2400" b="0" i="1" smtClean="0">
+                                <a:latin typeface="Cambria Math" panose="02040503050406030204" pitchFamily="18" charset="0"/>
+                              </a:rPr>
+                              <m:t>𝐵𝐾</m:t>
+                            </m:r>
+                            <m:r>
+                              <a:rPr lang="en-US" sz="2400" b="0" i="1" smtClean="0">
+                                <a:latin typeface="Cambria Math" panose="02040503050406030204" pitchFamily="18" charset="0"/>
+                              </a:rPr>
+                              <m:t>)</m:t>
+                            </m:r>
+                          </m:e>
+                          <m:sup>
+                            <m:r>
+                              <a:rPr lang="en-US" sz="2400" b="0" i="1" smtClean="0">
+                                <a:latin typeface="Cambria Math" panose="02040503050406030204" pitchFamily="18" charset="0"/>
+                              </a:rPr>
+                              <m:t>−1</m:t>
+                            </m:r>
+                          </m:sup>
+                        </m:sSup>
+                        <m:r>
+                          <a:rPr lang="en-US" sz="2400" b="0" i="1" smtClean="0">
+                            <a:latin typeface="Cambria Math" panose="02040503050406030204" pitchFamily="18" charset="0"/>
+                          </a:rPr>
+                          <m:t>𝐵</m:t>
+                        </m:r>
+                        <m:r>
+                          <a:rPr lang="en-US" sz="2400" b="0" i="1" smtClean="0">
+                            <a:latin typeface="Cambria Math" panose="02040503050406030204" pitchFamily="18" charset="0"/>
+                          </a:rPr>
+                          <m:t>)</m:t>
+                        </m:r>
+                      </m:e>
+                      <m:sup>
+                        <m:r>
+                          <a:rPr lang="en-US" sz="2400" b="0" i="1" smtClean="0">
+                            <a:latin typeface="Cambria Math" panose="02040503050406030204" pitchFamily="18" charset="0"/>
+                          </a:rPr>
+                          <m:t>−1</m:t>
+                        </m:r>
+                      </m:sup>
+                    </m:sSup>
+                  </m:oMath>
+                </a14:m>
+                <a:endParaRPr lang="en-US" sz="2400" dirty="0"/>
+              </a:p>
+              <a:p>
+                <a:pPr marL="1027113" lvl="2" indent="0">
+                  <a:spcBef>
+                    <a:spcPts val="600"/>
+                  </a:spcBef>
+                  <a:spcAft>
+                    <a:spcPts val="600"/>
+                  </a:spcAft>
+                  <a:buNone/>
+                </a:pPr>
+                <a:r>
+                  <a:rPr lang="en-US" sz="2400" dirty="0"/>
+                  <a:t>        </a:t>
+                </a:r>
+              </a:p>
+              <a:p>
+                <a:pPr marL="227013" indent="0">
+                  <a:spcBef>
+                    <a:spcPts val="600"/>
+                  </a:spcBef>
+                  <a:spcAft>
+                    <a:spcPts val="600"/>
+                  </a:spcAft>
+                  <a:buNone/>
+                </a:pPr>
+                <a:endParaRPr lang="en-US" sz="2600" kern="100" dirty="0">
+                  <a:ea typeface="Malgun Gothic" panose="020B0503020000020004" pitchFamily="34" charset="-127"/>
+                </a:endParaRPr>
+              </a:p>
+            </p:txBody>
+          </p:sp>
+        </mc:Choice>
+        <mc:Fallback>
+          <p:sp>
+            <p:nvSpPr>
+              <p:cNvPr id="7" name="Content Placeholder 2">
+                <a:extLst>
+                  <a:ext uri="{FF2B5EF4-FFF2-40B4-BE49-F238E27FC236}">
+                    <a16:creationId xmlns:a16="http://schemas.microsoft.com/office/drawing/2014/main" id="{016302F2-7001-043B-7BDD-C36BBBE73056}"/>
+                  </a:ext>
+                </a:extLst>
+              </p:cNvPr>
+              <p:cNvSpPr txBox="1">
+                <a:spLocks noRot="1" noChangeAspect="1" noMove="1" noResize="1" noEditPoints="1" noAdjustHandles="1" noChangeArrowheads="1" noChangeShapeType="1" noTextEdit="1"/>
+              </p:cNvSpPr>
+              <p:nvPr/>
+            </p:nvSpPr>
+            <p:spPr bwMode="auto">
+              <a:xfrm>
+                <a:off x="285709" y="1485442"/>
+                <a:ext cx="5008964" cy="4943954"/>
+              </a:xfrm>
+              <a:prstGeom prst="rect">
+                <a:avLst/>
+              </a:prstGeom>
+              <a:blipFill>
+                <a:blip r:embed="rId3"/>
+                <a:stretch>
+                  <a:fillRect t="-986"/>
+                </a:stretch>
+              </a:blipFill>
+              <a:ln w="9525">
+                <a:noFill/>
+                <a:miter lim="800000"/>
+                <a:headEnd/>
+                <a:tailEnd/>
+              </a:ln>
+            </p:spPr>
+            <p:txBody>
+              <a:bodyPr/>
+              <a:lstStyle/>
+              <a:p>
+                <a:r>
+                  <a:rPr lang="en-US">
+                    <a:noFill/>
+                  </a:rPr>
+                  <a:t> </a:t>
+                </a:r>
+              </a:p>
+            </p:txBody>
+          </p:sp>
+        </mc:Fallback>
+      </mc:AlternateContent>
+      <p:pic>
+        <p:nvPicPr>
+          <p:cNvPr id="8" name="Picture 7" descr="A graph of speed and speed&#10;&#10;AI-generated content may be incorrect.">
+            <a:extLst>
+              <a:ext uri="{FF2B5EF4-FFF2-40B4-BE49-F238E27FC236}">
+                <a16:creationId xmlns:a16="http://schemas.microsoft.com/office/drawing/2014/main" id="{2F9263A1-5ADB-821D-6DB9-B8CF375FAD75}"/>
+              </a:ext>
+            </a:extLst>
+          </p:cNvPr>
+          <p:cNvPicPr>
+            <a:picLocks noChangeAspect="1"/>
+          </p:cNvPicPr>
+          <p:nvPr/>
+        </p:nvPicPr>
+        <p:blipFill>
+          <a:blip r:embed="rId4">
+            <a:extLst>
+              <a:ext uri="{28A0092B-C50C-407E-A947-70E740481C1C}">
+                <a14:useLocalDpi xmlns:a14="http://schemas.microsoft.com/office/drawing/2010/main" val="0"/>
+              </a:ext>
+            </a:extLst>
+          </a:blip>
+          <a:srcRect l="4009" t="6117" r="7788"/>
+          <a:stretch>
+            <a:fillRect/>
+          </a:stretch>
+        </p:blipFill>
+        <p:spPr>
+          <a:xfrm>
+            <a:off x="5353664" y="1336748"/>
+            <a:ext cx="5924534" cy="4729530"/>
+          </a:xfrm>
+          <a:prstGeom prst="rect">
+            <a:avLst/>
+          </a:prstGeom>
+        </p:spPr>
+      </p:pic>
+    </p:spTree>
+    <p:extLst>
+      <p:ext uri="{BB962C8B-B14F-4D97-AF65-F5344CB8AC3E}">
+        <p14:creationId xmlns:p14="http://schemas.microsoft.com/office/powerpoint/2010/main" val="2289261209"/>
+      </p:ext>
+    </p:extLst>
+  </p:cSld>
+  <p:clrMapOvr>
+    <a:masterClrMapping/>
+  </p:clrMapOvr>
+</p:sld>
+</file>
+
+<file path=ppt/slides/slide19.xml><?xml version="1.0" encoding="utf-8"?>
 <p:sld xmlns:a="http://schemas.openxmlformats.org/drawingml/2006/main" xmlns:r="http://schemas.openxmlformats.org/officeDocument/2006/relationships" xmlns:p="http://schemas.openxmlformats.org/presentationml/2006/main">
   <p:cSld>
     <p:spTree>
@@ -20113,7 +27244,167 @@
 </p:sld>
 </file>
 
-<file path=ppt/slides/slide17.xml><?xml version="1.0" encoding="utf-8"?>
+<file path=ppt/slides/slide2.xml><?xml version="1.0" encoding="utf-8"?>
+<p:sld xmlns:a="http://schemas.openxmlformats.org/drawingml/2006/main" xmlns:r="http://schemas.openxmlformats.org/officeDocument/2006/relationships" xmlns:p="http://schemas.openxmlformats.org/presentationml/2006/main">
+  <p:cSld>
+    <p:spTree>
+      <p:nvGrpSpPr>
+        <p:cNvPr id="1" name=""/>
+        <p:cNvGrpSpPr/>
+        <p:nvPr/>
+      </p:nvGrpSpPr>
+      <p:grpSpPr>
+        <a:xfrm>
+          <a:off x="0" y="0"/>
+          <a:ext cx="0" cy="0"/>
+          <a:chOff x="0" y="0"/>
+          <a:chExt cx="0" cy="0"/>
+        </a:xfrm>
+      </p:grpSpPr>
+      <p:sp>
+        <p:nvSpPr>
+          <p:cNvPr id="2" name="Title 1">
+            <a:extLst>
+              <a:ext uri="{FF2B5EF4-FFF2-40B4-BE49-F238E27FC236}">
+                <a16:creationId xmlns:a16="http://schemas.microsoft.com/office/drawing/2014/main" id="{A2D84908-7327-4168-812C-54C042BFF98E}"/>
+              </a:ext>
+            </a:extLst>
+          </p:cNvPr>
+          <p:cNvSpPr>
+            <a:spLocks noGrp="1"/>
+          </p:cNvSpPr>
+          <p:nvPr>
+            <p:ph type="title"/>
+          </p:nvPr>
+        </p:nvSpPr>
+        <p:spPr/>
+        <p:txBody>
+          <a:bodyPr/>
+          <a:lstStyle/>
+          <a:p>
+            <a:r>
+              <a:rPr lang="en-US" sz="3000" dirty="0">
+                <a:latin typeface="Calibri" panose="020F0502020204030204" pitchFamily="34" charset="0"/>
+                <a:ea typeface="Calibri" panose="020F0502020204030204" pitchFamily="34" charset="0"/>
+                <a:cs typeface="Calibri" panose="020F0502020204030204" pitchFamily="34" charset="0"/>
+              </a:rPr>
+              <a:t>Outline</a:t>
+            </a:r>
+          </a:p>
+        </p:txBody>
+      </p:sp>
+      <p:sp>
+        <p:nvSpPr>
+          <p:cNvPr id="6" name="Content Placeholder 5">
+            <a:extLst>
+              <a:ext uri="{FF2B5EF4-FFF2-40B4-BE49-F238E27FC236}">
+                <a16:creationId xmlns:a16="http://schemas.microsoft.com/office/drawing/2014/main" id="{4163069B-B696-44D1-AB74-C302F6CCD13B}"/>
+              </a:ext>
+            </a:extLst>
+          </p:cNvPr>
+          <p:cNvSpPr>
+            <a:spLocks noGrp="1"/>
+          </p:cNvSpPr>
+          <p:nvPr>
+            <p:ph idx="1"/>
+          </p:nvPr>
+        </p:nvSpPr>
+        <p:spPr/>
+        <p:txBody>
+          <a:bodyPr/>
+          <a:lstStyle/>
+          <a:p>
+            <a:pPr>
+              <a:lnSpc>
+                <a:spcPct val="150000"/>
+              </a:lnSpc>
+              <a:spcBef>
+                <a:spcPts val="600"/>
+              </a:spcBef>
+              <a:spcAft>
+                <a:spcPts val="600"/>
+              </a:spcAft>
+              <a:buFont typeface="Wingdings" panose="05000000000000000000" pitchFamily="2" charset="2"/>
+              <a:buChar char="v"/>
+            </a:pPr>
+            <a:r>
+              <a:rPr lang="en-US" sz="2600" dirty="0"/>
+              <a:t>Introduction</a:t>
+            </a:r>
+          </a:p>
+          <a:p>
+            <a:pPr>
+              <a:lnSpc>
+                <a:spcPct val="150000"/>
+              </a:lnSpc>
+              <a:spcBef>
+                <a:spcPts val="600"/>
+              </a:spcBef>
+              <a:spcAft>
+                <a:spcPts val="600"/>
+              </a:spcAft>
+              <a:buFont typeface="Wingdings" panose="05000000000000000000" pitchFamily="2" charset="2"/>
+              <a:buChar char="v"/>
+            </a:pPr>
+            <a:r>
+              <a:rPr lang="en-US" sz="2600" dirty="0"/>
+              <a:t>Linear Quadratic Regulator</a:t>
+            </a:r>
+          </a:p>
+          <a:p>
+            <a:pPr>
+              <a:lnSpc>
+                <a:spcPct val="150000"/>
+              </a:lnSpc>
+              <a:spcBef>
+                <a:spcPts val="600"/>
+              </a:spcBef>
+              <a:spcAft>
+                <a:spcPts val="600"/>
+              </a:spcAft>
+              <a:buFont typeface="Wingdings" panose="05000000000000000000" pitchFamily="2" charset="2"/>
+              <a:buChar char="v"/>
+            </a:pPr>
+            <a:r>
+              <a:rPr lang="en-US" sz="2600" dirty="0"/>
+              <a:t>DC motor model</a:t>
+            </a:r>
+          </a:p>
+          <a:p>
+            <a:pPr>
+              <a:lnSpc>
+                <a:spcPct val="150000"/>
+              </a:lnSpc>
+              <a:spcBef>
+                <a:spcPts val="600"/>
+              </a:spcBef>
+              <a:spcAft>
+                <a:spcPts val="600"/>
+              </a:spcAft>
+              <a:buFont typeface="Wingdings" panose="05000000000000000000" pitchFamily="2" charset="2"/>
+              <a:buChar char="v"/>
+            </a:pPr>
+            <a:r>
+              <a:rPr lang="en-US" sz="2600" dirty="0"/>
+              <a:t>Simulation</a:t>
+            </a:r>
+          </a:p>
+        </p:txBody>
+      </p:sp>
+    </p:spTree>
+    <p:extLst>
+      <p:ext uri="{BB962C8B-B14F-4D97-AF65-F5344CB8AC3E}">
+        <p14:creationId xmlns:p14="http://schemas.microsoft.com/office/powerpoint/2010/main" val="4214556755"/>
+      </p:ext>
+    </p:extLst>
+  </p:cSld>
+  <p:clrMapOvr>
+    <a:masterClrMapping/>
+  </p:clrMapOvr>
+</p:sld>
+</file>
+
+<file path=ppt/slides/slide20.xml><?xml version="1.0" encoding="utf-8"?>
 <p:sld xmlns:a="http://schemas.openxmlformats.org/drawingml/2006/main" xmlns:r="http://schemas.openxmlformats.org/officeDocument/2006/relationships" xmlns:p="http://schemas.openxmlformats.org/presentationml/2006/main">
   <p:cSld>
     <p:spTree>
@@ -20707,166 +27998,6 @@
     <p:extLst>
       <p:ext uri="{BB962C8B-B14F-4D97-AF65-F5344CB8AC3E}">
         <p14:creationId xmlns:p14="http://schemas.microsoft.com/office/powerpoint/2010/main" val="2548239251"/>
-      </p:ext>
-    </p:extLst>
-  </p:cSld>
-  <p:clrMapOvr>
-    <a:masterClrMapping/>
-  </p:clrMapOvr>
-</p:sld>
-</file>
-
-<file path=ppt/slides/slide2.xml><?xml version="1.0" encoding="utf-8"?>
-<p:sld xmlns:a="http://schemas.openxmlformats.org/drawingml/2006/main" xmlns:r="http://schemas.openxmlformats.org/officeDocument/2006/relationships" xmlns:p="http://schemas.openxmlformats.org/presentationml/2006/main">
-  <p:cSld>
-    <p:spTree>
-      <p:nvGrpSpPr>
-        <p:cNvPr id="1" name=""/>
-        <p:cNvGrpSpPr/>
-        <p:nvPr/>
-      </p:nvGrpSpPr>
-      <p:grpSpPr>
-        <a:xfrm>
-          <a:off x="0" y="0"/>
-          <a:ext cx="0" cy="0"/>
-          <a:chOff x="0" y="0"/>
-          <a:chExt cx="0" cy="0"/>
-        </a:xfrm>
-      </p:grpSpPr>
-      <p:sp>
-        <p:nvSpPr>
-          <p:cNvPr id="2" name="Title 1">
-            <a:extLst>
-              <a:ext uri="{FF2B5EF4-FFF2-40B4-BE49-F238E27FC236}">
-                <a16:creationId xmlns:a16="http://schemas.microsoft.com/office/drawing/2014/main" id="{A2D84908-7327-4168-812C-54C042BFF98E}"/>
-              </a:ext>
-            </a:extLst>
-          </p:cNvPr>
-          <p:cNvSpPr>
-            <a:spLocks noGrp="1"/>
-          </p:cNvSpPr>
-          <p:nvPr>
-            <p:ph type="title"/>
-          </p:nvPr>
-        </p:nvSpPr>
-        <p:spPr/>
-        <p:txBody>
-          <a:bodyPr/>
-          <a:lstStyle/>
-          <a:p>
-            <a:r>
-              <a:rPr lang="en-US" sz="3000" dirty="0">
-                <a:latin typeface="Calibri" panose="020F0502020204030204" pitchFamily="34" charset="0"/>
-                <a:ea typeface="Calibri" panose="020F0502020204030204" pitchFamily="34" charset="0"/>
-                <a:cs typeface="Calibri" panose="020F0502020204030204" pitchFamily="34" charset="0"/>
-              </a:rPr>
-              <a:t>Outline</a:t>
-            </a:r>
-          </a:p>
-        </p:txBody>
-      </p:sp>
-      <p:sp>
-        <p:nvSpPr>
-          <p:cNvPr id="6" name="Content Placeholder 5">
-            <a:extLst>
-              <a:ext uri="{FF2B5EF4-FFF2-40B4-BE49-F238E27FC236}">
-                <a16:creationId xmlns:a16="http://schemas.microsoft.com/office/drawing/2014/main" id="{4163069B-B696-44D1-AB74-C302F6CCD13B}"/>
-              </a:ext>
-            </a:extLst>
-          </p:cNvPr>
-          <p:cNvSpPr>
-            <a:spLocks noGrp="1"/>
-          </p:cNvSpPr>
-          <p:nvPr>
-            <p:ph idx="1"/>
-          </p:nvPr>
-        </p:nvSpPr>
-        <p:spPr/>
-        <p:txBody>
-          <a:bodyPr/>
-          <a:lstStyle/>
-          <a:p>
-            <a:pPr>
-              <a:lnSpc>
-                <a:spcPct val="150000"/>
-              </a:lnSpc>
-              <a:spcBef>
-                <a:spcPts val="600"/>
-              </a:spcBef>
-              <a:spcAft>
-                <a:spcPts val="600"/>
-              </a:spcAft>
-              <a:buFont typeface="Wingdings" panose="05000000000000000000" pitchFamily="2" charset="2"/>
-              <a:buChar char="v"/>
-            </a:pPr>
-            <a:r>
-              <a:rPr lang="en-US" sz="2600" dirty="0"/>
-              <a:t>Introduction</a:t>
-            </a:r>
-          </a:p>
-          <a:p>
-            <a:pPr>
-              <a:lnSpc>
-                <a:spcPct val="150000"/>
-              </a:lnSpc>
-              <a:spcBef>
-                <a:spcPts val="600"/>
-              </a:spcBef>
-              <a:spcAft>
-                <a:spcPts val="600"/>
-              </a:spcAft>
-              <a:buFont typeface="Wingdings" panose="05000000000000000000" pitchFamily="2" charset="2"/>
-              <a:buChar char="v"/>
-            </a:pPr>
-            <a:r>
-              <a:rPr lang="en-US" sz="2600" dirty="0"/>
-              <a:t>Linear Quadratic Regulator</a:t>
-            </a:r>
-          </a:p>
-          <a:p>
-            <a:pPr>
-              <a:lnSpc>
-                <a:spcPct val="150000"/>
-              </a:lnSpc>
-              <a:spcBef>
-                <a:spcPts val="600"/>
-              </a:spcBef>
-              <a:spcAft>
-                <a:spcPts val="600"/>
-              </a:spcAft>
-              <a:buFont typeface="Wingdings" panose="05000000000000000000" pitchFamily="2" charset="2"/>
-              <a:buChar char="v"/>
-            </a:pPr>
-            <a:r>
-              <a:rPr lang="en-US" sz="2600" dirty="0"/>
-              <a:t>DC motor model</a:t>
-            </a:r>
-          </a:p>
-          <a:p>
-            <a:pPr>
-              <a:lnSpc>
-                <a:spcPct val="150000"/>
-              </a:lnSpc>
-              <a:spcBef>
-                <a:spcPts val="600"/>
-              </a:spcBef>
-              <a:spcAft>
-                <a:spcPts val="600"/>
-              </a:spcAft>
-              <a:buFont typeface="Wingdings" panose="05000000000000000000" pitchFamily="2" charset="2"/>
-              <a:buChar char="v"/>
-            </a:pPr>
-            <a:r>
-              <a:rPr lang="en-US" sz="2600" dirty="0"/>
-              <a:t>Simulation</a:t>
-            </a:r>
-          </a:p>
-        </p:txBody>
-      </p:sp>
-    </p:spTree>
-    <p:extLst>
-      <p:ext uri="{BB962C8B-B14F-4D97-AF65-F5344CB8AC3E}">
-        <p14:creationId xmlns:p14="http://schemas.microsoft.com/office/powerpoint/2010/main" val="4214556755"/>
       </p:ext>
     </p:extLst>
   </p:cSld>
